--- a/chalice2sil/doc/presentation/chalice2sil-presentation.pptx
+++ b/chalice2sil/doc/presentation/chalice2sil-presentation.pptx
@@ -6,7 +6,7 @@
     <p:sldMasterId id="2147483660" r:id="rId2"/>
   </p:sldMasterIdLst>
   <p:notesMasterIdLst>
-    <p:notesMasterId r:id="rId15"/>
+    <p:notesMasterId r:id="rId27"/>
   </p:notesMasterIdLst>
   <p:sldIdLst>
     <p:sldId id="256" r:id="rId3"/>
@@ -15,12 +15,24 @@
     <p:sldId id="266" r:id="rId6"/>
     <p:sldId id="267" r:id="rId7"/>
     <p:sldId id="268" r:id="rId8"/>
-    <p:sldId id="262" r:id="rId9"/>
-    <p:sldId id="263" r:id="rId10"/>
-    <p:sldId id="265" r:id="rId11"/>
-    <p:sldId id="264" r:id="rId12"/>
-    <p:sldId id="261" r:id="rId13"/>
-    <p:sldId id="260" r:id="rId14"/>
+    <p:sldId id="269" r:id="rId9"/>
+    <p:sldId id="270" r:id="rId10"/>
+    <p:sldId id="271" r:id="rId11"/>
+    <p:sldId id="274" r:id="rId12"/>
+    <p:sldId id="275" r:id="rId13"/>
+    <p:sldId id="276" r:id="rId14"/>
+    <p:sldId id="277" r:id="rId15"/>
+    <p:sldId id="278" r:id="rId16"/>
+    <p:sldId id="279" r:id="rId17"/>
+    <p:sldId id="281" r:id="rId18"/>
+    <p:sldId id="280" r:id="rId19"/>
+    <p:sldId id="273" r:id="rId20"/>
+    <p:sldId id="272" r:id="rId21"/>
+    <p:sldId id="262" r:id="rId22"/>
+    <p:sldId id="263" r:id="rId23"/>
+    <p:sldId id="265" r:id="rId24"/>
+    <p:sldId id="264" r:id="rId25"/>
+    <p:sldId id="261" r:id="rId26"/>
   </p:sldIdLst>
   <p:sldSz cx="9144000" cy="6858000" type="screen4x3"/>
   <p:notesSz cx="6858000" cy="9144000"/>
@@ -134,16 +146,28 @@
             <p14:sldId id="266"/>
             <p14:sldId id="267"/>
             <p14:sldId id="268"/>
+            <p14:sldId id="269"/>
+            <p14:sldId id="270"/>
+            <p14:sldId id="271"/>
+            <p14:sldId id="274"/>
+            <p14:sldId id="275"/>
+            <p14:sldId id="276"/>
+            <p14:sldId id="277"/>
+            <p14:sldId id="278"/>
+            <p14:sldId id="279"/>
+            <p14:sldId id="281"/>
+            <p14:sldId id="280"/>
           </p14:sldIdLst>
         </p14:section>
         <p14:section name="Chalice/Chalice2SIL" id="{1A47089A-6DBB-4935-BD07-37538F829B45}">
           <p14:sldIdLst>
+            <p14:sldId id="273"/>
+            <p14:sldId id="272"/>
             <p14:sldId id="262"/>
             <p14:sldId id="263"/>
             <p14:sldId id="265"/>
             <p14:sldId id="264"/>
             <p14:sldId id="261"/>
-            <p14:sldId id="260"/>
           </p14:sldIdLst>
         </p14:section>
       </p14:sectionLst>
@@ -722,11 +746,7 @@
           <a:bodyPr/>
           <a:lstStyle/>
           <a:p>
-            <a:r>
-              <a:rPr lang="de-CH" smtClean="0"/>
-              <a:t>Multiple return values</a:t>
-            </a:r>
-            <a:endParaRPr lang="de-CH"/>
+            <a:endParaRPr lang="de-CH" dirty="0"/>
           </a:p>
         </p:txBody>
       </p:sp>
@@ -748,6 +768,186 @@
             <a:fld id="{16B1BCD3-814F-4AEE-A9E6-455F5C1EE547}" type="slidenum">
               <a:rPr lang="en-GB" smtClean="0"/>
               <a:t>6</a:t>
+            </a:fld>
+            <a:endParaRPr lang="en-GB"/>
+          </a:p>
+        </p:txBody>
+      </p:sp>
+    </p:spTree>
+    <p:extLst>
+      <p:ext uri="{BB962C8B-B14F-4D97-AF65-F5344CB8AC3E}">
+        <p14:creationId xmlns:p14="http://schemas.microsoft.com/office/powerpoint/2010/main" val="763516560"/>
+      </p:ext>
+    </p:extLst>
+  </p:cSld>
+  <p:clrMapOvr>
+    <a:masterClrMapping/>
+  </p:clrMapOvr>
+</p:notes>
+</file>
+
+<file path=ppt/notesSlides/notesSlide4.xml><?xml version="1.0" encoding="utf-8"?>
+<p:notes xmlns:a="http://schemas.openxmlformats.org/drawingml/2006/main" xmlns:r="http://schemas.openxmlformats.org/officeDocument/2006/relationships" xmlns:p="http://schemas.openxmlformats.org/presentationml/2006/main">
+  <p:cSld>
+    <p:spTree>
+      <p:nvGrpSpPr>
+        <p:cNvPr id="1" name=""/>
+        <p:cNvGrpSpPr/>
+        <p:nvPr/>
+      </p:nvGrpSpPr>
+      <p:grpSpPr>
+        <a:xfrm>
+          <a:off x="0" y="0"/>
+          <a:ext cx="0" cy="0"/>
+          <a:chOff x="0" y="0"/>
+          <a:chExt cx="0" cy="0"/>
+        </a:xfrm>
+      </p:grpSpPr>
+      <p:sp>
+        <p:nvSpPr>
+          <p:cNvPr id="2" name="Slide Image Placeholder 1"/>
+          <p:cNvSpPr>
+            <a:spLocks noGrp="1" noRot="1" noChangeAspect="1"/>
+          </p:cNvSpPr>
+          <p:nvPr>
+            <p:ph type="sldImg"/>
+          </p:nvPr>
+        </p:nvSpPr>
+        <p:spPr/>
+      </p:sp>
+      <p:sp>
+        <p:nvSpPr>
+          <p:cNvPr id="3" name="Notes Placeholder 2"/>
+          <p:cNvSpPr>
+            <a:spLocks noGrp="1"/>
+          </p:cNvSpPr>
+          <p:nvPr>
+            <p:ph type="body" idx="1"/>
+          </p:nvPr>
+        </p:nvSpPr>
+        <p:spPr/>
+        <p:txBody>
+          <a:bodyPr/>
+          <a:lstStyle/>
+          <a:p>
+            <a:r>
+              <a:rPr lang="de-CH" dirty="0" smtClean="0"/>
+              <a:t>Custom data types, predicates</a:t>
+            </a:r>
+            <a:endParaRPr lang="de-CH" dirty="0"/>
+          </a:p>
+        </p:txBody>
+      </p:sp>
+      <p:sp>
+        <p:nvSpPr>
+          <p:cNvPr id="4" name="Slide Number Placeholder 3"/>
+          <p:cNvSpPr>
+            <a:spLocks noGrp="1"/>
+          </p:cNvSpPr>
+          <p:nvPr>
+            <p:ph type="sldNum" sz="quarter" idx="10"/>
+          </p:nvPr>
+        </p:nvSpPr>
+        <p:spPr/>
+        <p:txBody>
+          <a:bodyPr/>
+          <a:lstStyle/>
+          <a:p>
+            <a:fld id="{16B1BCD3-814F-4AEE-A9E6-455F5C1EE547}" type="slidenum">
+              <a:rPr lang="en-GB" smtClean="0"/>
+              <a:t>7</a:t>
+            </a:fld>
+            <a:endParaRPr lang="en-GB"/>
+          </a:p>
+        </p:txBody>
+      </p:sp>
+    </p:spTree>
+    <p:extLst>
+      <p:ext uri="{BB962C8B-B14F-4D97-AF65-F5344CB8AC3E}">
+        <p14:creationId xmlns:p14="http://schemas.microsoft.com/office/powerpoint/2010/main" val="763516560"/>
+      </p:ext>
+    </p:extLst>
+  </p:cSld>
+  <p:clrMapOvr>
+    <a:masterClrMapping/>
+  </p:clrMapOvr>
+</p:notes>
+</file>
+
+<file path=ppt/notesSlides/notesSlide5.xml><?xml version="1.0" encoding="utf-8"?>
+<p:notes xmlns:a="http://schemas.openxmlformats.org/drawingml/2006/main" xmlns:r="http://schemas.openxmlformats.org/officeDocument/2006/relationships" xmlns:p="http://schemas.openxmlformats.org/presentationml/2006/main">
+  <p:cSld>
+    <p:spTree>
+      <p:nvGrpSpPr>
+        <p:cNvPr id="1" name=""/>
+        <p:cNvGrpSpPr/>
+        <p:nvPr/>
+      </p:nvGrpSpPr>
+      <p:grpSpPr>
+        <a:xfrm>
+          <a:off x="0" y="0"/>
+          <a:ext cx="0" cy="0"/>
+          <a:chOff x="0" y="0"/>
+          <a:chExt cx="0" cy="0"/>
+        </a:xfrm>
+      </p:grpSpPr>
+      <p:sp>
+        <p:nvSpPr>
+          <p:cNvPr id="2" name="Slide Image Placeholder 1"/>
+          <p:cNvSpPr>
+            <a:spLocks noGrp="1" noRot="1" noChangeAspect="1"/>
+          </p:cNvSpPr>
+          <p:nvPr>
+            <p:ph type="sldImg"/>
+          </p:nvPr>
+        </p:nvSpPr>
+        <p:spPr/>
+      </p:sp>
+      <p:sp>
+        <p:nvSpPr>
+          <p:cNvPr id="3" name="Notes Placeholder 2"/>
+          <p:cNvSpPr>
+            <a:spLocks noGrp="1"/>
+          </p:cNvSpPr>
+          <p:nvPr>
+            <p:ph type="body" idx="1"/>
+          </p:nvPr>
+        </p:nvSpPr>
+        <p:spPr/>
+        <p:txBody>
+          <a:bodyPr/>
+          <a:lstStyle/>
+          <a:p>
+            <a:r>
+              <a:rPr lang="de-CH" dirty="0" smtClean="0"/>
+              <a:t>Custom </a:t>
+            </a:r>
+            <a:r>
+              <a:rPr lang="de-CH" smtClean="0"/>
+              <a:t>data types, predicates</a:t>
+            </a:r>
+            <a:endParaRPr lang="de-CH" dirty="0"/>
+          </a:p>
+        </p:txBody>
+      </p:sp>
+      <p:sp>
+        <p:nvSpPr>
+          <p:cNvPr id="4" name="Slide Number Placeholder 3"/>
+          <p:cNvSpPr>
+            <a:spLocks noGrp="1"/>
+          </p:cNvSpPr>
+          <p:nvPr>
+            <p:ph type="sldNum" sz="quarter" idx="10"/>
+          </p:nvPr>
+        </p:nvSpPr>
+        <p:spPr/>
+        <p:txBody>
+          <a:bodyPr/>
+          <a:lstStyle/>
+          <a:p>
+            <a:fld id="{16B1BCD3-814F-4AEE-A9E6-455F5C1EE547}" type="slidenum">
+              <a:rPr lang="en-GB" smtClean="0"/>
+              <a:t>8</a:t>
             </a:fld>
             <a:endParaRPr lang="en-GB"/>
           </a:p>
@@ -7315,10 +7515,10 @@
           <a:lstStyle/>
           <a:p>
             <a:r>
-              <a:rPr lang="de-CH" dirty="0" err="1" smtClean="0"/>
-              <a:t>Chalice</a:t>
-            </a:r>
-            <a:endParaRPr lang="en-GB" dirty="0"/>
+              <a:rPr lang="de-CH" dirty="0" smtClean="0"/>
+              <a:t>Permission Transfer</a:t>
+            </a:r>
+            <a:endParaRPr lang="de-CH" dirty="0"/>
           </a:p>
         </p:txBody>
       </p:sp>
@@ -7329,535 +7529,21 @@
             <a:spLocks noGrp="1"/>
           </p:cNvSpPr>
           <p:nvPr>
-            <p:ph sz="half" idx="1"/>
+            <p:ph idx="1"/>
           </p:nvPr>
         </p:nvSpPr>
         <p:spPr/>
         <p:txBody>
-          <a:bodyPr>
-            <a:normAutofit/>
-          </a:bodyPr>
-          <a:lstStyle/>
-          <a:p>
-            <a:r>
-              <a:rPr lang="de-CH" dirty="0" err="1" smtClean="0"/>
-              <a:t>Annotated</a:t>
-            </a:r>
-            <a:r>
-              <a:rPr lang="de-CH" dirty="0" smtClean="0"/>
-              <a:t> </a:t>
-            </a:r>
-            <a:r>
-              <a:rPr lang="de-CH" dirty="0" err="1" smtClean="0"/>
-              <a:t>Methods</a:t>
-            </a:r>
-            <a:endParaRPr lang="de-CH" dirty="0" smtClean="0"/>
-          </a:p>
-          <a:p>
-            <a:r>
-              <a:rPr lang="de-CH" dirty="0" smtClean="0"/>
-              <a:t>Monitors</a:t>
-            </a:r>
-          </a:p>
-          <a:p>
-            <a:r>
-              <a:rPr lang="de-CH" dirty="0" err="1" smtClean="0"/>
-              <a:t>Predicates</a:t>
-            </a:r>
-            <a:r>
-              <a:rPr lang="de-CH" dirty="0" smtClean="0"/>
-              <a:t>/</a:t>
-            </a:r>
-            <a:r>
-              <a:rPr lang="de-CH" dirty="0" err="1" smtClean="0"/>
-              <a:t>Functions</a:t>
-            </a:r>
-            <a:endParaRPr lang="de-CH" dirty="0" smtClean="0"/>
-          </a:p>
-          <a:p>
-            <a:r>
-              <a:rPr lang="de-CH" dirty="0" err="1" smtClean="0"/>
-              <a:t>Fork-Join</a:t>
-            </a:r>
-            <a:endParaRPr lang="en-GB" dirty="0"/>
-          </a:p>
-        </p:txBody>
-      </p:sp>
-      <p:sp>
-        <p:nvSpPr>
-          <p:cNvPr id="4" name="Content Placeholder 3"/>
-          <p:cNvSpPr>
-            <a:spLocks noGrp="1"/>
-          </p:cNvSpPr>
-          <p:nvPr>
-            <p:ph sz="half" idx="2"/>
-          </p:nvPr>
-        </p:nvSpPr>
-        <p:spPr>
-          <a:xfrm>
-            <a:off x="4648200" y="1600200"/>
-            <a:ext cx="4100264" cy="4853136"/>
-          </a:xfrm>
-        </p:spPr>
-        <p:txBody>
-          <a:bodyPr>
-            <a:normAutofit/>
-          </a:bodyPr>
-          <a:lstStyle/>
-          <a:p>
-            <a:pPr marL="0" indent="0">
-              <a:buNone/>
-              <a:tabLst>
-                <a:tab pos="177800" algn="l"/>
-                <a:tab pos="355600" algn="l"/>
-              </a:tabLst>
-            </a:pPr>
-            <a:r>
-              <a:rPr lang="en-GB" sz="1800" spc="-150" dirty="0">
-                <a:latin typeface="Consolas" pitchFamily="49" charset="0"/>
-                <a:cs typeface="Consolas" pitchFamily="49" charset="0"/>
-              </a:rPr>
-              <a:t>class Cell </a:t>
-            </a:r>
-            <a:r>
-              <a:rPr lang="en-GB" sz="1800" spc="-150" dirty="0" smtClean="0">
-                <a:latin typeface="Consolas" pitchFamily="49" charset="0"/>
-                <a:cs typeface="Consolas" pitchFamily="49" charset="0"/>
-              </a:rPr>
-              <a:t>{ </a:t>
-            </a:r>
-            <a:r>
-              <a:rPr lang="de-CH" sz="1800" spc="-150" dirty="0" smtClean="0">
-                <a:latin typeface="Consolas" pitchFamily="49" charset="0"/>
-                <a:cs typeface="Consolas" pitchFamily="49" charset="0"/>
-              </a:rPr>
-              <a:t>… }</a:t>
-            </a:r>
-          </a:p>
-          <a:p>
-            <a:pPr marL="0" indent="0">
-              <a:buNone/>
-              <a:tabLst>
-                <a:tab pos="177800" algn="l"/>
-                <a:tab pos="355600" algn="l"/>
-              </a:tabLst>
-            </a:pPr>
-            <a:r>
-              <a:rPr lang="de-CH" sz="1800" spc="-150" dirty="0" err="1" smtClean="0">
-                <a:latin typeface="Consolas" pitchFamily="49" charset="0"/>
-                <a:cs typeface="Consolas" pitchFamily="49" charset="0"/>
-              </a:rPr>
-              <a:t>class</a:t>
-            </a:r>
-            <a:r>
-              <a:rPr lang="de-CH" sz="1800" spc="-150" dirty="0" smtClean="0">
-                <a:latin typeface="Consolas" pitchFamily="49" charset="0"/>
-                <a:cs typeface="Consolas" pitchFamily="49" charset="0"/>
-              </a:rPr>
-              <a:t> </a:t>
-            </a:r>
-            <a:r>
-              <a:rPr lang="de-CH" sz="1800" spc="-150" dirty="0" err="1" smtClean="0">
-                <a:latin typeface="Consolas" pitchFamily="49" charset="0"/>
-                <a:cs typeface="Consolas" pitchFamily="49" charset="0"/>
-              </a:rPr>
-              <a:t>Program</a:t>
-            </a:r>
-            <a:r>
-              <a:rPr lang="de-CH" sz="1800" spc="-150" dirty="0" smtClean="0">
-                <a:latin typeface="Consolas" pitchFamily="49" charset="0"/>
-                <a:cs typeface="Consolas" pitchFamily="49" charset="0"/>
-              </a:rPr>
-              <a:t> {</a:t>
-            </a:r>
-          </a:p>
-          <a:p>
-            <a:pPr marL="0" indent="0">
-              <a:buNone/>
-              <a:tabLst>
-                <a:tab pos="177800" algn="l"/>
-                <a:tab pos="355600" algn="l"/>
-              </a:tabLst>
-            </a:pPr>
-            <a:r>
-              <a:rPr lang="de-CH" sz="1800" spc="-150" dirty="0" smtClean="0">
-                <a:latin typeface="Consolas" pitchFamily="49" charset="0"/>
-                <a:cs typeface="Consolas" pitchFamily="49" charset="0"/>
-              </a:rPr>
-              <a:t>	</a:t>
-            </a:r>
-            <a:r>
-              <a:rPr lang="de-CH" sz="1800" spc="-150" dirty="0" err="1" smtClean="0">
-                <a:latin typeface="Consolas" pitchFamily="49" charset="0"/>
-                <a:cs typeface="Consolas" pitchFamily="49" charset="0"/>
-              </a:rPr>
-              <a:t>method</a:t>
-            </a:r>
-            <a:r>
-              <a:rPr lang="de-CH" sz="1800" spc="-150" dirty="0" smtClean="0">
-                <a:latin typeface="Consolas" pitchFamily="49" charset="0"/>
-                <a:cs typeface="Consolas" pitchFamily="49" charset="0"/>
-              </a:rPr>
-              <a:t> </a:t>
-            </a:r>
-            <a:r>
-              <a:rPr lang="de-CH" sz="1800" spc="-150" dirty="0" err="1" smtClean="0">
-                <a:latin typeface="Consolas" pitchFamily="49" charset="0"/>
-                <a:cs typeface="Consolas" pitchFamily="49" charset="0"/>
-              </a:rPr>
-              <a:t>main</a:t>
-            </a:r>
-            <a:r>
-              <a:rPr lang="de-CH" sz="1800" spc="-150" dirty="0" smtClean="0">
-                <a:latin typeface="Consolas" pitchFamily="49" charset="0"/>
-                <a:cs typeface="Consolas" pitchFamily="49" charset="0"/>
-              </a:rPr>
-              <a:t>()  {</a:t>
-            </a:r>
-          </a:p>
-          <a:p>
-            <a:pPr marL="0" indent="0">
-              <a:buNone/>
-              <a:tabLst>
-                <a:tab pos="177800" algn="l"/>
-                <a:tab pos="355600" algn="l"/>
-              </a:tabLst>
-            </a:pPr>
-            <a:r>
-              <a:rPr lang="de-CH" sz="1800" spc="-150" dirty="0" smtClean="0">
-                <a:latin typeface="Consolas" pitchFamily="49" charset="0"/>
-                <a:cs typeface="Consolas" pitchFamily="49" charset="0"/>
-              </a:rPr>
-              <a:t>		</a:t>
-            </a:r>
-            <a:r>
-              <a:rPr lang="de-CH" sz="1800" spc="-150" dirty="0" err="1" smtClean="0">
-                <a:latin typeface="Consolas" pitchFamily="49" charset="0"/>
-                <a:cs typeface="Consolas" pitchFamily="49" charset="0"/>
-              </a:rPr>
-              <a:t>var</a:t>
-            </a:r>
-            <a:r>
-              <a:rPr lang="de-CH" sz="1800" spc="-150" dirty="0" smtClean="0">
-                <a:latin typeface="Consolas" pitchFamily="49" charset="0"/>
-                <a:cs typeface="Consolas" pitchFamily="49" charset="0"/>
-              </a:rPr>
-              <a:t> c1:Cell := </a:t>
-            </a:r>
-            <a:r>
-              <a:rPr lang="de-CH" sz="1800" spc="-150" dirty="0" err="1" smtClean="0">
-                <a:latin typeface="Consolas" pitchFamily="49" charset="0"/>
-                <a:cs typeface="Consolas" pitchFamily="49" charset="0"/>
-              </a:rPr>
-              <a:t>new</a:t>
-            </a:r>
-            <a:r>
-              <a:rPr lang="de-CH" sz="1800" spc="-150" dirty="0" smtClean="0">
-                <a:latin typeface="Consolas" pitchFamily="49" charset="0"/>
-                <a:cs typeface="Consolas" pitchFamily="49" charset="0"/>
-              </a:rPr>
-              <a:t> </a:t>
-            </a:r>
-            <a:r>
-              <a:rPr lang="de-CH" sz="1800" spc="-150" dirty="0" err="1" smtClean="0">
-                <a:latin typeface="Consolas" pitchFamily="49" charset="0"/>
-                <a:cs typeface="Consolas" pitchFamily="49" charset="0"/>
-              </a:rPr>
-              <a:t>Cell</a:t>
-            </a:r>
-            <a:r>
-              <a:rPr lang="de-CH" sz="1800" spc="-150" dirty="0" smtClean="0">
-                <a:latin typeface="Consolas" pitchFamily="49" charset="0"/>
-                <a:cs typeface="Consolas" pitchFamily="49" charset="0"/>
-              </a:rPr>
-              <a:t>;</a:t>
-            </a:r>
-          </a:p>
-          <a:p>
-            <a:pPr marL="0" indent="0">
-              <a:buNone/>
-              <a:tabLst>
-                <a:tab pos="177800" algn="l"/>
-                <a:tab pos="355600" algn="l"/>
-              </a:tabLst>
-            </a:pPr>
-            <a:r>
-              <a:rPr lang="de-CH" sz="1800" spc="-150" dirty="0">
-                <a:latin typeface="Consolas" pitchFamily="49" charset="0"/>
-                <a:cs typeface="Consolas" pitchFamily="49" charset="0"/>
-              </a:rPr>
-              <a:t>	</a:t>
-            </a:r>
-            <a:r>
-              <a:rPr lang="de-CH" sz="1800" spc="-150" dirty="0" smtClean="0">
-                <a:latin typeface="Consolas" pitchFamily="49" charset="0"/>
-                <a:cs typeface="Consolas" pitchFamily="49" charset="0"/>
-              </a:rPr>
-              <a:t>	</a:t>
-            </a:r>
-            <a:r>
-              <a:rPr lang="de-CH" sz="1800" spc="-150" dirty="0" err="1" smtClean="0">
-                <a:latin typeface="Consolas" pitchFamily="49" charset="0"/>
-                <a:cs typeface="Consolas" pitchFamily="49" charset="0"/>
-              </a:rPr>
-              <a:t>var</a:t>
-            </a:r>
-            <a:r>
-              <a:rPr lang="de-CH" sz="1800" spc="-150" dirty="0" smtClean="0">
-                <a:latin typeface="Consolas" pitchFamily="49" charset="0"/>
-                <a:cs typeface="Consolas" pitchFamily="49" charset="0"/>
-              </a:rPr>
-              <a:t> c2:Cell := </a:t>
-            </a:r>
-            <a:r>
-              <a:rPr lang="de-CH" sz="1800" spc="-150" dirty="0" err="1" smtClean="0">
-                <a:latin typeface="Consolas" pitchFamily="49" charset="0"/>
-                <a:cs typeface="Consolas" pitchFamily="49" charset="0"/>
-              </a:rPr>
-              <a:t>new</a:t>
-            </a:r>
-            <a:r>
-              <a:rPr lang="de-CH" sz="1800" spc="-150" dirty="0" smtClean="0">
-                <a:latin typeface="Consolas" pitchFamily="49" charset="0"/>
-                <a:cs typeface="Consolas" pitchFamily="49" charset="0"/>
-              </a:rPr>
-              <a:t> </a:t>
-            </a:r>
-            <a:r>
-              <a:rPr lang="de-CH" sz="1800" spc="-150" dirty="0" err="1" smtClean="0">
-                <a:latin typeface="Consolas" pitchFamily="49" charset="0"/>
-                <a:cs typeface="Consolas" pitchFamily="49" charset="0"/>
-              </a:rPr>
-              <a:t>Cell</a:t>
-            </a:r>
-            <a:r>
-              <a:rPr lang="de-CH" sz="1800" spc="-150" dirty="0" smtClean="0">
-                <a:latin typeface="Consolas" pitchFamily="49" charset="0"/>
-                <a:cs typeface="Consolas" pitchFamily="49" charset="0"/>
-              </a:rPr>
-              <a:t>;</a:t>
-            </a:r>
-          </a:p>
-          <a:p>
-            <a:pPr marL="0" indent="0">
-              <a:buNone/>
-              <a:tabLst>
-                <a:tab pos="177800" algn="l"/>
-                <a:tab pos="355600" algn="l"/>
-              </a:tabLst>
-            </a:pPr>
-            <a:r>
-              <a:rPr lang="de-CH" sz="1800" spc="-150" dirty="0">
-                <a:latin typeface="Consolas" pitchFamily="49" charset="0"/>
-                <a:cs typeface="Consolas" pitchFamily="49" charset="0"/>
-              </a:rPr>
-              <a:t>	</a:t>
-            </a:r>
-            <a:r>
-              <a:rPr lang="de-CH" sz="1800" spc="-150" dirty="0" smtClean="0">
-                <a:latin typeface="Consolas" pitchFamily="49" charset="0"/>
-                <a:cs typeface="Consolas" pitchFamily="49" charset="0"/>
-              </a:rPr>
-              <a:t>	c1.v := 0; c2.v := 5;</a:t>
-            </a:r>
-          </a:p>
-          <a:p>
-            <a:pPr marL="0" indent="0">
-              <a:buNone/>
-              <a:tabLst>
-                <a:tab pos="177800" algn="l"/>
-                <a:tab pos="355600" algn="l"/>
-              </a:tabLst>
-            </a:pPr>
-            <a:r>
-              <a:rPr lang="de-CH" sz="1800" spc="-150" dirty="0">
-                <a:latin typeface="Consolas" pitchFamily="49" charset="0"/>
-                <a:cs typeface="Consolas" pitchFamily="49" charset="0"/>
-              </a:rPr>
-              <a:t>	</a:t>
-            </a:r>
-            <a:r>
-              <a:rPr lang="de-CH" sz="1800" spc="-150" dirty="0" smtClean="0">
-                <a:latin typeface="Consolas" pitchFamily="49" charset="0"/>
-                <a:cs typeface="Consolas" pitchFamily="49" charset="0"/>
-              </a:rPr>
-              <a:t>	</a:t>
-            </a:r>
-            <a:r>
-              <a:rPr lang="de-CH" sz="1800" spc="-150" dirty="0" err="1" smtClean="0">
-                <a:latin typeface="Consolas" pitchFamily="49" charset="0"/>
-                <a:cs typeface="Consolas" pitchFamily="49" charset="0"/>
-              </a:rPr>
-              <a:t>fork</a:t>
-            </a:r>
-            <a:r>
-              <a:rPr lang="de-CH" sz="1800" spc="-150" dirty="0" smtClean="0">
-                <a:latin typeface="Consolas" pitchFamily="49" charset="0"/>
-                <a:cs typeface="Consolas" pitchFamily="49" charset="0"/>
-              </a:rPr>
-              <a:t> tk1 = c1.inc(3);</a:t>
-            </a:r>
-          </a:p>
-          <a:p>
-            <a:pPr marL="0" indent="0">
-              <a:buNone/>
-              <a:tabLst>
-                <a:tab pos="177800" algn="l"/>
-                <a:tab pos="355600" algn="l"/>
-              </a:tabLst>
-            </a:pPr>
-            <a:r>
-              <a:rPr lang="de-CH" sz="1800" spc="-150" dirty="0">
-                <a:latin typeface="Consolas" pitchFamily="49" charset="0"/>
-                <a:cs typeface="Consolas" pitchFamily="49" charset="0"/>
-              </a:rPr>
-              <a:t>	</a:t>
-            </a:r>
-            <a:r>
-              <a:rPr lang="de-CH" sz="1800" spc="-150" dirty="0" smtClean="0">
-                <a:latin typeface="Consolas" pitchFamily="49" charset="0"/>
-                <a:cs typeface="Consolas" pitchFamily="49" charset="0"/>
-              </a:rPr>
-              <a:t>	</a:t>
-            </a:r>
-            <a:r>
-              <a:rPr lang="de-CH" sz="1800" spc="-150" dirty="0" err="1" smtClean="0">
-                <a:latin typeface="Consolas" pitchFamily="49" charset="0"/>
-                <a:cs typeface="Consolas" pitchFamily="49" charset="0"/>
-              </a:rPr>
-              <a:t>fork</a:t>
-            </a:r>
-            <a:r>
-              <a:rPr lang="de-CH" sz="1800" spc="-150" dirty="0" smtClean="0">
-                <a:latin typeface="Consolas" pitchFamily="49" charset="0"/>
-                <a:cs typeface="Consolas" pitchFamily="49" charset="0"/>
-              </a:rPr>
-              <a:t> tk2 = c2.inc(1);</a:t>
-            </a:r>
-          </a:p>
-          <a:p>
-            <a:pPr marL="0" indent="0">
-              <a:buNone/>
-              <a:tabLst>
-                <a:tab pos="177800" algn="l"/>
-                <a:tab pos="355600" algn="l"/>
-              </a:tabLst>
-            </a:pPr>
-            <a:r>
-              <a:rPr lang="de-CH" sz="1800" spc="-150" dirty="0">
-                <a:latin typeface="Consolas" pitchFamily="49" charset="0"/>
-                <a:cs typeface="Consolas" pitchFamily="49" charset="0"/>
-              </a:rPr>
-              <a:t>	</a:t>
-            </a:r>
-            <a:r>
-              <a:rPr lang="de-CH" sz="1800" spc="-150" dirty="0" smtClean="0">
-                <a:latin typeface="Consolas" pitchFamily="49" charset="0"/>
-                <a:cs typeface="Consolas" pitchFamily="49" charset="0"/>
-              </a:rPr>
-              <a:t>	</a:t>
-            </a:r>
-            <a:r>
-              <a:rPr lang="de-CH" sz="1800" spc="-150" dirty="0" err="1" smtClean="0">
-                <a:latin typeface="Consolas" pitchFamily="49" charset="0"/>
-                <a:cs typeface="Consolas" pitchFamily="49" charset="0"/>
-              </a:rPr>
-              <a:t>join</a:t>
-            </a:r>
-            <a:r>
-              <a:rPr lang="de-CH" sz="1800" spc="-150" dirty="0" smtClean="0">
-                <a:latin typeface="Consolas" pitchFamily="49" charset="0"/>
-                <a:cs typeface="Consolas" pitchFamily="49" charset="0"/>
-              </a:rPr>
-              <a:t> f1 := tk1;</a:t>
-            </a:r>
-          </a:p>
-          <a:p>
-            <a:pPr marL="0" indent="0">
-              <a:buNone/>
-              <a:tabLst>
-                <a:tab pos="177800" algn="l"/>
-                <a:tab pos="355600" algn="l"/>
-              </a:tabLst>
-            </a:pPr>
-            <a:r>
-              <a:rPr lang="de-CH" sz="1800" spc="-150" dirty="0">
-                <a:latin typeface="Consolas" pitchFamily="49" charset="0"/>
-                <a:cs typeface="Consolas" pitchFamily="49" charset="0"/>
-              </a:rPr>
-              <a:t>	</a:t>
-            </a:r>
-            <a:r>
-              <a:rPr lang="de-CH" sz="1800" spc="-150" dirty="0" smtClean="0">
-                <a:latin typeface="Consolas" pitchFamily="49" charset="0"/>
-                <a:cs typeface="Consolas" pitchFamily="49" charset="0"/>
-              </a:rPr>
-              <a:t>	</a:t>
-            </a:r>
-            <a:r>
-              <a:rPr lang="de-CH" sz="1800" spc="-150" dirty="0" err="1" smtClean="0">
-                <a:latin typeface="Consolas" pitchFamily="49" charset="0"/>
-                <a:cs typeface="Consolas" pitchFamily="49" charset="0"/>
-              </a:rPr>
-              <a:t>join</a:t>
-            </a:r>
-            <a:r>
-              <a:rPr lang="de-CH" sz="1800" spc="-150" dirty="0" smtClean="0">
-                <a:latin typeface="Consolas" pitchFamily="49" charset="0"/>
-                <a:cs typeface="Consolas" pitchFamily="49" charset="0"/>
-              </a:rPr>
-              <a:t> f2 := tk2;</a:t>
-            </a:r>
-            <a:endParaRPr lang="de-CH" sz="1800" spc="-150" dirty="0">
-              <a:latin typeface="Consolas" pitchFamily="49" charset="0"/>
-              <a:cs typeface="Consolas" pitchFamily="49" charset="0"/>
-            </a:endParaRPr>
-          </a:p>
-          <a:p>
-            <a:pPr marL="0" indent="0">
-              <a:buNone/>
-              <a:tabLst>
-                <a:tab pos="177800" algn="l"/>
-                <a:tab pos="355600" algn="l"/>
-              </a:tabLst>
-            </a:pPr>
-            <a:r>
-              <a:rPr lang="de-CH" sz="1800" spc="-150" dirty="0" smtClean="0">
-                <a:latin typeface="Consolas" pitchFamily="49" charset="0"/>
-                <a:cs typeface="Consolas" pitchFamily="49" charset="0"/>
-              </a:rPr>
-              <a:t>	}</a:t>
-            </a:r>
-            <a:endParaRPr lang="de-CH" sz="1800" spc="-150" dirty="0">
-              <a:latin typeface="Consolas" pitchFamily="49" charset="0"/>
-              <a:cs typeface="Consolas" pitchFamily="49" charset="0"/>
-            </a:endParaRPr>
-          </a:p>
-          <a:p>
-            <a:pPr marL="0" indent="0">
-              <a:buNone/>
-              <a:tabLst>
-                <a:tab pos="177800" algn="l"/>
-                <a:tab pos="355600" algn="l"/>
-              </a:tabLst>
-            </a:pPr>
-            <a:r>
-              <a:rPr lang="de-CH" sz="1800" spc="-150" dirty="0" smtClean="0">
-                <a:latin typeface="Consolas" pitchFamily="49" charset="0"/>
-                <a:cs typeface="Consolas" pitchFamily="49" charset="0"/>
-              </a:rPr>
-              <a:t>}</a:t>
-            </a:r>
-            <a:endParaRPr lang="de-CH" sz="1800" spc="-150" dirty="0">
-              <a:latin typeface="Consolas" pitchFamily="49" charset="0"/>
-              <a:cs typeface="Consolas" pitchFamily="49" charset="0"/>
-            </a:endParaRPr>
-          </a:p>
-        </p:txBody>
-      </p:sp>
-      <p:sp>
-        <p:nvSpPr>
-          <p:cNvPr id="5" name="Slide Number Placeholder 4"/>
+          <a:bodyPr/>
+          <a:lstStyle/>
+          <a:p>
+            <a:endParaRPr lang="de-CH" dirty="0"/>
+          </a:p>
+        </p:txBody>
+      </p:sp>
+      <p:sp>
+        <p:nvSpPr>
+          <p:cNvPr id="4" name="Slide Number Placeholder 3"/>
           <p:cNvSpPr>
             <a:spLocks noGrp="1"/>
           </p:cNvSpPr>
@@ -7872,22 +7558,72 @@
           <a:p>
             <a:fld id="{D8727298-9337-4FF1-AD4C-CD4DB75A4A45}" type="slidenum">
               <a:rPr lang="de-CH" smtClean="0"/>
+              <a:pPr/>
               <a:t>10</a:t>
             </a:fld>
             <a:endParaRPr lang="de-CH"/>
           </a:p>
         </p:txBody>
       </p:sp>
+      <p:sp>
+        <p:nvSpPr>
+          <p:cNvPr id="5" name="TextBox 4"/>
+          <p:cNvSpPr txBox="1"/>
+          <p:nvPr/>
+        </p:nvSpPr>
+        <p:spPr>
+          <a:xfrm>
+            <a:off x="1557625" y="3284984"/>
+            <a:ext cx="4598551" cy="646331"/>
+          </a:xfrm>
+          <a:prstGeom prst="rect">
+            <a:avLst/>
+          </a:prstGeom>
+          <a:noFill/>
+        </p:spPr>
+        <p:txBody>
+          <a:bodyPr wrap="square" rtlCol="0">
+            <a:spAutoFit/>
+          </a:bodyPr>
+          <a:lstStyle/>
+          <a:p>
+            <a:r>
+              <a:rPr lang="de-CH" b="1" dirty="0" smtClean="0">
+                <a:latin typeface="Segoe Print" pitchFamily="2" charset="0"/>
+              </a:rPr>
+              <a:t>Transfer from caller to callee</a:t>
+            </a:r>
+          </a:p>
+          <a:p>
+            <a:r>
+              <a:rPr lang="de-CH" b="1" dirty="0" smtClean="0">
+                <a:latin typeface="Segoe Print" pitchFamily="2" charset="0"/>
+              </a:rPr>
+              <a:t>Modular verification</a:t>
+            </a:r>
+            <a:endParaRPr lang="de-CH" b="1" dirty="0">
+              <a:latin typeface="Segoe Print" pitchFamily="2" charset="0"/>
+            </a:endParaRPr>
+          </a:p>
+        </p:txBody>
+      </p:sp>
     </p:spTree>
     <p:extLst>
       <p:ext uri="{BB962C8B-B14F-4D97-AF65-F5344CB8AC3E}">
-        <p14:creationId xmlns:p14="http://schemas.microsoft.com/office/powerpoint/2010/main" val="3194332371"/>
+        <p14:creationId xmlns:p14="http://schemas.microsoft.com/office/powerpoint/2010/main" val="280372953"/>
       </p:ext>
     </p:extLst>
   </p:cSld>
   <p:clrMapOvr>
     <a:masterClrMapping/>
   </p:clrMapOvr>
+  <p:timing>
+    <p:tnLst>
+      <p:par>
+        <p:cTn id="1" dur="indefinite" restart="never" nodeType="tmRoot"/>
+      </p:par>
+    </p:tnLst>
+  </p:timing>
 </p:sld>
 </file>
 
@@ -7925,9 +7661,9 @@
           <a:p>
             <a:r>
               <a:rPr lang="de-CH" dirty="0" smtClean="0"/>
-              <a:t>Chalice2SIL</a:t>
-            </a:r>
-            <a:endParaRPr lang="en-GB" dirty="0"/>
+              <a:t>Fractional Read Permissions in Chalice</a:t>
+            </a:r>
+            <a:endParaRPr lang="de-CH" dirty="0"/>
           </a:p>
         </p:txBody>
       </p:sp>
@@ -7946,57 +7682,7 @@
           <a:bodyPr/>
           <a:lstStyle/>
           <a:p>
-            <a:r>
-              <a:rPr lang="en-GB" dirty="0" smtClean="0"/>
-              <a:t>First front-end </a:t>
-            </a:r>
-            <a:r>
-              <a:rPr lang="en-GB" smtClean="0"/>
-              <a:t>for SIL</a:t>
-            </a:r>
-            <a:endParaRPr lang="en-GB" dirty="0" smtClean="0"/>
-          </a:p>
-          <a:p>
-            <a:r>
-              <a:rPr lang="en-GB" dirty="0" smtClean="0"/>
-              <a:t>Help establish  and test the tool chain</a:t>
-            </a:r>
-          </a:p>
-          <a:p>
-            <a:r>
-              <a:rPr lang="en-GB" dirty="0" smtClean="0"/>
-              <a:t>Ideally no changes to Chalice</a:t>
-            </a:r>
-          </a:p>
-          <a:p>
-            <a:r>
-              <a:rPr lang="en-GB" dirty="0" smtClean="0"/>
-              <a:t>If enough time is left</a:t>
-            </a:r>
-          </a:p>
-          <a:p>
-            <a:pPr lvl="1"/>
-            <a:r>
-              <a:rPr lang="en-GB" dirty="0" smtClean="0"/>
-              <a:t>Predicates and functions</a:t>
-            </a:r>
-          </a:p>
-          <a:p>
-            <a:pPr lvl="1"/>
-            <a:r>
-              <a:rPr lang="en-GB" dirty="0" smtClean="0"/>
-              <a:t>Deadlock avoidance</a:t>
-            </a:r>
-          </a:p>
-          <a:p>
-            <a:pPr lvl="1"/>
-            <a:r>
-              <a:rPr lang="en-GB" dirty="0" smtClean="0"/>
-              <a:t>Channels (Actor model)</a:t>
-            </a:r>
-          </a:p>
-          <a:p>
-            <a:endParaRPr lang="en-GB" dirty="0"/>
+            <a:endParaRPr lang="de-CH" dirty="0"/>
           </a:p>
         </p:txBody>
       </p:sp>
@@ -8017,16 +7703,66 @@
           <a:p>
             <a:fld id="{D8727298-9337-4FF1-AD4C-CD4DB75A4A45}" type="slidenum">
               <a:rPr lang="de-CH" smtClean="0"/>
+              <a:pPr/>
               <a:t>11</a:t>
             </a:fld>
             <a:endParaRPr lang="de-CH"/>
           </a:p>
         </p:txBody>
       </p:sp>
+      <p:sp>
+        <p:nvSpPr>
+          <p:cNvPr id="5" name="TextBox 4"/>
+          <p:cNvSpPr txBox="1"/>
+          <p:nvPr/>
+        </p:nvSpPr>
+        <p:spPr>
+          <a:xfrm>
+            <a:off x="1557625" y="3284984"/>
+            <a:ext cx="6830799" cy="646331"/>
+          </a:xfrm>
+          <a:prstGeom prst="rect">
+            <a:avLst/>
+          </a:prstGeom>
+          <a:noFill/>
+        </p:spPr>
+        <p:txBody>
+          <a:bodyPr wrap="square" rtlCol="0">
+            <a:spAutoFit/>
+          </a:bodyPr>
+          <a:lstStyle>
+            <a:defPPr>
+              <a:defRPr lang="de-DE"/>
+            </a:defPPr>
+            <a:lvl1pPr>
+              <a:defRPr b="1">
+                <a:latin typeface="Segoe Print" pitchFamily="2" charset="0"/>
+              </a:defRPr>
+            </a:lvl1pPr>
+          </a:lstStyle>
+          <a:p>
+            <a:r>
+              <a:rPr lang="de-CH" dirty="0"/>
+              <a:t>Explain what fractional read permissions do </a:t>
+            </a:r>
+            <a:endParaRPr lang="de-CH" dirty="0" smtClean="0"/>
+          </a:p>
+          <a:p>
+            <a:r>
+              <a:rPr lang="de-CH" dirty="0" smtClean="0"/>
+              <a:t>and </a:t>
+            </a:r>
+            <a:r>
+              <a:rPr lang="de-CH" dirty="0"/>
+              <a:t>that there is no direct SIL-equivalent</a:t>
+            </a:r>
+          </a:p>
+        </p:txBody>
+      </p:sp>
     </p:spTree>
     <p:extLst>
       <p:ext uri="{BB962C8B-B14F-4D97-AF65-F5344CB8AC3E}">
-        <p14:creationId xmlns:p14="http://schemas.microsoft.com/office/powerpoint/2010/main" val="1014776430"/>
+        <p14:creationId xmlns:p14="http://schemas.microsoft.com/office/powerpoint/2010/main" val="234183739"/>
       </p:ext>
     </p:extLst>
   </p:cSld>
@@ -8076,6 +7812,869 @@
           <a:lstStyle/>
           <a:p>
             <a:r>
+              <a:rPr lang="de-CH" dirty="0" smtClean="0"/>
+              <a:t>Implementing Fractional Permissions</a:t>
+            </a:r>
+            <a:endParaRPr lang="de-CH" dirty="0"/>
+          </a:p>
+        </p:txBody>
+      </p:sp>
+      <p:sp>
+        <p:nvSpPr>
+          <p:cNvPr id="3" name="Content Placeholder 2"/>
+          <p:cNvSpPr>
+            <a:spLocks noGrp="1"/>
+          </p:cNvSpPr>
+          <p:nvPr>
+            <p:ph idx="1"/>
+          </p:nvPr>
+        </p:nvSpPr>
+        <p:spPr/>
+        <p:txBody>
+          <a:bodyPr/>
+          <a:lstStyle/>
+          <a:p>
+            <a:endParaRPr lang="de-CH" dirty="0"/>
+          </a:p>
+        </p:txBody>
+      </p:sp>
+      <p:sp>
+        <p:nvSpPr>
+          <p:cNvPr id="4" name="Slide Number Placeholder 3"/>
+          <p:cNvSpPr>
+            <a:spLocks noGrp="1"/>
+          </p:cNvSpPr>
+          <p:nvPr>
+            <p:ph type="sldNum" sz="quarter" idx="12"/>
+          </p:nvPr>
+        </p:nvSpPr>
+        <p:spPr/>
+        <p:txBody>
+          <a:bodyPr/>
+          <a:lstStyle/>
+          <a:p>
+            <a:fld id="{D8727298-9337-4FF1-AD4C-CD4DB75A4A45}" type="slidenum">
+              <a:rPr lang="de-CH" smtClean="0"/>
+              <a:pPr/>
+              <a:t>12</a:t>
+            </a:fld>
+            <a:endParaRPr lang="de-CH"/>
+          </a:p>
+        </p:txBody>
+      </p:sp>
+      <p:sp>
+        <p:nvSpPr>
+          <p:cNvPr id="5" name="TextBox 4"/>
+          <p:cNvSpPr txBox="1"/>
+          <p:nvPr/>
+        </p:nvSpPr>
+        <p:spPr>
+          <a:xfrm>
+            <a:off x="683568" y="3283304"/>
+            <a:ext cx="7776864" cy="923330"/>
+          </a:xfrm>
+          <a:prstGeom prst="rect">
+            <a:avLst/>
+          </a:prstGeom>
+          <a:noFill/>
+        </p:spPr>
+        <p:txBody>
+          <a:bodyPr wrap="square" rtlCol="0">
+            <a:spAutoFit/>
+          </a:bodyPr>
+          <a:lstStyle>
+            <a:defPPr>
+              <a:defRPr lang="de-DE"/>
+            </a:defPPr>
+            <a:lvl1pPr>
+              <a:defRPr b="1">
+                <a:latin typeface="Segoe Print" pitchFamily="2" charset="0"/>
+              </a:defRPr>
+            </a:lvl1pPr>
+          </a:lstStyle>
+          <a:p>
+            <a:r>
+              <a:rPr lang="de-CH" dirty="0"/>
+              <a:t>Explain </a:t>
+            </a:r>
+            <a:r>
+              <a:rPr lang="de-CH" dirty="0" smtClean="0"/>
+              <a:t>the basic idea behind the implementation.</a:t>
+            </a:r>
+          </a:p>
+          <a:p>
+            <a:r>
+              <a:rPr lang="de-CH" dirty="0"/>
+              <a:t> </a:t>
+            </a:r>
+            <a:r>
+              <a:rPr lang="de-CH" dirty="0" smtClean="0"/>
+              <a:t>→ select new fraction for every call-site</a:t>
+            </a:r>
+          </a:p>
+          <a:p>
+            <a:r>
+              <a:rPr lang="de-CH" dirty="0"/>
+              <a:t> </a:t>
+            </a:r>
+            <a:r>
+              <a:rPr lang="de-CH" dirty="0" smtClean="0"/>
+              <a:t>→ collect constraints from current amount of permissions held</a:t>
+            </a:r>
+          </a:p>
+        </p:txBody>
+      </p:sp>
+    </p:spTree>
+    <p:extLst>
+      <p:ext uri="{BB962C8B-B14F-4D97-AF65-F5344CB8AC3E}">
+        <p14:creationId xmlns:p14="http://schemas.microsoft.com/office/powerpoint/2010/main" val="1104228182"/>
+      </p:ext>
+    </p:extLst>
+  </p:cSld>
+  <p:clrMapOvr>
+    <a:masterClrMapping/>
+  </p:clrMapOvr>
+  <p:timing>
+    <p:tnLst>
+      <p:par>
+        <p:cTn id="1" dur="indefinite" restart="never" nodeType="tmRoot"/>
+      </p:par>
+    </p:tnLst>
+  </p:timing>
+</p:sld>
+</file>
+
+<file path=ppt/slides/slide13.xml><?xml version="1.0" encoding="utf-8"?>
+<p:sld xmlns:a="http://schemas.openxmlformats.org/drawingml/2006/main" xmlns:r="http://schemas.openxmlformats.org/officeDocument/2006/relationships" xmlns:p="http://schemas.openxmlformats.org/presentationml/2006/main">
+  <p:cSld>
+    <p:spTree>
+      <p:nvGrpSpPr>
+        <p:cNvPr id="1" name=""/>
+        <p:cNvGrpSpPr/>
+        <p:nvPr/>
+      </p:nvGrpSpPr>
+      <p:grpSpPr>
+        <a:xfrm>
+          <a:off x="0" y="0"/>
+          <a:ext cx="0" cy="0"/>
+          <a:chOff x="0" y="0"/>
+          <a:chExt cx="0" cy="0"/>
+        </a:xfrm>
+      </p:grpSpPr>
+      <p:sp>
+        <p:nvSpPr>
+          <p:cNvPr id="2" name="Title 1"/>
+          <p:cNvSpPr>
+            <a:spLocks noGrp="1"/>
+          </p:cNvSpPr>
+          <p:nvPr>
+            <p:ph type="title"/>
+          </p:nvPr>
+        </p:nvSpPr>
+        <p:spPr/>
+        <p:txBody>
+          <a:bodyPr/>
+          <a:lstStyle/>
+          <a:p>
+            <a:r>
+              <a:rPr lang="de-CH" dirty="0" smtClean="0"/>
+              <a:t>Implementing Fractional Permissions #2</a:t>
+            </a:r>
+            <a:endParaRPr lang="de-CH" dirty="0"/>
+          </a:p>
+        </p:txBody>
+      </p:sp>
+      <p:sp>
+        <p:nvSpPr>
+          <p:cNvPr id="3" name="Content Placeholder 2"/>
+          <p:cNvSpPr>
+            <a:spLocks noGrp="1"/>
+          </p:cNvSpPr>
+          <p:nvPr>
+            <p:ph idx="1"/>
+          </p:nvPr>
+        </p:nvSpPr>
+        <p:spPr/>
+        <p:txBody>
+          <a:bodyPr/>
+          <a:lstStyle/>
+          <a:p>
+            <a:endParaRPr lang="de-CH" dirty="0"/>
+          </a:p>
+        </p:txBody>
+      </p:sp>
+      <p:sp>
+        <p:nvSpPr>
+          <p:cNvPr id="4" name="Slide Number Placeholder 3"/>
+          <p:cNvSpPr>
+            <a:spLocks noGrp="1"/>
+          </p:cNvSpPr>
+          <p:nvPr>
+            <p:ph type="sldNum" sz="quarter" idx="12"/>
+          </p:nvPr>
+        </p:nvSpPr>
+        <p:spPr/>
+        <p:txBody>
+          <a:bodyPr/>
+          <a:lstStyle/>
+          <a:p>
+            <a:fld id="{D8727298-9337-4FF1-AD4C-CD4DB75A4A45}" type="slidenum">
+              <a:rPr lang="de-CH" smtClean="0"/>
+              <a:pPr/>
+              <a:t>13</a:t>
+            </a:fld>
+            <a:endParaRPr lang="de-CH"/>
+          </a:p>
+        </p:txBody>
+      </p:sp>
+      <p:sp>
+        <p:nvSpPr>
+          <p:cNvPr id="5" name="TextBox 4"/>
+          <p:cNvSpPr txBox="1"/>
+          <p:nvPr/>
+        </p:nvSpPr>
+        <p:spPr>
+          <a:xfrm>
+            <a:off x="683568" y="3283304"/>
+            <a:ext cx="7776864" cy="646331"/>
+          </a:xfrm>
+          <a:prstGeom prst="rect">
+            <a:avLst/>
+          </a:prstGeom>
+          <a:noFill/>
+        </p:spPr>
+        <p:txBody>
+          <a:bodyPr wrap="square" rtlCol="0">
+            <a:spAutoFit/>
+          </a:bodyPr>
+          <a:lstStyle>
+            <a:defPPr>
+              <a:defRPr lang="de-DE"/>
+            </a:defPPr>
+            <a:lvl1pPr>
+              <a:defRPr b="1">
+                <a:latin typeface="Segoe Print" pitchFamily="2" charset="0"/>
+              </a:defRPr>
+            </a:lvl1pPr>
+          </a:lstStyle>
+          <a:p>
+            <a:r>
+              <a:rPr lang="de-CH" dirty="0" smtClean="0"/>
+              <a:t>Show naïve translation without using map</a:t>
+            </a:r>
+          </a:p>
+          <a:p>
+            <a:r>
+              <a:rPr lang="de-CH" dirty="0" smtClean="0"/>
+              <a:t>Explain how rd(f) &amp;&amp; rd(f) makes translation more complicated</a:t>
+            </a:r>
+          </a:p>
+        </p:txBody>
+      </p:sp>
+    </p:spTree>
+    <p:extLst>
+      <p:ext uri="{BB962C8B-B14F-4D97-AF65-F5344CB8AC3E}">
+        <p14:creationId xmlns:p14="http://schemas.microsoft.com/office/powerpoint/2010/main" val="4176160345"/>
+      </p:ext>
+    </p:extLst>
+  </p:cSld>
+  <p:clrMapOvr>
+    <a:masterClrMapping/>
+  </p:clrMapOvr>
+  <p:timing>
+    <p:tnLst>
+      <p:par>
+        <p:cTn id="1" dur="indefinite" restart="never" nodeType="tmRoot"/>
+      </p:par>
+    </p:tnLst>
+  </p:timing>
+</p:sld>
+</file>
+
+<file path=ppt/slides/slide14.xml><?xml version="1.0" encoding="utf-8"?>
+<p:sld xmlns:a="http://schemas.openxmlformats.org/drawingml/2006/main" xmlns:r="http://schemas.openxmlformats.org/officeDocument/2006/relationships" xmlns:p="http://schemas.openxmlformats.org/presentationml/2006/main">
+  <p:cSld>
+    <p:spTree>
+      <p:nvGrpSpPr>
+        <p:cNvPr id="1" name=""/>
+        <p:cNvGrpSpPr/>
+        <p:nvPr/>
+      </p:nvGrpSpPr>
+      <p:grpSpPr>
+        <a:xfrm>
+          <a:off x="0" y="0"/>
+          <a:ext cx="0" cy="0"/>
+          <a:chOff x="0" y="0"/>
+          <a:chExt cx="0" cy="0"/>
+        </a:xfrm>
+      </p:grpSpPr>
+      <p:sp>
+        <p:nvSpPr>
+          <p:cNvPr id="2" name="Title 1"/>
+          <p:cNvSpPr>
+            <a:spLocks noGrp="1"/>
+          </p:cNvSpPr>
+          <p:nvPr>
+            <p:ph type="title"/>
+          </p:nvPr>
+        </p:nvSpPr>
+        <p:spPr/>
+        <p:txBody>
+          <a:bodyPr/>
+          <a:lstStyle/>
+          <a:p>
+            <a:r>
+              <a:rPr lang="de-CH" dirty="0" smtClean="0"/>
+              <a:t>Implementing Fractional Permissions #3</a:t>
+            </a:r>
+            <a:endParaRPr lang="de-CH" dirty="0"/>
+          </a:p>
+        </p:txBody>
+      </p:sp>
+      <p:sp>
+        <p:nvSpPr>
+          <p:cNvPr id="3" name="Content Placeholder 2"/>
+          <p:cNvSpPr>
+            <a:spLocks noGrp="1"/>
+          </p:cNvSpPr>
+          <p:nvPr>
+            <p:ph idx="1"/>
+          </p:nvPr>
+        </p:nvSpPr>
+        <p:spPr/>
+        <p:txBody>
+          <a:bodyPr/>
+          <a:lstStyle/>
+          <a:p>
+            <a:endParaRPr lang="de-CH" dirty="0"/>
+          </a:p>
+        </p:txBody>
+      </p:sp>
+      <p:sp>
+        <p:nvSpPr>
+          <p:cNvPr id="4" name="Slide Number Placeholder 3"/>
+          <p:cNvSpPr>
+            <a:spLocks noGrp="1"/>
+          </p:cNvSpPr>
+          <p:nvPr>
+            <p:ph type="sldNum" sz="quarter" idx="12"/>
+          </p:nvPr>
+        </p:nvSpPr>
+        <p:spPr/>
+        <p:txBody>
+          <a:bodyPr/>
+          <a:lstStyle/>
+          <a:p>
+            <a:fld id="{D8727298-9337-4FF1-AD4C-CD4DB75A4A45}" type="slidenum">
+              <a:rPr lang="de-CH" smtClean="0"/>
+              <a:pPr/>
+              <a:t>14</a:t>
+            </a:fld>
+            <a:endParaRPr lang="de-CH"/>
+          </a:p>
+        </p:txBody>
+      </p:sp>
+      <p:sp>
+        <p:nvSpPr>
+          <p:cNvPr id="5" name="TextBox 4"/>
+          <p:cNvSpPr txBox="1"/>
+          <p:nvPr/>
+        </p:nvSpPr>
+        <p:spPr>
+          <a:xfrm>
+            <a:off x="683568" y="3283304"/>
+            <a:ext cx="7776864" cy="369332"/>
+          </a:xfrm>
+          <a:prstGeom prst="rect">
+            <a:avLst/>
+          </a:prstGeom>
+          <a:noFill/>
+        </p:spPr>
+        <p:txBody>
+          <a:bodyPr wrap="square" rtlCol="0">
+            <a:spAutoFit/>
+          </a:bodyPr>
+          <a:lstStyle>
+            <a:defPPr>
+              <a:defRPr lang="de-DE"/>
+            </a:defPPr>
+            <a:lvl1pPr>
+              <a:defRPr b="1">
+                <a:latin typeface="Segoe Print" pitchFamily="2" charset="0"/>
+              </a:defRPr>
+            </a:lvl1pPr>
+          </a:lstStyle>
+          <a:p>
+            <a:r>
+              <a:rPr lang="de-CH" dirty="0" smtClean="0"/>
+              <a:t>Explain translation using Map[(ref,int),Permission]</a:t>
+            </a:r>
+          </a:p>
+        </p:txBody>
+      </p:sp>
+    </p:spTree>
+    <p:extLst>
+      <p:ext uri="{BB962C8B-B14F-4D97-AF65-F5344CB8AC3E}">
+        <p14:creationId xmlns:p14="http://schemas.microsoft.com/office/powerpoint/2010/main" val="812410753"/>
+      </p:ext>
+    </p:extLst>
+  </p:cSld>
+  <p:clrMapOvr>
+    <a:masterClrMapping/>
+  </p:clrMapOvr>
+  <p:timing>
+    <p:tnLst>
+      <p:par>
+        <p:cTn id="1" dur="indefinite" restart="never" nodeType="tmRoot"/>
+      </p:par>
+    </p:tnLst>
+  </p:timing>
+</p:sld>
+</file>
+
+<file path=ppt/slides/slide15.xml><?xml version="1.0" encoding="utf-8"?>
+<p:sld xmlns:a="http://schemas.openxmlformats.org/drawingml/2006/main" xmlns:r="http://schemas.openxmlformats.org/officeDocument/2006/relationships" xmlns:p="http://schemas.openxmlformats.org/presentationml/2006/main">
+  <p:cSld>
+    <p:spTree>
+      <p:nvGrpSpPr>
+        <p:cNvPr id="1" name=""/>
+        <p:cNvGrpSpPr/>
+        <p:nvPr/>
+      </p:nvGrpSpPr>
+      <p:grpSpPr>
+        <a:xfrm>
+          <a:off x="0" y="0"/>
+          <a:ext cx="0" cy="0"/>
+          <a:chOff x="0" y="0"/>
+          <a:chExt cx="0" cy="0"/>
+        </a:xfrm>
+      </p:grpSpPr>
+      <p:sp>
+        <p:nvSpPr>
+          <p:cNvPr id="2" name="Title 1"/>
+          <p:cNvSpPr>
+            <a:spLocks noGrp="1"/>
+          </p:cNvSpPr>
+          <p:nvPr>
+            <p:ph type="title"/>
+          </p:nvPr>
+        </p:nvSpPr>
+        <p:spPr/>
+        <p:txBody>
+          <a:bodyPr/>
+          <a:lstStyle/>
+          <a:p>
+            <a:r>
+              <a:rPr lang="de-CH" dirty="0" smtClean="0"/>
+              <a:t>Implement Fork-Join</a:t>
+            </a:r>
+            <a:endParaRPr lang="de-CH" dirty="0"/>
+          </a:p>
+        </p:txBody>
+      </p:sp>
+      <p:sp>
+        <p:nvSpPr>
+          <p:cNvPr id="3" name="Content Placeholder 2"/>
+          <p:cNvSpPr>
+            <a:spLocks noGrp="1"/>
+          </p:cNvSpPr>
+          <p:nvPr>
+            <p:ph idx="1"/>
+          </p:nvPr>
+        </p:nvSpPr>
+        <p:spPr/>
+        <p:txBody>
+          <a:bodyPr/>
+          <a:lstStyle/>
+          <a:p>
+            <a:endParaRPr lang="de-CH" dirty="0"/>
+          </a:p>
+        </p:txBody>
+      </p:sp>
+      <p:sp>
+        <p:nvSpPr>
+          <p:cNvPr id="4" name="Slide Number Placeholder 3"/>
+          <p:cNvSpPr>
+            <a:spLocks noGrp="1"/>
+          </p:cNvSpPr>
+          <p:nvPr>
+            <p:ph type="sldNum" sz="quarter" idx="12"/>
+          </p:nvPr>
+        </p:nvSpPr>
+        <p:spPr/>
+        <p:txBody>
+          <a:bodyPr/>
+          <a:lstStyle/>
+          <a:p>
+            <a:fld id="{D8727298-9337-4FF1-AD4C-CD4DB75A4A45}" type="slidenum">
+              <a:rPr lang="de-CH" smtClean="0"/>
+              <a:pPr/>
+              <a:t>15</a:t>
+            </a:fld>
+            <a:endParaRPr lang="de-CH"/>
+          </a:p>
+        </p:txBody>
+      </p:sp>
+      <p:sp>
+        <p:nvSpPr>
+          <p:cNvPr id="5" name="TextBox 4"/>
+          <p:cNvSpPr txBox="1"/>
+          <p:nvPr/>
+        </p:nvSpPr>
+        <p:spPr>
+          <a:xfrm>
+            <a:off x="683568" y="3283304"/>
+            <a:ext cx="7776864" cy="1754326"/>
+          </a:xfrm>
+          <a:prstGeom prst="rect">
+            <a:avLst/>
+          </a:prstGeom>
+          <a:noFill/>
+        </p:spPr>
+        <p:txBody>
+          <a:bodyPr wrap="square" rtlCol="0">
+            <a:spAutoFit/>
+          </a:bodyPr>
+          <a:lstStyle>
+            <a:defPPr>
+              <a:defRPr lang="de-DE"/>
+            </a:defPPr>
+            <a:lvl1pPr>
+              <a:defRPr b="1">
+                <a:latin typeface="Segoe Print" pitchFamily="2" charset="0"/>
+              </a:defRPr>
+            </a:lvl1pPr>
+          </a:lstStyle>
+          <a:p>
+            <a:r>
+              <a:rPr lang="de-CH" dirty="0" smtClean="0"/>
+              <a:t>Another Chalice feature not present in SIL</a:t>
+            </a:r>
+          </a:p>
+          <a:p>
+            <a:r>
+              <a:rPr lang="de-CH" dirty="0" smtClean="0"/>
+              <a:t>Show how token object is assembled</a:t>
+            </a:r>
+          </a:p>
+          <a:p>
+            <a:r>
+              <a:rPr lang="de-CH" dirty="0" smtClean="0"/>
+              <a:t>→ Trick: how shadow field permissions are always linked to token.joinable</a:t>
+            </a:r>
+          </a:p>
+          <a:p>
+            <a:r>
+              <a:rPr lang="de-CH" dirty="0" smtClean="0"/>
+              <a:t>→ Current limitation: join mostly useless when not in same method as fork</a:t>
+            </a:r>
+          </a:p>
+        </p:txBody>
+      </p:sp>
+    </p:spTree>
+    <p:extLst>
+      <p:ext uri="{BB962C8B-B14F-4D97-AF65-F5344CB8AC3E}">
+        <p14:creationId xmlns:p14="http://schemas.microsoft.com/office/powerpoint/2010/main" val="275400043"/>
+      </p:ext>
+    </p:extLst>
+  </p:cSld>
+  <p:clrMapOvr>
+    <a:masterClrMapping/>
+  </p:clrMapOvr>
+  <p:timing>
+    <p:tnLst>
+      <p:par>
+        <p:cTn id="1" dur="indefinite" restart="never" nodeType="tmRoot"/>
+      </p:par>
+    </p:tnLst>
+  </p:timing>
+</p:sld>
+</file>
+
+<file path=ppt/slides/slide16.xml><?xml version="1.0" encoding="utf-8"?>
+<p:sld xmlns:a="http://schemas.openxmlformats.org/drawingml/2006/main" xmlns:r="http://schemas.openxmlformats.org/officeDocument/2006/relationships" xmlns:p="http://schemas.openxmlformats.org/presentationml/2006/main">
+  <p:cSld>
+    <p:spTree>
+      <p:nvGrpSpPr>
+        <p:cNvPr id="1" name=""/>
+        <p:cNvGrpSpPr/>
+        <p:nvPr/>
+      </p:nvGrpSpPr>
+      <p:grpSpPr>
+        <a:xfrm>
+          <a:off x="0" y="0"/>
+          <a:ext cx="0" cy="0"/>
+          <a:chOff x="0" y="0"/>
+          <a:chExt cx="0" cy="0"/>
+        </a:xfrm>
+      </p:grpSpPr>
+      <p:sp>
+        <p:nvSpPr>
+          <p:cNvPr id="2" name="Title 1"/>
+          <p:cNvSpPr>
+            <a:spLocks noGrp="1"/>
+          </p:cNvSpPr>
+          <p:nvPr>
+            <p:ph type="title"/>
+          </p:nvPr>
+        </p:nvSpPr>
+        <p:spPr/>
+        <p:txBody>
+          <a:bodyPr/>
+          <a:lstStyle/>
+          <a:p>
+            <a:r>
+              <a:rPr lang="de-CH" dirty="0" smtClean="0">
+                <a:solidFill>
+                  <a:schemeClr val="tx1"/>
+                </a:solidFill>
+              </a:rPr>
+              <a:t>Quick Demo</a:t>
+            </a:r>
+            <a:endParaRPr lang="de-CH" dirty="0">
+              <a:solidFill>
+                <a:schemeClr val="tx1"/>
+              </a:solidFill>
+            </a:endParaRPr>
+          </a:p>
+        </p:txBody>
+      </p:sp>
+      <p:sp>
+        <p:nvSpPr>
+          <p:cNvPr id="3" name="Text Placeholder 2"/>
+          <p:cNvSpPr>
+            <a:spLocks noGrp="1"/>
+          </p:cNvSpPr>
+          <p:nvPr>
+            <p:ph type="body" idx="1"/>
+          </p:nvPr>
+        </p:nvSpPr>
+        <p:spPr/>
+        <p:txBody>
+          <a:bodyPr/>
+          <a:lstStyle/>
+          <a:p>
+            <a:endParaRPr lang="de-CH"/>
+          </a:p>
+        </p:txBody>
+      </p:sp>
+      <p:sp>
+        <p:nvSpPr>
+          <p:cNvPr id="4" name="Slide Number Placeholder 3"/>
+          <p:cNvSpPr>
+            <a:spLocks noGrp="1"/>
+          </p:cNvSpPr>
+          <p:nvPr>
+            <p:ph type="sldNum" sz="quarter" idx="12"/>
+          </p:nvPr>
+        </p:nvSpPr>
+        <p:spPr/>
+        <p:txBody>
+          <a:bodyPr/>
+          <a:lstStyle/>
+          <a:p>
+            <a:fld id="{D8727298-9337-4FF1-AD4C-CD4DB75A4A45}" type="slidenum">
+              <a:rPr lang="de-CH" smtClean="0"/>
+              <a:t>16</a:t>
+            </a:fld>
+            <a:endParaRPr lang="de-CH"/>
+          </a:p>
+        </p:txBody>
+      </p:sp>
+    </p:spTree>
+    <p:extLst>
+      <p:ext uri="{BB962C8B-B14F-4D97-AF65-F5344CB8AC3E}">
+        <p14:creationId xmlns:p14="http://schemas.microsoft.com/office/powerpoint/2010/main" val="3128977609"/>
+      </p:ext>
+    </p:extLst>
+  </p:cSld>
+  <p:clrMapOvr>
+    <a:masterClrMapping/>
+  </p:clrMapOvr>
+  <p:timing>
+    <p:tnLst>
+      <p:par>
+        <p:cTn id="1" dur="indefinite" restart="never" nodeType="tmRoot"/>
+      </p:par>
+    </p:tnLst>
+  </p:timing>
+</p:sld>
+</file>
+
+<file path=ppt/slides/slide17.xml><?xml version="1.0" encoding="utf-8"?>
+<p:sld xmlns:a="http://schemas.openxmlformats.org/drawingml/2006/main" xmlns:r="http://schemas.openxmlformats.org/officeDocument/2006/relationships" xmlns:p="http://schemas.openxmlformats.org/presentationml/2006/main">
+  <p:cSld>
+    <p:spTree>
+      <p:nvGrpSpPr>
+        <p:cNvPr id="1" name=""/>
+        <p:cNvGrpSpPr/>
+        <p:nvPr/>
+      </p:nvGrpSpPr>
+      <p:grpSpPr>
+        <a:xfrm>
+          <a:off x="0" y="0"/>
+          <a:ext cx="0" cy="0"/>
+          <a:chOff x="0" y="0"/>
+          <a:chExt cx="0" cy="0"/>
+        </a:xfrm>
+      </p:grpSpPr>
+      <p:sp>
+        <p:nvSpPr>
+          <p:cNvPr id="2" name="Title 1"/>
+          <p:cNvSpPr>
+            <a:spLocks noGrp="1"/>
+          </p:cNvSpPr>
+          <p:nvPr>
+            <p:ph type="title"/>
+          </p:nvPr>
+        </p:nvSpPr>
+        <p:spPr/>
+        <p:txBody>
+          <a:bodyPr/>
+          <a:lstStyle/>
+          <a:p>
+            <a:r>
+              <a:rPr lang="de-CH" dirty="0" smtClean="0"/>
+              <a:t>Conclusion</a:t>
+            </a:r>
+            <a:endParaRPr lang="de-CH" dirty="0"/>
+          </a:p>
+        </p:txBody>
+      </p:sp>
+      <p:sp>
+        <p:nvSpPr>
+          <p:cNvPr id="3" name="Content Placeholder 2"/>
+          <p:cNvSpPr>
+            <a:spLocks noGrp="1"/>
+          </p:cNvSpPr>
+          <p:nvPr>
+            <p:ph idx="1"/>
+          </p:nvPr>
+        </p:nvSpPr>
+        <p:spPr/>
+        <p:txBody>
+          <a:bodyPr/>
+          <a:lstStyle/>
+          <a:p>
+            <a:endParaRPr lang="de-CH" dirty="0"/>
+          </a:p>
+        </p:txBody>
+      </p:sp>
+      <p:sp>
+        <p:nvSpPr>
+          <p:cNvPr id="4" name="Slide Number Placeholder 3"/>
+          <p:cNvSpPr>
+            <a:spLocks noGrp="1"/>
+          </p:cNvSpPr>
+          <p:nvPr>
+            <p:ph type="sldNum" sz="quarter" idx="12"/>
+          </p:nvPr>
+        </p:nvSpPr>
+        <p:spPr/>
+        <p:txBody>
+          <a:bodyPr/>
+          <a:lstStyle/>
+          <a:p>
+            <a:fld id="{D8727298-9337-4FF1-AD4C-CD4DB75A4A45}" type="slidenum">
+              <a:rPr lang="de-CH" smtClean="0"/>
+              <a:pPr/>
+              <a:t>17</a:t>
+            </a:fld>
+            <a:endParaRPr lang="de-CH"/>
+          </a:p>
+        </p:txBody>
+      </p:sp>
+      <p:sp>
+        <p:nvSpPr>
+          <p:cNvPr id="5" name="TextBox 4"/>
+          <p:cNvSpPr txBox="1"/>
+          <p:nvPr/>
+        </p:nvSpPr>
+        <p:spPr>
+          <a:xfrm>
+            <a:off x="3491880" y="2132856"/>
+            <a:ext cx="2952328" cy="3939540"/>
+          </a:xfrm>
+          <a:prstGeom prst="rect">
+            <a:avLst/>
+          </a:prstGeom>
+          <a:noFill/>
+        </p:spPr>
+        <p:txBody>
+          <a:bodyPr wrap="square" rtlCol="0">
+            <a:spAutoFit/>
+          </a:bodyPr>
+          <a:lstStyle>
+            <a:defPPr>
+              <a:defRPr lang="de-DE"/>
+            </a:defPPr>
+            <a:lvl1pPr>
+              <a:defRPr b="1">
+                <a:latin typeface="Segoe Print" pitchFamily="2" charset="0"/>
+              </a:defRPr>
+            </a:lvl1pPr>
+          </a:lstStyle>
+          <a:p>
+            <a:r>
+              <a:rPr lang="de-CH" sz="25000" dirty="0" smtClean="0"/>
+              <a:t>?</a:t>
+            </a:r>
+          </a:p>
+        </p:txBody>
+      </p:sp>
+    </p:spTree>
+    <p:extLst>
+      <p:ext uri="{BB962C8B-B14F-4D97-AF65-F5344CB8AC3E}">
+        <p14:creationId xmlns:p14="http://schemas.microsoft.com/office/powerpoint/2010/main" val="2327078163"/>
+      </p:ext>
+    </p:extLst>
+  </p:cSld>
+  <p:clrMapOvr>
+    <a:masterClrMapping/>
+  </p:clrMapOvr>
+  <p:timing>
+    <p:tnLst>
+      <p:par>
+        <p:cTn id="1" dur="indefinite" restart="never" nodeType="tmRoot"/>
+      </p:par>
+    </p:tnLst>
+  </p:timing>
+</p:sld>
+</file>
+
+<file path=ppt/slides/slide18.xml><?xml version="1.0" encoding="utf-8"?>
+<p:sld xmlns:a="http://schemas.openxmlformats.org/drawingml/2006/main" xmlns:r="http://schemas.openxmlformats.org/officeDocument/2006/relationships" xmlns:p="http://schemas.openxmlformats.org/presentationml/2006/main">
+  <p:cSld>
+    <p:spTree>
+      <p:nvGrpSpPr>
+        <p:cNvPr id="1" name=""/>
+        <p:cNvGrpSpPr/>
+        <p:nvPr/>
+      </p:nvGrpSpPr>
+      <p:grpSpPr>
+        <a:xfrm>
+          <a:off x="0" y="0"/>
+          <a:ext cx="0" cy="0"/>
+          <a:chOff x="0" y="0"/>
+          <a:chExt cx="0" cy="0"/>
+        </a:xfrm>
+      </p:grpSpPr>
+      <p:sp>
+        <p:nvSpPr>
+          <p:cNvPr id="2" name="Title 1"/>
+          <p:cNvSpPr>
+            <a:spLocks noGrp="1"/>
+          </p:cNvSpPr>
+          <p:nvPr>
+            <p:ph type="title"/>
+          </p:nvPr>
+        </p:nvSpPr>
+        <p:spPr/>
+        <p:txBody>
+          <a:bodyPr/>
+          <a:lstStyle/>
+          <a:p>
+            <a:r>
               <a:rPr lang="en-GB" smtClean="0">
                 <a:solidFill>
                   <a:schemeClr val="bg1">
@@ -8135,7 +8734,7 @@
           <a:p>
             <a:fld id="{D8727298-9337-4FF1-AD4C-CD4DB75A4A45}" type="slidenum">
               <a:rPr lang="de-CH" smtClean="0"/>
-              <a:t>12</a:t>
+              <a:t>18</a:t>
             </a:fld>
             <a:endParaRPr lang="de-CH"/>
           </a:p>
@@ -8144,7 +8743,112 @@
     </p:spTree>
     <p:extLst>
       <p:ext uri="{BB962C8B-B14F-4D97-AF65-F5344CB8AC3E}">
-        <p14:creationId xmlns:p14="http://schemas.microsoft.com/office/powerpoint/2010/main" val="3565493778"/>
+        <p14:creationId xmlns:p14="http://schemas.microsoft.com/office/powerpoint/2010/main" val="1553795513"/>
+      </p:ext>
+    </p:extLst>
+  </p:cSld>
+  <p:clrMapOvr>
+    <a:masterClrMapping/>
+  </p:clrMapOvr>
+  <p:timing>
+    <p:tnLst>
+      <p:par>
+        <p:cTn id="1" dur="indefinite" restart="never" nodeType="tmRoot"/>
+      </p:par>
+    </p:tnLst>
+  </p:timing>
+</p:sld>
+</file>
+
+<file path=ppt/slides/slide19.xml><?xml version="1.0" encoding="utf-8"?>
+<p:sld xmlns:a="http://schemas.openxmlformats.org/drawingml/2006/main" xmlns:r="http://schemas.openxmlformats.org/officeDocument/2006/relationships" xmlns:p="http://schemas.openxmlformats.org/presentationml/2006/main">
+  <p:cSld>
+    <p:spTree>
+      <p:nvGrpSpPr>
+        <p:cNvPr id="1" name=""/>
+        <p:cNvGrpSpPr/>
+        <p:nvPr/>
+      </p:nvGrpSpPr>
+      <p:grpSpPr>
+        <a:xfrm>
+          <a:off x="0" y="0"/>
+          <a:ext cx="0" cy="0"/>
+          <a:chOff x="0" y="0"/>
+          <a:chExt cx="0" cy="0"/>
+        </a:xfrm>
+      </p:grpSpPr>
+      <p:sp>
+        <p:nvSpPr>
+          <p:cNvPr id="2" name="Title 1"/>
+          <p:cNvSpPr>
+            <a:spLocks noGrp="1"/>
+          </p:cNvSpPr>
+          <p:nvPr>
+            <p:ph type="title"/>
+          </p:nvPr>
+        </p:nvSpPr>
+        <p:spPr/>
+        <p:txBody>
+          <a:bodyPr/>
+          <a:lstStyle/>
+          <a:p>
+            <a:r>
+              <a:rPr lang="de-CH" dirty="0" smtClean="0"/>
+              <a:t>Backup/Scrap</a:t>
+            </a:r>
+            <a:br>
+              <a:rPr lang="de-CH" dirty="0" smtClean="0"/>
+            </a:br>
+            <a:endParaRPr lang="de-CH" dirty="0"/>
+          </a:p>
+        </p:txBody>
+      </p:sp>
+      <p:sp>
+        <p:nvSpPr>
+          <p:cNvPr id="3" name="Text Placeholder 2"/>
+          <p:cNvSpPr>
+            <a:spLocks noGrp="1"/>
+          </p:cNvSpPr>
+          <p:nvPr>
+            <p:ph type="body" idx="1"/>
+          </p:nvPr>
+        </p:nvSpPr>
+        <p:spPr/>
+        <p:txBody>
+          <a:bodyPr/>
+          <a:lstStyle/>
+          <a:p>
+            <a:endParaRPr lang="de-CH"/>
+          </a:p>
+        </p:txBody>
+      </p:sp>
+      <p:sp>
+        <p:nvSpPr>
+          <p:cNvPr id="4" name="Slide Number Placeholder 3"/>
+          <p:cNvSpPr>
+            <a:spLocks noGrp="1"/>
+          </p:cNvSpPr>
+          <p:nvPr>
+            <p:ph type="sldNum" sz="quarter" idx="12"/>
+          </p:nvPr>
+        </p:nvSpPr>
+        <p:spPr/>
+        <p:txBody>
+          <a:bodyPr/>
+          <a:lstStyle/>
+          <a:p>
+            <a:fld id="{4D2DA8B8-9780-4A8A-B22C-644F1551F876}" type="slidenum">
+              <a:rPr lang="en-GB" smtClean="0"/>
+              <a:t>19</a:t>
+            </a:fld>
+            <a:endParaRPr lang="en-GB"/>
+          </a:p>
+        </p:txBody>
+      </p:sp>
+    </p:spTree>
+    <p:extLst>
+      <p:ext uri="{BB962C8B-B14F-4D97-AF65-F5344CB8AC3E}">
+        <p14:creationId xmlns:p14="http://schemas.microsoft.com/office/powerpoint/2010/main" val="4235771597"/>
       </p:ext>
     </p:extLst>
   </p:cSld>
@@ -8417,6 +9121,2230 @@
     <p:extLst>
       <p:ext uri="{BB962C8B-B14F-4D97-AF65-F5344CB8AC3E}">
         <p14:creationId xmlns:p14="http://schemas.microsoft.com/office/powerpoint/2010/main" val="103057691"/>
+      </p:ext>
+    </p:extLst>
+  </p:cSld>
+  <p:clrMapOvr>
+    <a:masterClrMapping/>
+  </p:clrMapOvr>
+  <p:timing>
+    <p:tnLst>
+      <p:par>
+        <p:cTn id="1" dur="indefinite" restart="never" nodeType="tmRoot"/>
+      </p:par>
+    </p:tnLst>
+  </p:timing>
+</p:sld>
+</file>
+
+<file path=ppt/slides/slide20.xml><?xml version="1.0" encoding="utf-8"?>
+<p:sld xmlns:a="http://schemas.openxmlformats.org/drawingml/2006/main" xmlns:r="http://schemas.openxmlformats.org/officeDocument/2006/relationships" xmlns:p="http://schemas.openxmlformats.org/presentationml/2006/main">
+  <p:cSld>
+    <p:spTree>
+      <p:nvGrpSpPr>
+        <p:cNvPr id="1" name=""/>
+        <p:cNvGrpSpPr/>
+        <p:nvPr/>
+      </p:nvGrpSpPr>
+      <p:grpSpPr>
+        <a:xfrm>
+          <a:off x="0" y="0"/>
+          <a:ext cx="0" cy="0"/>
+          <a:chOff x="0" y="0"/>
+          <a:chExt cx="0" cy="0"/>
+        </a:xfrm>
+      </p:grpSpPr>
+      <p:sp>
+        <p:nvSpPr>
+          <p:cNvPr id="2" name="Title 1"/>
+          <p:cNvSpPr>
+            <a:spLocks noGrp="1"/>
+          </p:cNvSpPr>
+          <p:nvPr>
+            <p:ph type="title"/>
+          </p:nvPr>
+        </p:nvSpPr>
+        <p:spPr/>
+        <p:txBody>
+          <a:bodyPr/>
+          <a:lstStyle/>
+          <a:p>
+            <a:r>
+              <a:rPr lang="de-CH" dirty="0" err="1" smtClean="0"/>
+              <a:t>Chalice</a:t>
+            </a:r>
+            <a:endParaRPr lang="en-GB" dirty="0"/>
+          </a:p>
+        </p:txBody>
+      </p:sp>
+      <p:sp>
+        <p:nvSpPr>
+          <p:cNvPr id="3" name="Content Placeholder 2"/>
+          <p:cNvSpPr>
+            <a:spLocks noGrp="1"/>
+          </p:cNvSpPr>
+          <p:nvPr>
+            <p:ph sz="half" idx="1"/>
+          </p:nvPr>
+        </p:nvSpPr>
+        <p:spPr/>
+        <p:txBody>
+          <a:bodyPr/>
+          <a:lstStyle/>
+          <a:p>
+            <a:r>
+              <a:rPr lang="de-CH" dirty="0" err="1" smtClean="0"/>
+              <a:t>Annotated</a:t>
+            </a:r>
+            <a:r>
+              <a:rPr lang="de-CH" dirty="0" smtClean="0"/>
+              <a:t> </a:t>
+            </a:r>
+            <a:r>
+              <a:rPr lang="de-CH" dirty="0" err="1" smtClean="0"/>
+              <a:t>Methods</a:t>
+            </a:r>
+            <a:endParaRPr lang="en-GB" dirty="0"/>
+          </a:p>
+        </p:txBody>
+      </p:sp>
+      <p:sp>
+        <p:nvSpPr>
+          <p:cNvPr id="4" name="Content Placeholder 3"/>
+          <p:cNvSpPr>
+            <a:spLocks noGrp="1"/>
+          </p:cNvSpPr>
+          <p:nvPr>
+            <p:ph sz="half" idx="2"/>
+          </p:nvPr>
+        </p:nvSpPr>
+        <p:spPr/>
+        <p:txBody>
+          <a:bodyPr>
+            <a:normAutofit/>
+          </a:bodyPr>
+          <a:lstStyle/>
+          <a:p>
+            <a:pPr marL="0" indent="0">
+              <a:buNone/>
+              <a:tabLst>
+                <a:tab pos="177800" algn="l"/>
+                <a:tab pos="355600" algn="l"/>
+              </a:tabLst>
+            </a:pPr>
+            <a:r>
+              <a:rPr lang="en-GB" sz="1800" spc="-150" dirty="0">
+                <a:latin typeface="Consolas" pitchFamily="49" charset="0"/>
+                <a:cs typeface="Consolas" pitchFamily="49" charset="0"/>
+              </a:rPr>
+              <a:t>class Cell {</a:t>
+            </a:r>
+          </a:p>
+          <a:p>
+            <a:pPr marL="0" indent="0">
+              <a:buNone/>
+              <a:tabLst>
+                <a:tab pos="177800" algn="l"/>
+                <a:tab pos="355600" algn="l"/>
+              </a:tabLst>
+            </a:pPr>
+            <a:r>
+              <a:rPr lang="en-GB" sz="1800" spc="-150" dirty="0">
+                <a:latin typeface="Consolas" pitchFamily="49" charset="0"/>
+                <a:cs typeface="Consolas" pitchFamily="49" charset="0"/>
+              </a:rPr>
+              <a:t>    </a:t>
+            </a:r>
+            <a:r>
+              <a:rPr lang="en-GB" sz="1800" spc="-150" dirty="0" err="1">
+                <a:latin typeface="Consolas" pitchFamily="49" charset="0"/>
+                <a:cs typeface="Consolas" pitchFamily="49" charset="0"/>
+              </a:rPr>
+              <a:t>var</a:t>
+            </a:r>
+            <a:r>
+              <a:rPr lang="en-GB" sz="1800" spc="-150" dirty="0">
+                <a:latin typeface="Consolas" pitchFamily="49" charset="0"/>
+                <a:cs typeface="Consolas" pitchFamily="49" charset="0"/>
+              </a:rPr>
+              <a:t> v: </a:t>
+            </a:r>
+            <a:r>
+              <a:rPr lang="en-GB" sz="1800" spc="-150" dirty="0" err="1">
+                <a:latin typeface="Consolas" pitchFamily="49" charset="0"/>
+                <a:cs typeface="Consolas" pitchFamily="49" charset="0"/>
+              </a:rPr>
+              <a:t>int</a:t>
+            </a:r>
+            <a:r>
+              <a:rPr lang="en-GB" sz="1800" spc="-150" dirty="0">
+                <a:latin typeface="Consolas" pitchFamily="49" charset="0"/>
+                <a:cs typeface="Consolas" pitchFamily="49" charset="0"/>
+              </a:rPr>
+              <a:t>;</a:t>
+            </a:r>
+          </a:p>
+          <a:p>
+            <a:pPr marL="0" indent="0">
+              <a:buNone/>
+              <a:tabLst>
+                <a:tab pos="177800" algn="l"/>
+                <a:tab pos="355600" algn="l"/>
+              </a:tabLst>
+            </a:pPr>
+            <a:r>
+              <a:rPr lang="en-GB" sz="1800" spc="-150" dirty="0">
+                <a:latin typeface="Consolas" pitchFamily="49" charset="0"/>
+                <a:cs typeface="Consolas" pitchFamily="49" charset="0"/>
+              </a:rPr>
+              <a:t>    </a:t>
+            </a:r>
+          </a:p>
+          <a:p>
+            <a:pPr marL="0" indent="0">
+              <a:buNone/>
+              <a:tabLst>
+                <a:tab pos="177800" algn="l"/>
+                <a:tab pos="355600" algn="l"/>
+              </a:tabLst>
+            </a:pPr>
+            <a:r>
+              <a:rPr lang="en-GB" sz="1800" spc="-150" dirty="0">
+                <a:latin typeface="Consolas" pitchFamily="49" charset="0"/>
+                <a:cs typeface="Consolas" pitchFamily="49" charset="0"/>
+              </a:rPr>
+              <a:t>    method </a:t>
+            </a:r>
+            <a:r>
+              <a:rPr lang="en-GB" sz="1800" spc="-150" dirty="0" err="1">
+                <a:latin typeface="Consolas" pitchFamily="49" charset="0"/>
+                <a:cs typeface="Consolas" pitchFamily="49" charset="0"/>
+              </a:rPr>
+              <a:t>inc</a:t>
+            </a:r>
+            <a:r>
+              <a:rPr lang="en-GB" sz="1800" spc="-150" dirty="0">
+                <a:latin typeface="Consolas" pitchFamily="49" charset="0"/>
+                <a:cs typeface="Consolas" pitchFamily="49" charset="0"/>
+              </a:rPr>
+              <a:t>(d: </a:t>
+            </a:r>
+            <a:r>
+              <a:rPr lang="en-GB" sz="1800" spc="-150" dirty="0" err="1">
+                <a:latin typeface="Consolas" pitchFamily="49" charset="0"/>
+                <a:cs typeface="Consolas" pitchFamily="49" charset="0"/>
+              </a:rPr>
+              <a:t>int</a:t>
+            </a:r>
+            <a:r>
+              <a:rPr lang="en-GB" sz="1800" spc="-150" dirty="0">
+                <a:latin typeface="Consolas" pitchFamily="49" charset="0"/>
+                <a:cs typeface="Consolas" pitchFamily="49" charset="0"/>
+              </a:rPr>
+              <a:t>)</a:t>
+            </a:r>
+          </a:p>
+          <a:p>
+            <a:pPr marL="0" indent="0">
+              <a:buNone/>
+              <a:tabLst>
+                <a:tab pos="177800" algn="l"/>
+                <a:tab pos="355600" algn="l"/>
+              </a:tabLst>
+            </a:pPr>
+            <a:r>
+              <a:rPr lang="en-GB" sz="1800" spc="-150" dirty="0">
+                <a:latin typeface="Consolas" pitchFamily="49" charset="0"/>
+                <a:cs typeface="Consolas" pitchFamily="49" charset="0"/>
+              </a:rPr>
+              <a:t>        requires 0 &lt; d</a:t>
+            </a:r>
+            <a:r>
+              <a:rPr lang="en-GB" sz="1800" spc="-150" dirty="0" smtClean="0">
+                <a:latin typeface="Consolas" pitchFamily="49" charset="0"/>
+                <a:cs typeface="Consolas" pitchFamily="49" charset="0"/>
+              </a:rPr>
+              <a:t>;</a:t>
+            </a:r>
+          </a:p>
+          <a:p>
+            <a:pPr marL="0" indent="0">
+              <a:buNone/>
+              <a:tabLst>
+                <a:tab pos="177800" algn="l"/>
+                <a:tab pos="355600" algn="l"/>
+              </a:tabLst>
+            </a:pPr>
+            <a:r>
+              <a:rPr lang="en-GB" sz="1800" spc="-150" dirty="0">
+                <a:latin typeface="Consolas" pitchFamily="49" charset="0"/>
+                <a:cs typeface="Consolas" pitchFamily="49" charset="0"/>
+              </a:rPr>
+              <a:t> </a:t>
+            </a:r>
+            <a:r>
+              <a:rPr lang="en-GB" sz="1800" spc="-150" dirty="0" smtClean="0">
+                <a:latin typeface="Consolas" pitchFamily="49" charset="0"/>
+                <a:cs typeface="Consolas" pitchFamily="49" charset="0"/>
+              </a:rPr>
+              <a:t>       requires </a:t>
+            </a:r>
+            <a:r>
+              <a:rPr lang="en-GB" sz="1800" spc="-150" dirty="0" err="1" smtClean="0">
+                <a:latin typeface="Consolas" pitchFamily="49" charset="0"/>
+                <a:cs typeface="Consolas" pitchFamily="49" charset="0"/>
+              </a:rPr>
+              <a:t>acc</a:t>
+            </a:r>
+            <a:r>
+              <a:rPr lang="en-GB" sz="1800" spc="-150" dirty="0" smtClean="0">
+                <a:latin typeface="Consolas" pitchFamily="49" charset="0"/>
+                <a:cs typeface="Consolas" pitchFamily="49" charset="0"/>
+              </a:rPr>
+              <a:t>(v);</a:t>
+            </a:r>
+          </a:p>
+          <a:p>
+            <a:pPr marL="0" indent="0">
+              <a:buNone/>
+              <a:tabLst>
+                <a:tab pos="177800" algn="l"/>
+                <a:tab pos="355600" algn="l"/>
+              </a:tabLst>
+            </a:pPr>
+            <a:r>
+              <a:rPr lang="en-GB" sz="1800" spc="-150" dirty="0">
+                <a:latin typeface="Consolas" pitchFamily="49" charset="0"/>
+                <a:cs typeface="Consolas" pitchFamily="49" charset="0"/>
+              </a:rPr>
+              <a:t> </a:t>
+            </a:r>
+            <a:r>
+              <a:rPr lang="en-GB" sz="1800" spc="-150" dirty="0" smtClean="0">
+                <a:latin typeface="Consolas" pitchFamily="49" charset="0"/>
+                <a:cs typeface="Consolas" pitchFamily="49" charset="0"/>
+              </a:rPr>
+              <a:t>       ensures </a:t>
+            </a:r>
+            <a:r>
+              <a:rPr lang="en-GB" sz="1800" spc="-150" dirty="0">
+                <a:latin typeface="Consolas" pitchFamily="49" charset="0"/>
+                <a:cs typeface="Consolas" pitchFamily="49" charset="0"/>
+              </a:rPr>
+              <a:t>v == old(v) + d;</a:t>
+            </a:r>
+          </a:p>
+          <a:p>
+            <a:pPr marL="0" indent="0">
+              <a:buNone/>
+              <a:tabLst>
+                <a:tab pos="177800" algn="l"/>
+                <a:tab pos="355600" algn="l"/>
+              </a:tabLst>
+            </a:pPr>
+            <a:r>
+              <a:rPr lang="en-GB" sz="1800" spc="-150" dirty="0">
+                <a:latin typeface="Consolas" pitchFamily="49" charset="0"/>
+                <a:cs typeface="Consolas" pitchFamily="49" charset="0"/>
+              </a:rPr>
+              <a:t>    {   v := v + d; }</a:t>
+            </a:r>
+          </a:p>
+          <a:p>
+            <a:pPr marL="0" indent="0">
+              <a:buNone/>
+              <a:tabLst>
+                <a:tab pos="177800" algn="l"/>
+                <a:tab pos="355600" algn="l"/>
+              </a:tabLst>
+            </a:pPr>
+            <a:r>
+              <a:rPr lang="en-GB" sz="1800" spc="-150" dirty="0">
+                <a:latin typeface="Consolas" pitchFamily="49" charset="0"/>
+                <a:cs typeface="Consolas" pitchFamily="49" charset="0"/>
+              </a:rPr>
+              <a:t>}</a:t>
+            </a:r>
+          </a:p>
+        </p:txBody>
+      </p:sp>
+      <p:sp>
+        <p:nvSpPr>
+          <p:cNvPr id="5" name="Slide Number Placeholder 4"/>
+          <p:cNvSpPr>
+            <a:spLocks noGrp="1"/>
+          </p:cNvSpPr>
+          <p:nvPr>
+            <p:ph type="sldNum" sz="quarter" idx="12"/>
+          </p:nvPr>
+        </p:nvSpPr>
+        <p:spPr/>
+        <p:txBody>
+          <a:bodyPr/>
+          <a:lstStyle/>
+          <a:p>
+            <a:fld id="{D8727298-9337-4FF1-AD4C-CD4DB75A4A45}" type="slidenum">
+              <a:rPr lang="de-CH" smtClean="0"/>
+              <a:t>20</a:t>
+            </a:fld>
+            <a:endParaRPr lang="de-CH"/>
+          </a:p>
+        </p:txBody>
+      </p:sp>
+    </p:spTree>
+    <p:extLst>
+      <p:ext uri="{BB962C8B-B14F-4D97-AF65-F5344CB8AC3E}">
+        <p14:creationId xmlns:p14="http://schemas.microsoft.com/office/powerpoint/2010/main" val="996484789"/>
+      </p:ext>
+    </p:extLst>
+  </p:cSld>
+  <p:clrMapOvr>
+    <a:masterClrMapping/>
+  </p:clrMapOvr>
+  <p:timing>
+    <p:tnLst>
+      <p:par>
+        <p:cTn id="1" dur="indefinite" restart="never" nodeType="tmRoot"/>
+      </p:par>
+    </p:tnLst>
+  </p:timing>
+</p:sld>
+</file>
+
+<file path=ppt/slides/slide21.xml><?xml version="1.0" encoding="utf-8"?>
+<p:sld xmlns:a="http://schemas.openxmlformats.org/drawingml/2006/main" xmlns:r="http://schemas.openxmlformats.org/officeDocument/2006/relationships" xmlns:p="http://schemas.openxmlformats.org/presentationml/2006/main">
+  <p:cSld>
+    <p:spTree>
+      <p:nvGrpSpPr>
+        <p:cNvPr id="1" name=""/>
+        <p:cNvGrpSpPr/>
+        <p:nvPr/>
+      </p:nvGrpSpPr>
+      <p:grpSpPr>
+        <a:xfrm>
+          <a:off x="0" y="0"/>
+          <a:ext cx="0" cy="0"/>
+          <a:chOff x="0" y="0"/>
+          <a:chExt cx="0" cy="0"/>
+        </a:xfrm>
+      </p:grpSpPr>
+      <p:sp>
+        <p:nvSpPr>
+          <p:cNvPr id="2" name="Title 1"/>
+          <p:cNvSpPr>
+            <a:spLocks noGrp="1"/>
+          </p:cNvSpPr>
+          <p:nvPr>
+            <p:ph type="title"/>
+          </p:nvPr>
+        </p:nvSpPr>
+        <p:spPr/>
+        <p:txBody>
+          <a:bodyPr/>
+          <a:lstStyle/>
+          <a:p>
+            <a:r>
+              <a:rPr lang="de-CH" dirty="0" err="1" smtClean="0"/>
+              <a:t>Chalice</a:t>
+            </a:r>
+            <a:endParaRPr lang="en-GB" dirty="0"/>
+          </a:p>
+        </p:txBody>
+      </p:sp>
+      <p:sp>
+        <p:nvSpPr>
+          <p:cNvPr id="3" name="Content Placeholder 2"/>
+          <p:cNvSpPr>
+            <a:spLocks noGrp="1"/>
+          </p:cNvSpPr>
+          <p:nvPr>
+            <p:ph sz="half" idx="1"/>
+          </p:nvPr>
+        </p:nvSpPr>
+        <p:spPr/>
+        <p:txBody>
+          <a:bodyPr>
+            <a:normAutofit/>
+          </a:bodyPr>
+          <a:lstStyle/>
+          <a:p>
+            <a:r>
+              <a:rPr lang="de-CH" dirty="0" err="1" smtClean="0"/>
+              <a:t>Annotated</a:t>
+            </a:r>
+            <a:r>
+              <a:rPr lang="de-CH" dirty="0" smtClean="0"/>
+              <a:t> </a:t>
+            </a:r>
+            <a:r>
+              <a:rPr lang="de-CH" dirty="0" err="1" smtClean="0"/>
+              <a:t>Methods</a:t>
+            </a:r>
+            <a:endParaRPr lang="de-CH" dirty="0" smtClean="0"/>
+          </a:p>
+          <a:p>
+            <a:r>
+              <a:rPr lang="de-CH" dirty="0" smtClean="0"/>
+              <a:t>Monitors</a:t>
+            </a:r>
+          </a:p>
+        </p:txBody>
+      </p:sp>
+      <p:sp>
+        <p:nvSpPr>
+          <p:cNvPr id="4" name="Content Placeholder 3"/>
+          <p:cNvSpPr>
+            <a:spLocks noGrp="1"/>
+          </p:cNvSpPr>
+          <p:nvPr>
+            <p:ph sz="half" idx="2"/>
+          </p:nvPr>
+        </p:nvSpPr>
+        <p:spPr>
+          <a:xfrm>
+            <a:off x="4648200" y="1600200"/>
+            <a:ext cx="4388296" cy="4853136"/>
+          </a:xfrm>
+        </p:spPr>
+        <p:txBody>
+          <a:bodyPr>
+            <a:normAutofit/>
+          </a:bodyPr>
+          <a:lstStyle/>
+          <a:p>
+            <a:pPr marL="0" indent="0">
+              <a:buNone/>
+              <a:tabLst>
+                <a:tab pos="177800" algn="l"/>
+                <a:tab pos="355600" algn="l"/>
+              </a:tabLst>
+            </a:pPr>
+            <a:r>
+              <a:rPr lang="en-GB" sz="1800" spc="-150" dirty="0">
+                <a:latin typeface="Consolas" pitchFamily="49" charset="0"/>
+                <a:cs typeface="Consolas" pitchFamily="49" charset="0"/>
+              </a:rPr>
+              <a:t>class Cell </a:t>
+            </a:r>
+            <a:r>
+              <a:rPr lang="en-GB" sz="1800" spc="-150" dirty="0" smtClean="0">
+                <a:latin typeface="Consolas" pitchFamily="49" charset="0"/>
+                <a:cs typeface="Consolas" pitchFamily="49" charset="0"/>
+              </a:rPr>
+              <a:t>{</a:t>
+            </a:r>
+          </a:p>
+          <a:p>
+            <a:pPr marL="0" indent="0">
+              <a:buNone/>
+              <a:tabLst>
+                <a:tab pos="177800" algn="l"/>
+                <a:tab pos="355600" algn="l"/>
+              </a:tabLst>
+            </a:pPr>
+            <a:r>
+              <a:rPr lang="en-GB" sz="1800" spc="-150" dirty="0" smtClean="0">
+                <a:latin typeface="Consolas" pitchFamily="49" charset="0"/>
+                <a:cs typeface="Consolas" pitchFamily="49" charset="0"/>
+              </a:rPr>
+              <a:t>	</a:t>
+            </a:r>
+            <a:r>
+              <a:rPr lang="en-GB" sz="1800" spc="-150" dirty="0" err="1" smtClean="0">
+                <a:latin typeface="Consolas" pitchFamily="49" charset="0"/>
+                <a:cs typeface="Consolas" pitchFamily="49" charset="0"/>
+              </a:rPr>
+              <a:t>var</a:t>
+            </a:r>
+            <a:r>
+              <a:rPr lang="en-GB" sz="1800" spc="-150" dirty="0" smtClean="0">
+                <a:latin typeface="Consolas" pitchFamily="49" charset="0"/>
+                <a:cs typeface="Consolas" pitchFamily="49" charset="0"/>
+              </a:rPr>
+              <a:t> v: </a:t>
+            </a:r>
+            <a:r>
+              <a:rPr lang="en-GB" sz="1800" spc="-150" dirty="0" err="1" smtClean="0">
+                <a:latin typeface="Consolas" pitchFamily="49" charset="0"/>
+                <a:cs typeface="Consolas" pitchFamily="49" charset="0"/>
+              </a:rPr>
+              <a:t>int</a:t>
+            </a:r>
+            <a:r>
+              <a:rPr lang="en-GB" sz="1800" spc="-150" dirty="0" smtClean="0">
+                <a:latin typeface="Consolas" pitchFamily="49" charset="0"/>
+                <a:cs typeface="Consolas" pitchFamily="49" charset="0"/>
+              </a:rPr>
+              <a:t>;</a:t>
+            </a:r>
+          </a:p>
+          <a:p>
+            <a:pPr marL="0" indent="0">
+              <a:buNone/>
+              <a:tabLst>
+                <a:tab pos="177800" algn="l"/>
+                <a:tab pos="355600" algn="l"/>
+                <a:tab pos="627063" algn="l"/>
+              </a:tabLst>
+            </a:pPr>
+            <a:r>
+              <a:rPr lang="de-CH" sz="1800" spc="-150" dirty="0" smtClean="0">
+                <a:latin typeface="Consolas" pitchFamily="49" charset="0"/>
+                <a:cs typeface="Consolas" pitchFamily="49" charset="0"/>
+              </a:rPr>
+              <a:t>	invariant </a:t>
+            </a:r>
+            <a:r>
+              <a:rPr lang="de-CH" sz="1800" spc="-150" dirty="0" err="1" smtClean="0">
+                <a:latin typeface="Consolas" pitchFamily="49" charset="0"/>
+                <a:cs typeface="Consolas" pitchFamily="49" charset="0"/>
+              </a:rPr>
+              <a:t>acc</a:t>
+            </a:r>
+            <a:r>
+              <a:rPr lang="de-CH" sz="1800" spc="-150" dirty="0" smtClean="0">
+                <a:latin typeface="Consolas" pitchFamily="49" charset="0"/>
+                <a:cs typeface="Consolas" pitchFamily="49" charset="0"/>
+              </a:rPr>
+              <a:t>(v) &amp;&amp; 0 &lt;= c;</a:t>
+            </a:r>
+          </a:p>
+          <a:p>
+            <a:pPr marL="0" indent="0">
+              <a:buNone/>
+              <a:tabLst>
+                <a:tab pos="177800" algn="l"/>
+                <a:tab pos="355600" algn="l"/>
+                <a:tab pos="627063" algn="l"/>
+              </a:tabLst>
+            </a:pPr>
+            <a:r>
+              <a:rPr lang="de-CH" sz="1800" spc="-150" dirty="0" smtClean="0">
+                <a:latin typeface="Consolas" pitchFamily="49" charset="0"/>
+                <a:cs typeface="Consolas" pitchFamily="49" charset="0"/>
+              </a:rPr>
+              <a:t>}</a:t>
+            </a:r>
+          </a:p>
+          <a:p>
+            <a:pPr marL="0" indent="0">
+              <a:buNone/>
+              <a:tabLst>
+                <a:tab pos="177800" algn="l"/>
+                <a:tab pos="355600" algn="l"/>
+                <a:tab pos="627063" algn="l"/>
+              </a:tabLst>
+            </a:pPr>
+            <a:r>
+              <a:rPr lang="de-CH" sz="1800" spc="-150" dirty="0" err="1" smtClean="0">
+                <a:latin typeface="Consolas" pitchFamily="49" charset="0"/>
+                <a:cs typeface="Consolas" pitchFamily="49" charset="0"/>
+              </a:rPr>
+              <a:t>class</a:t>
+            </a:r>
+            <a:r>
+              <a:rPr lang="de-CH" sz="1800" spc="-150" dirty="0" smtClean="0">
+                <a:latin typeface="Consolas" pitchFamily="49" charset="0"/>
+                <a:cs typeface="Consolas" pitchFamily="49" charset="0"/>
+              </a:rPr>
+              <a:t> </a:t>
+            </a:r>
+            <a:r>
+              <a:rPr lang="de-CH" sz="1800" spc="-150" dirty="0" err="1" smtClean="0">
+                <a:latin typeface="Consolas" pitchFamily="49" charset="0"/>
+                <a:cs typeface="Consolas" pitchFamily="49" charset="0"/>
+              </a:rPr>
+              <a:t>Program</a:t>
+            </a:r>
+            <a:r>
+              <a:rPr lang="de-CH" sz="1800" spc="-150" dirty="0" smtClean="0">
+                <a:latin typeface="Consolas" pitchFamily="49" charset="0"/>
+                <a:cs typeface="Consolas" pitchFamily="49" charset="0"/>
+              </a:rPr>
+              <a:t> {</a:t>
+            </a:r>
+          </a:p>
+          <a:p>
+            <a:pPr marL="0" indent="0">
+              <a:buNone/>
+              <a:tabLst>
+                <a:tab pos="177800" algn="l"/>
+                <a:tab pos="355600" algn="l"/>
+                <a:tab pos="627063" algn="l"/>
+              </a:tabLst>
+            </a:pPr>
+            <a:r>
+              <a:rPr lang="de-CH" sz="1800" spc="-150" dirty="0" smtClean="0">
+                <a:latin typeface="Consolas" pitchFamily="49" charset="0"/>
+                <a:cs typeface="Consolas" pitchFamily="49" charset="0"/>
+              </a:rPr>
+              <a:t>	</a:t>
+            </a:r>
+            <a:r>
+              <a:rPr lang="de-CH" sz="1800" spc="-150" dirty="0" err="1" smtClean="0">
+                <a:latin typeface="Consolas" pitchFamily="49" charset="0"/>
+                <a:cs typeface="Consolas" pitchFamily="49" charset="0"/>
+              </a:rPr>
+              <a:t>method</a:t>
+            </a:r>
+            <a:r>
+              <a:rPr lang="de-CH" sz="1800" spc="-150" dirty="0" smtClean="0">
+                <a:latin typeface="Consolas" pitchFamily="49" charset="0"/>
+                <a:cs typeface="Consolas" pitchFamily="49" charset="0"/>
+              </a:rPr>
+              <a:t> </a:t>
+            </a:r>
+            <a:r>
+              <a:rPr lang="de-CH" sz="1800" spc="-150" dirty="0" err="1" smtClean="0">
+                <a:latin typeface="Consolas" pitchFamily="49" charset="0"/>
+                <a:cs typeface="Consolas" pitchFamily="49" charset="0"/>
+              </a:rPr>
+              <a:t>main</a:t>
+            </a:r>
+            <a:r>
+              <a:rPr lang="de-CH" sz="1800" spc="-150" dirty="0" smtClean="0">
+                <a:latin typeface="Consolas" pitchFamily="49" charset="0"/>
+                <a:cs typeface="Consolas" pitchFamily="49" charset="0"/>
+              </a:rPr>
+              <a:t>() {</a:t>
+            </a:r>
+          </a:p>
+          <a:p>
+            <a:pPr marL="0" indent="0">
+              <a:buNone/>
+              <a:tabLst>
+                <a:tab pos="177800" algn="l"/>
+                <a:tab pos="355600" algn="l"/>
+                <a:tab pos="627063" algn="l"/>
+              </a:tabLst>
+            </a:pPr>
+            <a:r>
+              <a:rPr lang="de-CH" sz="1800" spc="-150" dirty="0" smtClean="0">
+                <a:latin typeface="Consolas" pitchFamily="49" charset="0"/>
+                <a:cs typeface="Consolas" pitchFamily="49" charset="0"/>
+              </a:rPr>
+              <a:t>		</a:t>
+            </a:r>
+            <a:r>
+              <a:rPr lang="de-CH" sz="1800" spc="-150" dirty="0" err="1" smtClean="0">
+                <a:latin typeface="Consolas" pitchFamily="49" charset="0"/>
+                <a:cs typeface="Consolas" pitchFamily="49" charset="0"/>
+              </a:rPr>
+              <a:t>var</a:t>
+            </a:r>
+            <a:r>
+              <a:rPr lang="de-CH" sz="1800" spc="-150" dirty="0" smtClean="0">
+                <a:latin typeface="Consolas" pitchFamily="49" charset="0"/>
+                <a:cs typeface="Consolas" pitchFamily="49" charset="0"/>
+              </a:rPr>
+              <a:t> c:Cell := </a:t>
+            </a:r>
+            <a:r>
+              <a:rPr lang="de-CH" sz="1800" spc="-150" dirty="0" err="1" smtClean="0">
+                <a:latin typeface="Consolas" pitchFamily="49" charset="0"/>
+                <a:cs typeface="Consolas" pitchFamily="49" charset="0"/>
+              </a:rPr>
+              <a:t>new</a:t>
+            </a:r>
+            <a:r>
+              <a:rPr lang="de-CH" sz="1800" spc="-150" dirty="0" smtClean="0">
+                <a:latin typeface="Consolas" pitchFamily="49" charset="0"/>
+                <a:cs typeface="Consolas" pitchFamily="49" charset="0"/>
+              </a:rPr>
+              <a:t> </a:t>
+            </a:r>
+            <a:r>
+              <a:rPr lang="de-CH" sz="1800" spc="-150" dirty="0" err="1" smtClean="0">
+                <a:latin typeface="Consolas" pitchFamily="49" charset="0"/>
+                <a:cs typeface="Consolas" pitchFamily="49" charset="0"/>
+              </a:rPr>
+              <a:t>Cell</a:t>
+            </a:r>
+            <a:r>
+              <a:rPr lang="de-CH" sz="1800" spc="-150" dirty="0" smtClean="0">
+                <a:latin typeface="Consolas" pitchFamily="49" charset="0"/>
+                <a:cs typeface="Consolas" pitchFamily="49" charset="0"/>
+              </a:rPr>
+              <a:t>;</a:t>
+            </a:r>
+          </a:p>
+          <a:p>
+            <a:pPr marL="0" indent="0">
+              <a:buNone/>
+              <a:tabLst>
+                <a:tab pos="177800" algn="l"/>
+                <a:tab pos="355600" algn="l"/>
+                <a:tab pos="627063" algn="l"/>
+              </a:tabLst>
+            </a:pPr>
+            <a:r>
+              <a:rPr lang="de-CH" sz="1800" spc="-150" dirty="0">
+                <a:latin typeface="Consolas" pitchFamily="49" charset="0"/>
+                <a:cs typeface="Consolas" pitchFamily="49" charset="0"/>
+              </a:rPr>
+              <a:t>	</a:t>
+            </a:r>
+            <a:r>
+              <a:rPr lang="de-CH" sz="1800" spc="-150" dirty="0" smtClean="0">
+                <a:latin typeface="Consolas" pitchFamily="49" charset="0"/>
+                <a:cs typeface="Consolas" pitchFamily="49" charset="0"/>
+              </a:rPr>
+              <a:t>	</a:t>
+            </a:r>
+            <a:r>
+              <a:rPr lang="de-CH" sz="1800" spc="-150" dirty="0" err="1" smtClean="0">
+                <a:latin typeface="Consolas" pitchFamily="49" charset="0"/>
+                <a:cs typeface="Consolas" pitchFamily="49" charset="0"/>
+              </a:rPr>
+              <a:t>c.v</a:t>
+            </a:r>
+            <a:r>
+              <a:rPr lang="de-CH" sz="1800" spc="-150" dirty="0" smtClean="0">
+                <a:latin typeface="Consolas" pitchFamily="49" charset="0"/>
+                <a:cs typeface="Consolas" pitchFamily="49" charset="0"/>
+              </a:rPr>
+              <a:t> := 3;</a:t>
+            </a:r>
+          </a:p>
+          <a:p>
+            <a:pPr marL="0" indent="0">
+              <a:buNone/>
+              <a:tabLst>
+                <a:tab pos="177800" algn="l"/>
+                <a:tab pos="355600" algn="l"/>
+                <a:tab pos="627063" algn="l"/>
+              </a:tabLst>
+            </a:pPr>
+            <a:r>
+              <a:rPr lang="de-CH" sz="1800" spc="-150" dirty="0">
+                <a:latin typeface="Consolas" pitchFamily="49" charset="0"/>
+                <a:cs typeface="Consolas" pitchFamily="49" charset="0"/>
+              </a:rPr>
+              <a:t>	</a:t>
+            </a:r>
+            <a:r>
+              <a:rPr lang="de-CH" sz="1800" spc="-150" dirty="0" smtClean="0">
+                <a:latin typeface="Consolas" pitchFamily="49" charset="0"/>
+                <a:cs typeface="Consolas" pitchFamily="49" charset="0"/>
+              </a:rPr>
+              <a:t>	</a:t>
+            </a:r>
+            <a:r>
+              <a:rPr lang="de-CH" sz="1800" spc="-150" dirty="0" err="1" smtClean="0">
+                <a:latin typeface="Consolas" pitchFamily="49" charset="0"/>
+                <a:cs typeface="Consolas" pitchFamily="49" charset="0"/>
+              </a:rPr>
+              <a:t>share</a:t>
+            </a:r>
+            <a:r>
+              <a:rPr lang="de-CH" sz="1800" spc="-150" dirty="0" smtClean="0">
+                <a:latin typeface="Consolas" pitchFamily="49" charset="0"/>
+                <a:cs typeface="Consolas" pitchFamily="49" charset="0"/>
+              </a:rPr>
+              <a:t> c;</a:t>
+            </a:r>
+          </a:p>
+          <a:p>
+            <a:pPr marL="0" indent="0">
+              <a:buNone/>
+              <a:tabLst>
+                <a:tab pos="177800" algn="l"/>
+                <a:tab pos="355600" algn="l"/>
+                <a:tab pos="627063" algn="l"/>
+              </a:tabLst>
+            </a:pPr>
+            <a:endParaRPr lang="de-CH" sz="1800" spc="-150" dirty="0">
+              <a:latin typeface="Consolas" pitchFamily="49" charset="0"/>
+              <a:cs typeface="Consolas" pitchFamily="49" charset="0"/>
+            </a:endParaRPr>
+          </a:p>
+          <a:p>
+            <a:pPr marL="0" indent="0">
+              <a:buNone/>
+              <a:tabLst>
+                <a:tab pos="177800" algn="l"/>
+                <a:tab pos="355600" algn="l"/>
+                <a:tab pos="627063" algn="l"/>
+              </a:tabLst>
+            </a:pPr>
+            <a:r>
+              <a:rPr lang="de-CH" sz="1800" spc="-150" dirty="0" smtClean="0">
+                <a:latin typeface="Consolas" pitchFamily="49" charset="0"/>
+                <a:cs typeface="Consolas" pitchFamily="49" charset="0"/>
+              </a:rPr>
+              <a:t>		</a:t>
+            </a:r>
+            <a:r>
+              <a:rPr lang="de-CH" sz="1800" spc="-150" dirty="0" err="1" smtClean="0">
+                <a:latin typeface="Consolas" pitchFamily="49" charset="0"/>
+                <a:cs typeface="Consolas" pitchFamily="49" charset="0"/>
+              </a:rPr>
+              <a:t>acquire</a:t>
+            </a:r>
+            <a:r>
+              <a:rPr lang="de-CH" sz="1800" spc="-150" dirty="0" smtClean="0">
+                <a:latin typeface="Consolas" pitchFamily="49" charset="0"/>
+                <a:cs typeface="Consolas" pitchFamily="49" charset="0"/>
+              </a:rPr>
+              <a:t> c; </a:t>
+            </a:r>
+            <a:r>
+              <a:rPr lang="de-CH" sz="1800" spc="-150" dirty="0" err="1" smtClean="0">
+                <a:latin typeface="Consolas" pitchFamily="49" charset="0"/>
+                <a:cs typeface="Consolas" pitchFamily="49" charset="0"/>
+              </a:rPr>
+              <a:t>call</a:t>
+            </a:r>
+            <a:r>
+              <a:rPr lang="de-CH" sz="1800" spc="-150" dirty="0" smtClean="0">
+                <a:latin typeface="Consolas" pitchFamily="49" charset="0"/>
+                <a:cs typeface="Consolas" pitchFamily="49" charset="0"/>
+              </a:rPr>
+              <a:t> c.inc(2); </a:t>
+            </a:r>
+            <a:r>
+              <a:rPr lang="de-CH" sz="1800" spc="-150" dirty="0" err="1" smtClean="0">
+                <a:latin typeface="Consolas" pitchFamily="49" charset="0"/>
+                <a:cs typeface="Consolas" pitchFamily="49" charset="0"/>
+              </a:rPr>
+              <a:t>release</a:t>
+            </a:r>
+            <a:r>
+              <a:rPr lang="de-CH" sz="1800" spc="-150" dirty="0" smtClean="0">
+                <a:latin typeface="Consolas" pitchFamily="49" charset="0"/>
+                <a:cs typeface="Consolas" pitchFamily="49" charset="0"/>
+              </a:rPr>
+              <a:t> c;</a:t>
+            </a:r>
+            <a:endParaRPr lang="de-CH" sz="1800" spc="-150" dirty="0">
+              <a:latin typeface="Consolas" pitchFamily="49" charset="0"/>
+              <a:cs typeface="Consolas" pitchFamily="49" charset="0"/>
+            </a:endParaRPr>
+          </a:p>
+          <a:p>
+            <a:pPr marL="0" indent="0">
+              <a:buNone/>
+              <a:tabLst>
+                <a:tab pos="177800" algn="l"/>
+                <a:tab pos="355600" algn="l"/>
+                <a:tab pos="627063" algn="l"/>
+              </a:tabLst>
+            </a:pPr>
+            <a:r>
+              <a:rPr lang="de-CH" sz="1800" spc="-150" dirty="0" smtClean="0">
+                <a:latin typeface="Consolas" pitchFamily="49" charset="0"/>
+                <a:cs typeface="Consolas" pitchFamily="49" charset="0"/>
+              </a:rPr>
+              <a:t>	}</a:t>
+            </a:r>
+            <a:endParaRPr lang="de-CH" sz="1800" spc="-150" dirty="0">
+              <a:latin typeface="Consolas" pitchFamily="49" charset="0"/>
+              <a:cs typeface="Consolas" pitchFamily="49" charset="0"/>
+            </a:endParaRPr>
+          </a:p>
+          <a:p>
+            <a:pPr marL="0" indent="0">
+              <a:buNone/>
+              <a:tabLst>
+                <a:tab pos="177800" algn="l"/>
+                <a:tab pos="355600" algn="l"/>
+                <a:tab pos="627063" algn="l"/>
+              </a:tabLst>
+            </a:pPr>
+            <a:r>
+              <a:rPr lang="de-CH" sz="1800" spc="-150" dirty="0" smtClean="0">
+                <a:latin typeface="Consolas" pitchFamily="49" charset="0"/>
+                <a:cs typeface="Consolas" pitchFamily="49" charset="0"/>
+              </a:rPr>
+              <a:t>}</a:t>
+            </a:r>
+            <a:endParaRPr lang="de-CH" sz="1800" spc="-150" dirty="0">
+              <a:latin typeface="Consolas" pitchFamily="49" charset="0"/>
+              <a:cs typeface="Consolas" pitchFamily="49" charset="0"/>
+            </a:endParaRPr>
+          </a:p>
+        </p:txBody>
+      </p:sp>
+      <p:sp>
+        <p:nvSpPr>
+          <p:cNvPr id="5" name="Slide Number Placeholder 4"/>
+          <p:cNvSpPr>
+            <a:spLocks noGrp="1"/>
+          </p:cNvSpPr>
+          <p:nvPr>
+            <p:ph type="sldNum" sz="quarter" idx="12"/>
+          </p:nvPr>
+        </p:nvSpPr>
+        <p:spPr/>
+        <p:txBody>
+          <a:bodyPr/>
+          <a:lstStyle/>
+          <a:p>
+            <a:fld id="{D8727298-9337-4FF1-AD4C-CD4DB75A4A45}" type="slidenum">
+              <a:rPr lang="de-CH" smtClean="0"/>
+              <a:t>21</a:t>
+            </a:fld>
+            <a:endParaRPr lang="de-CH"/>
+          </a:p>
+        </p:txBody>
+      </p:sp>
+    </p:spTree>
+    <p:extLst>
+      <p:ext uri="{BB962C8B-B14F-4D97-AF65-F5344CB8AC3E}">
+        <p14:creationId xmlns:p14="http://schemas.microsoft.com/office/powerpoint/2010/main" val="3490366721"/>
+      </p:ext>
+    </p:extLst>
+  </p:cSld>
+  <p:clrMapOvr>
+    <a:masterClrMapping/>
+  </p:clrMapOvr>
+  <p:timing>
+    <p:tnLst>
+      <p:par>
+        <p:cTn id="1" dur="indefinite" restart="never" nodeType="tmRoot"/>
+      </p:par>
+    </p:tnLst>
+  </p:timing>
+</p:sld>
+</file>
+
+<file path=ppt/slides/slide22.xml><?xml version="1.0" encoding="utf-8"?>
+<p:sld xmlns:a="http://schemas.openxmlformats.org/drawingml/2006/main" xmlns:r="http://schemas.openxmlformats.org/officeDocument/2006/relationships" xmlns:p="http://schemas.openxmlformats.org/presentationml/2006/main">
+  <p:cSld>
+    <p:spTree>
+      <p:nvGrpSpPr>
+        <p:cNvPr id="1" name=""/>
+        <p:cNvGrpSpPr/>
+        <p:nvPr/>
+      </p:nvGrpSpPr>
+      <p:grpSpPr>
+        <a:xfrm>
+          <a:off x="0" y="0"/>
+          <a:ext cx="0" cy="0"/>
+          <a:chOff x="0" y="0"/>
+          <a:chExt cx="0" cy="0"/>
+        </a:xfrm>
+      </p:grpSpPr>
+      <p:sp>
+        <p:nvSpPr>
+          <p:cNvPr id="2" name="Title 1"/>
+          <p:cNvSpPr>
+            <a:spLocks noGrp="1"/>
+          </p:cNvSpPr>
+          <p:nvPr>
+            <p:ph type="title"/>
+          </p:nvPr>
+        </p:nvSpPr>
+        <p:spPr/>
+        <p:txBody>
+          <a:bodyPr/>
+          <a:lstStyle/>
+          <a:p>
+            <a:r>
+              <a:rPr lang="de-CH" dirty="0" err="1" smtClean="0"/>
+              <a:t>Chalice</a:t>
+            </a:r>
+            <a:endParaRPr lang="en-GB" dirty="0"/>
+          </a:p>
+        </p:txBody>
+      </p:sp>
+      <p:sp>
+        <p:nvSpPr>
+          <p:cNvPr id="3" name="Content Placeholder 2"/>
+          <p:cNvSpPr>
+            <a:spLocks noGrp="1"/>
+          </p:cNvSpPr>
+          <p:nvPr>
+            <p:ph sz="half" idx="1"/>
+          </p:nvPr>
+        </p:nvSpPr>
+        <p:spPr/>
+        <p:txBody>
+          <a:bodyPr>
+            <a:normAutofit/>
+          </a:bodyPr>
+          <a:lstStyle/>
+          <a:p>
+            <a:r>
+              <a:rPr lang="de-CH" dirty="0" err="1" smtClean="0"/>
+              <a:t>Annotated</a:t>
+            </a:r>
+            <a:r>
+              <a:rPr lang="de-CH" dirty="0" smtClean="0"/>
+              <a:t> </a:t>
+            </a:r>
+            <a:r>
+              <a:rPr lang="de-CH" dirty="0" err="1" smtClean="0"/>
+              <a:t>Methods</a:t>
+            </a:r>
+            <a:endParaRPr lang="de-CH" dirty="0" smtClean="0"/>
+          </a:p>
+          <a:p>
+            <a:r>
+              <a:rPr lang="de-CH" dirty="0" smtClean="0"/>
+              <a:t>Monitors</a:t>
+            </a:r>
+          </a:p>
+          <a:p>
+            <a:r>
+              <a:rPr lang="de-CH" dirty="0" err="1" smtClean="0"/>
+              <a:t>Predicates</a:t>
+            </a:r>
+            <a:r>
+              <a:rPr lang="de-CH" dirty="0" smtClean="0"/>
+              <a:t>/</a:t>
+            </a:r>
+            <a:r>
+              <a:rPr lang="de-CH" dirty="0" err="1" smtClean="0"/>
+              <a:t>Functions</a:t>
+            </a:r>
+            <a:endParaRPr lang="de-CH" dirty="0" smtClean="0"/>
+          </a:p>
+        </p:txBody>
+      </p:sp>
+      <p:sp>
+        <p:nvSpPr>
+          <p:cNvPr id="4" name="Content Placeholder 3"/>
+          <p:cNvSpPr>
+            <a:spLocks noGrp="1"/>
+          </p:cNvSpPr>
+          <p:nvPr>
+            <p:ph sz="half" idx="2"/>
+          </p:nvPr>
+        </p:nvSpPr>
+        <p:spPr>
+          <a:xfrm>
+            <a:off x="4648200" y="1600200"/>
+            <a:ext cx="4100264" cy="4853136"/>
+          </a:xfrm>
+        </p:spPr>
+        <p:txBody>
+          <a:bodyPr>
+            <a:normAutofit/>
+          </a:bodyPr>
+          <a:lstStyle/>
+          <a:p>
+            <a:pPr marL="0" indent="0">
+              <a:buNone/>
+              <a:tabLst>
+                <a:tab pos="177800" algn="l"/>
+                <a:tab pos="355600" algn="l"/>
+              </a:tabLst>
+            </a:pPr>
+            <a:r>
+              <a:rPr lang="en-GB" sz="1800" spc="-150" dirty="0">
+                <a:latin typeface="Consolas" pitchFamily="49" charset="0"/>
+                <a:cs typeface="Consolas" pitchFamily="49" charset="0"/>
+              </a:rPr>
+              <a:t>class Cell </a:t>
+            </a:r>
+            <a:r>
+              <a:rPr lang="en-GB" sz="1800" spc="-150" dirty="0" smtClean="0">
+                <a:latin typeface="Consolas" pitchFamily="49" charset="0"/>
+                <a:cs typeface="Consolas" pitchFamily="49" charset="0"/>
+              </a:rPr>
+              <a:t>{</a:t>
+            </a:r>
+          </a:p>
+          <a:p>
+            <a:pPr marL="0" indent="0">
+              <a:buNone/>
+              <a:tabLst>
+                <a:tab pos="177800" algn="l"/>
+                <a:tab pos="355600" algn="l"/>
+              </a:tabLst>
+            </a:pPr>
+            <a:r>
+              <a:rPr lang="en-GB" sz="1800" spc="-150" dirty="0" smtClean="0">
+                <a:latin typeface="Consolas" pitchFamily="49" charset="0"/>
+                <a:cs typeface="Consolas" pitchFamily="49" charset="0"/>
+              </a:rPr>
+              <a:t>	</a:t>
+            </a:r>
+            <a:r>
+              <a:rPr lang="en-GB" sz="1800" spc="-150" dirty="0" err="1" smtClean="0">
+                <a:latin typeface="Consolas" pitchFamily="49" charset="0"/>
+                <a:cs typeface="Consolas" pitchFamily="49" charset="0"/>
+              </a:rPr>
+              <a:t>var</a:t>
+            </a:r>
+            <a:r>
+              <a:rPr lang="en-GB" sz="1800" spc="-150" dirty="0" smtClean="0">
+                <a:latin typeface="Consolas" pitchFamily="49" charset="0"/>
+                <a:cs typeface="Consolas" pitchFamily="49" charset="0"/>
+              </a:rPr>
+              <a:t> v: </a:t>
+            </a:r>
+            <a:r>
+              <a:rPr lang="en-GB" sz="1800" spc="-150" dirty="0" err="1" smtClean="0">
+                <a:latin typeface="Consolas" pitchFamily="49" charset="0"/>
+                <a:cs typeface="Consolas" pitchFamily="49" charset="0"/>
+              </a:rPr>
+              <a:t>int</a:t>
+            </a:r>
+            <a:r>
+              <a:rPr lang="en-GB" sz="1800" spc="-150" dirty="0" smtClean="0">
+                <a:latin typeface="Consolas" pitchFamily="49" charset="0"/>
+                <a:cs typeface="Consolas" pitchFamily="49" charset="0"/>
+              </a:rPr>
+              <a:t>;</a:t>
+            </a:r>
+          </a:p>
+          <a:p>
+            <a:pPr marL="0" indent="0">
+              <a:buNone/>
+              <a:tabLst>
+                <a:tab pos="177800" algn="l"/>
+                <a:tab pos="355600" algn="l"/>
+              </a:tabLst>
+            </a:pPr>
+            <a:endParaRPr lang="en-GB" sz="1800" spc="-150" dirty="0" smtClean="0">
+              <a:latin typeface="Consolas" pitchFamily="49" charset="0"/>
+              <a:cs typeface="Consolas" pitchFamily="49" charset="0"/>
+            </a:endParaRPr>
+          </a:p>
+          <a:p>
+            <a:pPr marL="0" indent="0">
+              <a:buNone/>
+              <a:tabLst>
+                <a:tab pos="177800" algn="l"/>
+                <a:tab pos="355600" algn="l"/>
+              </a:tabLst>
+            </a:pPr>
+            <a:r>
+              <a:rPr lang="en-GB" sz="1800" spc="-150" dirty="0" smtClean="0">
+                <a:latin typeface="Consolas" pitchFamily="49" charset="0"/>
+                <a:cs typeface="Consolas" pitchFamily="49" charset="0"/>
+              </a:rPr>
+              <a:t>	predicate valid</a:t>
+            </a:r>
+          </a:p>
+          <a:p>
+            <a:pPr marL="0" indent="0">
+              <a:buNone/>
+              <a:tabLst>
+                <a:tab pos="177800" algn="l"/>
+                <a:tab pos="355600" algn="l"/>
+                <a:tab pos="627063" algn="l"/>
+              </a:tabLst>
+            </a:pPr>
+            <a:r>
+              <a:rPr lang="de-CH" sz="1800" spc="-150" dirty="0" smtClean="0">
+                <a:latin typeface="Consolas" pitchFamily="49" charset="0"/>
+                <a:cs typeface="Consolas" pitchFamily="49" charset="0"/>
+              </a:rPr>
+              <a:t>	{	</a:t>
+            </a:r>
+            <a:r>
+              <a:rPr lang="de-CH" sz="1800" spc="-150" dirty="0" err="1" smtClean="0">
+                <a:latin typeface="Consolas" pitchFamily="49" charset="0"/>
+                <a:cs typeface="Consolas" pitchFamily="49" charset="0"/>
+              </a:rPr>
+              <a:t>acc</a:t>
+            </a:r>
+            <a:r>
+              <a:rPr lang="de-CH" sz="1800" spc="-150" dirty="0" smtClean="0">
+                <a:latin typeface="Consolas" pitchFamily="49" charset="0"/>
+                <a:cs typeface="Consolas" pitchFamily="49" charset="0"/>
+              </a:rPr>
+              <a:t>(</a:t>
+            </a:r>
+            <a:r>
+              <a:rPr lang="de-CH" sz="1800" spc="-150" dirty="0" err="1" smtClean="0">
+                <a:latin typeface="Consolas" pitchFamily="49" charset="0"/>
+                <a:cs typeface="Consolas" pitchFamily="49" charset="0"/>
+              </a:rPr>
+              <a:t>this.v</a:t>
+            </a:r>
+            <a:r>
+              <a:rPr lang="de-CH" sz="1800" spc="-150" dirty="0" smtClean="0">
+                <a:latin typeface="Consolas" pitchFamily="49" charset="0"/>
+                <a:cs typeface="Consolas" pitchFamily="49" charset="0"/>
+              </a:rPr>
+              <a:t>) &amp;&amp; 0 &lt;= </a:t>
+            </a:r>
+            <a:r>
+              <a:rPr lang="de-CH" sz="1800" spc="-150" dirty="0" err="1" smtClean="0">
+                <a:latin typeface="Consolas" pitchFamily="49" charset="0"/>
+                <a:cs typeface="Consolas" pitchFamily="49" charset="0"/>
+              </a:rPr>
+              <a:t>this.v</a:t>
+            </a:r>
+            <a:r>
+              <a:rPr lang="de-CH" sz="1800" spc="-150" dirty="0" smtClean="0">
+                <a:latin typeface="Consolas" pitchFamily="49" charset="0"/>
+                <a:cs typeface="Consolas" pitchFamily="49" charset="0"/>
+              </a:rPr>
+              <a:t> }</a:t>
+            </a:r>
+          </a:p>
+          <a:p>
+            <a:pPr marL="0" indent="0">
+              <a:buNone/>
+              <a:tabLst>
+                <a:tab pos="177800" algn="l"/>
+                <a:tab pos="355600" algn="l"/>
+                <a:tab pos="627063" algn="l"/>
+              </a:tabLst>
+            </a:pPr>
+            <a:endParaRPr lang="de-CH" sz="1800" spc="-150" dirty="0" smtClean="0">
+              <a:latin typeface="Consolas" pitchFamily="49" charset="0"/>
+              <a:cs typeface="Consolas" pitchFamily="49" charset="0"/>
+            </a:endParaRPr>
+          </a:p>
+          <a:p>
+            <a:pPr marL="0" indent="0">
+              <a:buNone/>
+              <a:tabLst>
+                <a:tab pos="177800" algn="l"/>
+                <a:tab pos="355600" algn="l"/>
+                <a:tab pos="627063" algn="l"/>
+              </a:tabLst>
+            </a:pPr>
+            <a:r>
+              <a:rPr lang="de-CH" sz="1800" spc="-150" dirty="0" smtClean="0">
+                <a:latin typeface="Consolas" pitchFamily="49" charset="0"/>
+                <a:cs typeface="Consolas" pitchFamily="49" charset="0"/>
+              </a:rPr>
+              <a:t>	</a:t>
+            </a:r>
+            <a:r>
+              <a:rPr lang="de-CH" sz="1800" spc="-150" dirty="0" err="1" smtClean="0">
+                <a:latin typeface="Consolas" pitchFamily="49" charset="0"/>
+                <a:cs typeface="Consolas" pitchFamily="49" charset="0"/>
+              </a:rPr>
+              <a:t>function</a:t>
+            </a:r>
+            <a:r>
+              <a:rPr lang="de-CH" sz="1800" spc="-150" dirty="0" smtClean="0">
+                <a:latin typeface="Consolas" pitchFamily="49" charset="0"/>
+                <a:cs typeface="Consolas" pitchFamily="49" charset="0"/>
+              </a:rPr>
+              <a:t> </a:t>
+            </a:r>
+            <a:r>
+              <a:rPr lang="de-CH" sz="1800" spc="-150" dirty="0" err="1" smtClean="0">
+                <a:latin typeface="Consolas" pitchFamily="49" charset="0"/>
+                <a:cs typeface="Consolas" pitchFamily="49" charset="0"/>
+              </a:rPr>
+              <a:t>add</a:t>
+            </a:r>
+            <a:r>
+              <a:rPr lang="de-CH" sz="1800" spc="-150" dirty="0" smtClean="0">
+                <a:latin typeface="Consolas" pitchFamily="49" charset="0"/>
+                <a:cs typeface="Consolas" pitchFamily="49" charset="0"/>
+              </a:rPr>
+              <a:t>(</a:t>
+            </a:r>
+            <a:r>
+              <a:rPr lang="de-CH" sz="1800" spc="-150" dirty="0" err="1" smtClean="0">
+                <a:latin typeface="Consolas" pitchFamily="49" charset="0"/>
+                <a:cs typeface="Consolas" pitchFamily="49" charset="0"/>
+              </a:rPr>
+              <a:t>d:int</a:t>
+            </a:r>
+            <a:r>
+              <a:rPr lang="de-CH" sz="1800" spc="-150" dirty="0" smtClean="0">
+                <a:latin typeface="Consolas" pitchFamily="49" charset="0"/>
+                <a:cs typeface="Consolas" pitchFamily="49" charset="0"/>
+              </a:rPr>
+              <a:t>) </a:t>
+            </a:r>
+            <a:r>
+              <a:rPr lang="de-CH" sz="1800" spc="-150" dirty="0" err="1" smtClean="0">
+                <a:latin typeface="Consolas" pitchFamily="49" charset="0"/>
+                <a:cs typeface="Consolas" pitchFamily="49" charset="0"/>
+              </a:rPr>
+              <a:t>requires</a:t>
+            </a:r>
+            <a:r>
+              <a:rPr lang="de-CH" sz="1800" spc="-150" dirty="0" smtClean="0">
+                <a:latin typeface="Consolas" pitchFamily="49" charset="0"/>
+                <a:cs typeface="Consolas" pitchFamily="49" charset="0"/>
+              </a:rPr>
+              <a:t> valid;</a:t>
+            </a:r>
+          </a:p>
+          <a:p>
+            <a:pPr marL="0" indent="0">
+              <a:buNone/>
+              <a:tabLst>
+                <a:tab pos="177800" algn="l"/>
+                <a:tab pos="355600" algn="l"/>
+                <a:tab pos="627063" algn="l"/>
+              </a:tabLst>
+            </a:pPr>
+            <a:r>
+              <a:rPr lang="de-CH" sz="1800" spc="-150" dirty="0" smtClean="0">
+                <a:latin typeface="Consolas" pitchFamily="49" charset="0"/>
+                <a:cs typeface="Consolas" pitchFamily="49" charset="0"/>
+              </a:rPr>
+              <a:t>	{ </a:t>
+            </a:r>
+            <a:r>
+              <a:rPr lang="de-CH" sz="1800" spc="-150" dirty="0" err="1" smtClean="0">
+                <a:latin typeface="Consolas" pitchFamily="49" charset="0"/>
+                <a:cs typeface="Consolas" pitchFamily="49" charset="0"/>
+              </a:rPr>
+              <a:t>unfolding</a:t>
+            </a:r>
+            <a:r>
+              <a:rPr lang="de-CH" sz="1800" spc="-150" dirty="0" smtClean="0">
+                <a:latin typeface="Consolas" pitchFamily="49" charset="0"/>
+                <a:cs typeface="Consolas" pitchFamily="49" charset="0"/>
+              </a:rPr>
+              <a:t> valid in </a:t>
+            </a:r>
+            <a:r>
+              <a:rPr lang="de-CH" sz="1800" spc="-150" dirty="0" err="1" smtClean="0">
+                <a:latin typeface="Consolas" pitchFamily="49" charset="0"/>
+                <a:cs typeface="Consolas" pitchFamily="49" charset="0"/>
+              </a:rPr>
+              <a:t>this.v</a:t>
+            </a:r>
+            <a:r>
+              <a:rPr lang="de-CH" sz="1800" spc="-150" dirty="0" smtClean="0">
+                <a:latin typeface="Consolas" pitchFamily="49" charset="0"/>
+                <a:cs typeface="Consolas" pitchFamily="49" charset="0"/>
+              </a:rPr>
+              <a:t> + d; }</a:t>
+            </a:r>
+          </a:p>
+          <a:p>
+            <a:pPr marL="0" indent="0">
+              <a:buNone/>
+              <a:tabLst>
+                <a:tab pos="177800" algn="l"/>
+                <a:tab pos="355600" algn="l"/>
+                <a:tab pos="627063" algn="l"/>
+              </a:tabLst>
+            </a:pPr>
+            <a:endParaRPr lang="de-CH" sz="1800" spc="-150" dirty="0" smtClean="0">
+              <a:latin typeface="Consolas" pitchFamily="49" charset="0"/>
+              <a:cs typeface="Consolas" pitchFamily="49" charset="0"/>
+            </a:endParaRPr>
+          </a:p>
+          <a:p>
+            <a:pPr marL="0" indent="0">
+              <a:buNone/>
+              <a:tabLst>
+                <a:tab pos="177800" algn="l"/>
+                <a:tab pos="355600" algn="l"/>
+                <a:tab pos="627063" algn="l"/>
+              </a:tabLst>
+            </a:pPr>
+            <a:r>
+              <a:rPr lang="de-CH" sz="1800" spc="-150" dirty="0" smtClean="0">
+                <a:latin typeface="Consolas" pitchFamily="49" charset="0"/>
+                <a:cs typeface="Consolas" pitchFamily="49" charset="0"/>
+              </a:rPr>
+              <a:t>	…</a:t>
+            </a:r>
+          </a:p>
+          <a:p>
+            <a:pPr marL="0" indent="0">
+              <a:buNone/>
+              <a:tabLst>
+                <a:tab pos="177800" algn="l"/>
+                <a:tab pos="355600" algn="l"/>
+                <a:tab pos="627063" algn="l"/>
+              </a:tabLst>
+            </a:pPr>
+            <a:r>
+              <a:rPr lang="de-CH" sz="1800" spc="-150" dirty="0" smtClean="0">
+                <a:latin typeface="Consolas" pitchFamily="49" charset="0"/>
+                <a:cs typeface="Consolas" pitchFamily="49" charset="0"/>
+              </a:rPr>
+              <a:t>}</a:t>
+            </a:r>
+            <a:endParaRPr lang="de-CH" sz="1800" spc="-150" dirty="0">
+              <a:latin typeface="Consolas" pitchFamily="49" charset="0"/>
+              <a:cs typeface="Consolas" pitchFamily="49" charset="0"/>
+            </a:endParaRPr>
+          </a:p>
+        </p:txBody>
+      </p:sp>
+      <p:sp>
+        <p:nvSpPr>
+          <p:cNvPr id="5" name="Slide Number Placeholder 4"/>
+          <p:cNvSpPr>
+            <a:spLocks noGrp="1"/>
+          </p:cNvSpPr>
+          <p:nvPr>
+            <p:ph type="sldNum" sz="quarter" idx="12"/>
+          </p:nvPr>
+        </p:nvSpPr>
+        <p:spPr/>
+        <p:txBody>
+          <a:bodyPr/>
+          <a:lstStyle/>
+          <a:p>
+            <a:fld id="{D8727298-9337-4FF1-AD4C-CD4DB75A4A45}" type="slidenum">
+              <a:rPr lang="de-CH" smtClean="0"/>
+              <a:t>22</a:t>
+            </a:fld>
+            <a:endParaRPr lang="de-CH"/>
+          </a:p>
+        </p:txBody>
+      </p:sp>
+    </p:spTree>
+    <p:extLst>
+      <p:ext uri="{BB962C8B-B14F-4D97-AF65-F5344CB8AC3E}">
+        <p14:creationId xmlns:p14="http://schemas.microsoft.com/office/powerpoint/2010/main" val="1962121807"/>
+      </p:ext>
+    </p:extLst>
+  </p:cSld>
+  <p:clrMapOvr>
+    <a:masterClrMapping/>
+  </p:clrMapOvr>
+</p:sld>
+</file>
+
+<file path=ppt/slides/slide23.xml><?xml version="1.0" encoding="utf-8"?>
+<p:sld xmlns:a="http://schemas.openxmlformats.org/drawingml/2006/main" xmlns:r="http://schemas.openxmlformats.org/officeDocument/2006/relationships" xmlns:p="http://schemas.openxmlformats.org/presentationml/2006/main">
+  <p:cSld>
+    <p:spTree>
+      <p:nvGrpSpPr>
+        <p:cNvPr id="1" name=""/>
+        <p:cNvGrpSpPr/>
+        <p:nvPr/>
+      </p:nvGrpSpPr>
+      <p:grpSpPr>
+        <a:xfrm>
+          <a:off x="0" y="0"/>
+          <a:ext cx="0" cy="0"/>
+          <a:chOff x="0" y="0"/>
+          <a:chExt cx="0" cy="0"/>
+        </a:xfrm>
+      </p:grpSpPr>
+      <p:sp>
+        <p:nvSpPr>
+          <p:cNvPr id="2" name="Title 1"/>
+          <p:cNvSpPr>
+            <a:spLocks noGrp="1"/>
+          </p:cNvSpPr>
+          <p:nvPr>
+            <p:ph type="title"/>
+          </p:nvPr>
+        </p:nvSpPr>
+        <p:spPr/>
+        <p:txBody>
+          <a:bodyPr/>
+          <a:lstStyle/>
+          <a:p>
+            <a:r>
+              <a:rPr lang="de-CH" dirty="0" err="1" smtClean="0"/>
+              <a:t>Chalice</a:t>
+            </a:r>
+            <a:endParaRPr lang="en-GB" dirty="0"/>
+          </a:p>
+        </p:txBody>
+      </p:sp>
+      <p:sp>
+        <p:nvSpPr>
+          <p:cNvPr id="3" name="Content Placeholder 2"/>
+          <p:cNvSpPr>
+            <a:spLocks noGrp="1"/>
+          </p:cNvSpPr>
+          <p:nvPr>
+            <p:ph sz="half" idx="1"/>
+          </p:nvPr>
+        </p:nvSpPr>
+        <p:spPr/>
+        <p:txBody>
+          <a:bodyPr>
+            <a:normAutofit/>
+          </a:bodyPr>
+          <a:lstStyle/>
+          <a:p>
+            <a:r>
+              <a:rPr lang="de-CH" dirty="0" err="1" smtClean="0"/>
+              <a:t>Annotated</a:t>
+            </a:r>
+            <a:r>
+              <a:rPr lang="de-CH" dirty="0" smtClean="0"/>
+              <a:t> </a:t>
+            </a:r>
+            <a:r>
+              <a:rPr lang="de-CH" dirty="0" err="1" smtClean="0"/>
+              <a:t>Methods</a:t>
+            </a:r>
+            <a:endParaRPr lang="de-CH" dirty="0" smtClean="0"/>
+          </a:p>
+          <a:p>
+            <a:r>
+              <a:rPr lang="de-CH" dirty="0" smtClean="0"/>
+              <a:t>Monitors</a:t>
+            </a:r>
+          </a:p>
+          <a:p>
+            <a:r>
+              <a:rPr lang="de-CH" dirty="0" err="1" smtClean="0"/>
+              <a:t>Predicates</a:t>
+            </a:r>
+            <a:r>
+              <a:rPr lang="de-CH" dirty="0" smtClean="0"/>
+              <a:t>/</a:t>
+            </a:r>
+            <a:r>
+              <a:rPr lang="de-CH" dirty="0" err="1" smtClean="0"/>
+              <a:t>Functions</a:t>
+            </a:r>
+            <a:endParaRPr lang="de-CH" dirty="0" smtClean="0"/>
+          </a:p>
+          <a:p>
+            <a:r>
+              <a:rPr lang="de-CH" dirty="0" err="1" smtClean="0"/>
+              <a:t>Fork-Join</a:t>
+            </a:r>
+            <a:endParaRPr lang="en-GB" dirty="0"/>
+          </a:p>
+        </p:txBody>
+      </p:sp>
+      <p:sp>
+        <p:nvSpPr>
+          <p:cNvPr id="4" name="Content Placeholder 3"/>
+          <p:cNvSpPr>
+            <a:spLocks noGrp="1"/>
+          </p:cNvSpPr>
+          <p:nvPr>
+            <p:ph sz="half" idx="2"/>
+          </p:nvPr>
+        </p:nvSpPr>
+        <p:spPr>
+          <a:xfrm>
+            <a:off x="4648200" y="1600200"/>
+            <a:ext cx="4100264" cy="4853136"/>
+          </a:xfrm>
+        </p:spPr>
+        <p:txBody>
+          <a:bodyPr>
+            <a:normAutofit/>
+          </a:bodyPr>
+          <a:lstStyle/>
+          <a:p>
+            <a:pPr marL="0" indent="0">
+              <a:buNone/>
+              <a:tabLst>
+                <a:tab pos="177800" algn="l"/>
+                <a:tab pos="355600" algn="l"/>
+              </a:tabLst>
+            </a:pPr>
+            <a:r>
+              <a:rPr lang="en-GB" sz="1800" spc="-150" dirty="0">
+                <a:latin typeface="Consolas" pitchFamily="49" charset="0"/>
+                <a:cs typeface="Consolas" pitchFamily="49" charset="0"/>
+              </a:rPr>
+              <a:t>class Cell </a:t>
+            </a:r>
+            <a:r>
+              <a:rPr lang="en-GB" sz="1800" spc="-150" dirty="0" smtClean="0">
+                <a:latin typeface="Consolas" pitchFamily="49" charset="0"/>
+                <a:cs typeface="Consolas" pitchFamily="49" charset="0"/>
+              </a:rPr>
+              <a:t>{ </a:t>
+            </a:r>
+            <a:r>
+              <a:rPr lang="de-CH" sz="1800" spc="-150" dirty="0" smtClean="0">
+                <a:latin typeface="Consolas" pitchFamily="49" charset="0"/>
+                <a:cs typeface="Consolas" pitchFamily="49" charset="0"/>
+              </a:rPr>
+              <a:t>… }</a:t>
+            </a:r>
+          </a:p>
+          <a:p>
+            <a:pPr marL="0" indent="0">
+              <a:buNone/>
+              <a:tabLst>
+                <a:tab pos="177800" algn="l"/>
+                <a:tab pos="355600" algn="l"/>
+              </a:tabLst>
+            </a:pPr>
+            <a:r>
+              <a:rPr lang="de-CH" sz="1800" spc="-150" dirty="0" err="1" smtClean="0">
+                <a:latin typeface="Consolas" pitchFamily="49" charset="0"/>
+                <a:cs typeface="Consolas" pitchFamily="49" charset="0"/>
+              </a:rPr>
+              <a:t>class</a:t>
+            </a:r>
+            <a:r>
+              <a:rPr lang="de-CH" sz="1800" spc="-150" dirty="0" smtClean="0">
+                <a:latin typeface="Consolas" pitchFamily="49" charset="0"/>
+                <a:cs typeface="Consolas" pitchFamily="49" charset="0"/>
+              </a:rPr>
+              <a:t> </a:t>
+            </a:r>
+            <a:r>
+              <a:rPr lang="de-CH" sz="1800" spc="-150" dirty="0" err="1" smtClean="0">
+                <a:latin typeface="Consolas" pitchFamily="49" charset="0"/>
+                <a:cs typeface="Consolas" pitchFamily="49" charset="0"/>
+              </a:rPr>
+              <a:t>Program</a:t>
+            </a:r>
+            <a:r>
+              <a:rPr lang="de-CH" sz="1800" spc="-150" dirty="0" smtClean="0">
+                <a:latin typeface="Consolas" pitchFamily="49" charset="0"/>
+                <a:cs typeface="Consolas" pitchFamily="49" charset="0"/>
+              </a:rPr>
+              <a:t> {</a:t>
+            </a:r>
+          </a:p>
+          <a:p>
+            <a:pPr marL="0" indent="0">
+              <a:buNone/>
+              <a:tabLst>
+                <a:tab pos="177800" algn="l"/>
+                <a:tab pos="355600" algn="l"/>
+              </a:tabLst>
+            </a:pPr>
+            <a:r>
+              <a:rPr lang="de-CH" sz="1800" spc="-150" dirty="0" smtClean="0">
+                <a:latin typeface="Consolas" pitchFamily="49" charset="0"/>
+                <a:cs typeface="Consolas" pitchFamily="49" charset="0"/>
+              </a:rPr>
+              <a:t>	</a:t>
+            </a:r>
+            <a:r>
+              <a:rPr lang="de-CH" sz="1800" spc="-150" dirty="0" err="1" smtClean="0">
+                <a:latin typeface="Consolas" pitchFamily="49" charset="0"/>
+                <a:cs typeface="Consolas" pitchFamily="49" charset="0"/>
+              </a:rPr>
+              <a:t>method</a:t>
+            </a:r>
+            <a:r>
+              <a:rPr lang="de-CH" sz="1800" spc="-150" dirty="0" smtClean="0">
+                <a:latin typeface="Consolas" pitchFamily="49" charset="0"/>
+                <a:cs typeface="Consolas" pitchFamily="49" charset="0"/>
+              </a:rPr>
+              <a:t> </a:t>
+            </a:r>
+            <a:r>
+              <a:rPr lang="de-CH" sz="1800" spc="-150" dirty="0" err="1" smtClean="0">
+                <a:latin typeface="Consolas" pitchFamily="49" charset="0"/>
+                <a:cs typeface="Consolas" pitchFamily="49" charset="0"/>
+              </a:rPr>
+              <a:t>main</a:t>
+            </a:r>
+            <a:r>
+              <a:rPr lang="de-CH" sz="1800" spc="-150" dirty="0" smtClean="0">
+                <a:latin typeface="Consolas" pitchFamily="49" charset="0"/>
+                <a:cs typeface="Consolas" pitchFamily="49" charset="0"/>
+              </a:rPr>
+              <a:t>()  {</a:t>
+            </a:r>
+          </a:p>
+          <a:p>
+            <a:pPr marL="0" indent="0">
+              <a:buNone/>
+              <a:tabLst>
+                <a:tab pos="177800" algn="l"/>
+                <a:tab pos="355600" algn="l"/>
+              </a:tabLst>
+            </a:pPr>
+            <a:r>
+              <a:rPr lang="de-CH" sz="1800" spc="-150" dirty="0" smtClean="0">
+                <a:latin typeface="Consolas" pitchFamily="49" charset="0"/>
+                <a:cs typeface="Consolas" pitchFamily="49" charset="0"/>
+              </a:rPr>
+              <a:t>		</a:t>
+            </a:r>
+            <a:r>
+              <a:rPr lang="de-CH" sz="1800" spc="-150" dirty="0" err="1" smtClean="0">
+                <a:latin typeface="Consolas" pitchFamily="49" charset="0"/>
+                <a:cs typeface="Consolas" pitchFamily="49" charset="0"/>
+              </a:rPr>
+              <a:t>var</a:t>
+            </a:r>
+            <a:r>
+              <a:rPr lang="de-CH" sz="1800" spc="-150" dirty="0" smtClean="0">
+                <a:latin typeface="Consolas" pitchFamily="49" charset="0"/>
+                <a:cs typeface="Consolas" pitchFamily="49" charset="0"/>
+              </a:rPr>
+              <a:t> c1:Cell := </a:t>
+            </a:r>
+            <a:r>
+              <a:rPr lang="de-CH" sz="1800" spc="-150" dirty="0" err="1" smtClean="0">
+                <a:latin typeface="Consolas" pitchFamily="49" charset="0"/>
+                <a:cs typeface="Consolas" pitchFamily="49" charset="0"/>
+              </a:rPr>
+              <a:t>new</a:t>
+            </a:r>
+            <a:r>
+              <a:rPr lang="de-CH" sz="1800" spc="-150" dirty="0" smtClean="0">
+                <a:latin typeface="Consolas" pitchFamily="49" charset="0"/>
+                <a:cs typeface="Consolas" pitchFamily="49" charset="0"/>
+              </a:rPr>
+              <a:t> </a:t>
+            </a:r>
+            <a:r>
+              <a:rPr lang="de-CH" sz="1800" spc="-150" dirty="0" err="1" smtClean="0">
+                <a:latin typeface="Consolas" pitchFamily="49" charset="0"/>
+                <a:cs typeface="Consolas" pitchFamily="49" charset="0"/>
+              </a:rPr>
+              <a:t>Cell</a:t>
+            </a:r>
+            <a:r>
+              <a:rPr lang="de-CH" sz="1800" spc="-150" dirty="0" smtClean="0">
+                <a:latin typeface="Consolas" pitchFamily="49" charset="0"/>
+                <a:cs typeface="Consolas" pitchFamily="49" charset="0"/>
+              </a:rPr>
+              <a:t>;</a:t>
+            </a:r>
+          </a:p>
+          <a:p>
+            <a:pPr marL="0" indent="0">
+              <a:buNone/>
+              <a:tabLst>
+                <a:tab pos="177800" algn="l"/>
+                <a:tab pos="355600" algn="l"/>
+              </a:tabLst>
+            </a:pPr>
+            <a:r>
+              <a:rPr lang="de-CH" sz="1800" spc="-150" dirty="0">
+                <a:latin typeface="Consolas" pitchFamily="49" charset="0"/>
+                <a:cs typeface="Consolas" pitchFamily="49" charset="0"/>
+              </a:rPr>
+              <a:t>	</a:t>
+            </a:r>
+            <a:r>
+              <a:rPr lang="de-CH" sz="1800" spc="-150" dirty="0" smtClean="0">
+                <a:latin typeface="Consolas" pitchFamily="49" charset="0"/>
+                <a:cs typeface="Consolas" pitchFamily="49" charset="0"/>
+              </a:rPr>
+              <a:t>	</a:t>
+            </a:r>
+            <a:r>
+              <a:rPr lang="de-CH" sz="1800" spc="-150" dirty="0" err="1" smtClean="0">
+                <a:latin typeface="Consolas" pitchFamily="49" charset="0"/>
+                <a:cs typeface="Consolas" pitchFamily="49" charset="0"/>
+              </a:rPr>
+              <a:t>var</a:t>
+            </a:r>
+            <a:r>
+              <a:rPr lang="de-CH" sz="1800" spc="-150" dirty="0" smtClean="0">
+                <a:latin typeface="Consolas" pitchFamily="49" charset="0"/>
+                <a:cs typeface="Consolas" pitchFamily="49" charset="0"/>
+              </a:rPr>
+              <a:t> c2:Cell := </a:t>
+            </a:r>
+            <a:r>
+              <a:rPr lang="de-CH" sz="1800" spc="-150" dirty="0" err="1" smtClean="0">
+                <a:latin typeface="Consolas" pitchFamily="49" charset="0"/>
+                <a:cs typeface="Consolas" pitchFamily="49" charset="0"/>
+              </a:rPr>
+              <a:t>new</a:t>
+            </a:r>
+            <a:r>
+              <a:rPr lang="de-CH" sz="1800" spc="-150" dirty="0" smtClean="0">
+                <a:latin typeface="Consolas" pitchFamily="49" charset="0"/>
+                <a:cs typeface="Consolas" pitchFamily="49" charset="0"/>
+              </a:rPr>
+              <a:t> </a:t>
+            </a:r>
+            <a:r>
+              <a:rPr lang="de-CH" sz="1800" spc="-150" dirty="0" err="1" smtClean="0">
+                <a:latin typeface="Consolas" pitchFamily="49" charset="0"/>
+                <a:cs typeface="Consolas" pitchFamily="49" charset="0"/>
+              </a:rPr>
+              <a:t>Cell</a:t>
+            </a:r>
+            <a:r>
+              <a:rPr lang="de-CH" sz="1800" spc="-150" dirty="0" smtClean="0">
+                <a:latin typeface="Consolas" pitchFamily="49" charset="0"/>
+                <a:cs typeface="Consolas" pitchFamily="49" charset="0"/>
+              </a:rPr>
+              <a:t>;</a:t>
+            </a:r>
+          </a:p>
+          <a:p>
+            <a:pPr marL="0" indent="0">
+              <a:buNone/>
+              <a:tabLst>
+                <a:tab pos="177800" algn="l"/>
+                <a:tab pos="355600" algn="l"/>
+              </a:tabLst>
+            </a:pPr>
+            <a:r>
+              <a:rPr lang="de-CH" sz="1800" spc="-150" dirty="0">
+                <a:latin typeface="Consolas" pitchFamily="49" charset="0"/>
+                <a:cs typeface="Consolas" pitchFamily="49" charset="0"/>
+              </a:rPr>
+              <a:t>	</a:t>
+            </a:r>
+            <a:r>
+              <a:rPr lang="de-CH" sz="1800" spc="-150" dirty="0" smtClean="0">
+                <a:latin typeface="Consolas" pitchFamily="49" charset="0"/>
+                <a:cs typeface="Consolas" pitchFamily="49" charset="0"/>
+              </a:rPr>
+              <a:t>	c1.v := 0; c2.v := 5;</a:t>
+            </a:r>
+          </a:p>
+          <a:p>
+            <a:pPr marL="0" indent="0">
+              <a:buNone/>
+              <a:tabLst>
+                <a:tab pos="177800" algn="l"/>
+                <a:tab pos="355600" algn="l"/>
+              </a:tabLst>
+            </a:pPr>
+            <a:r>
+              <a:rPr lang="de-CH" sz="1800" spc="-150" dirty="0">
+                <a:latin typeface="Consolas" pitchFamily="49" charset="0"/>
+                <a:cs typeface="Consolas" pitchFamily="49" charset="0"/>
+              </a:rPr>
+              <a:t>	</a:t>
+            </a:r>
+            <a:r>
+              <a:rPr lang="de-CH" sz="1800" spc="-150" dirty="0" smtClean="0">
+                <a:latin typeface="Consolas" pitchFamily="49" charset="0"/>
+                <a:cs typeface="Consolas" pitchFamily="49" charset="0"/>
+              </a:rPr>
+              <a:t>	</a:t>
+            </a:r>
+            <a:r>
+              <a:rPr lang="de-CH" sz="1800" spc="-150" dirty="0" err="1" smtClean="0">
+                <a:latin typeface="Consolas" pitchFamily="49" charset="0"/>
+                <a:cs typeface="Consolas" pitchFamily="49" charset="0"/>
+              </a:rPr>
+              <a:t>fork</a:t>
+            </a:r>
+            <a:r>
+              <a:rPr lang="de-CH" sz="1800" spc="-150" dirty="0" smtClean="0">
+                <a:latin typeface="Consolas" pitchFamily="49" charset="0"/>
+                <a:cs typeface="Consolas" pitchFamily="49" charset="0"/>
+              </a:rPr>
+              <a:t> tk1 = c1.inc(3);</a:t>
+            </a:r>
+          </a:p>
+          <a:p>
+            <a:pPr marL="0" indent="0">
+              <a:buNone/>
+              <a:tabLst>
+                <a:tab pos="177800" algn="l"/>
+                <a:tab pos="355600" algn="l"/>
+              </a:tabLst>
+            </a:pPr>
+            <a:r>
+              <a:rPr lang="de-CH" sz="1800" spc="-150" dirty="0">
+                <a:latin typeface="Consolas" pitchFamily="49" charset="0"/>
+                <a:cs typeface="Consolas" pitchFamily="49" charset="0"/>
+              </a:rPr>
+              <a:t>	</a:t>
+            </a:r>
+            <a:r>
+              <a:rPr lang="de-CH" sz="1800" spc="-150" dirty="0" smtClean="0">
+                <a:latin typeface="Consolas" pitchFamily="49" charset="0"/>
+                <a:cs typeface="Consolas" pitchFamily="49" charset="0"/>
+              </a:rPr>
+              <a:t>	</a:t>
+            </a:r>
+            <a:r>
+              <a:rPr lang="de-CH" sz="1800" spc="-150" dirty="0" err="1" smtClean="0">
+                <a:latin typeface="Consolas" pitchFamily="49" charset="0"/>
+                <a:cs typeface="Consolas" pitchFamily="49" charset="0"/>
+              </a:rPr>
+              <a:t>fork</a:t>
+            </a:r>
+            <a:r>
+              <a:rPr lang="de-CH" sz="1800" spc="-150" dirty="0" smtClean="0">
+                <a:latin typeface="Consolas" pitchFamily="49" charset="0"/>
+                <a:cs typeface="Consolas" pitchFamily="49" charset="0"/>
+              </a:rPr>
+              <a:t> tk2 = c2.inc(1);</a:t>
+            </a:r>
+          </a:p>
+          <a:p>
+            <a:pPr marL="0" indent="0">
+              <a:buNone/>
+              <a:tabLst>
+                <a:tab pos="177800" algn="l"/>
+                <a:tab pos="355600" algn="l"/>
+              </a:tabLst>
+            </a:pPr>
+            <a:r>
+              <a:rPr lang="de-CH" sz="1800" spc="-150" dirty="0">
+                <a:latin typeface="Consolas" pitchFamily="49" charset="0"/>
+                <a:cs typeface="Consolas" pitchFamily="49" charset="0"/>
+              </a:rPr>
+              <a:t>	</a:t>
+            </a:r>
+            <a:r>
+              <a:rPr lang="de-CH" sz="1800" spc="-150" dirty="0" smtClean="0">
+                <a:latin typeface="Consolas" pitchFamily="49" charset="0"/>
+                <a:cs typeface="Consolas" pitchFamily="49" charset="0"/>
+              </a:rPr>
+              <a:t>	</a:t>
+            </a:r>
+            <a:r>
+              <a:rPr lang="de-CH" sz="1800" spc="-150" dirty="0" err="1" smtClean="0">
+                <a:latin typeface="Consolas" pitchFamily="49" charset="0"/>
+                <a:cs typeface="Consolas" pitchFamily="49" charset="0"/>
+              </a:rPr>
+              <a:t>join</a:t>
+            </a:r>
+            <a:r>
+              <a:rPr lang="de-CH" sz="1800" spc="-150" dirty="0" smtClean="0">
+                <a:latin typeface="Consolas" pitchFamily="49" charset="0"/>
+                <a:cs typeface="Consolas" pitchFamily="49" charset="0"/>
+              </a:rPr>
+              <a:t> f1 := tk1;</a:t>
+            </a:r>
+          </a:p>
+          <a:p>
+            <a:pPr marL="0" indent="0">
+              <a:buNone/>
+              <a:tabLst>
+                <a:tab pos="177800" algn="l"/>
+                <a:tab pos="355600" algn="l"/>
+              </a:tabLst>
+            </a:pPr>
+            <a:r>
+              <a:rPr lang="de-CH" sz="1800" spc="-150" dirty="0">
+                <a:latin typeface="Consolas" pitchFamily="49" charset="0"/>
+                <a:cs typeface="Consolas" pitchFamily="49" charset="0"/>
+              </a:rPr>
+              <a:t>	</a:t>
+            </a:r>
+            <a:r>
+              <a:rPr lang="de-CH" sz="1800" spc="-150" dirty="0" smtClean="0">
+                <a:latin typeface="Consolas" pitchFamily="49" charset="0"/>
+                <a:cs typeface="Consolas" pitchFamily="49" charset="0"/>
+              </a:rPr>
+              <a:t>	</a:t>
+            </a:r>
+            <a:r>
+              <a:rPr lang="de-CH" sz="1800" spc="-150" dirty="0" err="1" smtClean="0">
+                <a:latin typeface="Consolas" pitchFamily="49" charset="0"/>
+                <a:cs typeface="Consolas" pitchFamily="49" charset="0"/>
+              </a:rPr>
+              <a:t>join</a:t>
+            </a:r>
+            <a:r>
+              <a:rPr lang="de-CH" sz="1800" spc="-150" dirty="0" smtClean="0">
+                <a:latin typeface="Consolas" pitchFamily="49" charset="0"/>
+                <a:cs typeface="Consolas" pitchFamily="49" charset="0"/>
+              </a:rPr>
+              <a:t> f2 := tk2;</a:t>
+            </a:r>
+            <a:endParaRPr lang="de-CH" sz="1800" spc="-150" dirty="0">
+              <a:latin typeface="Consolas" pitchFamily="49" charset="0"/>
+              <a:cs typeface="Consolas" pitchFamily="49" charset="0"/>
+            </a:endParaRPr>
+          </a:p>
+          <a:p>
+            <a:pPr marL="0" indent="0">
+              <a:buNone/>
+              <a:tabLst>
+                <a:tab pos="177800" algn="l"/>
+                <a:tab pos="355600" algn="l"/>
+              </a:tabLst>
+            </a:pPr>
+            <a:r>
+              <a:rPr lang="de-CH" sz="1800" spc="-150" dirty="0" smtClean="0">
+                <a:latin typeface="Consolas" pitchFamily="49" charset="0"/>
+                <a:cs typeface="Consolas" pitchFamily="49" charset="0"/>
+              </a:rPr>
+              <a:t>	}</a:t>
+            </a:r>
+            <a:endParaRPr lang="de-CH" sz="1800" spc="-150" dirty="0">
+              <a:latin typeface="Consolas" pitchFamily="49" charset="0"/>
+              <a:cs typeface="Consolas" pitchFamily="49" charset="0"/>
+            </a:endParaRPr>
+          </a:p>
+          <a:p>
+            <a:pPr marL="0" indent="0">
+              <a:buNone/>
+              <a:tabLst>
+                <a:tab pos="177800" algn="l"/>
+                <a:tab pos="355600" algn="l"/>
+              </a:tabLst>
+            </a:pPr>
+            <a:r>
+              <a:rPr lang="de-CH" sz="1800" spc="-150" dirty="0" smtClean="0">
+                <a:latin typeface="Consolas" pitchFamily="49" charset="0"/>
+                <a:cs typeface="Consolas" pitchFamily="49" charset="0"/>
+              </a:rPr>
+              <a:t>}</a:t>
+            </a:r>
+            <a:endParaRPr lang="de-CH" sz="1800" spc="-150" dirty="0">
+              <a:latin typeface="Consolas" pitchFamily="49" charset="0"/>
+              <a:cs typeface="Consolas" pitchFamily="49" charset="0"/>
+            </a:endParaRPr>
+          </a:p>
+        </p:txBody>
+      </p:sp>
+      <p:sp>
+        <p:nvSpPr>
+          <p:cNvPr id="5" name="Slide Number Placeholder 4"/>
+          <p:cNvSpPr>
+            <a:spLocks noGrp="1"/>
+          </p:cNvSpPr>
+          <p:nvPr>
+            <p:ph type="sldNum" sz="quarter" idx="12"/>
+          </p:nvPr>
+        </p:nvSpPr>
+        <p:spPr/>
+        <p:txBody>
+          <a:bodyPr/>
+          <a:lstStyle/>
+          <a:p>
+            <a:fld id="{D8727298-9337-4FF1-AD4C-CD4DB75A4A45}" type="slidenum">
+              <a:rPr lang="de-CH" smtClean="0"/>
+              <a:t>23</a:t>
+            </a:fld>
+            <a:endParaRPr lang="de-CH"/>
+          </a:p>
+        </p:txBody>
+      </p:sp>
+    </p:spTree>
+    <p:extLst>
+      <p:ext uri="{BB962C8B-B14F-4D97-AF65-F5344CB8AC3E}">
+        <p14:creationId xmlns:p14="http://schemas.microsoft.com/office/powerpoint/2010/main" val="3194332371"/>
+      </p:ext>
+    </p:extLst>
+  </p:cSld>
+  <p:clrMapOvr>
+    <a:masterClrMapping/>
+  </p:clrMapOvr>
+</p:sld>
+</file>
+
+<file path=ppt/slides/slide24.xml><?xml version="1.0" encoding="utf-8"?>
+<p:sld xmlns:a="http://schemas.openxmlformats.org/drawingml/2006/main" xmlns:r="http://schemas.openxmlformats.org/officeDocument/2006/relationships" xmlns:p="http://schemas.openxmlformats.org/presentationml/2006/main">
+  <p:cSld>
+    <p:spTree>
+      <p:nvGrpSpPr>
+        <p:cNvPr id="1" name=""/>
+        <p:cNvGrpSpPr/>
+        <p:nvPr/>
+      </p:nvGrpSpPr>
+      <p:grpSpPr>
+        <a:xfrm>
+          <a:off x="0" y="0"/>
+          <a:ext cx="0" cy="0"/>
+          <a:chOff x="0" y="0"/>
+          <a:chExt cx="0" cy="0"/>
+        </a:xfrm>
+      </p:grpSpPr>
+      <p:sp>
+        <p:nvSpPr>
+          <p:cNvPr id="2" name="Title 1"/>
+          <p:cNvSpPr>
+            <a:spLocks noGrp="1"/>
+          </p:cNvSpPr>
+          <p:nvPr>
+            <p:ph type="title"/>
+          </p:nvPr>
+        </p:nvSpPr>
+        <p:spPr/>
+        <p:txBody>
+          <a:bodyPr/>
+          <a:lstStyle/>
+          <a:p>
+            <a:r>
+              <a:rPr lang="de-CH" dirty="0" smtClean="0"/>
+              <a:t>Chalice2SIL</a:t>
+            </a:r>
+            <a:endParaRPr lang="en-GB" dirty="0"/>
+          </a:p>
+        </p:txBody>
+      </p:sp>
+      <p:sp>
+        <p:nvSpPr>
+          <p:cNvPr id="3" name="Content Placeholder 2"/>
+          <p:cNvSpPr>
+            <a:spLocks noGrp="1"/>
+          </p:cNvSpPr>
+          <p:nvPr>
+            <p:ph idx="1"/>
+          </p:nvPr>
+        </p:nvSpPr>
+        <p:spPr/>
+        <p:txBody>
+          <a:bodyPr/>
+          <a:lstStyle/>
+          <a:p>
+            <a:r>
+              <a:rPr lang="en-GB" dirty="0" smtClean="0"/>
+              <a:t>First front-end </a:t>
+            </a:r>
+            <a:r>
+              <a:rPr lang="en-GB" smtClean="0"/>
+              <a:t>for SIL</a:t>
+            </a:r>
+            <a:endParaRPr lang="en-GB" dirty="0" smtClean="0"/>
+          </a:p>
+          <a:p>
+            <a:r>
+              <a:rPr lang="en-GB" dirty="0" smtClean="0"/>
+              <a:t>Help establish  and test the tool chain</a:t>
+            </a:r>
+          </a:p>
+          <a:p>
+            <a:r>
+              <a:rPr lang="en-GB" dirty="0" smtClean="0"/>
+              <a:t>Ideally no changes to Chalice</a:t>
+            </a:r>
+          </a:p>
+          <a:p>
+            <a:r>
+              <a:rPr lang="en-GB" dirty="0" smtClean="0"/>
+              <a:t>If enough time is left</a:t>
+            </a:r>
+          </a:p>
+          <a:p>
+            <a:pPr lvl="1"/>
+            <a:r>
+              <a:rPr lang="en-GB" dirty="0" smtClean="0"/>
+              <a:t>Predicates and functions</a:t>
+            </a:r>
+          </a:p>
+          <a:p>
+            <a:pPr lvl="1"/>
+            <a:r>
+              <a:rPr lang="en-GB" dirty="0" smtClean="0"/>
+              <a:t>Deadlock avoidance</a:t>
+            </a:r>
+          </a:p>
+          <a:p>
+            <a:pPr lvl="1"/>
+            <a:r>
+              <a:rPr lang="en-GB" dirty="0" smtClean="0"/>
+              <a:t>Channels (Actor model)</a:t>
+            </a:r>
+          </a:p>
+          <a:p>
+            <a:endParaRPr lang="en-GB" dirty="0"/>
+          </a:p>
+        </p:txBody>
+      </p:sp>
+      <p:sp>
+        <p:nvSpPr>
+          <p:cNvPr id="4" name="Slide Number Placeholder 3"/>
+          <p:cNvSpPr>
+            <a:spLocks noGrp="1"/>
+          </p:cNvSpPr>
+          <p:nvPr>
+            <p:ph type="sldNum" sz="quarter" idx="12"/>
+          </p:nvPr>
+        </p:nvSpPr>
+        <p:spPr/>
+        <p:txBody>
+          <a:bodyPr/>
+          <a:lstStyle/>
+          <a:p>
+            <a:fld id="{D8727298-9337-4FF1-AD4C-CD4DB75A4A45}" type="slidenum">
+              <a:rPr lang="de-CH" smtClean="0"/>
+              <a:t>24</a:t>
+            </a:fld>
+            <a:endParaRPr lang="de-CH"/>
+          </a:p>
+        </p:txBody>
+      </p:sp>
+    </p:spTree>
+    <p:extLst>
+      <p:ext uri="{BB962C8B-B14F-4D97-AF65-F5344CB8AC3E}">
+        <p14:creationId xmlns:p14="http://schemas.microsoft.com/office/powerpoint/2010/main" val="1014776430"/>
       </p:ext>
     </p:extLst>
   </p:cSld>
@@ -9799,45 +12727,87 @@
           </a:p>
           <a:p>
             <a:r>
-              <a:rPr lang="de-CH" dirty="0" smtClean="0"/>
+              <a:rPr lang="de-CH" dirty="0" smtClean="0">
+                <a:solidFill>
+                  <a:schemeClr val="bg1">
+                    <a:lumMod val="50000"/>
+                  </a:schemeClr>
+                </a:solidFill>
+              </a:rPr>
               <a:t>Method Bodies</a:t>
             </a:r>
           </a:p>
           <a:p>
             <a:r>
-              <a:rPr lang="de-CH" dirty="0"/>
+              <a:rPr lang="de-CH" dirty="0" smtClean="0">
+                <a:solidFill>
+                  <a:schemeClr val="bg1">
+                    <a:lumMod val="50000"/>
+                  </a:schemeClr>
+                </a:solidFill>
+              </a:rPr>
               <a:t>Domains (data types)</a:t>
             </a:r>
           </a:p>
           <a:p>
             <a:pPr lvl="1"/>
             <a:r>
-              <a:rPr lang="de-CH" dirty="0"/>
+              <a:rPr lang="de-CH" dirty="0" smtClean="0">
+                <a:solidFill>
+                  <a:schemeClr val="bg1">
+                    <a:lumMod val="50000"/>
+                  </a:schemeClr>
+                </a:solidFill>
+              </a:rPr>
               <a:t>predicates</a:t>
             </a:r>
           </a:p>
           <a:p>
             <a:pPr lvl="1"/>
             <a:r>
-              <a:rPr lang="de-CH" dirty="0" smtClean="0"/>
+              <a:rPr lang="de-CH" dirty="0" smtClean="0">
+                <a:solidFill>
+                  <a:schemeClr val="bg1">
+                    <a:lumMod val="50000"/>
+                  </a:schemeClr>
+                </a:solidFill>
+              </a:rPr>
               <a:t>functions</a:t>
             </a:r>
           </a:p>
           <a:p>
             <a:r>
-              <a:rPr lang="de-CH" dirty="0" smtClean="0"/>
+              <a:rPr lang="de-CH" dirty="0" smtClean="0">
+                <a:solidFill>
+                  <a:schemeClr val="bg1">
+                    <a:lumMod val="50000"/>
+                  </a:schemeClr>
+                </a:solidFill>
+              </a:rPr>
               <a:t>Fields</a:t>
             </a:r>
           </a:p>
           <a:p>
             <a:r>
-              <a:rPr lang="de-CH" dirty="0" smtClean="0"/>
+              <a:rPr lang="de-CH" dirty="0" smtClean="0">
+                <a:solidFill>
+                  <a:schemeClr val="bg1">
+                    <a:lumMod val="50000"/>
+                  </a:schemeClr>
+                </a:solidFill>
+              </a:rPr>
               <a:t>Functions</a:t>
             </a:r>
           </a:p>
           <a:p>
             <a:r>
-              <a:rPr lang="de-CH" dirty="0" smtClean="0"/>
+              <a:rPr lang="de-CH" dirty="0" smtClean="0">
+                <a:solidFill>
+                  <a:schemeClr val="bg1">
+                    <a:lumMod val="50000"/>
+                  </a:schemeClr>
+                </a:solidFill>
+              </a:rPr>
               <a:t>Predicates</a:t>
             </a:r>
           </a:p>
@@ -10211,7 +13181,7 @@
         <p:spPr>
           <a:xfrm>
             <a:off x="4221485" y="1556792"/>
-            <a:ext cx="576064" cy="4552505"/>
+            <a:ext cx="576064" cy="4557630"/>
           </a:xfrm>
           <a:prstGeom prst="leftBrace">
             <a:avLst>
@@ -10265,6 +13235,13 @@
   <p:clrMapOvr>
     <a:masterClrMapping/>
   </p:clrMapOvr>
+  <p:timing>
+    <p:tnLst>
+      <p:par>
+        <p:cTn id="1" dur="indefinite" restart="never" nodeType="tmRoot"/>
+      </p:par>
+    </p:tnLst>
+  </p:timing>
 </p:sld>
 </file>
 
@@ -10326,7 +13303,13 @@
           <a:lstStyle/>
           <a:p>
             <a:r>
-              <a:rPr lang="de-CH" dirty="0" smtClean="0"/>
+              <a:rPr lang="de-CH" dirty="0">
+                <a:solidFill>
+                  <a:schemeClr val="bg1">
+                    <a:lumMod val="50000"/>
+                  </a:schemeClr>
+                </a:solidFill>
+              </a:rPr>
               <a:t>Method Signatures</a:t>
             </a:r>
           </a:p>
@@ -10338,39 +13321,75 @@
           </a:p>
           <a:p>
             <a:r>
-              <a:rPr lang="de-CH" dirty="0"/>
+              <a:rPr lang="de-CH" dirty="0">
+                <a:solidFill>
+                  <a:schemeClr val="bg1">
+                    <a:lumMod val="50000"/>
+                  </a:schemeClr>
+                </a:solidFill>
+              </a:rPr>
               <a:t>Domains (data types)</a:t>
             </a:r>
           </a:p>
           <a:p>
             <a:pPr lvl="1"/>
             <a:r>
-              <a:rPr lang="de-CH" dirty="0"/>
+              <a:rPr lang="de-CH" sz="2800" dirty="0">
+                <a:solidFill>
+                  <a:schemeClr val="bg1">
+                    <a:lumMod val="50000"/>
+                  </a:schemeClr>
+                </a:solidFill>
+              </a:rPr>
               <a:t>predicates</a:t>
             </a:r>
           </a:p>
           <a:p>
             <a:pPr lvl="1"/>
             <a:r>
-              <a:rPr lang="de-CH" dirty="0" smtClean="0"/>
+              <a:rPr lang="de-CH" sz="2800" dirty="0">
+                <a:solidFill>
+                  <a:schemeClr val="bg1">
+                    <a:lumMod val="50000"/>
+                  </a:schemeClr>
+                </a:solidFill>
+              </a:rPr>
               <a:t>functions</a:t>
             </a:r>
           </a:p>
           <a:p>
             <a:r>
-              <a:rPr lang="de-CH" dirty="0" smtClean="0"/>
+              <a:rPr lang="de-CH" dirty="0">
+                <a:solidFill>
+                  <a:schemeClr val="bg1">
+                    <a:lumMod val="50000"/>
+                  </a:schemeClr>
+                </a:solidFill>
+              </a:rPr>
               <a:t>Fields</a:t>
             </a:r>
           </a:p>
           <a:p>
             <a:r>
-              <a:rPr lang="de-CH" dirty="0" smtClean="0"/>
+              <a:rPr lang="de-CH" dirty="0">
+                <a:solidFill>
+                  <a:schemeClr val="bg1">
+                    <a:lumMod val="50000"/>
+                  </a:schemeClr>
+                </a:solidFill>
+              </a:rPr>
               <a:t>Functions</a:t>
             </a:r>
           </a:p>
           <a:p>
             <a:r>
-              <a:rPr lang="de-CH" dirty="0" smtClean="0"/>
+              <a:rPr lang="de-CH" dirty="0">
+                <a:solidFill>
+                  <a:schemeClr val="bg1">
+                    <a:lumMod val="50000"/>
+                  </a:schemeClr>
+                </a:solidFill>
+              </a:rPr>
               <a:t>Predicates</a:t>
             </a:r>
           </a:p>
@@ -10847,7 +13866,7 @@
         <p:spPr>
           <a:xfrm>
             <a:off x="4221485" y="1556792"/>
-            <a:ext cx="576064" cy="4552505"/>
+            <a:ext cx="576064" cy="4557630"/>
           </a:xfrm>
           <a:prstGeom prst="leftBrace">
             <a:avLst>
@@ -10891,6 +13910,284 @@
           </a:p>
         </p:txBody>
       </p:sp>
+      <p:grpSp>
+        <p:nvGrpSpPr>
+          <p:cNvPr id="23" name="Group 22"/>
+          <p:cNvGrpSpPr/>
+          <p:nvPr/>
+        </p:nvGrpSpPr>
+        <p:grpSpPr>
+          <a:xfrm>
+            <a:off x="7308304" y="4445476"/>
+            <a:ext cx="1281742" cy="1503804"/>
+            <a:chOff x="7308304" y="4445476"/>
+            <a:chExt cx="1281742" cy="1503804"/>
+          </a:xfrm>
+        </p:grpSpPr>
+        <p:sp>
+          <p:nvSpPr>
+            <p:cNvPr id="11" name="Snip Diagonal Corner Rectangle 10"/>
+            <p:cNvSpPr/>
+            <p:nvPr/>
+          </p:nvSpPr>
+          <p:spPr>
+            <a:xfrm>
+              <a:off x="7841163" y="5661248"/>
+              <a:ext cx="748883" cy="288032"/>
+            </a:xfrm>
+            <a:prstGeom prst="snip2DiagRect">
+              <a:avLst>
+                <a:gd name="adj1" fmla="val 0"/>
+                <a:gd name="adj2" fmla="val 34304"/>
+              </a:avLst>
+            </a:prstGeom>
+          </p:spPr>
+          <p:style>
+            <a:lnRef idx="2">
+              <a:schemeClr val="accent1">
+                <a:shade val="50000"/>
+              </a:schemeClr>
+            </a:lnRef>
+            <a:fillRef idx="1">
+              <a:schemeClr val="accent1"/>
+            </a:fillRef>
+            <a:effectRef idx="0">
+              <a:schemeClr val="accent1"/>
+            </a:effectRef>
+            <a:fontRef idx="minor">
+              <a:schemeClr val="lt1"/>
+            </a:fontRef>
+          </p:style>
+          <p:txBody>
+            <a:bodyPr rtlCol="0" anchor="ctr"/>
+            <a:lstStyle/>
+            <a:p>
+              <a:pPr algn="ctr"/>
+              <a:r>
+                <a:rPr lang="en-GB" sz="1400" dirty="0" smtClean="0">
+                  <a:latin typeface="+mj-lt"/>
+                </a:rPr>
+                <a:t>end</a:t>
+              </a:r>
+            </a:p>
+          </p:txBody>
+        </p:sp>
+        <p:cxnSp>
+          <p:nvCxnSpPr>
+            <p:cNvPr id="15" name="Elbow Connector 28"/>
+            <p:cNvCxnSpPr>
+              <a:stCxn id="7" idx="1"/>
+              <a:endCxn id="11" idx="3"/>
+            </p:cNvCxnSpPr>
+            <p:nvPr/>
+          </p:nvCxnSpPr>
+          <p:spPr>
+            <a:xfrm>
+              <a:off x="8215605" y="4733508"/>
+              <a:ext cx="0" cy="927740"/>
+            </a:xfrm>
+            <a:prstGeom prst="straightConnector1">
+              <a:avLst/>
+            </a:prstGeom>
+            <a:ln w="19050">
+              <a:solidFill>
+                <a:srgbClr val="23466F"/>
+              </a:solidFill>
+              <a:tailEnd type="arrow"/>
+            </a:ln>
+          </p:spPr>
+          <p:style>
+            <a:lnRef idx="1">
+              <a:schemeClr val="accent1"/>
+            </a:lnRef>
+            <a:fillRef idx="0">
+              <a:schemeClr val="accent1"/>
+            </a:fillRef>
+            <a:effectRef idx="0">
+              <a:schemeClr val="accent1"/>
+            </a:effectRef>
+            <a:fontRef idx="minor">
+              <a:schemeClr val="tx1"/>
+            </a:fontRef>
+          </p:style>
+        </p:cxnSp>
+        <p:cxnSp>
+          <p:nvCxnSpPr>
+            <p:cNvPr id="18" name="Elbow Connector 28"/>
+            <p:cNvCxnSpPr>
+              <a:stCxn id="10" idx="1"/>
+            </p:cNvCxnSpPr>
+            <p:nvPr/>
+          </p:nvCxnSpPr>
+          <p:spPr>
+            <a:xfrm>
+              <a:off x="7682746" y="5341394"/>
+              <a:ext cx="266429" cy="319854"/>
+            </a:xfrm>
+            <a:prstGeom prst="straightConnector1">
+              <a:avLst/>
+            </a:prstGeom>
+            <a:ln w="19050">
+              <a:solidFill>
+                <a:srgbClr val="23466F"/>
+              </a:solidFill>
+              <a:tailEnd type="arrow"/>
+            </a:ln>
+          </p:spPr>
+          <p:style>
+            <a:lnRef idx="1">
+              <a:schemeClr val="accent1"/>
+            </a:lnRef>
+            <a:fillRef idx="0">
+              <a:schemeClr val="accent1"/>
+            </a:fillRef>
+            <a:effectRef idx="0">
+              <a:schemeClr val="accent1"/>
+            </a:effectRef>
+            <a:fontRef idx="minor">
+              <a:schemeClr val="tx1"/>
+            </a:fontRef>
+          </p:style>
+        </p:cxnSp>
+        <p:sp>
+          <p:nvSpPr>
+            <p:cNvPr id="10" name="Snip Diagonal Corner Rectangle 9"/>
+            <p:cNvSpPr/>
+            <p:nvPr/>
+          </p:nvSpPr>
+          <p:spPr>
+            <a:xfrm>
+              <a:off x="7308304" y="5053362"/>
+              <a:ext cx="748883" cy="288032"/>
+            </a:xfrm>
+            <a:prstGeom prst="snip2DiagRect">
+              <a:avLst>
+                <a:gd name="adj1" fmla="val 0"/>
+                <a:gd name="adj2" fmla="val 34304"/>
+              </a:avLst>
+            </a:prstGeom>
+          </p:spPr>
+          <p:style>
+            <a:lnRef idx="2">
+              <a:schemeClr val="accent1">
+                <a:shade val="50000"/>
+              </a:schemeClr>
+            </a:lnRef>
+            <a:fillRef idx="1">
+              <a:schemeClr val="accent1"/>
+            </a:fillRef>
+            <a:effectRef idx="0">
+              <a:schemeClr val="accent1"/>
+            </a:effectRef>
+            <a:fontRef idx="minor">
+              <a:schemeClr val="lt1"/>
+            </a:fontRef>
+          </p:style>
+          <p:txBody>
+            <a:bodyPr rtlCol="0" anchor="ctr"/>
+            <a:lstStyle/>
+            <a:p>
+              <a:pPr algn="ctr"/>
+              <a:r>
+                <a:rPr lang="en-GB" sz="1400" dirty="0" err="1" smtClean="0">
+                  <a:latin typeface="+mj-lt"/>
+                </a:rPr>
+                <a:t>exc</a:t>
+              </a:r>
+              <a:endParaRPr lang="en-GB" sz="1400" dirty="0">
+                <a:latin typeface="+mj-lt"/>
+              </a:endParaRPr>
+            </a:p>
+          </p:txBody>
+        </p:sp>
+        <p:cxnSp>
+          <p:nvCxnSpPr>
+            <p:cNvPr id="12" name="Elbow Connector 28"/>
+            <p:cNvCxnSpPr/>
+            <p:nvPr/>
+          </p:nvCxnSpPr>
+          <p:spPr>
+            <a:xfrm flipH="1">
+              <a:off x="7790757" y="4733508"/>
+              <a:ext cx="266430" cy="319854"/>
+            </a:xfrm>
+            <a:prstGeom prst="straightConnector1">
+              <a:avLst/>
+            </a:prstGeom>
+            <a:ln w="19050">
+              <a:solidFill>
+                <a:srgbClr val="23466F"/>
+              </a:solidFill>
+              <a:tailEnd type="arrow"/>
+            </a:ln>
+          </p:spPr>
+          <p:style>
+            <a:lnRef idx="1">
+              <a:schemeClr val="accent1"/>
+            </a:lnRef>
+            <a:fillRef idx="0">
+              <a:schemeClr val="accent1"/>
+            </a:fillRef>
+            <a:effectRef idx="0">
+              <a:schemeClr val="accent1"/>
+            </a:effectRef>
+            <a:fontRef idx="minor">
+              <a:schemeClr val="tx1"/>
+            </a:fontRef>
+          </p:style>
+        </p:cxnSp>
+        <p:sp>
+          <p:nvSpPr>
+            <p:cNvPr id="7" name="Snip Diagonal Corner Rectangle 6"/>
+            <p:cNvSpPr/>
+            <p:nvPr/>
+          </p:nvSpPr>
+          <p:spPr>
+            <a:xfrm>
+              <a:off x="7841163" y="4445476"/>
+              <a:ext cx="748883" cy="288032"/>
+            </a:xfrm>
+            <a:prstGeom prst="snip2DiagRect">
+              <a:avLst>
+                <a:gd name="adj1" fmla="val 0"/>
+                <a:gd name="adj2" fmla="val 34304"/>
+              </a:avLst>
+            </a:prstGeom>
+          </p:spPr>
+          <p:style>
+            <a:lnRef idx="2">
+              <a:schemeClr val="accent1">
+                <a:shade val="50000"/>
+              </a:schemeClr>
+            </a:lnRef>
+            <a:fillRef idx="1">
+              <a:schemeClr val="accent1"/>
+            </a:fillRef>
+            <a:effectRef idx="0">
+              <a:schemeClr val="accent1"/>
+            </a:effectRef>
+            <a:fontRef idx="minor">
+              <a:schemeClr val="lt1"/>
+            </a:fontRef>
+          </p:style>
+          <p:txBody>
+            <a:bodyPr rtlCol="0" anchor="ctr"/>
+            <a:lstStyle/>
+            <a:p>
+              <a:pPr algn="ctr"/>
+              <a:r>
+                <a:rPr lang="en-GB" sz="1400" dirty="0" smtClean="0">
+                  <a:latin typeface="+mj-lt"/>
+                </a:rPr>
+                <a:t>entry</a:t>
+              </a:r>
+              <a:endParaRPr lang="en-GB" sz="1400" dirty="0">
+                <a:latin typeface="+mj-lt"/>
+              </a:endParaRPr>
+            </a:p>
+          </p:txBody>
+        </p:sp>
+      </p:grpSp>
     </p:spTree>
     <p:extLst>
       <p:ext uri="{BB962C8B-B14F-4D97-AF65-F5344CB8AC3E}">
@@ -10901,6 +14198,13 @@
   <p:clrMapOvr>
     <a:masterClrMapping/>
   </p:clrMapOvr>
+  <p:timing>
+    <p:tnLst>
+      <p:par>
+        <p:cTn id="1" dur="indefinite" restart="never" nodeType="tmRoot"/>
+      </p:par>
+    </p:tnLst>
+  </p:timing>
 </p:sld>
 </file>
 
@@ -10937,10 +14241,10 @@
           <a:lstStyle/>
           <a:p>
             <a:r>
-              <a:rPr lang="de-CH" dirty="0" err="1" smtClean="0"/>
-              <a:t>Chalice</a:t>
-            </a:r>
-            <a:endParaRPr lang="en-GB" dirty="0"/>
+              <a:rPr lang="de-CH" dirty="0" smtClean="0"/>
+              <a:t>SIL Program Structure</a:t>
+            </a:r>
+            <a:endParaRPr lang="de-CH" dirty="0"/>
           </a:p>
         </p:txBody>
       </p:sp>
@@ -10956,22 +14260,92 @@
         </p:nvSpPr>
         <p:spPr/>
         <p:txBody>
-          <a:bodyPr/>
-          <a:lstStyle/>
-          <a:p>
-            <a:r>
-              <a:rPr lang="de-CH" dirty="0" err="1" smtClean="0"/>
-              <a:t>Annotated</a:t>
-            </a:r>
-            <a:r>
-              <a:rPr lang="de-CH" dirty="0" smtClean="0"/>
-              <a:t> </a:t>
-            </a:r>
-            <a:r>
-              <a:rPr lang="de-CH" dirty="0" err="1" smtClean="0"/>
-              <a:t>Methods</a:t>
-            </a:r>
-            <a:endParaRPr lang="en-GB" dirty="0"/>
+          <a:bodyPr>
+            <a:noAutofit/>
+          </a:bodyPr>
+          <a:lstStyle/>
+          <a:p>
+            <a:r>
+              <a:rPr lang="de-CH" dirty="0">
+                <a:solidFill>
+                  <a:schemeClr val="bg1">
+                    <a:lumMod val="50000"/>
+                  </a:schemeClr>
+                </a:solidFill>
+              </a:rPr>
+              <a:t>Method Signatures</a:t>
+            </a:r>
+          </a:p>
+          <a:p>
+            <a:r>
+              <a:rPr lang="de-CH" dirty="0">
+                <a:solidFill>
+                  <a:schemeClr val="bg1">
+                    <a:lumMod val="50000"/>
+                  </a:schemeClr>
+                </a:solidFill>
+              </a:rPr>
+              <a:t>Method Bodies</a:t>
+            </a:r>
+          </a:p>
+          <a:p>
+            <a:r>
+              <a:rPr lang="de-CH" dirty="0"/>
+              <a:t>Domains (data types)</a:t>
+            </a:r>
+          </a:p>
+          <a:p>
+            <a:pPr lvl="1"/>
+            <a:r>
+              <a:rPr lang="de-CH" sz="2800" dirty="0"/>
+              <a:t>predicates</a:t>
+            </a:r>
+          </a:p>
+          <a:p>
+            <a:pPr lvl="1"/>
+            <a:r>
+              <a:rPr lang="de-CH" sz="2800" dirty="0"/>
+              <a:t>functions</a:t>
+            </a:r>
+          </a:p>
+          <a:p>
+            <a:r>
+              <a:rPr lang="de-CH" dirty="0">
+                <a:solidFill>
+                  <a:schemeClr val="bg1">
+                    <a:lumMod val="50000"/>
+                  </a:schemeClr>
+                </a:solidFill>
+              </a:rPr>
+              <a:t>Fields</a:t>
+            </a:r>
+          </a:p>
+          <a:p>
+            <a:r>
+              <a:rPr lang="de-CH" dirty="0">
+                <a:solidFill>
+                  <a:schemeClr val="bg1">
+                    <a:lumMod val="50000"/>
+                  </a:schemeClr>
+                </a:solidFill>
+              </a:rPr>
+              <a:t>Functions</a:t>
+            </a:r>
+          </a:p>
+          <a:p>
+            <a:r>
+              <a:rPr lang="de-CH" dirty="0">
+                <a:solidFill>
+                  <a:schemeClr val="bg1">
+                    <a:lumMod val="50000"/>
+                  </a:schemeClr>
+                </a:solidFill>
+              </a:rPr>
+              <a:t>Predicates</a:t>
+            </a:r>
+          </a:p>
+          <a:p>
+            <a:endParaRPr lang="de-CH" dirty="0"/>
           </a:p>
         </p:txBody>
       </p:sp>
@@ -10985,253 +14359,469 @@
             <p:ph sz="half" idx="2"/>
           </p:nvPr>
         </p:nvSpPr>
-        <p:spPr/>
+        <p:spPr>
+          <a:xfrm>
+            <a:off x="4781872" y="1556793"/>
+            <a:ext cx="4110608" cy="4555552"/>
+          </a:xfrm>
+          <a:solidFill>
+            <a:schemeClr val="bg1">
+              <a:lumMod val="75000"/>
+            </a:schemeClr>
+          </a:solidFill>
+          <a:ln w="28575">
+            <a:solidFill>
+              <a:schemeClr val="bg1">
+                <a:lumMod val="50000"/>
+              </a:schemeClr>
+            </a:solidFill>
+          </a:ln>
+        </p:spPr>
         <p:txBody>
           <a:bodyPr>
-            <a:normAutofit/>
+            <a:normAutofit lnSpcReduction="10000"/>
           </a:bodyPr>
           <a:lstStyle/>
           <a:p>
             <a:pPr marL="0" indent="0">
+              <a:spcBef>
+                <a:spcPts val="0"/>
+              </a:spcBef>
               <a:buNone/>
               <a:tabLst>
-                <a:tab pos="177800" algn="l"/>
-                <a:tab pos="355600" algn="l"/>
+                <a:tab pos="182563" algn="l"/>
+                <a:tab pos="449263" algn="l"/>
+                <a:tab pos="715963" algn="l"/>
+                <a:tab pos="982663" algn="l"/>
+                <a:tab pos="1257300" algn="l"/>
+                <a:tab pos="1524000" algn="l"/>
+                <a:tab pos="1882775" algn="l"/>
               </a:tabLst>
             </a:pPr>
             <a:r>
-              <a:rPr lang="en-GB" sz="1800" spc="-150" dirty="0">
-                <a:latin typeface="Consolas" pitchFamily="49" charset="0"/>
-                <a:cs typeface="Consolas" pitchFamily="49" charset="0"/>
-              </a:rPr>
-              <a:t>class Cell {</a:t>
+              <a:rPr lang="de-CH" sz="1800" dirty="0" smtClean="0">
+                <a:latin typeface="Consolas" pitchFamily="49" charset="0"/>
+                <a:cs typeface="Consolas" pitchFamily="49" charset="0"/>
+              </a:rPr>
+              <a:t>domain Pair[A,B]{</a:t>
             </a:r>
           </a:p>
           <a:p>
             <a:pPr marL="0" indent="0">
+              <a:spcBef>
+                <a:spcPts val="0"/>
+              </a:spcBef>
               <a:buNone/>
               <a:tabLst>
-                <a:tab pos="177800" algn="l"/>
-                <a:tab pos="355600" algn="l"/>
+                <a:tab pos="182563" algn="l"/>
+                <a:tab pos="449263" algn="l"/>
+                <a:tab pos="715963" algn="l"/>
+                <a:tab pos="982663" algn="l"/>
+                <a:tab pos="1257300" algn="l"/>
+                <a:tab pos="1524000" algn="l"/>
+                <a:tab pos="1882775" algn="l"/>
+                <a:tab pos="2330450" algn="l"/>
               </a:tabLst>
             </a:pPr>
             <a:r>
-              <a:rPr lang="en-GB" sz="1800" spc="-150" dirty="0">
-                <a:latin typeface="Consolas" pitchFamily="49" charset="0"/>
-                <a:cs typeface="Consolas" pitchFamily="49" charset="0"/>
-              </a:rPr>
-              <a:t>    </a:t>
-            </a:r>
-            <a:r>
-              <a:rPr lang="en-GB" sz="1800" spc="-150" dirty="0" err="1">
-                <a:latin typeface="Consolas" pitchFamily="49" charset="0"/>
-                <a:cs typeface="Consolas" pitchFamily="49" charset="0"/>
-              </a:rPr>
-              <a:t>var</a:t>
-            </a:r>
-            <a:r>
-              <a:rPr lang="en-GB" sz="1800" spc="-150" dirty="0">
-                <a:latin typeface="Consolas" pitchFamily="49" charset="0"/>
-                <a:cs typeface="Consolas" pitchFamily="49" charset="0"/>
-              </a:rPr>
-              <a:t> v: </a:t>
-            </a:r>
-            <a:r>
-              <a:rPr lang="en-GB" sz="1800" spc="-150" dirty="0" err="1">
-                <a:latin typeface="Consolas" pitchFamily="49" charset="0"/>
-                <a:cs typeface="Consolas" pitchFamily="49" charset="0"/>
-              </a:rPr>
-              <a:t>int</a:t>
-            </a:r>
-            <a:r>
-              <a:rPr lang="en-GB" sz="1800" spc="-150" dirty="0">
-                <a:latin typeface="Consolas" pitchFamily="49" charset="0"/>
-                <a:cs typeface="Consolas" pitchFamily="49" charset="0"/>
-              </a:rPr>
-              <a:t>;</a:t>
+              <a:rPr lang="de-CH" sz="1800" dirty="0">
+                <a:latin typeface="Consolas" pitchFamily="49" charset="0"/>
+                <a:cs typeface="Consolas" pitchFamily="49" charset="0"/>
+              </a:rPr>
+              <a:t>	</a:t>
+            </a:r>
+            <a:r>
+              <a:rPr lang="de-CH" sz="1800" dirty="0" smtClean="0">
+                <a:latin typeface="Consolas" pitchFamily="49" charset="0"/>
+                <a:cs typeface="Consolas" pitchFamily="49" charset="0"/>
+              </a:rPr>
+              <a:t>function create(A,B) 									: Pair[A,B];</a:t>
             </a:r>
           </a:p>
           <a:p>
             <a:pPr marL="0" indent="0">
+              <a:spcBef>
+                <a:spcPts val="0"/>
+              </a:spcBef>
               <a:buNone/>
               <a:tabLst>
-                <a:tab pos="177800" algn="l"/>
-                <a:tab pos="355600" algn="l"/>
+                <a:tab pos="182563" algn="l"/>
+                <a:tab pos="449263" algn="l"/>
+                <a:tab pos="715963" algn="l"/>
+                <a:tab pos="982663" algn="l"/>
+                <a:tab pos="1257300" algn="l"/>
+                <a:tab pos="1524000" algn="l"/>
+                <a:tab pos="1882775" algn="l"/>
+                <a:tab pos="2330450" algn="l"/>
               </a:tabLst>
             </a:pPr>
-            <a:r>
-              <a:rPr lang="en-GB" sz="1800" spc="-150" dirty="0">
-                <a:latin typeface="Consolas" pitchFamily="49" charset="0"/>
-                <a:cs typeface="Consolas" pitchFamily="49" charset="0"/>
-              </a:rPr>
-              <a:t>    </a:t>
-            </a:r>
+            <a:endParaRPr lang="de-CH" sz="1800" dirty="0" smtClean="0">
+              <a:latin typeface="Consolas" pitchFamily="49" charset="0"/>
+              <a:cs typeface="Consolas" pitchFamily="49" charset="0"/>
+            </a:endParaRPr>
           </a:p>
           <a:p>
             <a:pPr marL="0" indent="0">
+              <a:spcBef>
+                <a:spcPts val="0"/>
+              </a:spcBef>
               <a:buNone/>
               <a:tabLst>
-                <a:tab pos="177800" algn="l"/>
-                <a:tab pos="355600" algn="l"/>
+                <a:tab pos="182563" algn="l"/>
+                <a:tab pos="449263" algn="l"/>
+                <a:tab pos="715963" algn="l"/>
+                <a:tab pos="982663" algn="l"/>
+                <a:tab pos="1257300" algn="l"/>
+                <a:tab pos="1524000" algn="l"/>
+                <a:tab pos="1882775" algn="l"/>
+                <a:tab pos="2330450" algn="l"/>
               </a:tabLst>
             </a:pPr>
             <a:r>
-              <a:rPr lang="en-GB" sz="1800" spc="-150" dirty="0">
-                <a:latin typeface="Consolas" pitchFamily="49" charset="0"/>
-                <a:cs typeface="Consolas" pitchFamily="49" charset="0"/>
-              </a:rPr>
-              <a:t>    method </a:t>
-            </a:r>
-            <a:r>
-              <a:rPr lang="en-GB" sz="1800" spc="-150" dirty="0" err="1">
-                <a:latin typeface="Consolas" pitchFamily="49" charset="0"/>
-                <a:cs typeface="Consolas" pitchFamily="49" charset="0"/>
-              </a:rPr>
-              <a:t>inc</a:t>
-            </a:r>
-            <a:r>
-              <a:rPr lang="en-GB" sz="1800" spc="-150" dirty="0">
-                <a:latin typeface="Consolas" pitchFamily="49" charset="0"/>
-                <a:cs typeface="Consolas" pitchFamily="49" charset="0"/>
-              </a:rPr>
-              <a:t>(d: </a:t>
-            </a:r>
-            <a:r>
-              <a:rPr lang="en-GB" sz="1800" spc="-150" dirty="0" err="1">
-                <a:latin typeface="Consolas" pitchFamily="49" charset="0"/>
-                <a:cs typeface="Consolas" pitchFamily="49" charset="0"/>
-              </a:rPr>
-              <a:t>int</a:t>
-            </a:r>
-            <a:r>
-              <a:rPr lang="en-GB" sz="1800" spc="-150" dirty="0">
-                <a:latin typeface="Consolas" pitchFamily="49" charset="0"/>
-                <a:cs typeface="Consolas" pitchFamily="49" charset="0"/>
-              </a:rPr>
-              <a:t>)</a:t>
+              <a:rPr lang="de-CH" sz="1800" dirty="0">
+                <a:latin typeface="Consolas" pitchFamily="49" charset="0"/>
+                <a:cs typeface="Consolas" pitchFamily="49" charset="0"/>
+              </a:rPr>
+              <a:t>	function </a:t>
+            </a:r>
+            <a:r>
+              <a:rPr lang="de-CH" sz="1800" dirty="0" smtClean="0">
+                <a:latin typeface="Consolas" pitchFamily="49" charset="0"/>
+                <a:cs typeface="Consolas" pitchFamily="49" charset="0"/>
+              </a:rPr>
+              <a:t>getFirst(Pair[A,B]) 								: A;</a:t>
             </a:r>
           </a:p>
           <a:p>
             <a:pPr marL="0" indent="0">
+              <a:spcBef>
+                <a:spcPts val="0"/>
+              </a:spcBef>
               <a:buNone/>
               <a:tabLst>
-                <a:tab pos="177800" algn="l"/>
-                <a:tab pos="355600" algn="l"/>
+                <a:tab pos="182563" algn="l"/>
+                <a:tab pos="449263" algn="l"/>
+                <a:tab pos="715963" algn="l"/>
+                <a:tab pos="982663" algn="l"/>
+                <a:tab pos="1257300" algn="l"/>
+                <a:tab pos="1524000" algn="l"/>
+                <a:tab pos="1882775" algn="l"/>
+                <a:tab pos="2330450" algn="l"/>
               </a:tabLst>
             </a:pPr>
-            <a:r>
-              <a:rPr lang="en-GB" sz="1800" spc="-150" dirty="0">
-                <a:latin typeface="Consolas" pitchFamily="49" charset="0"/>
-                <a:cs typeface="Consolas" pitchFamily="49" charset="0"/>
-              </a:rPr>
-              <a:t>        requires 0 &lt; d</a:t>
-            </a:r>
-            <a:r>
-              <a:rPr lang="en-GB" sz="1800" spc="-150" dirty="0" smtClean="0">
-                <a:latin typeface="Consolas" pitchFamily="49" charset="0"/>
-                <a:cs typeface="Consolas" pitchFamily="49" charset="0"/>
-              </a:rPr>
-              <a:t>;</a:t>
-            </a:r>
+            <a:endParaRPr lang="de-CH" sz="1800" dirty="0" smtClean="0">
+              <a:latin typeface="Consolas" pitchFamily="49" charset="0"/>
+              <a:cs typeface="Consolas" pitchFamily="49" charset="0"/>
+            </a:endParaRPr>
           </a:p>
           <a:p>
             <a:pPr marL="0" indent="0">
+              <a:spcBef>
+                <a:spcPts val="0"/>
+              </a:spcBef>
               <a:buNone/>
               <a:tabLst>
-                <a:tab pos="177800" algn="l"/>
-                <a:tab pos="355600" algn="l"/>
+                <a:tab pos="182563" algn="l"/>
+                <a:tab pos="449263" algn="l"/>
+                <a:tab pos="715963" algn="l"/>
+                <a:tab pos="982663" algn="l"/>
+                <a:tab pos="1257300" algn="l"/>
+                <a:tab pos="1524000" algn="l"/>
+                <a:tab pos="1882775" algn="l"/>
+                <a:tab pos="3227388" algn="l"/>
               </a:tabLst>
             </a:pPr>
             <a:r>
-              <a:rPr lang="en-GB" sz="1800" spc="-150" dirty="0">
-                <a:latin typeface="Consolas" pitchFamily="49" charset="0"/>
-                <a:cs typeface="Consolas" pitchFamily="49" charset="0"/>
-              </a:rPr>
-              <a:t> </a:t>
-            </a:r>
-            <a:r>
-              <a:rPr lang="en-GB" sz="1800" spc="-150" dirty="0" smtClean="0">
-                <a:latin typeface="Consolas" pitchFamily="49" charset="0"/>
-                <a:cs typeface="Consolas" pitchFamily="49" charset="0"/>
-              </a:rPr>
-              <a:t>       requires </a:t>
-            </a:r>
-            <a:r>
-              <a:rPr lang="en-GB" sz="1800" spc="-150" dirty="0" err="1" smtClean="0">
-                <a:latin typeface="Consolas" pitchFamily="49" charset="0"/>
-                <a:cs typeface="Consolas" pitchFamily="49" charset="0"/>
-              </a:rPr>
-              <a:t>acc</a:t>
-            </a:r>
-            <a:r>
-              <a:rPr lang="en-GB" sz="1800" spc="-150" dirty="0" smtClean="0">
-                <a:latin typeface="Consolas" pitchFamily="49" charset="0"/>
-                <a:cs typeface="Consolas" pitchFamily="49" charset="0"/>
-              </a:rPr>
-              <a:t>(v);</a:t>
+              <a:rPr lang="de-CH" sz="1800" dirty="0">
+                <a:latin typeface="Consolas" pitchFamily="49" charset="0"/>
+                <a:cs typeface="Consolas" pitchFamily="49" charset="0"/>
+              </a:rPr>
+              <a:t>	</a:t>
+            </a:r>
+            <a:r>
+              <a:rPr lang="de-CH" sz="1800" dirty="0" smtClean="0">
+                <a:latin typeface="Consolas" pitchFamily="49" charset="0"/>
+                <a:cs typeface="Consolas" pitchFamily="49" charset="0"/>
+              </a:rPr>
+              <a:t>axiom getFirst = ∀ a:A,b:B :: </a:t>
             </a:r>
           </a:p>
           <a:p>
             <a:pPr marL="0" indent="0">
+              <a:spcBef>
+                <a:spcPts val="0"/>
+              </a:spcBef>
               <a:buNone/>
               <a:tabLst>
-                <a:tab pos="177800" algn="l"/>
-                <a:tab pos="355600" algn="l"/>
+                <a:tab pos="182563" algn="l"/>
+                <a:tab pos="449263" algn="l"/>
+                <a:tab pos="715963" algn="l"/>
+                <a:tab pos="982663" algn="l"/>
+                <a:tab pos="1257300" algn="l"/>
+                <a:tab pos="1524000" algn="l"/>
+                <a:tab pos="1882775" algn="l"/>
+                <a:tab pos="3227388" algn="l"/>
               </a:tabLst>
             </a:pPr>
             <a:r>
-              <a:rPr lang="en-GB" sz="1800" spc="-150" dirty="0">
-                <a:latin typeface="Consolas" pitchFamily="49" charset="0"/>
-                <a:cs typeface="Consolas" pitchFamily="49" charset="0"/>
-              </a:rPr>
-              <a:t> </a:t>
-            </a:r>
-            <a:r>
-              <a:rPr lang="en-GB" sz="1800" spc="-150" dirty="0" smtClean="0">
-                <a:latin typeface="Consolas" pitchFamily="49" charset="0"/>
-                <a:cs typeface="Consolas" pitchFamily="49" charset="0"/>
-              </a:rPr>
-              <a:t>       ensures </a:t>
-            </a:r>
-            <a:r>
-              <a:rPr lang="en-GB" sz="1800" spc="-150" dirty="0">
-                <a:latin typeface="Consolas" pitchFamily="49" charset="0"/>
-                <a:cs typeface="Consolas" pitchFamily="49" charset="0"/>
-              </a:rPr>
-              <a:t>v == old(v) + d;</a:t>
-            </a:r>
+              <a:rPr lang="de-CH" sz="1800" dirty="0">
+                <a:latin typeface="Consolas" pitchFamily="49" charset="0"/>
+                <a:cs typeface="Consolas" pitchFamily="49" charset="0"/>
+              </a:rPr>
+              <a:t>	</a:t>
+            </a:r>
+            <a:r>
+              <a:rPr lang="de-CH" sz="1800" dirty="0" smtClean="0">
+                <a:latin typeface="Consolas" pitchFamily="49" charset="0"/>
+                <a:cs typeface="Consolas" pitchFamily="49" charset="0"/>
+              </a:rPr>
+              <a:t>	getFirst(create(a,b)) = a;</a:t>
+            </a:r>
+            <a:endParaRPr lang="de-CH" sz="1800" dirty="0">
+              <a:latin typeface="Consolas" pitchFamily="49" charset="0"/>
+              <a:cs typeface="Consolas" pitchFamily="49" charset="0"/>
+            </a:endParaRPr>
           </a:p>
           <a:p>
             <a:pPr marL="0" indent="0">
+              <a:spcBef>
+                <a:spcPts val="0"/>
+              </a:spcBef>
               <a:buNone/>
               <a:tabLst>
-                <a:tab pos="177800" algn="l"/>
-                <a:tab pos="355600" algn="l"/>
+                <a:tab pos="182563" algn="l"/>
+                <a:tab pos="449263" algn="l"/>
+                <a:tab pos="715963" algn="l"/>
+                <a:tab pos="982663" algn="l"/>
+                <a:tab pos="1257300" algn="l"/>
+                <a:tab pos="1524000" algn="l"/>
+                <a:tab pos="1882775" algn="l"/>
               </a:tabLst>
             </a:pPr>
             <a:r>
-              <a:rPr lang="en-GB" sz="1800" spc="-150" dirty="0">
-                <a:latin typeface="Consolas" pitchFamily="49" charset="0"/>
-                <a:cs typeface="Consolas" pitchFamily="49" charset="0"/>
-              </a:rPr>
-              <a:t>    {   v := v + d; }</a:t>
+              <a:rPr lang="de-CH" sz="1800" dirty="0" smtClean="0">
+                <a:latin typeface="Consolas" pitchFamily="49" charset="0"/>
+                <a:cs typeface="Consolas" pitchFamily="49" charset="0"/>
+              </a:rPr>
+              <a:t>}</a:t>
             </a:r>
           </a:p>
           <a:p>
             <a:pPr marL="0" indent="0">
+              <a:spcBef>
+                <a:spcPts val="0"/>
+              </a:spcBef>
               <a:buNone/>
               <a:tabLst>
-                <a:tab pos="177800" algn="l"/>
-                <a:tab pos="355600" algn="l"/>
+                <a:tab pos="182563" algn="l"/>
+                <a:tab pos="449263" algn="l"/>
+                <a:tab pos="715963" algn="l"/>
+                <a:tab pos="982663" algn="l"/>
+                <a:tab pos="1257300" algn="l"/>
+                <a:tab pos="1524000" algn="l"/>
+                <a:tab pos="1882775" algn="l"/>
               </a:tabLst>
             </a:pPr>
             <a:r>
-              <a:rPr lang="en-GB" sz="1800" spc="-150" dirty="0">
+              <a:rPr lang="de-CH" sz="1800" dirty="0" smtClean="0">
+                <a:latin typeface="Consolas" pitchFamily="49" charset="0"/>
+                <a:cs typeface="Consolas" pitchFamily="49" charset="0"/>
+              </a:rPr>
+              <a:t>domain Permission{</a:t>
+            </a:r>
+          </a:p>
+          <a:p>
+            <a:pPr marL="0" indent="0">
+              <a:spcBef>
+                <a:spcPts val="0"/>
+              </a:spcBef>
+              <a:buNone/>
+              <a:tabLst>
+                <a:tab pos="182563" algn="l"/>
+                <a:tab pos="449263" algn="l"/>
+                <a:tab pos="715963" algn="l"/>
+                <a:tab pos="982663" algn="l"/>
+                <a:tab pos="1257300" algn="l"/>
+                <a:tab pos="1524000" algn="l"/>
+                <a:tab pos="1882775" algn="l"/>
+              </a:tabLst>
+            </a:pPr>
+            <a:r>
+              <a:rPr lang="de-CH" sz="1800" dirty="0">
+                <a:latin typeface="Consolas" pitchFamily="49" charset="0"/>
+                <a:cs typeface="Consolas" pitchFamily="49" charset="0"/>
+              </a:rPr>
+              <a:t>	function </a:t>
+            </a:r>
+            <a:endParaRPr lang="de-CH" sz="1800" dirty="0" smtClean="0">
+              <a:latin typeface="Consolas" pitchFamily="49" charset="0"/>
+              <a:cs typeface="Consolas" pitchFamily="49" charset="0"/>
+            </a:endParaRPr>
+          </a:p>
+          <a:p>
+            <a:pPr marL="0" indent="0">
+              <a:spcBef>
+                <a:spcPts val="0"/>
+              </a:spcBef>
+              <a:buNone/>
+              <a:tabLst>
+                <a:tab pos="182563" algn="l"/>
+                <a:tab pos="449263" algn="l"/>
+                <a:tab pos="715963" algn="l"/>
+                <a:tab pos="982663" algn="l"/>
+                <a:tab pos="1257300" algn="l"/>
+                <a:tab pos="1524000" algn="l"/>
+                <a:tab pos="1882775" algn="l"/>
+              </a:tabLst>
+            </a:pPr>
+            <a:r>
+              <a:rPr lang="de-CH" sz="1800" dirty="0">
+                <a:latin typeface="Consolas" pitchFamily="49" charset="0"/>
+                <a:cs typeface="Consolas" pitchFamily="49" charset="0"/>
+              </a:rPr>
+              <a:t>	</a:t>
+            </a:r>
+            <a:r>
+              <a:rPr lang="de-CH" sz="1800" dirty="0" smtClean="0">
+                <a:latin typeface="Consolas" pitchFamily="49" charset="0"/>
+                <a:cs typeface="Consolas" pitchFamily="49" charset="0"/>
+              </a:rPr>
+              <a:t>	+(Permission,Permission) </a:t>
+            </a:r>
+          </a:p>
+          <a:p>
+            <a:pPr marL="0" indent="0">
+              <a:spcBef>
+                <a:spcPts val="0"/>
+              </a:spcBef>
+              <a:buNone/>
+              <a:tabLst>
+                <a:tab pos="182563" algn="l"/>
+                <a:tab pos="449263" algn="l"/>
+                <a:tab pos="715963" algn="l"/>
+                <a:tab pos="982663" algn="l"/>
+                <a:tab pos="1257300" algn="l"/>
+                <a:tab pos="1524000" algn="l"/>
+                <a:tab pos="1882775" algn="l"/>
+                <a:tab pos="2330450" algn="l"/>
+              </a:tabLst>
+            </a:pPr>
+            <a:r>
+              <a:rPr lang="de-CH" sz="1800" dirty="0">
+                <a:latin typeface="Consolas" pitchFamily="49" charset="0"/>
+                <a:cs typeface="Consolas" pitchFamily="49" charset="0"/>
+              </a:rPr>
+              <a:t>	</a:t>
+            </a:r>
+            <a:r>
+              <a:rPr lang="de-CH" sz="1800" dirty="0" smtClean="0">
+                <a:latin typeface="Consolas" pitchFamily="49" charset="0"/>
+                <a:cs typeface="Consolas" pitchFamily="49" charset="0"/>
+              </a:rPr>
+              <a:t>							: </a:t>
+            </a:r>
+            <a:r>
+              <a:rPr lang="de-CH" sz="1800" dirty="0">
+                <a:latin typeface="Consolas" pitchFamily="49" charset="0"/>
+                <a:cs typeface="Consolas" pitchFamily="49" charset="0"/>
+              </a:rPr>
+              <a:t>Permission</a:t>
+            </a:r>
+            <a:endParaRPr lang="de-CH" sz="1800" dirty="0" smtClean="0">
+              <a:latin typeface="Consolas" pitchFamily="49" charset="0"/>
+              <a:cs typeface="Consolas" pitchFamily="49" charset="0"/>
+            </a:endParaRPr>
+          </a:p>
+          <a:p>
+            <a:pPr marL="0" indent="0">
+              <a:spcBef>
+                <a:spcPts val="0"/>
+              </a:spcBef>
+              <a:buNone/>
+              <a:tabLst>
+                <a:tab pos="182563" algn="l"/>
+                <a:tab pos="449263" algn="l"/>
+                <a:tab pos="715963" algn="l"/>
+                <a:tab pos="982663" algn="l"/>
+                <a:tab pos="1257300" algn="l"/>
+                <a:tab pos="1524000" algn="l"/>
+                <a:tab pos="1882775" algn="l"/>
+              </a:tabLst>
+            </a:pPr>
+            <a:r>
+              <a:rPr lang="de-CH" sz="1800" dirty="0">
+                <a:latin typeface="Consolas" pitchFamily="49" charset="0"/>
+                <a:cs typeface="Consolas" pitchFamily="49" charset="0"/>
+              </a:rPr>
+              <a:t>	predicate </a:t>
+            </a:r>
+            <a:endParaRPr lang="de-CH" sz="1800" dirty="0" smtClean="0">
+              <a:latin typeface="Consolas" pitchFamily="49" charset="0"/>
+              <a:cs typeface="Consolas" pitchFamily="49" charset="0"/>
+            </a:endParaRPr>
+          </a:p>
+          <a:p>
+            <a:pPr marL="0" indent="0">
+              <a:spcBef>
+                <a:spcPts val="0"/>
+              </a:spcBef>
+              <a:buNone/>
+              <a:tabLst>
+                <a:tab pos="182563" algn="l"/>
+                <a:tab pos="449263" algn="l"/>
+                <a:tab pos="715963" algn="l"/>
+                <a:tab pos="982663" algn="l"/>
+                <a:tab pos="1257300" algn="l"/>
+                <a:tab pos="1524000" algn="l"/>
+                <a:tab pos="1882775" algn="l"/>
+              </a:tabLst>
+            </a:pPr>
+            <a:r>
+              <a:rPr lang="de-CH" sz="1800" dirty="0">
+                <a:latin typeface="Consolas" pitchFamily="49" charset="0"/>
+                <a:cs typeface="Consolas" pitchFamily="49" charset="0"/>
+              </a:rPr>
+              <a:t>	</a:t>
+            </a:r>
+            <a:r>
+              <a:rPr lang="de-CH" sz="1800" dirty="0" smtClean="0">
+                <a:latin typeface="Consolas" pitchFamily="49" charset="0"/>
+                <a:cs typeface="Consolas" pitchFamily="49" charset="0"/>
+              </a:rPr>
+              <a:t>	&lt;(Permission,Permission);</a:t>
+            </a:r>
+            <a:endParaRPr lang="de-CH" sz="1800" dirty="0">
+              <a:latin typeface="Consolas" pitchFamily="49" charset="0"/>
+              <a:cs typeface="Consolas" pitchFamily="49" charset="0"/>
+            </a:endParaRPr>
+          </a:p>
+          <a:p>
+            <a:pPr marL="0" indent="0">
+              <a:spcBef>
+                <a:spcPts val="0"/>
+              </a:spcBef>
+              <a:buNone/>
+              <a:tabLst>
+                <a:tab pos="182563" algn="l"/>
+                <a:tab pos="449263" algn="l"/>
+                <a:tab pos="715963" algn="l"/>
+                <a:tab pos="982663" algn="l"/>
+                <a:tab pos="1257300" algn="l"/>
+                <a:tab pos="1524000" algn="l"/>
+                <a:tab pos="1882775" algn="l"/>
+              </a:tabLst>
+            </a:pPr>
+            <a:r>
+              <a:rPr lang="de-CH" sz="1800" dirty="0">
                 <a:latin typeface="Consolas" pitchFamily="49" charset="0"/>
                 <a:cs typeface="Consolas" pitchFamily="49" charset="0"/>
               </a:rPr>
               <a:t>}</a:t>
             </a:r>
+            <a:endParaRPr lang="de-CH" sz="1800" dirty="0" smtClean="0">
+              <a:latin typeface="Consolas" pitchFamily="49" charset="0"/>
+              <a:cs typeface="Consolas" pitchFamily="49" charset="0"/>
+            </a:endParaRPr>
           </a:p>
         </p:txBody>
       </p:sp>
@@ -11258,16 +14848,76 @@
           </a:p>
         </p:txBody>
       </p:sp>
+      <p:sp>
+        <p:nvSpPr>
+          <p:cNvPr id="6" name="Left Brace 5"/>
+          <p:cNvSpPr/>
+          <p:nvPr/>
+        </p:nvSpPr>
+        <p:spPr>
+          <a:xfrm>
+            <a:off x="4339087" y="1556792"/>
+            <a:ext cx="458461" cy="4557630"/>
+          </a:xfrm>
+          <a:prstGeom prst="leftBrace">
+            <a:avLst>
+              <a:gd name="adj1" fmla="val 47494"/>
+              <a:gd name="adj2" fmla="val 25616"/>
+            </a:avLst>
+          </a:prstGeom>
+          <a:solidFill>
+            <a:schemeClr val="bg1">
+              <a:lumMod val="75000"/>
+            </a:schemeClr>
+          </a:solidFill>
+          <a:ln w="28575" cap="flat">
+            <a:solidFill>
+              <a:schemeClr val="bg1">
+                <a:lumMod val="50000"/>
+              </a:schemeClr>
+            </a:solidFill>
+          </a:ln>
+        </p:spPr>
+        <p:style>
+          <a:lnRef idx="1">
+            <a:schemeClr val="accent1"/>
+          </a:lnRef>
+          <a:fillRef idx="0">
+            <a:schemeClr val="accent1"/>
+          </a:fillRef>
+          <a:effectRef idx="0">
+            <a:schemeClr val="accent1"/>
+          </a:effectRef>
+          <a:fontRef idx="minor">
+            <a:schemeClr val="tx1"/>
+          </a:fontRef>
+        </p:style>
+        <p:txBody>
+          <a:bodyPr rtlCol="0" anchor="ctr"/>
+          <a:lstStyle/>
+          <a:p>
+            <a:pPr algn="ctr"/>
+            <a:endParaRPr lang="de-CH"/>
+          </a:p>
+        </p:txBody>
+      </p:sp>
     </p:spTree>
     <p:extLst>
       <p:ext uri="{BB962C8B-B14F-4D97-AF65-F5344CB8AC3E}">
-        <p14:creationId xmlns:p14="http://schemas.microsoft.com/office/powerpoint/2010/main" val="996484789"/>
+        <p14:creationId xmlns:p14="http://schemas.microsoft.com/office/powerpoint/2010/main" val="3037291892"/>
       </p:ext>
     </p:extLst>
   </p:cSld>
   <p:clrMapOvr>
     <a:masterClrMapping/>
   </p:clrMapOvr>
+  <p:timing>
+    <p:tnLst>
+      <p:par>
+        <p:cTn id="1" dur="indefinite" restart="never" nodeType="tmRoot"/>
+      </p:par>
+    </p:tnLst>
+  </p:timing>
 </p:sld>
 </file>
 
@@ -11304,10 +14954,10 @@
           <a:lstStyle/>
           <a:p>
             <a:r>
-              <a:rPr lang="de-CH" dirty="0" err="1" smtClean="0"/>
-              <a:t>Chalice</a:t>
-            </a:r>
-            <a:endParaRPr lang="en-GB" dirty="0"/>
+              <a:rPr lang="de-CH" dirty="0" smtClean="0"/>
+              <a:t>SIL Program Structure</a:t>
+            </a:r>
+            <a:endParaRPr lang="de-CH" dirty="0"/>
           </a:p>
         </p:txBody>
       </p:sp>
@@ -11329,24 +14979,86 @@
           <a:lstStyle/>
           <a:p>
             <a:r>
-              <a:rPr lang="de-CH" dirty="0" err="1" smtClean="0"/>
-              <a:t>Annotated</a:t>
-            </a:r>
-            <a:r>
-              <a:rPr lang="de-CH" dirty="0" smtClean="0"/>
-              <a:t> </a:t>
-            </a:r>
-            <a:r>
-              <a:rPr lang="de-CH" dirty="0" err="1" smtClean="0"/>
-              <a:t>Methods</a:t>
-            </a:r>
-            <a:endParaRPr lang="de-CH" dirty="0" smtClean="0"/>
-          </a:p>
-          <a:p>
-            <a:r>
-              <a:rPr lang="de-CH" dirty="0" smtClean="0"/>
-              <a:t>Monitors</a:t>
-            </a:r>
+              <a:rPr lang="de-CH" dirty="0">
+                <a:solidFill>
+                  <a:schemeClr val="bg1">
+                    <a:lumMod val="50000"/>
+                  </a:schemeClr>
+                </a:solidFill>
+              </a:rPr>
+              <a:t>Method Signatures</a:t>
+            </a:r>
+          </a:p>
+          <a:p>
+            <a:r>
+              <a:rPr lang="de-CH" dirty="0">
+                <a:solidFill>
+                  <a:schemeClr val="bg1">
+                    <a:lumMod val="50000"/>
+                  </a:schemeClr>
+                </a:solidFill>
+              </a:rPr>
+              <a:t>Method Bodies</a:t>
+            </a:r>
+          </a:p>
+          <a:p>
+            <a:r>
+              <a:rPr lang="de-CH" dirty="0">
+                <a:solidFill>
+                  <a:schemeClr val="bg1">
+                    <a:lumMod val="50000"/>
+                  </a:schemeClr>
+                </a:solidFill>
+              </a:rPr>
+              <a:t>Domains (data types)</a:t>
+            </a:r>
+          </a:p>
+          <a:p>
+            <a:pPr lvl="1"/>
+            <a:r>
+              <a:rPr lang="de-CH" sz="2800" dirty="0">
+                <a:solidFill>
+                  <a:schemeClr val="bg1">
+                    <a:lumMod val="50000"/>
+                  </a:schemeClr>
+                </a:solidFill>
+              </a:rPr>
+              <a:t>predicates</a:t>
+            </a:r>
+          </a:p>
+          <a:p>
+            <a:pPr lvl="1"/>
+            <a:r>
+              <a:rPr lang="de-CH" sz="2800" dirty="0">
+                <a:solidFill>
+                  <a:schemeClr val="bg1">
+                    <a:lumMod val="50000"/>
+                  </a:schemeClr>
+                </a:solidFill>
+              </a:rPr>
+              <a:t>functions</a:t>
+            </a:r>
+          </a:p>
+          <a:p>
+            <a:r>
+              <a:rPr lang="de-CH" dirty="0"/>
+              <a:t>Fields</a:t>
+            </a:r>
+          </a:p>
+          <a:p>
+            <a:r>
+              <a:rPr lang="de-CH" dirty="0"/>
+              <a:t>Functions</a:t>
+            </a:r>
+          </a:p>
+          <a:p>
+            <a:r>
+              <a:rPr lang="de-CH" dirty="0"/>
+              <a:t>Predicates</a:t>
+            </a:r>
+          </a:p>
+          <a:p>
+            <a:endParaRPr lang="de-CH" dirty="0"/>
           </a:p>
         </p:txBody>
       </p:sp>
@@ -11362,9 +15074,21 @@
         </p:nvSpPr>
         <p:spPr>
           <a:xfrm>
-            <a:off x="4648200" y="1600200"/>
-            <a:ext cx="4388296" cy="4853136"/>
+            <a:off x="4781872" y="1556793"/>
+            <a:ext cx="4110608" cy="4555552"/>
           </a:xfrm>
+          <a:solidFill>
+            <a:schemeClr val="bg1">
+              <a:lumMod val="75000"/>
+            </a:schemeClr>
+          </a:solidFill>
+          <a:ln w="28575">
+            <a:solidFill>
+              <a:schemeClr val="bg1">
+                <a:lumMod val="50000"/>
+              </a:schemeClr>
+            </a:solidFill>
+          </a:ln>
         </p:spPr>
         <p:txBody>
           <a:bodyPr>
@@ -11373,452 +15097,489 @@
           <a:lstStyle/>
           <a:p>
             <a:pPr marL="0" indent="0">
+              <a:spcBef>
+                <a:spcPts val="0"/>
+              </a:spcBef>
               <a:buNone/>
               <a:tabLst>
-                <a:tab pos="177800" algn="l"/>
-                <a:tab pos="355600" algn="l"/>
+                <a:tab pos="182563" algn="l"/>
+                <a:tab pos="449263" algn="l"/>
+                <a:tab pos="715963" algn="l"/>
+                <a:tab pos="982663" algn="l"/>
+                <a:tab pos="1257300" algn="l"/>
+                <a:tab pos="1524000" algn="l"/>
+                <a:tab pos="1882775" algn="l"/>
               </a:tabLst>
             </a:pPr>
             <a:r>
-              <a:rPr lang="en-GB" sz="1800" spc="-150" dirty="0">
-                <a:latin typeface="Consolas" pitchFamily="49" charset="0"/>
-                <a:cs typeface="Consolas" pitchFamily="49" charset="0"/>
-              </a:rPr>
-              <a:t>class Cell </a:t>
-            </a:r>
-            <a:r>
-              <a:rPr lang="en-GB" sz="1800" spc="-150" dirty="0" smtClean="0">
-                <a:latin typeface="Consolas" pitchFamily="49" charset="0"/>
-                <a:cs typeface="Consolas" pitchFamily="49" charset="0"/>
-              </a:rPr>
-              <a:t>{</a:t>
+              <a:rPr lang="de-CH" sz="1800" dirty="0">
+                <a:latin typeface="Consolas" pitchFamily="49" charset="0"/>
+                <a:cs typeface="Consolas" pitchFamily="49" charset="0"/>
+              </a:rPr>
+              <a:t>field </a:t>
+            </a:r>
+            <a:r>
+              <a:rPr lang="de-CH" sz="1800" dirty="0" smtClean="0">
+                <a:latin typeface="Consolas" pitchFamily="49" charset="0"/>
+                <a:cs typeface="Consolas" pitchFamily="49" charset="0"/>
+              </a:rPr>
+              <a:t>C::</a:t>
+            </a:r>
+            <a:r>
+              <a:rPr lang="de-CH" sz="1800" dirty="0">
+                <a:latin typeface="Consolas" pitchFamily="49" charset="0"/>
+                <a:cs typeface="Consolas" pitchFamily="49" charset="0"/>
+              </a:rPr>
+              <a:t>f : </a:t>
+            </a:r>
+            <a:r>
+              <a:rPr lang="de-CH" sz="1800" dirty="0" smtClean="0">
+                <a:latin typeface="Consolas" pitchFamily="49" charset="0"/>
+                <a:cs typeface="Consolas" pitchFamily="49" charset="0"/>
+              </a:rPr>
+              <a:t>int;</a:t>
             </a:r>
           </a:p>
           <a:p>
             <a:pPr marL="0" indent="0">
+              <a:spcBef>
+                <a:spcPts val="0"/>
+              </a:spcBef>
               <a:buNone/>
               <a:tabLst>
-                <a:tab pos="177800" algn="l"/>
-                <a:tab pos="355600" algn="l"/>
+                <a:tab pos="182563" algn="l"/>
+                <a:tab pos="449263" algn="l"/>
+                <a:tab pos="715963" algn="l"/>
+                <a:tab pos="982663" algn="l"/>
+                <a:tab pos="1257300" algn="l"/>
+                <a:tab pos="1524000" algn="l"/>
+                <a:tab pos="1882775" algn="l"/>
               </a:tabLst>
             </a:pPr>
             <a:r>
-              <a:rPr lang="en-GB" sz="1800" spc="-150" dirty="0" smtClean="0">
-                <a:latin typeface="Consolas" pitchFamily="49" charset="0"/>
-                <a:cs typeface="Consolas" pitchFamily="49" charset="0"/>
-              </a:rPr>
-              <a:t>	</a:t>
-            </a:r>
-            <a:r>
-              <a:rPr lang="en-GB" sz="1800" spc="-150" dirty="0" err="1" smtClean="0">
-                <a:latin typeface="Consolas" pitchFamily="49" charset="0"/>
-                <a:cs typeface="Consolas" pitchFamily="49" charset="0"/>
-              </a:rPr>
-              <a:t>var</a:t>
-            </a:r>
-            <a:r>
-              <a:rPr lang="en-GB" sz="1800" spc="-150" dirty="0" smtClean="0">
-                <a:latin typeface="Consolas" pitchFamily="49" charset="0"/>
-                <a:cs typeface="Consolas" pitchFamily="49" charset="0"/>
-              </a:rPr>
-              <a:t> v: </a:t>
-            </a:r>
-            <a:r>
-              <a:rPr lang="en-GB" sz="1800" spc="-150" dirty="0" err="1" smtClean="0">
-                <a:latin typeface="Consolas" pitchFamily="49" charset="0"/>
-                <a:cs typeface="Consolas" pitchFamily="49" charset="0"/>
-              </a:rPr>
-              <a:t>int</a:t>
-            </a:r>
-            <a:r>
-              <a:rPr lang="en-GB" sz="1800" spc="-150" dirty="0" smtClean="0">
-                <a:latin typeface="Consolas" pitchFamily="49" charset="0"/>
-                <a:cs typeface="Consolas" pitchFamily="49" charset="0"/>
-              </a:rPr>
-              <a:t>;</a:t>
+              <a:rPr lang="de-CH" sz="1800" dirty="0">
+                <a:latin typeface="Consolas" pitchFamily="49" charset="0"/>
+                <a:cs typeface="Consolas" pitchFamily="49" charset="0"/>
+              </a:rPr>
+              <a:t>field L</a:t>
+            </a:r>
+            <a:r>
+              <a:rPr lang="de-CH" sz="1800" dirty="0" smtClean="0">
+                <a:latin typeface="Consolas" pitchFamily="49" charset="0"/>
+                <a:cs typeface="Consolas" pitchFamily="49" charset="0"/>
+              </a:rPr>
+              <a:t>::value </a:t>
+            </a:r>
+            <a:r>
+              <a:rPr lang="de-CH" sz="1800" dirty="0">
+                <a:latin typeface="Consolas" pitchFamily="49" charset="0"/>
+                <a:cs typeface="Consolas" pitchFamily="49" charset="0"/>
+              </a:rPr>
+              <a:t>: </a:t>
+            </a:r>
+            <a:r>
+              <a:rPr lang="de-CH" sz="1800" dirty="0" smtClean="0">
+                <a:latin typeface="Consolas" pitchFamily="49" charset="0"/>
+                <a:cs typeface="Consolas" pitchFamily="49" charset="0"/>
+              </a:rPr>
+              <a:t>int;</a:t>
             </a:r>
           </a:p>
           <a:p>
             <a:pPr marL="0" indent="0">
+              <a:spcBef>
+                <a:spcPts val="0"/>
+              </a:spcBef>
               <a:buNone/>
               <a:tabLst>
-                <a:tab pos="177800" algn="l"/>
-                <a:tab pos="355600" algn="l"/>
-                <a:tab pos="627063" algn="l"/>
+                <a:tab pos="182563" algn="l"/>
+                <a:tab pos="449263" algn="l"/>
+                <a:tab pos="715963" algn="l"/>
+                <a:tab pos="982663" algn="l"/>
+                <a:tab pos="1257300" algn="l"/>
+                <a:tab pos="1524000" algn="l"/>
+                <a:tab pos="1882775" algn="l"/>
               </a:tabLst>
             </a:pPr>
             <a:r>
-              <a:rPr lang="de-CH" sz="1800" spc="-150" dirty="0" smtClean="0">
-                <a:latin typeface="Consolas" pitchFamily="49" charset="0"/>
-                <a:cs typeface="Consolas" pitchFamily="49" charset="0"/>
-              </a:rPr>
-              <a:t>	invariant </a:t>
-            </a:r>
-            <a:r>
-              <a:rPr lang="de-CH" sz="1800" spc="-150" dirty="0" err="1" smtClean="0">
-                <a:latin typeface="Consolas" pitchFamily="49" charset="0"/>
-                <a:cs typeface="Consolas" pitchFamily="49" charset="0"/>
-              </a:rPr>
-              <a:t>acc</a:t>
-            </a:r>
-            <a:r>
-              <a:rPr lang="de-CH" sz="1800" spc="-150" dirty="0" smtClean="0">
-                <a:latin typeface="Consolas" pitchFamily="49" charset="0"/>
-                <a:cs typeface="Consolas" pitchFamily="49" charset="0"/>
-              </a:rPr>
-              <a:t>(v) &amp;&amp; 0 &lt;= c;</a:t>
+              <a:rPr lang="de-CH" sz="1800" dirty="0" smtClean="0">
+                <a:latin typeface="Consolas" pitchFamily="49" charset="0"/>
+                <a:cs typeface="Consolas" pitchFamily="49" charset="0"/>
+              </a:rPr>
+              <a:t>field L::next : ref;</a:t>
             </a:r>
           </a:p>
           <a:p>
             <a:pPr marL="0" indent="0">
+              <a:spcBef>
+                <a:spcPts val="0"/>
+              </a:spcBef>
               <a:buNone/>
               <a:tabLst>
-                <a:tab pos="177800" algn="l"/>
-                <a:tab pos="355600" algn="l"/>
-                <a:tab pos="627063" algn="l"/>
+                <a:tab pos="182563" algn="l"/>
+                <a:tab pos="449263" algn="l"/>
+                <a:tab pos="715963" algn="l"/>
+                <a:tab pos="982663" algn="l"/>
+                <a:tab pos="1257300" algn="l"/>
+                <a:tab pos="1524000" algn="l"/>
+                <a:tab pos="1882775" algn="l"/>
               </a:tabLst>
             </a:pPr>
-            <a:r>
-              <a:rPr lang="de-CH" sz="1800" spc="-150" dirty="0" smtClean="0">
-                <a:latin typeface="Consolas" pitchFamily="49" charset="0"/>
-                <a:cs typeface="Consolas" pitchFamily="49" charset="0"/>
-              </a:rPr>
-              <a:t>}</a:t>
-            </a:r>
-          </a:p>
-          <a:p>
-            <a:pPr marL="0" indent="0">
-              <a:buNone/>
-              <a:tabLst>
-                <a:tab pos="177800" algn="l"/>
-                <a:tab pos="355600" algn="l"/>
-                <a:tab pos="627063" algn="l"/>
-              </a:tabLst>
-            </a:pPr>
-            <a:r>
-              <a:rPr lang="de-CH" sz="1800" spc="-150" dirty="0" err="1" smtClean="0">
-                <a:latin typeface="Consolas" pitchFamily="49" charset="0"/>
-                <a:cs typeface="Consolas" pitchFamily="49" charset="0"/>
-              </a:rPr>
-              <a:t>class</a:t>
-            </a:r>
-            <a:r>
-              <a:rPr lang="de-CH" sz="1800" spc="-150" dirty="0" smtClean="0">
-                <a:latin typeface="Consolas" pitchFamily="49" charset="0"/>
-                <a:cs typeface="Consolas" pitchFamily="49" charset="0"/>
-              </a:rPr>
-              <a:t> </a:t>
-            </a:r>
-            <a:r>
-              <a:rPr lang="de-CH" sz="1800" spc="-150" dirty="0" err="1" smtClean="0">
-                <a:latin typeface="Consolas" pitchFamily="49" charset="0"/>
-                <a:cs typeface="Consolas" pitchFamily="49" charset="0"/>
-              </a:rPr>
-              <a:t>Program</a:t>
-            </a:r>
-            <a:r>
-              <a:rPr lang="de-CH" sz="1800" spc="-150" dirty="0" smtClean="0">
-                <a:latin typeface="Consolas" pitchFamily="49" charset="0"/>
-                <a:cs typeface="Consolas" pitchFamily="49" charset="0"/>
-              </a:rPr>
-              <a:t> {</a:t>
-            </a:r>
-          </a:p>
-          <a:p>
-            <a:pPr marL="0" indent="0">
-              <a:buNone/>
-              <a:tabLst>
-                <a:tab pos="177800" algn="l"/>
-                <a:tab pos="355600" algn="l"/>
-                <a:tab pos="627063" algn="l"/>
-              </a:tabLst>
-            </a:pPr>
-            <a:r>
-              <a:rPr lang="de-CH" sz="1800" spc="-150" dirty="0" smtClean="0">
-                <a:latin typeface="Consolas" pitchFamily="49" charset="0"/>
-                <a:cs typeface="Consolas" pitchFamily="49" charset="0"/>
-              </a:rPr>
-              <a:t>	</a:t>
-            </a:r>
-            <a:r>
-              <a:rPr lang="de-CH" sz="1800" spc="-150" dirty="0" err="1" smtClean="0">
-                <a:latin typeface="Consolas" pitchFamily="49" charset="0"/>
-                <a:cs typeface="Consolas" pitchFamily="49" charset="0"/>
-              </a:rPr>
-              <a:t>method</a:t>
-            </a:r>
-            <a:r>
-              <a:rPr lang="de-CH" sz="1800" spc="-150" dirty="0" smtClean="0">
-                <a:latin typeface="Consolas" pitchFamily="49" charset="0"/>
-                <a:cs typeface="Consolas" pitchFamily="49" charset="0"/>
-              </a:rPr>
-              <a:t> </a:t>
-            </a:r>
-            <a:r>
-              <a:rPr lang="de-CH" sz="1800" spc="-150" dirty="0" err="1" smtClean="0">
-                <a:latin typeface="Consolas" pitchFamily="49" charset="0"/>
-                <a:cs typeface="Consolas" pitchFamily="49" charset="0"/>
-              </a:rPr>
-              <a:t>main</a:t>
-            </a:r>
-            <a:r>
-              <a:rPr lang="de-CH" sz="1800" spc="-150" dirty="0" smtClean="0">
-                <a:latin typeface="Consolas" pitchFamily="49" charset="0"/>
-                <a:cs typeface="Consolas" pitchFamily="49" charset="0"/>
-              </a:rPr>
-              <a:t>() {</a:t>
-            </a:r>
-          </a:p>
-          <a:p>
-            <a:pPr marL="0" indent="0">
-              <a:buNone/>
-              <a:tabLst>
-                <a:tab pos="177800" algn="l"/>
-                <a:tab pos="355600" algn="l"/>
-                <a:tab pos="627063" algn="l"/>
-              </a:tabLst>
-            </a:pPr>
-            <a:r>
-              <a:rPr lang="de-CH" sz="1800" spc="-150" dirty="0" smtClean="0">
-                <a:latin typeface="Consolas" pitchFamily="49" charset="0"/>
-                <a:cs typeface="Consolas" pitchFamily="49" charset="0"/>
-              </a:rPr>
-              <a:t>		</a:t>
-            </a:r>
-            <a:r>
-              <a:rPr lang="de-CH" sz="1800" spc="-150" dirty="0" err="1" smtClean="0">
-                <a:latin typeface="Consolas" pitchFamily="49" charset="0"/>
-                <a:cs typeface="Consolas" pitchFamily="49" charset="0"/>
-              </a:rPr>
-              <a:t>var</a:t>
-            </a:r>
-            <a:r>
-              <a:rPr lang="de-CH" sz="1800" spc="-150" dirty="0" smtClean="0">
-                <a:latin typeface="Consolas" pitchFamily="49" charset="0"/>
-                <a:cs typeface="Consolas" pitchFamily="49" charset="0"/>
-              </a:rPr>
-              <a:t> c:Cell := </a:t>
-            </a:r>
-            <a:r>
-              <a:rPr lang="de-CH" sz="1800" spc="-150" dirty="0" err="1" smtClean="0">
-                <a:latin typeface="Consolas" pitchFamily="49" charset="0"/>
-                <a:cs typeface="Consolas" pitchFamily="49" charset="0"/>
-              </a:rPr>
-              <a:t>new</a:t>
-            </a:r>
-            <a:r>
-              <a:rPr lang="de-CH" sz="1800" spc="-150" dirty="0" smtClean="0">
-                <a:latin typeface="Consolas" pitchFamily="49" charset="0"/>
-                <a:cs typeface="Consolas" pitchFamily="49" charset="0"/>
-              </a:rPr>
-              <a:t> </a:t>
-            </a:r>
-            <a:r>
-              <a:rPr lang="de-CH" sz="1800" spc="-150" dirty="0" err="1" smtClean="0">
-                <a:latin typeface="Consolas" pitchFamily="49" charset="0"/>
-                <a:cs typeface="Consolas" pitchFamily="49" charset="0"/>
-              </a:rPr>
-              <a:t>Cell</a:t>
-            </a:r>
-            <a:r>
-              <a:rPr lang="de-CH" sz="1800" spc="-150" dirty="0" smtClean="0">
-                <a:latin typeface="Consolas" pitchFamily="49" charset="0"/>
-                <a:cs typeface="Consolas" pitchFamily="49" charset="0"/>
-              </a:rPr>
-              <a:t>;</a:t>
-            </a:r>
-          </a:p>
-          <a:p>
-            <a:pPr marL="0" indent="0">
-              <a:buNone/>
-              <a:tabLst>
-                <a:tab pos="177800" algn="l"/>
-                <a:tab pos="355600" algn="l"/>
-                <a:tab pos="627063" algn="l"/>
-              </a:tabLst>
-            </a:pPr>
-            <a:r>
-              <a:rPr lang="de-CH" sz="1800" spc="-150" dirty="0">
-                <a:latin typeface="Consolas" pitchFamily="49" charset="0"/>
-                <a:cs typeface="Consolas" pitchFamily="49" charset="0"/>
-              </a:rPr>
-              <a:t>	</a:t>
-            </a:r>
-            <a:r>
-              <a:rPr lang="de-CH" sz="1800" spc="-150" dirty="0" smtClean="0">
-                <a:latin typeface="Consolas" pitchFamily="49" charset="0"/>
-                <a:cs typeface="Consolas" pitchFamily="49" charset="0"/>
-              </a:rPr>
-              <a:t>	</a:t>
-            </a:r>
-            <a:r>
-              <a:rPr lang="de-CH" sz="1800" spc="-150" dirty="0" err="1" smtClean="0">
-                <a:latin typeface="Consolas" pitchFamily="49" charset="0"/>
-                <a:cs typeface="Consolas" pitchFamily="49" charset="0"/>
-              </a:rPr>
-              <a:t>c.v</a:t>
-            </a:r>
-            <a:r>
-              <a:rPr lang="de-CH" sz="1800" spc="-150" dirty="0" smtClean="0">
-                <a:latin typeface="Consolas" pitchFamily="49" charset="0"/>
-                <a:cs typeface="Consolas" pitchFamily="49" charset="0"/>
-              </a:rPr>
-              <a:t> := 3;</a:t>
-            </a:r>
-          </a:p>
-          <a:p>
-            <a:pPr marL="0" indent="0">
-              <a:buNone/>
-              <a:tabLst>
-                <a:tab pos="177800" algn="l"/>
-                <a:tab pos="355600" algn="l"/>
-                <a:tab pos="627063" algn="l"/>
-              </a:tabLst>
-            </a:pPr>
-            <a:r>
-              <a:rPr lang="de-CH" sz="1800" spc="-150" dirty="0">
-                <a:latin typeface="Consolas" pitchFamily="49" charset="0"/>
-                <a:cs typeface="Consolas" pitchFamily="49" charset="0"/>
-              </a:rPr>
-              <a:t>	</a:t>
-            </a:r>
-            <a:r>
-              <a:rPr lang="de-CH" sz="1800" spc="-150" dirty="0" smtClean="0">
-                <a:latin typeface="Consolas" pitchFamily="49" charset="0"/>
-                <a:cs typeface="Consolas" pitchFamily="49" charset="0"/>
-              </a:rPr>
-              <a:t>	</a:t>
-            </a:r>
-            <a:r>
-              <a:rPr lang="de-CH" sz="1800" spc="-150" dirty="0" err="1" smtClean="0">
-                <a:latin typeface="Consolas" pitchFamily="49" charset="0"/>
-                <a:cs typeface="Consolas" pitchFamily="49" charset="0"/>
-              </a:rPr>
-              <a:t>share</a:t>
-            </a:r>
-            <a:r>
-              <a:rPr lang="de-CH" sz="1800" spc="-150" dirty="0" smtClean="0">
-                <a:latin typeface="Consolas" pitchFamily="49" charset="0"/>
-                <a:cs typeface="Consolas" pitchFamily="49" charset="0"/>
-              </a:rPr>
-              <a:t> c;</a:t>
-            </a:r>
-          </a:p>
-          <a:p>
-            <a:pPr marL="0" indent="0">
-              <a:buNone/>
-              <a:tabLst>
-                <a:tab pos="177800" algn="l"/>
-                <a:tab pos="355600" algn="l"/>
-                <a:tab pos="627063" algn="l"/>
-              </a:tabLst>
-            </a:pPr>
-            <a:endParaRPr lang="de-CH" sz="1800" spc="-150" dirty="0">
+            <a:endParaRPr lang="de-CH" sz="1800" dirty="0">
               <a:latin typeface="Consolas" pitchFamily="49" charset="0"/>
               <a:cs typeface="Consolas" pitchFamily="49" charset="0"/>
             </a:endParaRPr>
           </a:p>
           <a:p>
             <a:pPr marL="0" indent="0">
+              <a:spcBef>
+                <a:spcPts val="0"/>
+              </a:spcBef>
               <a:buNone/>
               <a:tabLst>
-                <a:tab pos="177800" algn="l"/>
-                <a:tab pos="355600" algn="l"/>
-                <a:tab pos="627063" algn="l"/>
+                <a:tab pos="182563" algn="l"/>
+                <a:tab pos="449263" algn="l"/>
+                <a:tab pos="715963" algn="l"/>
+                <a:tab pos="982663" algn="l"/>
+                <a:tab pos="1257300" algn="l"/>
+                <a:tab pos="1524000" algn="l"/>
+                <a:tab pos="1882775" algn="l"/>
               </a:tabLst>
             </a:pPr>
             <a:r>
-              <a:rPr lang="de-CH" sz="1800" spc="-150" dirty="0" smtClean="0">
-                <a:latin typeface="Consolas" pitchFamily="49" charset="0"/>
-                <a:cs typeface="Consolas" pitchFamily="49" charset="0"/>
-              </a:rPr>
-              <a:t>		</a:t>
-            </a:r>
-            <a:r>
-              <a:rPr lang="de-CH" sz="1800" spc="-150" dirty="0" err="1" smtClean="0">
-                <a:latin typeface="Consolas" pitchFamily="49" charset="0"/>
-                <a:cs typeface="Consolas" pitchFamily="49" charset="0"/>
-              </a:rPr>
-              <a:t>acquire</a:t>
-            </a:r>
-            <a:r>
-              <a:rPr lang="de-CH" sz="1800" spc="-150" dirty="0" smtClean="0">
-                <a:latin typeface="Consolas" pitchFamily="49" charset="0"/>
-                <a:cs typeface="Consolas" pitchFamily="49" charset="0"/>
-              </a:rPr>
-              <a:t> c; </a:t>
-            </a:r>
-            <a:r>
-              <a:rPr lang="de-CH" sz="1800" spc="-150" dirty="0" err="1" smtClean="0">
-                <a:latin typeface="Consolas" pitchFamily="49" charset="0"/>
-                <a:cs typeface="Consolas" pitchFamily="49" charset="0"/>
-              </a:rPr>
-              <a:t>call</a:t>
-            </a:r>
-            <a:r>
-              <a:rPr lang="de-CH" sz="1800" spc="-150" dirty="0" smtClean="0">
-                <a:latin typeface="Consolas" pitchFamily="49" charset="0"/>
-                <a:cs typeface="Consolas" pitchFamily="49" charset="0"/>
-              </a:rPr>
-              <a:t> c.inc(2); </a:t>
-            </a:r>
-            <a:r>
-              <a:rPr lang="de-CH" sz="1800" spc="-150" dirty="0" err="1" smtClean="0">
-                <a:latin typeface="Consolas" pitchFamily="49" charset="0"/>
-                <a:cs typeface="Consolas" pitchFamily="49" charset="0"/>
-              </a:rPr>
-              <a:t>release</a:t>
-            </a:r>
-            <a:r>
-              <a:rPr lang="de-CH" sz="1800" spc="-150" dirty="0" smtClean="0">
-                <a:latin typeface="Consolas" pitchFamily="49" charset="0"/>
-                <a:cs typeface="Consolas" pitchFamily="49" charset="0"/>
-              </a:rPr>
-              <a:t> c;</a:t>
-            </a:r>
-            <a:endParaRPr lang="de-CH" sz="1800" spc="-150" dirty="0">
+              <a:rPr lang="en-US" sz="1800" dirty="0">
+                <a:latin typeface="Consolas" pitchFamily="49" charset="0"/>
+                <a:cs typeface="Consolas" pitchFamily="49" charset="0"/>
+              </a:rPr>
+              <a:t>function </a:t>
+            </a:r>
+            <a:r>
+              <a:rPr lang="en-US" sz="1800" dirty="0" smtClean="0">
+                <a:latin typeface="Consolas" pitchFamily="49" charset="0"/>
+                <a:cs typeface="Consolas" pitchFamily="49" charset="0"/>
+              </a:rPr>
+              <a:t>C::fGreater(a : </a:t>
+            </a:r>
+            <a:r>
+              <a:rPr lang="en-US" sz="1800" dirty="0" err="1" smtClean="0">
+                <a:latin typeface="Consolas" pitchFamily="49" charset="0"/>
+                <a:cs typeface="Consolas" pitchFamily="49" charset="0"/>
+              </a:rPr>
+              <a:t>int</a:t>
+            </a:r>
+            <a:r>
+              <a:rPr lang="en-US" sz="1800" dirty="0" smtClean="0">
+                <a:latin typeface="Consolas" pitchFamily="49" charset="0"/>
+                <a:cs typeface="Consolas" pitchFamily="49" charset="0"/>
+              </a:rPr>
+              <a:t>) </a:t>
+            </a:r>
+          </a:p>
+          <a:p>
+            <a:pPr marL="0" indent="0">
+              <a:spcBef>
+                <a:spcPts val="0"/>
+              </a:spcBef>
+              <a:buNone/>
+              <a:tabLst>
+                <a:tab pos="182563" algn="l"/>
+                <a:tab pos="449263" algn="l"/>
+                <a:tab pos="715963" algn="l"/>
+                <a:tab pos="982663" algn="l"/>
+                <a:tab pos="1257300" algn="l"/>
+                <a:tab pos="1524000" algn="l"/>
+                <a:tab pos="1882775" algn="l"/>
+                <a:tab pos="3054350" algn="l"/>
+              </a:tabLst>
+            </a:pPr>
+            <a:r>
+              <a:rPr lang="en-US" sz="1800" dirty="0">
+                <a:latin typeface="Consolas" pitchFamily="49" charset="0"/>
+                <a:cs typeface="Consolas" pitchFamily="49" charset="0"/>
+              </a:rPr>
+              <a:t>	</a:t>
+            </a:r>
+            <a:r>
+              <a:rPr lang="en-US" sz="1800" dirty="0" smtClean="0">
+                <a:latin typeface="Consolas" pitchFamily="49" charset="0"/>
+                <a:cs typeface="Consolas" pitchFamily="49" charset="0"/>
+              </a:rPr>
+              <a:t>							: </a:t>
+            </a:r>
+            <a:r>
+              <a:rPr lang="en-US" sz="1800" dirty="0" err="1" smtClean="0">
+                <a:latin typeface="Consolas" pitchFamily="49" charset="0"/>
+                <a:cs typeface="Consolas" pitchFamily="49" charset="0"/>
+              </a:rPr>
+              <a:t>bool</a:t>
+            </a:r>
+            <a:endParaRPr lang="en-US" sz="1800" dirty="0">
               <a:latin typeface="Consolas" pitchFamily="49" charset="0"/>
               <a:cs typeface="Consolas" pitchFamily="49" charset="0"/>
             </a:endParaRPr>
           </a:p>
           <a:p>
             <a:pPr marL="0" indent="0">
+              <a:spcBef>
+                <a:spcPts val="0"/>
+              </a:spcBef>
               <a:buNone/>
               <a:tabLst>
-                <a:tab pos="177800" algn="l"/>
-                <a:tab pos="355600" algn="l"/>
-                <a:tab pos="627063" algn="l"/>
+                <a:tab pos="182563" algn="l"/>
+                <a:tab pos="449263" algn="l"/>
+                <a:tab pos="715963" algn="l"/>
+                <a:tab pos="982663" algn="l"/>
+                <a:tab pos="1257300" algn="l"/>
+                <a:tab pos="1524000" algn="l"/>
+                <a:tab pos="1882775" algn="l"/>
               </a:tabLst>
             </a:pPr>
             <a:r>
-              <a:rPr lang="de-CH" sz="1800" spc="-150" dirty="0" smtClean="0">
-                <a:latin typeface="Consolas" pitchFamily="49" charset="0"/>
-                <a:cs typeface="Consolas" pitchFamily="49" charset="0"/>
-              </a:rPr>
-              <a:t>	}</a:t>
-            </a:r>
-            <a:endParaRPr lang="de-CH" sz="1800" spc="-150" dirty="0">
+              <a:rPr lang="en-US" sz="1800" dirty="0">
+                <a:latin typeface="Consolas" pitchFamily="49" charset="0"/>
+                <a:cs typeface="Consolas" pitchFamily="49" charset="0"/>
+              </a:rPr>
+              <a:t>	</a:t>
+            </a:r>
+            <a:r>
+              <a:rPr lang="en-US" sz="1800" dirty="0" smtClean="0">
+                <a:latin typeface="Consolas" pitchFamily="49" charset="0"/>
+                <a:cs typeface="Consolas" pitchFamily="49" charset="0"/>
+              </a:rPr>
+              <a:t>requires </a:t>
+            </a:r>
+            <a:r>
+              <a:rPr lang="en-US" sz="1800" dirty="0" err="1" smtClean="0">
+                <a:latin typeface="Consolas" pitchFamily="49" charset="0"/>
+                <a:cs typeface="Consolas" pitchFamily="49" charset="0"/>
+              </a:rPr>
+              <a:t>acc</a:t>
+            </a:r>
+            <a:r>
+              <a:rPr lang="en-US" sz="1800" dirty="0" smtClean="0">
+                <a:latin typeface="Consolas" pitchFamily="49" charset="0"/>
+                <a:cs typeface="Consolas" pitchFamily="49" charset="0"/>
+              </a:rPr>
+              <a:t>(</a:t>
+            </a:r>
+            <a:r>
+              <a:rPr lang="en-US" sz="1800" dirty="0" err="1" smtClean="0">
+                <a:latin typeface="Consolas" pitchFamily="49" charset="0"/>
+                <a:cs typeface="Consolas" pitchFamily="49" charset="0"/>
+              </a:rPr>
+              <a:t>this.C</a:t>
+            </a:r>
+            <a:r>
+              <a:rPr lang="en-US" sz="1800" dirty="0" smtClean="0">
+                <a:latin typeface="Consolas" pitchFamily="49" charset="0"/>
+                <a:cs typeface="Consolas" pitchFamily="49" charset="0"/>
+              </a:rPr>
+              <a:t>::</a:t>
+            </a:r>
+            <a:r>
+              <a:rPr lang="en-US" sz="1800" dirty="0" err="1" smtClean="0">
+                <a:latin typeface="Consolas" pitchFamily="49" charset="0"/>
+                <a:cs typeface="Consolas" pitchFamily="49" charset="0"/>
+              </a:rPr>
+              <a:t>f,write</a:t>
+            </a:r>
+            <a:r>
+              <a:rPr lang="en-US" sz="1800" dirty="0" smtClean="0">
+                <a:latin typeface="Consolas" pitchFamily="49" charset="0"/>
+                <a:cs typeface="Consolas" pitchFamily="49" charset="0"/>
+              </a:rPr>
+              <a:t>)</a:t>
+            </a:r>
+            <a:endParaRPr lang="en-US" sz="1800" dirty="0">
               <a:latin typeface="Consolas" pitchFamily="49" charset="0"/>
               <a:cs typeface="Consolas" pitchFamily="49" charset="0"/>
             </a:endParaRPr>
           </a:p>
           <a:p>
             <a:pPr marL="0" indent="0">
+              <a:spcBef>
+                <a:spcPts val="0"/>
+              </a:spcBef>
               <a:buNone/>
               <a:tabLst>
-                <a:tab pos="177800" algn="l"/>
-                <a:tab pos="355600" algn="l"/>
-                <a:tab pos="627063" algn="l"/>
+                <a:tab pos="182563" algn="l"/>
+                <a:tab pos="449263" algn="l"/>
+                <a:tab pos="715963" algn="l"/>
+                <a:tab pos="982663" algn="l"/>
+                <a:tab pos="1257300" algn="l"/>
+                <a:tab pos="1524000" algn="l"/>
+                <a:tab pos="1882775" algn="l"/>
               </a:tabLst>
             </a:pPr>
             <a:r>
-              <a:rPr lang="de-CH" sz="1800" spc="-150" dirty="0" smtClean="0">
-                <a:latin typeface="Consolas" pitchFamily="49" charset="0"/>
-                <a:cs typeface="Consolas" pitchFamily="49" charset="0"/>
-              </a:rPr>
-              <a:t>}</a:t>
-            </a:r>
-            <a:endParaRPr lang="de-CH" sz="1800" spc="-150" dirty="0">
+              <a:rPr lang="en-US" sz="1800" dirty="0" smtClean="0">
+                <a:latin typeface="Consolas" pitchFamily="49" charset="0"/>
+                <a:cs typeface="Consolas" pitchFamily="49" charset="0"/>
+              </a:rPr>
+              <a:t>		= C::f&gt;a</a:t>
+            </a:r>
+          </a:p>
+          <a:p>
+            <a:pPr marL="0" indent="0">
+              <a:spcBef>
+                <a:spcPts val="0"/>
+              </a:spcBef>
+              <a:buNone/>
+              <a:tabLst>
+                <a:tab pos="182563" algn="l"/>
+                <a:tab pos="449263" algn="l"/>
+                <a:tab pos="715963" algn="l"/>
+                <a:tab pos="982663" algn="l"/>
+                <a:tab pos="1257300" algn="l"/>
+                <a:tab pos="1524000" algn="l"/>
+                <a:tab pos="1882775" algn="l"/>
+              </a:tabLst>
+            </a:pPr>
+            <a:endParaRPr lang="en-US" sz="1800" dirty="0">
+              <a:latin typeface="Consolas" pitchFamily="49" charset="0"/>
+              <a:cs typeface="Consolas" pitchFamily="49" charset="0"/>
+            </a:endParaRPr>
+          </a:p>
+          <a:p>
+            <a:pPr marL="0" indent="0">
+              <a:spcBef>
+                <a:spcPts val="0"/>
+              </a:spcBef>
+              <a:buNone/>
+              <a:tabLst>
+                <a:tab pos="182563" algn="l"/>
+                <a:tab pos="449263" algn="l"/>
+                <a:tab pos="715963" algn="l"/>
+                <a:tab pos="982663" algn="l"/>
+                <a:tab pos="1257300" algn="l"/>
+                <a:tab pos="1524000" algn="l"/>
+                <a:tab pos="1882775" algn="l"/>
+              </a:tabLst>
+            </a:pPr>
+            <a:r>
+              <a:rPr lang="de-CH" sz="1800" dirty="0">
+                <a:latin typeface="Consolas" pitchFamily="49" charset="0"/>
+                <a:cs typeface="Consolas" pitchFamily="49" charset="0"/>
+              </a:rPr>
+              <a:t>predicate </a:t>
+            </a:r>
+            <a:r>
+              <a:rPr lang="de-CH" sz="1800" dirty="0" smtClean="0">
+                <a:latin typeface="Consolas" pitchFamily="49" charset="0"/>
+                <a:cs typeface="Consolas" pitchFamily="49" charset="0"/>
+              </a:rPr>
+              <a:t>L::valid </a:t>
+            </a:r>
+            <a:r>
+              <a:rPr lang="de-CH" sz="1800" dirty="0">
+                <a:latin typeface="Consolas" pitchFamily="49" charset="0"/>
+                <a:cs typeface="Consolas" pitchFamily="49" charset="0"/>
+              </a:rPr>
+              <a:t>= </a:t>
+            </a:r>
+            <a:r>
+              <a:rPr lang="de-CH" sz="1800" dirty="0" smtClean="0">
+                <a:latin typeface="Consolas" pitchFamily="49" charset="0"/>
+                <a:cs typeface="Consolas" pitchFamily="49" charset="0"/>
+              </a:rPr>
+              <a:t>	acc(this.L::</a:t>
+            </a:r>
+            <a:r>
+              <a:rPr lang="de-CH" sz="1800" dirty="0">
+                <a:latin typeface="Consolas" pitchFamily="49" charset="0"/>
+                <a:cs typeface="Consolas" pitchFamily="49" charset="0"/>
+              </a:rPr>
+              <a:t>value,write) &amp;&amp; </a:t>
+            </a:r>
+            <a:r>
+              <a:rPr lang="de-CH" sz="1800" dirty="0" smtClean="0">
+                <a:latin typeface="Consolas" pitchFamily="49" charset="0"/>
+                <a:cs typeface="Consolas" pitchFamily="49" charset="0"/>
+              </a:rPr>
+              <a:t>	acc(this.L::</a:t>
+            </a:r>
+            <a:r>
+              <a:rPr lang="de-CH" sz="1800" dirty="0">
+                <a:latin typeface="Consolas" pitchFamily="49" charset="0"/>
+                <a:cs typeface="Consolas" pitchFamily="49" charset="0"/>
+              </a:rPr>
+              <a:t>next,write) &amp;&amp; </a:t>
+            </a:r>
+            <a:r>
+              <a:rPr lang="de-CH" sz="1800" dirty="0" smtClean="0">
+                <a:latin typeface="Consolas" pitchFamily="49" charset="0"/>
+                <a:cs typeface="Consolas" pitchFamily="49" charset="0"/>
+              </a:rPr>
+              <a:t>	this.L::next≠null </a:t>
+            </a:r>
+            <a:r>
+              <a:rPr lang="de-CH" sz="1800" dirty="0">
+                <a:latin typeface="Consolas" pitchFamily="49" charset="0"/>
+                <a:cs typeface="Consolas" pitchFamily="49" charset="0"/>
+              </a:rPr>
+              <a:t>⇒</a:t>
+            </a:r>
+            <a:r>
+              <a:rPr lang="de-CH" sz="1800" dirty="0" smtClean="0">
+                <a:latin typeface="Consolas" pitchFamily="49" charset="0"/>
+                <a:cs typeface="Consolas" pitchFamily="49" charset="0"/>
+              </a:rPr>
+              <a:t> 			acc((this.L::next).L::</a:t>
+            </a:r>
+            <a:r>
+              <a:rPr lang="de-CH" sz="1800" dirty="0">
+                <a:latin typeface="Consolas" pitchFamily="49" charset="0"/>
+                <a:cs typeface="Consolas" pitchFamily="49" charset="0"/>
+              </a:rPr>
+              <a:t>inv</a:t>
+            </a:r>
+            <a:r>
+              <a:rPr lang="de-CH" sz="1800" dirty="0" smtClean="0">
+                <a:latin typeface="Consolas" pitchFamily="49" charset="0"/>
+                <a:cs typeface="Consolas" pitchFamily="49" charset="0"/>
+              </a:rPr>
+              <a:t>,</a:t>
+            </a:r>
+          </a:p>
+          <a:p>
+            <a:pPr marL="0" indent="0">
+              <a:spcBef>
+                <a:spcPts val="0"/>
+              </a:spcBef>
+              <a:buNone/>
+              <a:tabLst>
+                <a:tab pos="182563" algn="l"/>
+                <a:tab pos="449263" algn="l"/>
+                <a:tab pos="715963" algn="l"/>
+                <a:tab pos="982663" algn="l"/>
+                <a:tab pos="1257300" algn="l"/>
+                <a:tab pos="1524000" algn="l"/>
+                <a:tab pos="1882775" algn="l"/>
+                <a:tab pos="3140075" algn="l"/>
+              </a:tabLst>
+            </a:pPr>
+            <a:r>
+              <a:rPr lang="de-CH" sz="1800" dirty="0">
+                <a:latin typeface="Consolas" pitchFamily="49" charset="0"/>
+                <a:cs typeface="Consolas" pitchFamily="49" charset="0"/>
+              </a:rPr>
+              <a:t>	</a:t>
+            </a:r>
+            <a:r>
+              <a:rPr lang="de-CH" sz="1800" dirty="0" smtClean="0">
+                <a:latin typeface="Consolas" pitchFamily="49" charset="0"/>
+                <a:cs typeface="Consolas" pitchFamily="49" charset="0"/>
+              </a:rPr>
+              <a:t>							write</a:t>
+            </a:r>
+            <a:r>
+              <a:rPr lang="de-CH" sz="1800" dirty="0">
+                <a:latin typeface="Consolas" pitchFamily="49" charset="0"/>
+                <a:cs typeface="Consolas" pitchFamily="49" charset="0"/>
+              </a:rPr>
+              <a:t>)</a:t>
+            </a:r>
+            <a:endParaRPr lang="de-CH" sz="1800" dirty="0" smtClean="0">
               <a:latin typeface="Consolas" pitchFamily="49" charset="0"/>
               <a:cs typeface="Consolas" pitchFamily="49" charset="0"/>
             </a:endParaRPr>
@@ -11848,16 +15609,76 @@
           </a:p>
         </p:txBody>
       </p:sp>
+      <p:sp>
+        <p:nvSpPr>
+          <p:cNvPr id="6" name="Left Brace 5"/>
+          <p:cNvSpPr/>
+          <p:nvPr/>
+        </p:nvSpPr>
+        <p:spPr>
+          <a:xfrm>
+            <a:off x="4339087" y="1556792"/>
+            <a:ext cx="458461" cy="4557630"/>
+          </a:xfrm>
+          <a:prstGeom prst="leftBrace">
+            <a:avLst>
+              <a:gd name="adj1" fmla="val 47494"/>
+              <a:gd name="adj2" fmla="val 72556"/>
+            </a:avLst>
+          </a:prstGeom>
+          <a:solidFill>
+            <a:schemeClr val="bg1">
+              <a:lumMod val="75000"/>
+            </a:schemeClr>
+          </a:solidFill>
+          <a:ln w="28575" cap="flat">
+            <a:solidFill>
+              <a:schemeClr val="bg1">
+                <a:lumMod val="50000"/>
+              </a:schemeClr>
+            </a:solidFill>
+          </a:ln>
+        </p:spPr>
+        <p:style>
+          <a:lnRef idx="1">
+            <a:schemeClr val="accent1"/>
+          </a:lnRef>
+          <a:fillRef idx="0">
+            <a:schemeClr val="accent1"/>
+          </a:fillRef>
+          <a:effectRef idx="0">
+            <a:schemeClr val="accent1"/>
+          </a:effectRef>
+          <a:fontRef idx="minor">
+            <a:schemeClr val="tx1"/>
+          </a:fontRef>
+        </p:style>
+        <p:txBody>
+          <a:bodyPr rtlCol="0" anchor="ctr"/>
+          <a:lstStyle/>
+          <a:p>
+            <a:pPr algn="ctr"/>
+            <a:endParaRPr lang="de-CH"/>
+          </a:p>
+        </p:txBody>
+      </p:sp>
     </p:spTree>
     <p:extLst>
       <p:ext uri="{BB962C8B-B14F-4D97-AF65-F5344CB8AC3E}">
-        <p14:creationId xmlns:p14="http://schemas.microsoft.com/office/powerpoint/2010/main" val="3490366721"/>
+        <p14:creationId xmlns:p14="http://schemas.microsoft.com/office/powerpoint/2010/main" val="3985446292"/>
       </p:ext>
     </p:extLst>
   </p:cSld>
   <p:clrMapOvr>
     <a:masterClrMapping/>
   </p:clrMapOvr>
+  <p:timing>
+    <p:tnLst>
+      <p:par>
+        <p:cTn id="1" dur="indefinite" restart="never" nodeType="tmRoot"/>
+      </p:par>
+    </p:tnLst>
+  </p:timing>
 </p:sld>
 </file>
 
@@ -11894,10 +15715,10 @@
           <a:lstStyle/>
           <a:p>
             <a:r>
-              <a:rPr lang="de-CH" dirty="0" err="1" smtClean="0"/>
-              <a:t>Chalice</a:t>
-            </a:r>
-            <a:endParaRPr lang="en-GB" dirty="0"/>
+              <a:rPr lang="de-CH" dirty="0" smtClean="0"/>
+              <a:t>Permissions</a:t>
+            </a:r>
+            <a:endParaRPr lang="de-CH" dirty="0"/>
           </a:p>
         </p:txBody>
       </p:sp>
@@ -11908,418 +15729,112 @@
             <a:spLocks noGrp="1"/>
           </p:cNvSpPr>
           <p:nvPr>
-            <p:ph sz="half" idx="1"/>
+            <p:ph idx="1"/>
           </p:nvPr>
         </p:nvSpPr>
         <p:spPr/>
         <p:txBody>
-          <a:bodyPr>
-            <a:normAutofit/>
-          </a:bodyPr>
-          <a:lstStyle/>
-          <a:p>
-            <a:r>
-              <a:rPr lang="de-CH" dirty="0" err="1" smtClean="0"/>
-              <a:t>Annotated</a:t>
-            </a:r>
-            <a:r>
-              <a:rPr lang="de-CH" dirty="0" smtClean="0"/>
-              <a:t> </a:t>
-            </a:r>
-            <a:r>
-              <a:rPr lang="de-CH" dirty="0" err="1" smtClean="0"/>
-              <a:t>Methods</a:t>
-            </a:r>
-            <a:endParaRPr lang="de-CH" dirty="0" smtClean="0"/>
-          </a:p>
-          <a:p>
-            <a:r>
-              <a:rPr lang="de-CH" dirty="0" smtClean="0"/>
-              <a:t>Monitors</a:t>
-            </a:r>
-          </a:p>
-          <a:p>
-            <a:r>
-              <a:rPr lang="de-CH" dirty="0" err="1" smtClean="0"/>
-              <a:t>Predicates</a:t>
-            </a:r>
-            <a:r>
-              <a:rPr lang="de-CH" dirty="0" smtClean="0"/>
-              <a:t>/</a:t>
-            </a:r>
-            <a:r>
-              <a:rPr lang="de-CH" dirty="0" err="1" smtClean="0"/>
-              <a:t>Functions</a:t>
-            </a:r>
-            <a:endParaRPr lang="de-CH" dirty="0" smtClean="0"/>
-          </a:p>
-        </p:txBody>
-      </p:sp>
-      <p:sp>
-        <p:nvSpPr>
-          <p:cNvPr id="4" name="Content Placeholder 3"/>
-          <p:cNvSpPr>
-            <a:spLocks noGrp="1"/>
-          </p:cNvSpPr>
-          <p:nvPr>
-            <p:ph sz="half" idx="2"/>
-          </p:nvPr>
-        </p:nvSpPr>
-        <p:spPr>
-          <a:xfrm>
-            <a:off x="4648200" y="1600200"/>
-            <a:ext cx="4100264" cy="4853136"/>
-          </a:xfrm>
-        </p:spPr>
-        <p:txBody>
-          <a:bodyPr>
-            <a:normAutofit/>
-          </a:bodyPr>
-          <a:lstStyle/>
-          <a:p>
-            <a:pPr marL="0" indent="0">
-              <a:buNone/>
+          <a:bodyPr/>
+          <a:lstStyle/>
+          <a:p>
+            <a:pPr>
               <a:tabLst>
-                <a:tab pos="177800" algn="l"/>
-                <a:tab pos="355600" algn="l"/>
+                <a:tab pos="715963" algn="l"/>
               </a:tabLst>
             </a:pPr>
             <a:r>
-              <a:rPr lang="en-GB" sz="1800" spc="-150" dirty="0">
-                <a:latin typeface="Consolas" pitchFamily="49" charset="0"/>
-                <a:cs typeface="Consolas" pitchFamily="49" charset="0"/>
-              </a:rPr>
-              <a:t>class Cell </a:t>
-            </a:r>
-            <a:r>
-              <a:rPr lang="en-GB" sz="1800" spc="-150" dirty="0" smtClean="0">
-                <a:latin typeface="Consolas" pitchFamily="49" charset="0"/>
-                <a:cs typeface="Consolas" pitchFamily="49" charset="0"/>
-              </a:rPr>
-              <a:t>{</a:t>
-            </a:r>
-          </a:p>
-          <a:p>
-            <a:pPr marL="0" indent="0">
-              <a:buNone/>
+              <a:rPr lang="en-GB" dirty="0" smtClean="0"/>
+              <a:t>Tracking </a:t>
+            </a:r>
+            <a:br>
+              <a:rPr lang="en-GB" dirty="0" smtClean="0"/>
+            </a:br>
+            <a:r>
+              <a:rPr lang="en-GB" dirty="0" smtClean="0"/>
+              <a:t>	(</a:t>
+            </a:r>
+            <a:r>
+              <a:rPr lang="en-GB" dirty="0" err="1" smtClean="0"/>
+              <a:t>Thread×Field×Object</a:t>
+            </a:r>
+            <a:r>
+              <a:rPr lang="en-GB" dirty="0" smtClean="0"/>
+              <a:t>) → Permission</a:t>
+            </a:r>
+          </a:p>
+          <a:p>
+            <a:pPr>
               <a:tabLst>
-                <a:tab pos="177800" algn="l"/>
-                <a:tab pos="355600" algn="l"/>
+                <a:tab pos="715963" algn="l"/>
               </a:tabLst>
             </a:pPr>
             <a:r>
-              <a:rPr lang="en-GB" sz="1800" spc="-150" dirty="0" smtClean="0">
-                <a:latin typeface="Consolas" pitchFamily="49" charset="0"/>
-                <a:cs typeface="Consolas" pitchFamily="49" charset="0"/>
-              </a:rPr>
-              <a:t>	</a:t>
-            </a:r>
-            <a:r>
-              <a:rPr lang="en-GB" sz="1800" spc="-150" dirty="0" err="1" smtClean="0">
-                <a:latin typeface="Consolas" pitchFamily="49" charset="0"/>
-                <a:cs typeface="Consolas" pitchFamily="49" charset="0"/>
-              </a:rPr>
-              <a:t>var</a:t>
-            </a:r>
-            <a:r>
-              <a:rPr lang="en-GB" sz="1800" spc="-150" dirty="0" smtClean="0">
-                <a:latin typeface="Consolas" pitchFamily="49" charset="0"/>
-                <a:cs typeface="Consolas" pitchFamily="49" charset="0"/>
-              </a:rPr>
-              <a:t> v: </a:t>
-            </a:r>
-            <a:r>
-              <a:rPr lang="en-GB" sz="1800" spc="-150" dirty="0" err="1" smtClean="0">
-                <a:latin typeface="Consolas" pitchFamily="49" charset="0"/>
-                <a:cs typeface="Consolas" pitchFamily="49" charset="0"/>
-              </a:rPr>
-              <a:t>int</a:t>
-            </a:r>
-            <a:r>
-              <a:rPr lang="en-GB" sz="1800" spc="-150" dirty="0" smtClean="0">
-                <a:latin typeface="Consolas" pitchFamily="49" charset="0"/>
-                <a:cs typeface="Consolas" pitchFamily="49" charset="0"/>
-              </a:rPr>
-              <a:t>;</a:t>
-            </a:r>
-          </a:p>
-          <a:p>
-            <a:pPr marL="0" indent="0">
-              <a:buNone/>
+              <a:rPr lang="en-GB" dirty="0" smtClean="0"/>
+              <a:t>Permission can be</a:t>
+            </a:r>
+          </a:p>
+          <a:p>
+            <a:pPr lvl="1">
               <a:tabLst>
-                <a:tab pos="177800" algn="l"/>
-                <a:tab pos="355600" algn="l"/>
+                <a:tab pos="715963" algn="l"/>
+                <a:tab pos="2687638" algn="l"/>
+                <a:tab pos="3322638" algn="l"/>
+                <a:tab pos="7237413" algn="ctr"/>
               </a:tabLst>
             </a:pPr>
-            <a:endParaRPr lang="en-GB" sz="1800" spc="-150" dirty="0" smtClean="0">
-              <a:latin typeface="Consolas" pitchFamily="49" charset="0"/>
-              <a:cs typeface="Consolas" pitchFamily="49" charset="0"/>
-            </a:endParaRPr>
-          </a:p>
-          <a:p>
-            <a:pPr marL="0" indent="0">
-              <a:buNone/>
+            <a:r>
+              <a:rPr lang="en-GB" dirty="0"/>
+              <a:t>None 	⇒ 	cannot access at all	“0”</a:t>
+            </a:r>
+          </a:p>
+          <a:p>
+            <a:pPr lvl="1">
               <a:tabLst>
-                <a:tab pos="177800" algn="l"/>
-                <a:tab pos="355600" algn="l"/>
+                <a:tab pos="715963" algn="l"/>
+                <a:tab pos="2687638" algn="l"/>
+                <a:tab pos="3322638" algn="l"/>
+                <a:tab pos="7262813" algn="ctr"/>
               </a:tabLst>
             </a:pPr>
             <a:r>
-              <a:rPr lang="en-GB" sz="1800" spc="-150" dirty="0" smtClean="0">
-                <a:latin typeface="Consolas" pitchFamily="49" charset="0"/>
-                <a:cs typeface="Consolas" pitchFamily="49" charset="0"/>
-              </a:rPr>
-              <a:t>	predicate valid</a:t>
-            </a:r>
-          </a:p>
-          <a:p>
-            <a:pPr marL="0" indent="0">
-              <a:buNone/>
+              <a:rPr lang="en-GB" dirty="0"/>
+              <a:t>Some	⇒	can only read	“]0,1[“</a:t>
+            </a:r>
+          </a:p>
+          <a:p>
+            <a:pPr lvl="1">
               <a:tabLst>
-                <a:tab pos="177800" algn="l"/>
-                <a:tab pos="355600" algn="l"/>
-                <a:tab pos="627063" algn="l"/>
+                <a:tab pos="715963" algn="l"/>
+                <a:tab pos="2687638" algn="l"/>
+                <a:tab pos="3322638" algn="l"/>
+                <a:tab pos="7262813" algn="ctr"/>
               </a:tabLst>
             </a:pPr>
             <a:r>
-              <a:rPr lang="de-CH" sz="1800" spc="-150" dirty="0" smtClean="0">
-                <a:latin typeface="Consolas" pitchFamily="49" charset="0"/>
-                <a:cs typeface="Consolas" pitchFamily="49" charset="0"/>
-              </a:rPr>
-              <a:t>	{	</a:t>
-            </a:r>
-            <a:r>
-              <a:rPr lang="de-CH" sz="1800" spc="-150" dirty="0" err="1" smtClean="0">
-                <a:latin typeface="Consolas" pitchFamily="49" charset="0"/>
-                <a:cs typeface="Consolas" pitchFamily="49" charset="0"/>
-              </a:rPr>
-              <a:t>acc</a:t>
-            </a:r>
-            <a:r>
-              <a:rPr lang="de-CH" sz="1800" spc="-150" dirty="0" smtClean="0">
-                <a:latin typeface="Consolas" pitchFamily="49" charset="0"/>
-                <a:cs typeface="Consolas" pitchFamily="49" charset="0"/>
-              </a:rPr>
-              <a:t>(</a:t>
-            </a:r>
-            <a:r>
-              <a:rPr lang="de-CH" sz="1800" spc="-150" dirty="0" err="1" smtClean="0">
-                <a:latin typeface="Consolas" pitchFamily="49" charset="0"/>
-                <a:cs typeface="Consolas" pitchFamily="49" charset="0"/>
-              </a:rPr>
-              <a:t>this.v</a:t>
-            </a:r>
-            <a:r>
-              <a:rPr lang="de-CH" sz="1800" spc="-150" dirty="0" smtClean="0">
-                <a:latin typeface="Consolas" pitchFamily="49" charset="0"/>
-                <a:cs typeface="Consolas" pitchFamily="49" charset="0"/>
-              </a:rPr>
-              <a:t>) &amp;&amp; 0 &lt;= </a:t>
-            </a:r>
-            <a:r>
-              <a:rPr lang="de-CH" sz="1800" spc="-150" dirty="0" err="1" smtClean="0">
-                <a:latin typeface="Consolas" pitchFamily="49" charset="0"/>
-                <a:cs typeface="Consolas" pitchFamily="49" charset="0"/>
-              </a:rPr>
-              <a:t>this.v</a:t>
-            </a:r>
-            <a:r>
-              <a:rPr lang="de-CH" sz="1800" spc="-150" dirty="0" smtClean="0">
-                <a:latin typeface="Consolas" pitchFamily="49" charset="0"/>
-                <a:cs typeface="Consolas" pitchFamily="49" charset="0"/>
-              </a:rPr>
-              <a:t> }</a:t>
-            </a:r>
-          </a:p>
-          <a:p>
-            <a:pPr marL="0" indent="0">
-              <a:buNone/>
+              <a:rPr lang="en-GB" dirty="0" smtClean="0"/>
+              <a:t>Full	⇒	can read and write 	“1”</a:t>
+            </a:r>
+          </a:p>
+          <a:p>
+            <a:pPr>
               <a:tabLst>
-                <a:tab pos="177800" algn="l"/>
-                <a:tab pos="355600" algn="l"/>
-                <a:tab pos="627063" algn="l"/>
+                <a:tab pos="715963" algn="l"/>
+                <a:tab pos="2687638" algn="l"/>
+                <a:tab pos="3322638" algn="l"/>
+                <a:tab pos="7262813" algn="ctr"/>
               </a:tabLst>
             </a:pPr>
-            <a:endParaRPr lang="de-CH" sz="1800" spc="-150" dirty="0" smtClean="0">
-              <a:latin typeface="Consolas" pitchFamily="49" charset="0"/>
-              <a:cs typeface="Consolas" pitchFamily="49" charset="0"/>
-            </a:endParaRPr>
-          </a:p>
-          <a:p>
-            <a:pPr marL="0" indent="0">
-              <a:buNone/>
-              <a:tabLst>
-                <a:tab pos="177800" algn="l"/>
-                <a:tab pos="355600" algn="l"/>
-                <a:tab pos="627063" algn="l"/>
-              </a:tabLst>
-            </a:pPr>
-            <a:r>
-              <a:rPr lang="de-CH" sz="1800" spc="-150" dirty="0" smtClean="0">
-                <a:latin typeface="Consolas" pitchFamily="49" charset="0"/>
-                <a:cs typeface="Consolas" pitchFamily="49" charset="0"/>
-              </a:rPr>
-              <a:t>	</a:t>
-            </a:r>
-            <a:r>
-              <a:rPr lang="de-CH" sz="1800" spc="-150" dirty="0" err="1" smtClean="0">
-                <a:latin typeface="Consolas" pitchFamily="49" charset="0"/>
-                <a:cs typeface="Consolas" pitchFamily="49" charset="0"/>
-              </a:rPr>
-              <a:t>function</a:t>
-            </a:r>
-            <a:r>
-              <a:rPr lang="de-CH" sz="1800" spc="-150" dirty="0" smtClean="0">
-                <a:latin typeface="Consolas" pitchFamily="49" charset="0"/>
-                <a:cs typeface="Consolas" pitchFamily="49" charset="0"/>
-              </a:rPr>
-              <a:t> </a:t>
-            </a:r>
-            <a:r>
-              <a:rPr lang="de-CH" sz="1800" spc="-150" dirty="0" err="1" smtClean="0">
-                <a:latin typeface="Consolas" pitchFamily="49" charset="0"/>
-                <a:cs typeface="Consolas" pitchFamily="49" charset="0"/>
-              </a:rPr>
-              <a:t>add</a:t>
-            </a:r>
-            <a:r>
-              <a:rPr lang="de-CH" sz="1800" spc="-150" dirty="0" smtClean="0">
-                <a:latin typeface="Consolas" pitchFamily="49" charset="0"/>
-                <a:cs typeface="Consolas" pitchFamily="49" charset="0"/>
-              </a:rPr>
-              <a:t>(</a:t>
-            </a:r>
-            <a:r>
-              <a:rPr lang="de-CH" sz="1800" spc="-150" dirty="0" err="1" smtClean="0">
-                <a:latin typeface="Consolas" pitchFamily="49" charset="0"/>
-                <a:cs typeface="Consolas" pitchFamily="49" charset="0"/>
-              </a:rPr>
-              <a:t>d:int</a:t>
-            </a:r>
-            <a:r>
-              <a:rPr lang="de-CH" sz="1800" spc="-150" dirty="0" smtClean="0">
-                <a:latin typeface="Consolas" pitchFamily="49" charset="0"/>
-                <a:cs typeface="Consolas" pitchFamily="49" charset="0"/>
-              </a:rPr>
-              <a:t>) </a:t>
-            </a:r>
-            <a:r>
-              <a:rPr lang="de-CH" sz="1800" spc="-150" dirty="0" err="1" smtClean="0">
-                <a:latin typeface="Consolas" pitchFamily="49" charset="0"/>
-                <a:cs typeface="Consolas" pitchFamily="49" charset="0"/>
-              </a:rPr>
-              <a:t>requires</a:t>
-            </a:r>
-            <a:r>
-              <a:rPr lang="de-CH" sz="1800" spc="-150" dirty="0" smtClean="0">
-                <a:latin typeface="Consolas" pitchFamily="49" charset="0"/>
-                <a:cs typeface="Consolas" pitchFamily="49" charset="0"/>
-              </a:rPr>
-              <a:t> valid;</a:t>
-            </a:r>
-          </a:p>
-          <a:p>
-            <a:pPr marL="0" indent="0">
-              <a:buNone/>
-              <a:tabLst>
-                <a:tab pos="177800" algn="l"/>
-                <a:tab pos="355600" algn="l"/>
-                <a:tab pos="627063" algn="l"/>
-              </a:tabLst>
-            </a:pPr>
-            <a:r>
-              <a:rPr lang="de-CH" sz="1800" spc="-150" dirty="0" smtClean="0">
-                <a:latin typeface="Consolas" pitchFamily="49" charset="0"/>
-                <a:cs typeface="Consolas" pitchFamily="49" charset="0"/>
-              </a:rPr>
-              <a:t>	{ </a:t>
-            </a:r>
-            <a:r>
-              <a:rPr lang="de-CH" sz="1800" spc="-150" dirty="0" err="1" smtClean="0">
-                <a:latin typeface="Consolas" pitchFamily="49" charset="0"/>
-                <a:cs typeface="Consolas" pitchFamily="49" charset="0"/>
-              </a:rPr>
-              <a:t>unfolding</a:t>
-            </a:r>
-            <a:r>
-              <a:rPr lang="de-CH" sz="1800" spc="-150" dirty="0" smtClean="0">
-                <a:latin typeface="Consolas" pitchFamily="49" charset="0"/>
-                <a:cs typeface="Consolas" pitchFamily="49" charset="0"/>
-              </a:rPr>
-              <a:t> valid in </a:t>
-            </a:r>
-            <a:r>
-              <a:rPr lang="de-CH" sz="1800" spc="-150" dirty="0" err="1" smtClean="0">
-                <a:latin typeface="Consolas" pitchFamily="49" charset="0"/>
-                <a:cs typeface="Consolas" pitchFamily="49" charset="0"/>
-              </a:rPr>
-              <a:t>this.v</a:t>
-            </a:r>
-            <a:r>
-              <a:rPr lang="de-CH" sz="1800" spc="-150" dirty="0" smtClean="0">
-                <a:latin typeface="Consolas" pitchFamily="49" charset="0"/>
-                <a:cs typeface="Consolas" pitchFamily="49" charset="0"/>
-              </a:rPr>
-              <a:t> + d; }</a:t>
-            </a:r>
-          </a:p>
-          <a:p>
-            <a:pPr marL="0" indent="0">
-              <a:buNone/>
-              <a:tabLst>
-                <a:tab pos="177800" algn="l"/>
-                <a:tab pos="355600" algn="l"/>
-                <a:tab pos="627063" algn="l"/>
-              </a:tabLst>
-            </a:pPr>
-            <a:endParaRPr lang="de-CH" sz="1800" spc="-150" dirty="0" smtClean="0">
-              <a:latin typeface="Consolas" pitchFamily="49" charset="0"/>
-              <a:cs typeface="Consolas" pitchFamily="49" charset="0"/>
-            </a:endParaRPr>
-          </a:p>
-          <a:p>
-            <a:pPr marL="0" indent="0">
-              <a:buNone/>
-              <a:tabLst>
-                <a:tab pos="177800" algn="l"/>
-                <a:tab pos="355600" algn="l"/>
-                <a:tab pos="627063" algn="l"/>
-              </a:tabLst>
-            </a:pPr>
-            <a:r>
-              <a:rPr lang="de-CH" sz="1800" spc="-150" dirty="0" smtClean="0">
-                <a:latin typeface="Consolas" pitchFamily="49" charset="0"/>
-                <a:cs typeface="Consolas" pitchFamily="49" charset="0"/>
-              </a:rPr>
-              <a:t>	…</a:t>
-            </a:r>
-          </a:p>
-          <a:p>
-            <a:pPr marL="0" indent="0">
-              <a:buNone/>
-              <a:tabLst>
-                <a:tab pos="177800" algn="l"/>
-                <a:tab pos="355600" algn="l"/>
-                <a:tab pos="627063" algn="l"/>
-              </a:tabLst>
-            </a:pPr>
-            <a:r>
-              <a:rPr lang="de-CH" sz="1800" spc="-150" dirty="0" smtClean="0">
-                <a:latin typeface="Consolas" pitchFamily="49" charset="0"/>
-                <a:cs typeface="Consolas" pitchFamily="49" charset="0"/>
-              </a:rPr>
-              <a:t>}</a:t>
-            </a:r>
-            <a:endParaRPr lang="de-CH" sz="1800" spc="-150" dirty="0">
-              <a:latin typeface="Consolas" pitchFamily="49" charset="0"/>
-              <a:cs typeface="Consolas" pitchFamily="49" charset="0"/>
-            </a:endParaRPr>
-          </a:p>
-        </p:txBody>
-      </p:sp>
-      <p:sp>
-        <p:nvSpPr>
-          <p:cNvPr id="5" name="Slide Number Placeholder 4"/>
+            <a:r>
+              <a:rPr lang="en-GB" dirty="0" smtClean="0"/>
+              <a:t>Neatly supports fork-join</a:t>
+            </a:r>
+            <a:endParaRPr lang="en-GB" dirty="0"/>
+          </a:p>
+        </p:txBody>
+      </p:sp>
+      <p:sp>
+        <p:nvSpPr>
+          <p:cNvPr id="4" name="Slide Number Placeholder 3"/>
           <p:cNvSpPr>
             <a:spLocks noGrp="1"/>
           </p:cNvSpPr>
@@ -12334,22 +15849,532 @@
           <a:p>
             <a:fld id="{D8727298-9337-4FF1-AD4C-CD4DB75A4A45}" type="slidenum">
               <a:rPr lang="de-CH" smtClean="0"/>
+              <a:pPr/>
               <a:t>9</a:t>
             </a:fld>
             <a:endParaRPr lang="de-CH"/>
           </a:p>
         </p:txBody>
       </p:sp>
+      <p:cxnSp>
+        <p:nvCxnSpPr>
+          <p:cNvPr id="5" name="Elbow Connector 28"/>
+          <p:cNvCxnSpPr>
+            <a:stCxn id="6" idx="0"/>
+            <a:endCxn id="9" idx="2"/>
+          </p:cNvCxnSpPr>
+          <p:nvPr/>
+        </p:nvCxnSpPr>
+        <p:spPr>
+          <a:xfrm flipV="1">
+            <a:off x="5536907" y="5114110"/>
+            <a:ext cx="410329" cy="691154"/>
+          </a:xfrm>
+          <a:prstGeom prst="straightConnector1">
+            <a:avLst/>
+          </a:prstGeom>
+          <a:ln w="19050">
+            <a:solidFill>
+              <a:srgbClr val="23466F"/>
+            </a:solidFill>
+            <a:tailEnd type="arrow"/>
+          </a:ln>
+        </p:spPr>
+        <p:style>
+          <a:lnRef idx="1">
+            <a:schemeClr val="accent1"/>
+          </a:lnRef>
+          <a:fillRef idx="0">
+            <a:schemeClr val="accent1"/>
+          </a:fillRef>
+          <a:effectRef idx="0">
+            <a:schemeClr val="accent1"/>
+          </a:effectRef>
+          <a:fontRef idx="minor">
+            <a:schemeClr val="tx1"/>
+          </a:fontRef>
+        </p:style>
+      </p:cxnSp>
+      <p:sp>
+        <p:nvSpPr>
+          <p:cNvPr id="9" name="Snip Diagonal Corner Rectangle 8"/>
+          <p:cNvSpPr/>
+          <p:nvPr/>
+        </p:nvSpPr>
+        <p:spPr>
+          <a:xfrm>
+            <a:off x="5947236" y="4970094"/>
+            <a:ext cx="748883" cy="288032"/>
+          </a:xfrm>
+          <a:prstGeom prst="snip2DiagRect">
+            <a:avLst>
+              <a:gd name="adj1" fmla="val 0"/>
+              <a:gd name="adj2" fmla="val 34304"/>
+            </a:avLst>
+          </a:prstGeom>
+        </p:spPr>
+        <p:style>
+          <a:lnRef idx="2">
+            <a:schemeClr val="accent1">
+              <a:shade val="50000"/>
+            </a:schemeClr>
+          </a:lnRef>
+          <a:fillRef idx="1">
+            <a:schemeClr val="accent1"/>
+          </a:fillRef>
+          <a:effectRef idx="0">
+            <a:schemeClr val="accent1"/>
+          </a:effectRef>
+          <a:fontRef idx="minor">
+            <a:schemeClr val="lt1"/>
+          </a:fontRef>
+        </p:style>
+        <p:txBody>
+          <a:bodyPr rtlCol="0" anchor="ctr"/>
+          <a:lstStyle/>
+          <a:p>
+            <a:pPr algn="ctr"/>
+            <a:r>
+              <a:rPr lang="en-GB" sz="1400" dirty="0" smtClean="0">
+                <a:latin typeface="+mj-lt"/>
+              </a:rPr>
+              <a:t>job1</a:t>
+            </a:r>
+            <a:endParaRPr lang="en-GB" sz="1400" dirty="0">
+              <a:latin typeface="+mj-lt"/>
+            </a:endParaRPr>
+          </a:p>
+        </p:txBody>
+      </p:sp>
+      <p:sp>
+        <p:nvSpPr>
+          <p:cNvPr id="10" name="Snip Diagonal Corner Rectangle 9"/>
+          <p:cNvSpPr/>
+          <p:nvPr/>
+        </p:nvSpPr>
+        <p:spPr>
+          <a:xfrm>
+            <a:off x="5960677" y="5805264"/>
+            <a:ext cx="748883" cy="288032"/>
+          </a:xfrm>
+          <a:prstGeom prst="snip2DiagRect">
+            <a:avLst>
+              <a:gd name="adj1" fmla="val 0"/>
+              <a:gd name="adj2" fmla="val 34304"/>
+            </a:avLst>
+          </a:prstGeom>
+        </p:spPr>
+        <p:style>
+          <a:lnRef idx="2">
+            <a:schemeClr val="accent1">
+              <a:shade val="50000"/>
+            </a:schemeClr>
+          </a:lnRef>
+          <a:fillRef idx="1">
+            <a:schemeClr val="accent1"/>
+          </a:fillRef>
+          <a:effectRef idx="0">
+            <a:schemeClr val="accent1"/>
+          </a:effectRef>
+          <a:fontRef idx="minor">
+            <a:schemeClr val="lt1"/>
+          </a:fontRef>
+        </p:style>
+        <p:txBody>
+          <a:bodyPr rtlCol="0" anchor="ctr"/>
+          <a:lstStyle/>
+          <a:p>
+            <a:pPr algn="ctr"/>
+            <a:r>
+              <a:rPr lang="en-GB" sz="1400" dirty="0" smtClean="0">
+                <a:latin typeface="+mj-lt"/>
+              </a:rPr>
+              <a:t>job3</a:t>
+            </a:r>
+            <a:endParaRPr lang="en-GB" sz="1400" dirty="0">
+              <a:latin typeface="+mj-lt"/>
+            </a:endParaRPr>
+          </a:p>
+        </p:txBody>
+      </p:sp>
+      <p:sp>
+        <p:nvSpPr>
+          <p:cNvPr id="11" name="Snip Diagonal Corner Rectangle 10"/>
+          <p:cNvSpPr/>
+          <p:nvPr/>
+        </p:nvSpPr>
+        <p:spPr>
+          <a:xfrm>
+            <a:off x="7176866" y="5661248"/>
+            <a:ext cx="748883" cy="288032"/>
+          </a:xfrm>
+          <a:prstGeom prst="snip2DiagRect">
+            <a:avLst>
+              <a:gd name="adj1" fmla="val 0"/>
+              <a:gd name="adj2" fmla="val 34304"/>
+            </a:avLst>
+          </a:prstGeom>
+          <a:solidFill>
+            <a:schemeClr val="accent6"/>
+          </a:solidFill>
+          <a:ln>
+            <a:solidFill>
+              <a:srgbClr val="921313"/>
+            </a:solidFill>
+          </a:ln>
+        </p:spPr>
+        <p:style>
+          <a:lnRef idx="2">
+            <a:schemeClr val="accent1">
+              <a:shade val="50000"/>
+            </a:schemeClr>
+          </a:lnRef>
+          <a:fillRef idx="1">
+            <a:schemeClr val="accent1"/>
+          </a:fillRef>
+          <a:effectRef idx="0">
+            <a:schemeClr val="accent1"/>
+          </a:effectRef>
+          <a:fontRef idx="minor">
+            <a:schemeClr val="lt1"/>
+          </a:fontRef>
+        </p:style>
+        <p:txBody>
+          <a:bodyPr rtlCol="0" anchor="ctr"/>
+          <a:lstStyle/>
+          <a:p>
+            <a:pPr algn="ctr"/>
+            <a:r>
+              <a:rPr lang="en-GB" sz="1400" dirty="0" smtClean="0">
+                <a:latin typeface="+mj-lt"/>
+              </a:rPr>
+              <a:t>main</a:t>
+            </a:r>
+            <a:endParaRPr lang="en-GB" sz="1400" dirty="0">
+              <a:latin typeface="+mj-lt"/>
+            </a:endParaRPr>
+          </a:p>
+        </p:txBody>
+      </p:sp>
+      <p:sp>
+        <p:nvSpPr>
+          <p:cNvPr id="12" name="Snip Diagonal Corner Rectangle 11"/>
+          <p:cNvSpPr/>
+          <p:nvPr/>
+        </p:nvSpPr>
+        <p:spPr>
+          <a:xfrm>
+            <a:off x="5960676" y="5387679"/>
+            <a:ext cx="748883" cy="288032"/>
+          </a:xfrm>
+          <a:prstGeom prst="snip2DiagRect">
+            <a:avLst>
+              <a:gd name="adj1" fmla="val 0"/>
+              <a:gd name="adj2" fmla="val 34304"/>
+            </a:avLst>
+          </a:prstGeom>
+        </p:spPr>
+        <p:style>
+          <a:lnRef idx="2">
+            <a:schemeClr val="accent1">
+              <a:shade val="50000"/>
+            </a:schemeClr>
+          </a:lnRef>
+          <a:fillRef idx="1">
+            <a:schemeClr val="accent1"/>
+          </a:fillRef>
+          <a:effectRef idx="0">
+            <a:schemeClr val="accent1"/>
+          </a:effectRef>
+          <a:fontRef idx="minor">
+            <a:schemeClr val="lt1"/>
+          </a:fontRef>
+        </p:style>
+        <p:txBody>
+          <a:bodyPr rtlCol="0" anchor="ctr"/>
+          <a:lstStyle/>
+          <a:p>
+            <a:pPr algn="ctr"/>
+            <a:r>
+              <a:rPr lang="en-GB" sz="1400" dirty="0" smtClean="0">
+                <a:latin typeface="+mj-lt"/>
+              </a:rPr>
+              <a:t>job2</a:t>
+            </a:r>
+            <a:endParaRPr lang="en-GB" sz="1400" dirty="0">
+              <a:latin typeface="+mj-lt"/>
+            </a:endParaRPr>
+          </a:p>
+        </p:txBody>
+      </p:sp>
+      <p:cxnSp>
+        <p:nvCxnSpPr>
+          <p:cNvPr id="14" name="Elbow Connector 28"/>
+          <p:cNvCxnSpPr>
+            <a:stCxn id="6" idx="0"/>
+            <a:endCxn id="10" idx="2"/>
+          </p:cNvCxnSpPr>
+          <p:nvPr/>
+        </p:nvCxnSpPr>
+        <p:spPr>
+          <a:xfrm>
+            <a:off x="5536907" y="5805264"/>
+            <a:ext cx="423770" cy="144016"/>
+          </a:xfrm>
+          <a:prstGeom prst="straightConnector1">
+            <a:avLst/>
+          </a:prstGeom>
+          <a:ln w="19050">
+            <a:solidFill>
+              <a:srgbClr val="23466F"/>
+            </a:solidFill>
+            <a:tailEnd type="arrow"/>
+          </a:ln>
+        </p:spPr>
+        <p:style>
+          <a:lnRef idx="1">
+            <a:schemeClr val="accent1"/>
+          </a:lnRef>
+          <a:fillRef idx="0">
+            <a:schemeClr val="accent1"/>
+          </a:fillRef>
+          <a:effectRef idx="0">
+            <a:schemeClr val="accent1"/>
+          </a:effectRef>
+          <a:fontRef idx="minor">
+            <a:schemeClr val="tx1"/>
+          </a:fontRef>
+        </p:style>
+      </p:cxnSp>
+      <p:cxnSp>
+        <p:nvCxnSpPr>
+          <p:cNvPr id="18" name="Elbow Connector 28"/>
+          <p:cNvCxnSpPr>
+            <a:stCxn id="6" idx="0"/>
+            <a:endCxn id="12" idx="2"/>
+          </p:cNvCxnSpPr>
+          <p:nvPr/>
+        </p:nvCxnSpPr>
+        <p:spPr>
+          <a:xfrm flipV="1">
+            <a:off x="5536907" y="5531695"/>
+            <a:ext cx="423769" cy="273569"/>
+          </a:xfrm>
+          <a:prstGeom prst="straightConnector1">
+            <a:avLst/>
+          </a:prstGeom>
+          <a:ln w="19050">
+            <a:solidFill>
+              <a:srgbClr val="23466F"/>
+            </a:solidFill>
+            <a:tailEnd type="arrow"/>
+          </a:ln>
+        </p:spPr>
+        <p:style>
+          <a:lnRef idx="1">
+            <a:schemeClr val="accent1"/>
+          </a:lnRef>
+          <a:fillRef idx="0">
+            <a:schemeClr val="accent1"/>
+          </a:fillRef>
+          <a:effectRef idx="0">
+            <a:schemeClr val="accent1"/>
+          </a:effectRef>
+          <a:fontRef idx="minor">
+            <a:schemeClr val="tx1"/>
+          </a:fontRef>
+        </p:style>
+      </p:cxnSp>
+      <p:cxnSp>
+        <p:nvCxnSpPr>
+          <p:cNvPr id="21" name="Elbow Connector 28"/>
+          <p:cNvCxnSpPr>
+            <a:stCxn id="9" idx="0"/>
+          </p:cNvCxnSpPr>
+          <p:nvPr/>
+        </p:nvCxnSpPr>
+        <p:spPr>
+          <a:xfrm>
+            <a:off x="6696119" y="5114110"/>
+            <a:ext cx="480747" cy="547138"/>
+          </a:xfrm>
+          <a:prstGeom prst="straightConnector1">
+            <a:avLst/>
+          </a:prstGeom>
+          <a:ln w="19050">
+            <a:solidFill>
+              <a:srgbClr val="23466F"/>
+            </a:solidFill>
+            <a:tailEnd type="arrow"/>
+          </a:ln>
+        </p:spPr>
+        <p:style>
+          <a:lnRef idx="1">
+            <a:schemeClr val="accent1"/>
+          </a:lnRef>
+          <a:fillRef idx="0">
+            <a:schemeClr val="accent1"/>
+          </a:fillRef>
+          <a:effectRef idx="0">
+            <a:schemeClr val="accent1"/>
+          </a:effectRef>
+          <a:fontRef idx="minor">
+            <a:schemeClr val="tx1"/>
+          </a:fontRef>
+        </p:style>
+      </p:cxnSp>
+      <p:cxnSp>
+        <p:nvCxnSpPr>
+          <p:cNvPr id="25" name="Elbow Connector 28"/>
+          <p:cNvCxnSpPr>
+            <a:stCxn id="12" idx="0"/>
+          </p:cNvCxnSpPr>
+          <p:nvPr/>
+        </p:nvCxnSpPr>
+        <p:spPr>
+          <a:xfrm>
+            <a:off x="6709559" y="5531695"/>
+            <a:ext cx="458992" cy="239377"/>
+          </a:xfrm>
+          <a:prstGeom prst="straightConnector1">
+            <a:avLst/>
+          </a:prstGeom>
+          <a:ln w="19050">
+            <a:solidFill>
+              <a:srgbClr val="23466F"/>
+            </a:solidFill>
+            <a:tailEnd type="arrow"/>
+          </a:ln>
+        </p:spPr>
+        <p:style>
+          <a:lnRef idx="1">
+            <a:schemeClr val="accent1"/>
+          </a:lnRef>
+          <a:fillRef idx="0">
+            <a:schemeClr val="accent1"/>
+          </a:fillRef>
+          <a:effectRef idx="0">
+            <a:schemeClr val="accent1"/>
+          </a:effectRef>
+          <a:fontRef idx="minor">
+            <a:schemeClr val="tx1"/>
+          </a:fontRef>
+        </p:style>
+      </p:cxnSp>
+      <p:cxnSp>
+        <p:nvCxnSpPr>
+          <p:cNvPr id="28" name="Elbow Connector 28"/>
+          <p:cNvCxnSpPr>
+            <a:stCxn id="10" idx="0"/>
+          </p:cNvCxnSpPr>
+          <p:nvPr/>
+        </p:nvCxnSpPr>
+        <p:spPr>
+          <a:xfrm flipV="1">
+            <a:off x="6709560" y="5857336"/>
+            <a:ext cx="484870" cy="91944"/>
+          </a:xfrm>
+          <a:prstGeom prst="straightConnector1">
+            <a:avLst/>
+          </a:prstGeom>
+          <a:ln w="19050">
+            <a:solidFill>
+              <a:srgbClr val="23466F"/>
+            </a:solidFill>
+            <a:tailEnd type="arrow"/>
+          </a:ln>
+        </p:spPr>
+        <p:style>
+          <a:lnRef idx="1">
+            <a:schemeClr val="accent1"/>
+          </a:lnRef>
+          <a:fillRef idx="0">
+            <a:schemeClr val="accent1"/>
+          </a:fillRef>
+          <a:effectRef idx="0">
+            <a:schemeClr val="accent1"/>
+          </a:effectRef>
+          <a:fontRef idx="minor">
+            <a:schemeClr val="tx1"/>
+          </a:fontRef>
+        </p:style>
+      </p:cxnSp>
+      <p:sp>
+        <p:nvSpPr>
+          <p:cNvPr id="6" name="Snip Diagonal Corner Rectangle 5"/>
+          <p:cNvSpPr/>
+          <p:nvPr/>
+        </p:nvSpPr>
+        <p:spPr>
+          <a:xfrm>
+            <a:off x="4788024" y="5661248"/>
+            <a:ext cx="748883" cy="288032"/>
+          </a:xfrm>
+          <a:prstGeom prst="snip2DiagRect">
+            <a:avLst>
+              <a:gd name="adj1" fmla="val 0"/>
+              <a:gd name="adj2" fmla="val 34304"/>
+            </a:avLst>
+          </a:prstGeom>
+          <a:solidFill>
+            <a:schemeClr val="accent6"/>
+          </a:solidFill>
+          <a:ln>
+            <a:solidFill>
+              <a:srgbClr val="921313"/>
+            </a:solidFill>
+          </a:ln>
+        </p:spPr>
+        <p:style>
+          <a:lnRef idx="2">
+            <a:schemeClr val="accent1">
+              <a:shade val="50000"/>
+            </a:schemeClr>
+          </a:lnRef>
+          <a:fillRef idx="1">
+            <a:schemeClr val="accent1"/>
+          </a:fillRef>
+          <a:effectRef idx="0">
+            <a:schemeClr val="accent1"/>
+          </a:effectRef>
+          <a:fontRef idx="minor">
+            <a:schemeClr val="lt1"/>
+          </a:fontRef>
+        </p:style>
+        <p:txBody>
+          <a:bodyPr rtlCol="0" anchor="ctr"/>
+          <a:lstStyle/>
+          <a:p>
+            <a:pPr algn="ctr"/>
+            <a:r>
+              <a:rPr lang="en-GB" sz="1400" dirty="0" smtClean="0">
+                <a:latin typeface="+mj-lt"/>
+              </a:rPr>
+              <a:t>main</a:t>
+            </a:r>
+            <a:endParaRPr lang="en-GB" sz="1400" dirty="0">
+              <a:latin typeface="+mj-lt"/>
+            </a:endParaRPr>
+          </a:p>
+        </p:txBody>
+      </p:sp>
     </p:spTree>
     <p:extLst>
       <p:ext uri="{BB962C8B-B14F-4D97-AF65-F5344CB8AC3E}">
-        <p14:creationId xmlns:p14="http://schemas.microsoft.com/office/powerpoint/2010/main" val="1962121807"/>
+        <p14:creationId xmlns:p14="http://schemas.microsoft.com/office/powerpoint/2010/main" val="1816837548"/>
       </p:ext>
     </p:extLst>
   </p:cSld>
   <p:clrMapOvr>
     <a:masterClrMapping/>
   </p:clrMapOvr>
+  <p:timing>
+    <p:tnLst>
+      <p:par>
+        <p:cTn id="1" dur="indefinite" restart="never" nodeType="tmRoot"/>
+      </p:par>
+    </p:tnLst>
+  </p:timing>
 </p:sld>
 </file>
 

--- a/chalice2sil/doc/presentation/chalice2sil-presentation.pptx
+++ b/chalice2sil/doc/presentation/chalice2sil-presentation.pptx
@@ -6,7 +6,7 @@
     <p:sldMasterId id="2147483660" r:id="rId2"/>
   </p:sldMasterIdLst>
   <p:notesMasterIdLst>
-    <p:notesMasterId r:id="rId29"/>
+    <p:notesMasterId r:id="rId30"/>
   </p:notesMasterIdLst>
   <p:sldIdLst>
     <p:sldId id="256" r:id="rId3"/>
@@ -18,23 +18,24 @@
     <p:sldId id="271" r:id="rId9"/>
     <p:sldId id="274" r:id="rId10"/>
     <p:sldId id="286" r:id="rId11"/>
-    <p:sldId id="275" r:id="rId12"/>
-    <p:sldId id="276" r:id="rId13"/>
-    <p:sldId id="277" r:id="rId14"/>
-    <p:sldId id="278" r:id="rId15"/>
-    <p:sldId id="279" r:id="rId16"/>
-    <p:sldId id="281" r:id="rId17"/>
-    <p:sldId id="280" r:id="rId18"/>
-    <p:sldId id="273" r:id="rId19"/>
-    <p:sldId id="272" r:id="rId20"/>
-    <p:sldId id="262" r:id="rId21"/>
-    <p:sldId id="263" r:id="rId22"/>
-    <p:sldId id="265" r:id="rId23"/>
-    <p:sldId id="264" r:id="rId24"/>
-    <p:sldId id="261" r:id="rId25"/>
-    <p:sldId id="283" r:id="rId26"/>
-    <p:sldId id="284" r:id="rId27"/>
-    <p:sldId id="285" r:id="rId28"/>
+    <p:sldId id="287" r:id="rId12"/>
+    <p:sldId id="288" r:id="rId13"/>
+    <p:sldId id="276" r:id="rId14"/>
+    <p:sldId id="277" r:id="rId15"/>
+    <p:sldId id="278" r:id="rId16"/>
+    <p:sldId id="279" r:id="rId17"/>
+    <p:sldId id="281" r:id="rId18"/>
+    <p:sldId id="280" r:id="rId19"/>
+    <p:sldId id="273" r:id="rId20"/>
+    <p:sldId id="272" r:id="rId21"/>
+    <p:sldId id="262" r:id="rId22"/>
+    <p:sldId id="263" r:id="rId23"/>
+    <p:sldId id="265" r:id="rId24"/>
+    <p:sldId id="264" r:id="rId25"/>
+    <p:sldId id="261" r:id="rId26"/>
+    <p:sldId id="283" r:id="rId27"/>
+    <p:sldId id="284" r:id="rId28"/>
+    <p:sldId id="285" r:id="rId29"/>
   </p:sldIdLst>
   <p:sldSz cx="9144000" cy="6858000" type="screen4x3"/>
   <p:notesSz cx="6858000" cy="9144000"/>
@@ -151,7 +152,8 @@
             <p14:sldId id="271"/>
             <p14:sldId id="274"/>
             <p14:sldId id="286"/>
-            <p14:sldId id="275"/>
+            <p14:sldId id="287"/>
+            <p14:sldId id="288"/>
             <p14:sldId id="276"/>
             <p14:sldId id="277"/>
             <p14:sldId id="278"/>
@@ -622,6 +624,98 @@
 </p:notes>
 </file>
 
+<file path=ppt/notesSlides/notesSlide10.xml><?xml version="1.0" encoding="utf-8"?>
+<p:notes xmlns:a="http://schemas.openxmlformats.org/drawingml/2006/main" xmlns:r="http://schemas.openxmlformats.org/officeDocument/2006/relationships" xmlns:p="http://schemas.openxmlformats.org/presentationml/2006/main">
+  <p:cSld>
+    <p:spTree>
+      <p:nvGrpSpPr>
+        <p:cNvPr id="1" name=""/>
+        <p:cNvGrpSpPr/>
+        <p:nvPr/>
+      </p:nvGrpSpPr>
+      <p:grpSpPr>
+        <a:xfrm>
+          <a:off x="0" y="0"/>
+          <a:ext cx="0" cy="0"/>
+          <a:chOff x="0" y="0"/>
+          <a:chExt cx="0" cy="0"/>
+        </a:xfrm>
+      </p:grpSpPr>
+      <p:sp>
+        <p:nvSpPr>
+          <p:cNvPr id="2" name="Slide Image Placeholder 1"/>
+          <p:cNvSpPr>
+            <a:spLocks noGrp="1" noRot="1" noChangeAspect="1"/>
+          </p:cNvSpPr>
+          <p:nvPr>
+            <p:ph type="sldImg"/>
+          </p:nvPr>
+        </p:nvSpPr>
+        <p:spPr/>
+      </p:sp>
+      <p:sp>
+        <p:nvSpPr>
+          <p:cNvPr id="3" name="Notes Placeholder 2"/>
+          <p:cNvSpPr>
+            <a:spLocks noGrp="1"/>
+          </p:cNvSpPr>
+          <p:nvPr>
+            <p:ph type="body" idx="1"/>
+          </p:nvPr>
+        </p:nvSpPr>
+        <p:spPr/>
+        <p:txBody>
+          <a:bodyPr/>
+          <a:lstStyle/>
+          <a:p>
+            <a:r>
+              <a:rPr lang="de-CH" dirty="0" smtClean="0"/>
+              <a:t>Custom </a:t>
+            </a:r>
+            <a:r>
+              <a:rPr lang="de-CH" smtClean="0"/>
+              <a:t>data types, predicates</a:t>
+            </a:r>
+            <a:endParaRPr lang="de-CH" dirty="0"/>
+          </a:p>
+        </p:txBody>
+      </p:sp>
+      <p:sp>
+        <p:nvSpPr>
+          <p:cNvPr id="4" name="Slide Number Placeholder 3"/>
+          <p:cNvSpPr>
+            <a:spLocks noGrp="1"/>
+          </p:cNvSpPr>
+          <p:nvPr>
+            <p:ph type="sldNum" sz="quarter" idx="10"/>
+          </p:nvPr>
+        </p:nvSpPr>
+        <p:spPr/>
+        <p:txBody>
+          <a:bodyPr/>
+          <a:lstStyle/>
+          <a:p>
+            <a:fld id="{16B1BCD3-814F-4AEE-A9E6-455F5C1EE547}" type="slidenum">
+              <a:rPr lang="en-GB" smtClean="0"/>
+              <a:t>27</a:t>
+            </a:fld>
+            <a:endParaRPr lang="en-GB"/>
+          </a:p>
+        </p:txBody>
+      </p:sp>
+    </p:spTree>
+    <p:extLst>
+      <p:ext uri="{BB962C8B-B14F-4D97-AF65-F5344CB8AC3E}">
+        <p14:creationId xmlns:p14="http://schemas.microsoft.com/office/powerpoint/2010/main" val="763516560"/>
+      </p:ext>
+    </p:extLst>
+  </p:cSld>
+  <p:clrMapOvr>
+    <a:masterClrMapping/>
+  </p:clrMapOvr>
+</p:notes>
+</file>
+
 <file path=ppt/notesSlides/notesSlide2.xml><?xml version="1.0" encoding="utf-8"?>
 <p:notes xmlns:a="http://schemas.openxmlformats.org/drawingml/2006/main" xmlns:r="http://schemas.openxmlformats.org/officeDocument/2006/relationships" xmlns:p="http://schemas.openxmlformats.org/presentationml/2006/main">
   <p:cSld>
@@ -1038,6 +1132,18 @@
           <a:bodyPr/>
           <a:lstStyle/>
           <a:p>
+            <a:r>
+              <a:rPr lang="de-CH" dirty="0" smtClean="0"/>
+              <a:t>Explain what fractional read permissions do </a:t>
+            </a:r>
+          </a:p>
+          <a:p>
+            <a:r>
+              <a:rPr lang="de-CH" dirty="0" smtClean="0"/>
+              <a:t>and that there is no direct SIL-equivalent</a:t>
+            </a:r>
+          </a:p>
+          <a:p>
             <a:endParaRPr lang="de-CH" dirty="0"/>
           </a:p>
         </p:txBody>
@@ -1059,7 +1165,7 @@
           <a:p>
             <a:fld id="{16B1BCD3-814F-4AEE-A9E6-455F5C1EE547}" type="slidenum">
               <a:rPr lang="en-GB" smtClean="0"/>
-              <a:t>24</a:t>
+              <a:t>10</a:t>
             </a:fld>
             <a:endParaRPr lang="en-GB"/>
           </a:p>
@@ -1068,7 +1174,7 @@
     </p:spTree>
     <p:extLst>
       <p:ext uri="{BB962C8B-B14F-4D97-AF65-F5344CB8AC3E}">
-        <p14:creationId xmlns:p14="http://schemas.microsoft.com/office/powerpoint/2010/main" val="763516560"/>
+        <p14:creationId xmlns:p14="http://schemas.microsoft.com/office/powerpoint/2010/main" val="2102448394"/>
       </p:ext>
     </p:extLst>
   </p:cSld>
@@ -1124,8 +1230,16 @@
           <a:p>
             <a:r>
               <a:rPr lang="de-CH" dirty="0" smtClean="0"/>
-              <a:t>Custom data types, predicates</a:t>
-            </a:r>
+              <a:t>Explain what fractional read permissions do </a:t>
+            </a:r>
+          </a:p>
+          <a:p>
+            <a:r>
+              <a:rPr lang="de-CH" dirty="0" smtClean="0"/>
+              <a:t>and that there is no direct SIL-equivalent</a:t>
+            </a:r>
+          </a:p>
+          <a:p>
             <a:endParaRPr lang="de-CH" dirty="0"/>
           </a:p>
         </p:txBody>
@@ -1147,7 +1261,7 @@
           <a:p>
             <a:fld id="{16B1BCD3-814F-4AEE-A9E6-455F5C1EE547}" type="slidenum">
               <a:rPr lang="en-GB" smtClean="0"/>
-              <a:t>25</a:t>
+              <a:t>11</a:t>
             </a:fld>
             <a:endParaRPr lang="en-GB"/>
           </a:p>
@@ -1156,7 +1270,7 @@
     </p:spTree>
     <p:extLst>
       <p:ext uri="{BB962C8B-B14F-4D97-AF65-F5344CB8AC3E}">
-        <p14:creationId xmlns:p14="http://schemas.microsoft.com/office/powerpoint/2010/main" val="763516560"/>
+        <p14:creationId xmlns:p14="http://schemas.microsoft.com/office/powerpoint/2010/main" val="2102448394"/>
       </p:ext>
     </p:extLst>
   </p:cSld>
@@ -1210,13 +1324,93 @@
           <a:bodyPr/>
           <a:lstStyle/>
           <a:p>
+            <a:endParaRPr lang="de-CH" dirty="0"/>
+          </a:p>
+        </p:txBody>
+      </p:sp>
+      <p:sp>
+        <p:nvSpPr>
+          <p:cNvPr id="4" name="Slide Number Placeholder 3"/>
+          <p:cNvSpPr>
+            <a:spLocks noGrp="1"/>
+          </p:cNvSpPr>
+          <p:nvPr>
+            <p:ph type="sldNum" sz="quarter" idx="10"/>
+          </p:nvPr>
+        </p:nvSpPr>
+        <p:spPr/>
+        <p:txBody>
+          <a:bodyPr/>
+          <a:lstStyle/>
+          <a:p>
+            <a:fld id="{16B1BCD3-814F-4AEE-A9E6-455F5C1EE547}" type="slidenum">
+              <a:rPr lang="en-GB" smtClean="0"/>
+              <a:t>25</a:t>
+            </a:fld>
+            <a:endParaRPr lang="en-GB"/>
+          </a:p>
+        </p:txBody>
+      </p:sp>
+    </p:spTree>
+    <p:extLst>
+      <p:ext uri="{BB962C8B-B14F-4D97-AF65-F5344CB8AC3E}">
+        <p14:creationId xmlns:p14="http://schemas.microsoft.com/office/powerpoint/2010/main" val="763516560"/>
+      </p:ext>
+    </p:extLst>
+  </p:cSld>
+  <p:clrMapOvr>
+    <a:masterClrMapping/>
+  </p:clrMapOvr>
+</p:notes>
+</file>
+
+<file path=ppt/notesSlides/notesSlide9.xml><?xml version="1.0" encoding="utf-8"?>
+<p:notes xmlns:a="http://schemas.openxmlformats.org/drawingml/2006/main" xmlns:r="http://schemas.openxmlformats.org/officeDocument/2006/relationships" xmlns:p="http://schemas.openxmlformats.org/presentationml/2006/main">
+  <p:cSld>
+    <p:spTree>
+      <p:nvGrpSpPr>
+        <p:cNvPr id="1" name=""/>
+        <p:cNvGrpSpPr/>
+        <p:nvPr/>
+      </p:nvGrpSpPr>
+      <p:grpSpPr>
+        <a:xfrm>
+          <a:off x="0" y="0"/>
+          <a:ext cx="0" cy="0"/>
+          <a:chOff x="0" y="0"/>
+          <a:chExt cx="0" cy="0"/>
+        </a:xfrm>
+      </p:grpSpPr>
+      <p:sp>
+        <p:nvSpPr>
+          <p:cNvPr id="2" name="Slide Image Placeholder 1"/>
+          <p:cNvSpPr>
+            <a:spLocks noGrp="1" noRot="1" noChangeAspect="1"/>
+          </p:cNvSpPr>
+          <p:nvPr>
+            <p:ph type="sldImg"/>
+          </p:nvPr>
+        </p:nvSpPr>
+        <p:spPr/>
+      </p:sp>
+      <p:sp>
+        <p:nvSpPr>
+          <p:cNvPr id="3" name="Notes Placeholder 2"/>
+          <p:cNvSpPr>
+            <a:spLocks noGrp="1"/>
+          </p:cNvSpPr>
+          <p:nvPr>
+            <p:ph type="body" idx="1"/>
+          </p:nvPr>
+        </p:nvSpPr>
+        <p:spPr/>
+        <p:txBody>
+          <a:bodyPr/>
+          <a:lstStyle/>
+          <a:p>
             <a:r>
               <a:rPr lang="de-CH" dirty="0" smtClean="0"/>
-              <a:t>Custom </a:t>
-            </a:r>
-            <a:r>
-              <a:rPr lang="de-CH" smtClean="0"/>
-              <a:t>data types, predicates</a:t>
+              <a:t>Custom data types, predicates</a:t>
             </a:r>
             <a:endParaRPr lang="de-CH" dirty="0"/>
           </a:p>
@@ -7821,18 +8015,249 @@
             <a:spLocks noGrp="1"/>
           </p:cNvSpPr>
           <p:nvPr>
-            <p:ph idx="1"/>
+            <p:ph sz="half" idx="1"/>
           </p:nvPr>
         </p:nvSpPr>
         <p:spPr/>
         <p:txBody>
-          <a:bodyPr/>
-          <a:lstStyle/>
-          <a:p>
-            <a:endParaRPr lang="de-CH" dirty="0"/>
-          </a:p>
-        </p:txBody>
-      </p:sp>
+          <a:bodyPr>
+            <a:normAutofit/>
+          </a:bodyPr>
+          <a:lstStyle/>
+          <a:p>
+            <a:pPr marL="0" indent="0">
+              <a:buNone/>
+            </a:pPr>
+            <a:r>
+              <a:rPr lang="de-CH" dirty="0" smtClean="0"/>
+              <a:t>Read-only permissions</a:t>
+            </a:r>
+          </a:p>
+          <a:p>
+            <a:pPr>
+              <a:tabLst>
+                <a:tab pos="1971675" algn="l"/>
+              </a:tabLst>
+            </a:pPr>
+            <a:r>
+              <a:rPr lang="de-CH" dirty="0" smtClean="0"/>
+              <a:t>Percent	</a:t>
+            </a:r>
+            <a:r>
+              <a:rPr lang="de-CH" dirty="0" smtClean="0">
+                <a:latin typeface="Consolas" pitchFamily="49" charset="0"/>
+                <a:cs typeface="Consolas" pitchFamily="49" charset="0"/>
+              </a:rPr>
+              <a:t>acc(f,10)</a:t>
+            </a:r>
+          </a:p>
+          <a:p>
+            <a:pPr lvl="1">
+              <a:buFont typeface="Symbol" pitchFamily="18" charset="2"/>
+              <a:buChar char="-"/>
+            </a:pPr>
+            <a:r>
+              <a:rPr lang="de-CH" dirty="0" smtClean="0"/>
+              <a:t>intuitive</a:t>
+            </a:r>
+          </a:p>
+          <a:p>
+            <a:pPr lvl="1">
+              <a:buFont typeface="Symbol" pitchFamily="18" charset="2"/>
+              <a:buChar char="-"/>
+            </a:pPr>
+            <a:r>
+              <a:rPr lang="de-CH" dirty="0" smtClean="0"/>
+              <a:t>not composable</a:t>
+            </a:r>
+          </a:p>
+          <a:p>
+            <a:pPr lvl="1">
+              <a:buFont typeface="Symbol" pitchFamily="18" charset="2"/>
+              <a:buChar char="-"/>
+            </a:pPr>
+            <a:r>
+              <a:rPr lang="de-CH" dirty="0" smtClean="0"/>
+              <a:t>limited to 100</a:t>
+            </a:r>
+          </a:p>
+          <a:p>
+            <a:r>
+              <a:rPr lang="de-CH" dirty="0" smtClean="0"/>
+              <a:t>Epsilon</a:t>
+            </a:r>
+          </a:p>
+          <a:p>
+            <a:pPr lvl="1"/>
+            <a:r>
+              <a:rPr lang="de-CH" dirty="0" smtClean="0"/>
+              <a:t>small, indivisible</a:t>
+            </a:r>
+          </a:p>
+          <a:p>
+            <a:pPr lvl="1"/>
+            <a:r>
+              <a:rPr lang="de-CH" dirty="0" smtClean="0"/>
+              <a:t>still not composable</a:t>
+            </a:r>
+          </a:p>
+          <a:p>
+            <a:pPr marL="0" indent="0">
+              <a:buNone/>
+            </a:pPr>
+            <a:r>
+              <a:rPr lang="de-CH" spc="-150" dirty="0" smtClean="0"/>
+              <a:t>Natively supported in SIL</a:t>
+            </a:r>
+            <a:endParaRPr lang="de-CH" spc="-150" dirty="0"/>
+          </a:p>
+        </p:txBody>
+      </p:sp>
+      <mc:AlternateContent xmlns:mc="http://schemas.openxmlformats.org/markup-compatibility/2006">
+        <mc:Choice xmlns:a14="http://schemas.microsoft.com/office/drawing/2010/main" Requires="a14">
+          <p:sp>
+            <p:nvSpPr>
+              <p:cNvPr id="6" name="Content Placeholder 5"/>
+              <p:cNvSpPr>
+                <a:spLocks noGrp="1"/>
+              </p:cNvSpPr>
+              <p:nvPr>
+                <p:ph sz="half" idx="2"/>
+              </p:nvPr>
+            </p:nvSpPr>
+            <p:spPr>
+              <a:xfrm>
+                <a:off x="4648200" y="2108954"/>
+                <a:ext cx="4038600" cy="4065315"/>
+              </a:xfrm>
+            </p:spPr>
+            <p:txBody>
+              <a:bodyPr>
+                <a:normAutofit/>
+              </a:bodyPr>
+              <a:lstStyle/>
+              <a:p>
+                <a:r>
+                  <a:rPr lang="en-GB" dirty="0" smtClean="0"/>
+                  <a:t>Fraction    </a:t>
+                </a:r>
+                <a:r>
+                  <a:rPr lang="en-GB" dirty="0" err="1" smtClean="0">
+                    <a:latin typeface="Consolas" pitchFamily="49" charset="0"/>
+                    <a:cs typeface="Consolas" pitchFamily="49" charset="0"/>
+                  </a:rPr>
+                  <a:t>rd</a:t>
+                </a:r>
+                <a:r>
+                  <a:rPr lang="en-GB" dirty="0" smtClean="0">
+                    <a:latin typeface="Consolas" pitchFamily="49" charset="0"/>
+                    <a:cs typeface="Consolas" pitchFamily="49" charset="0"/>
+                  </a:rPr>
+                  <a:t>(f)</a:t>
+                </a:r>
+              </a:p>
+              <a:p>
+                <a:pPr lvl="1"/>
+                <a:r>
+                  <a:rPr lang="en-GB" dirty="0" smtClean="0"/>
+                  <a:t>“</a:t>
+                </a:r>
+                <a14:m>
+                  <m:oMath xmlns:m="http://schemas.openxmlformats.org/officeDocument/2006/math">
+                    <m:r>
+                      <a:rPr lang="en-GB" i="1" smtClean="0">
+                        <a:latin typeface="Cambria Math"/>
+                        <a:ea typeface="Cambria Math"/>
+                      </a:rPr>
+                      <m:t>ℚ</m:t>
+                    </m:r>
+                    <m:r>
+                      <a:rPr lang="de-CH" b="0" i="1" smtClean="0">
+                        <a:latin typeface="Cambria Math"/>
+                        <a:ea typeface="Cambria Math"/>
+                      </a:rPr>
+                      <m:t>∩]0,1[</m:t>
+                    </m:r>
+                  </m:oMath>
+                </a14:m>
+                <a:r>
+                  <a:rPr lang="en-GB" dirty="0" smtClean="0"/>
+                  <a:t>”</a:t>
+                </a:r>
+              </a:p>
+              <a:p>
+                <a:pPr lvl="1"/>
+                <a:r>
+                  <a:rPr lang="en-GB" dirty="0" smtClean="0"/>
+                  <a:t>can always be </a:t>
+                </a:r>
+                <a:br>
+                  <a:rPr lang="en-GB" dirty="0" smtClean="0"/>
+                </a:br>
+                <a:r>
+                  <a:rPr lang="en-GB" dirty="0" smtClean="0"/>
+                  <a:t>divided further</a:t>
+                </a:r>
+              </a:p>
+              <a:p>
+                <a:pPr lvl="1"/>
+                <a:r>
+                  <a:rPr lang="en-GB" dirty="0" smtClean="0"/>
+                  <a:t>always abstract</a:t>
+                </a:r>
+              </a:p>
+              <a:p>
+                <a:pPr lvl="1"/>
+                <a:r>
+                  <a:rPr lang="en-GB" dirty="0" smtClean="0"/>
+                  <a:t>concrete value is never computed</a:t>
+                </a:r>
+              </a:p>
+              <a:p>
+                <a:pPr lvl="1"/>
+                <a:endParaRPr lang="en-GB" dirty="0"/>
+              </a:p>
+            </p:txBody>
+          </p:sp>
+        </mc:Choice>
+        <mc:Fallback>
+          <p:sp>
+            <p:nvSpPr>
+              <p:cNvPr id="6" name="Content Placeholder 5"/>
+              <p:cNvSpPr>
+                <a:spLocks noGrp="1" noRot="1" noChangeAspect="1" noMove="1" noResize="1" noEditPoints="1" noAdjustHandles="1" noChangeArrowheads="1" noChangeShapeType="1" noTextEdit="1"/>
+              </p:cNvSpPr>
+              <p:nvPr>
+                <p:ph sz="half" idx="2"/>
+              </p:nvPr>
+            </p:nvSpPr>
+            <p:spPr>
+              <a:xfrm>
+                <a:off x="4648200" y="2108954"/>
+                <a:ext cx="4038600" cy="4065315"/>
+              </a:xfrm>
+              <a:blipFill rotWithShape="1">
+                <a:blip r:embed="rId3"/>
+                <a:stretch>
+                  <a:fillRect l="-2719" t="-1949"/>
+                </a:stretch>
+              </a:blipFill>
+            </p:spPr>
+            <p:txBody>
+              <a:bodyPr/>
+              <a:lstStyle/>
+              <a:p>
+                <a:r>
+                  <a:rPr lang="de-CH">
+                    <a:noFill/>
+                  </a:rPr>
+                  <a:t> </a:t>
+                </a:r>
+              </a:p>
+            </p:txBody>
+          </p:sp>
+        </mc:Fallback>
+      </mc:AlternateContent>
       <p:sp>
         <p:nvSpPr>
           <p:cNvPr id="4" name="Slide Number Placeholder 3"/>
@@ -7859,14 +8284,14 @@
       </p:sp>
       <p:sp>
         <p:nvSpPr>
-          <p:cNvPr id="5" name="TextBox 4"/>
+          <p:cNvPr id="7" name="TextBox 6"/>
           <p:cNvSpPr txBox="1"/>
           <p:nvPr/>
         </p:nvSpPr>
         <p:spPr>
           <a:xfrm>
-            <a:off x="1557625" y="3284984"/>
-            <a:ext cx="6830799" cy="646331"/>
+            <a:off x="4644008" y="1601617"/>
+            <a:ext cx="3888432" cy="523220"/>
           </a:xfrm>
           <a:prstGeom prst="rect">
             <a:avLst/>
@@ -7877,39 +8302,20 @@
           <a:bodyPr wrap="square" rtlCol="0">
             <a:spAutoFit/>
           </a:bodyPr>
-          <a:lstStyle>
-            <a:defPPr>
-              <a:defRPr lang="de-DE"/>
-            </a:defPPr>
-            <a:lvl1pPr>
-              <a:defRPr b="1">
-                <a:latin typeface="Segoe Print" pitchFamily="2" charset="0"/>
-              </a:defRPr>
-            </a:lvl1pPr>
-          </a:lstStyle>
-          <a:p>
-            <a:r>
-              <a:rPr lang="de-CH" dirty="0"/>
-              <a:t>Explain what fractional read permissions do </a:t>
-            </a:r>
-            <a:endParaRPr lang="de-CH" dirty="0" smtClean="0"/>
-          </a:p>
-          <a:p>
-            <a:r>
-              <a:rPr lang="de-CH" dirty="0" smtClean="0"/>
-              <a:t>and </a:t>
-            </a:r>
-            <a:r>
-              <a:rPr lang="de-CH" dirty="0"/>
-              <a:t>that there is no direct SIL-equivalent</a:t>
-            </a:r>
+          <a:lstStyle/>
+          <a:p>
+            <a:r>
+              <a:rPr lang="de-CH" sz="2800" dirty="0"/>
+              <a:t>How does that work?</a:t>
+            </a:r>
+            <a:endParaRPr lang="de-CH" sz="2800" dirty="0"/>
           </a:p>
         </p:txBody>
       </p:sp>
     </p:spTree>
     <p:extLst>
       <p:ext uri="{BB962C8B-B14F-4D97-AF65-F5344CB8AC3E}">
-        <p14:creationId xmlns:p14="http://schemas.microsoft.com/office/powerpoint/2010/main" val="234183739"/>
+        <p14:creationId xmlns:p14="http://schemas.microsoft.com/office/powerpoint/2010/main" val="3681477"/>
       </p:ext>
     </p:extLst>
   </p:cSld>
@@ -7919,9 +8325,201 @@
   <p:timing>
     <p:tnLst>
       <p:par>
-        <p:cTn id="1" dur="indefinite" restart="never" nodeType="tmRoot"/>
+        <p:cTn id="1" dur="indefinite" restart="never" nodeType="tmRoot">
+          <p:childTnLst>
+            <p:seq concurrent="1" nextAc="seek">
+              <p:cTn id="2" dur="indefinite" nodeType="mainSeq">
+                <p:childTnLst>
+                  <p:par>
+                    <p:cTn id="3" fill="hold">
+                      <p:stCondLst>
+                        <p:cond delay="indefinite"/>
+                      </p:stCondLst>
+                      <p:childTnLst>
+                        <p:par>
+                          <p:cTn id="4" fill="hold">
+                            <p:stCondLst>
+                              <p:cond delay="0"/>
+                            </p:stCondLst>
+                            <p:childTnLst>
+                              <p:par>
+                                <p:cTn id="5" presetID="22" presetClass="entr" presetSubtype="2" fill="hold" grpId="1" nodeType="clickEffect">
+                                  <p:stCondLst>
+                                    <p:cond delay="0"/>
+                                  </p:stCondLst>
+                                  <p:childTnLst>
+                                    <p:set>
+                                      <p:cBhvr>
+                                        <p:cTn id="6" dur="1" fill="hold">
+                                          <p:stCondLst>
+                                            <p:cond delay="0"/>
+                                          </p:stCondLst>
+                                        </p:cTn>
+                                        <p:tgtEl>
+                                          <p:spTgt spid="6"/>
+                                        </p:tgtEl>
+                                        <p:attrNameLst>
+                                          <p:attrName>style.visibility</p:attrName>
+                                        </p:attrNameLst>
+                                      </p:cBhvr>
+                                      <p:to>
+                                        <p:strVal val="visible"/>
+                                      </p:to>
+                                    </p:set>
+                                    <p:animEffect transition="in" filter="wipe(right)">
+                                      <p:cBhvr>
+                                        <p:cTn id="7" dur="500"/>
+                                        <p:tgtEl>
+                                          <p:spTgt spid="6"/>
+                                        </p:tgtEl>
+                                      </p:cBhvr>
+                                    </p:animEffect>
+                                  </p:childTnLst>
+                                </p:cTn>
+                              </p:par>
+                            </p:childTnLst>
+                          </p:cTn>
+                        </p:par>
+                      </p:childTnLst>
+                    </p:cTn>
+                  </p:par>
+                  <p:par>
+                    <p:cTn id="8" fill="hold">
+                      <p:stCondLst>
+                        <p:cond delay="indefinite"/>
+                      </p:stCondLst>
+                      <p:childTnLst>
+                        <p:par>
+                          <p:cTn id="9" fill="hold">
+                            <p:stCondLst>
+                              <p:cond delay="0"/>
+                            </p:stCondLst>
+                            <p:childTnLst>
+                              <p:par>
+                                <p:cTn id="10" presetID="35" presetClass="path" presetSubtype="0" accel="50000" decel="50000" fill="hold" grpId="0" nodeType="clickEffect">
+                                  <p:stCondLst>
+                                    <p:cond delay="0"/>
+                                  </p:stCondLst>
+                                  <p:childTnLst>
+                                    <p:animMotion origin="layout" path="M 3.33333E-6 -3.7037E-6 L -0.45886 -3.7037E-6 " pathEditMode="relative" rAng="0" ptsTypes="AA">
+                                      <p:cBhvr>
+                                        <p:cTn id="11" dur="750" fill="hold"/>
+                                        <p:tgtEl>
+                                          <p:spTgt spid="6"/>
+                                        </p:tgtEl>
+                                        <p:attrNameLst>
+                                          <p:attrName>ppt_x</p:attrName>
+                                          <p:attrName>ppt_y</p:attrName>
+                                        </p:attrNameLst>
+                                      </p:cBhvr>
+                                      <p:rCtr x="-22951" y="0"/>
+                                    </p:animMotion>
+                                  </p:childTnLst>
+                                </p:cTn>
+                              </p:par>
+                              <p:par>
+                                <p:cTn id="12" presetID="22" presetClass="entr" presetSubtype="2" fill="hold" grpId="0" nodeType="withEffect">
+                                  <p:stCondLst>
+                                    <p:cond delay="100"/>
+                                  </p:stCondLst>
+                                  <p:childTnLst>
+                                    <p:set>
+                                      <p:cBhvr>
+                                        <p:cTn id="13" dur="1" fill="hold">
+                                          <p:stCondLst>
+                                            <p:cond delay="0"/>
+                                          </p:stCondLst>
+                                        </p:cTn>
+                                        <p:tgtEl>
+                                          <p:spTgt spid="7"/>
+                                        </p:tgtEl>
+                                        <p:attrNameLst>
+                                          <p:attrName>style.visibility</p:attrName>
+                                        </p:attrNameLst>
+                                      </p:cBhvr>
+                                      <p:to>
+                                        <p:strVal val="visible"/>
+                                      </p:to>
+                                    </p:set>
+                                    <p:animEffect transition="in" filter="wipe(right)">
+                                      <p:cBhvr>
+                                        <p:cTn id="14" dur="400"/>
+                                        <p:tgtEl>
+                                          <p:spTgt spid="7"/>
+                                        </p:tgtEl>
+                                      </p:cBhvr>
+                                    </p:animEffect>
+                                  </p:childTnLst>
+                                </p:cTn>
+                              </p:par>
+                              <p:par>
+                                <p:cTn id="15" presetID="22" presetClass="exit" presetSubtype="2" fill="hold" grpId="0" nodeType="withEffect">
+                                  <p:stCondLst>
+                                    <p:cond delay="50"/>
+                                  </p:stCondLst>
+                                  <p:childTnLst>
+                                    <p:animEffect transition="out" filter="wipe(right)">
+                                      <p:cBhvr>
+                                        <p:cTn id="16" dur="400"/>
+                                        <p:tgtEl>
+                                          <p:spTgt spid="3"/>
+                                        </p:tgtEl>
+                                      </p:cBhvr>
+                                    </p:animEffect>
+                                    <p:set>
+                                      <p:cBhvr>
+                                        <p:cTn id="17" dur="1" fill="hold">
+                                          <p:stCondLst>
+                                            <p:cond delay="399"/>
+                                          </p:stCondLst>
+                                        </p:cTn>
+                                        <p:tgtEl>
+                                          <p:spTgt spid="3"/>
+                                        </p:tgtEl>
+                                        <p:attrNameLst>
+                                          <p:attrName>style.visibility</p:attrName>
+                                        </p:attrNameLst>
+                                      </p:cBhvr>
+                                      <p:to>
+                                        <p:strVal val="hidden"/>
+                                      </p:to>
+                                    </p:set>
+                                  </p:childTnLst>
+                                </p:cTn>
+                              </p:par>
+                            </p:childTnLst>
+                          </p:cTn>
+                        </p:par>
+                      </p:childTnLst>
+                    </p:cTn>
+                  </p:par>
+                </p:childTnLst>
+              </p:cTn>
+              <p:prevCondLst>
+                <p:cond evt="onPrev" delay="0">
+                  <p:tgtEl>
+                    <p:sldTgt/>
+                  </p:tgtEl>
+                </p:cond>
+              </p:prevCondLst>
+              <p:nextCondLst>
+                <p:cond evt="onNext" delay="0">
+                  <p:tgtEl>
+                    <p:sldTgt/>
+                  </p:tgtEl>
+                </p:cond>
+              </p:nextCondLst>
+            </p:seq>
+          </p:childTnLst>
+        </p:cTn>
       </p:par>
     </p:tnLst>
+    <p:bldLst>
+      <p:bldP spid="3" grpId="0"/>
+      <p:bldP spid="6" grpId="0"/>
+      <p:bldP spid="6" grpId="1"/>
+      <p:bldP spid="7" grpId="0"/>
+    </p:bldLst>
   </p:timing>
 </p:sld>
 </file>
@@ -7960,31 +8558,153 @@
           <a:p>
             <a:r>
               <a:rPr lang="de-CH" dirty="0" smtClean="0"/>
-              <a:t>Implementing Fractional Permissions</a:t>
+              <a:t>Fractional Read Permissions in Chalice</a:t>
             </a:r>
             <a:endParaRPr lang="de-CH" dirty="0"/>
           </a:p>
         </p:txBody>
       </p:sp>
-      <p:sp>
-        <p:nvSpPr>
-          <p:cNvPr id="3" name="Content Placeholder 2"/>
-          <p:cNvSpPr>
-            <a:spLocks noGrp="1"/>
-          </p:cNvSpPr>
-          <p:nvPr>
-            <p:ph idx="1"/>
-          </p:nvPr>
-        </p:nvSpPr>
-        <p:spPr/>
-        <p:txBody>
-          <a:bodyPr/>
-          <a:lstStyle/>
-          <a:p>
-            <a:endParaRPr lang="de-CH" dirty="0"/>
-          </a:p>
-        </p:txBody>
-      </p:sp>
+      <mc:AlternateContent xmlns:mc="http://schemas.openxmlformats.org/markup-compatibility/2006">
+        <mc:Choice xmlns:a14="http://schemas.microsoft.com/office/drawing/2010/main" Requires="a14">
+          <p:sp>
+            <p:nvSpPr>
+              <p:cNvPr id="6" name="Content Placeholder 5"/>
+              <p:cNvSpPr>
+                <a:spLocks noGrp="1"/>
+              </p:cNvSpPr>
+              <p:nvPr>
+                <p:ph sz="half" idx="2"/>
+              </p:nvPr>
+            </p:nvSpPr>
+            <p:spPr>
+              <a:xfrm>
+                <a:off x="452719" y="2108954"/>
+                <a:ext cx="4038600" cy="4065315"/>
+              </a:xfrm>
+            </p:spPr>
+            <p:txBody>
+              <a:bodyPr>
+                <a:normAutofit/>
+              </a:bodyPr>
+              <a:lstStyle/>
+              <a:p>
+                <a:r>
+                  <a:rPr lang="en-GB" dirty="0" smtClean="0"/>
+                  <a:t>Fraction    </a:t>
+                </a:r>
+                <a:r>
+                  <a:rPr lang="en-GB" dirty="0" err="1" smtClean="0">
+                    <a:latin typeface="Consolas" pitchFamily="49" charset="0"/>
+                    <a:cs typeface="Consolas" pitchFamily="49" charset="0"/>
+                  </a:rPr>
+                  <a:t>rd</a:t>
+                </a:r>
+                <a:r>
+                  <a:rPr lang="en-GB" dirty="0" smtClean="0">
+                    <a:latin typeface="Consolas" pitchFamily="49" charset="0"/>
+                    <a:cs typeface="Consolas" pitchFamily="49" charset="0"/>
+                  </a:rPr>
+                  <a:t>(f)</a:t>
+                </a:r>
+              </a:p>
+              <a:p>
+                <a:pPr lvl="1"/>
+                <a:r>
+                  <a:rPr lang="en-GB" dirty="0" smtClean="0"/>
+                  <a:t>“</a:t>
+                </a:r>
+                <a14:m>
+                  <m:oMath xmlns:m="http://schemas.openxmlformats.org/officeDocument/2006/math">
+                    <m:r>
+                      <a:rPr lang="en-GB" i="1" smtClean="0">
+                        <a:latin typeface="Cambria Math"/>
+                        <a:ea typeface="Cambria Math"/>
+                      </a:rPr>
+                      <m:t>ℚ</m:t>
+                    </m:r>
+                    <m:r>
+                      <a:rPr lang="de-CH" b="0" i="1" smtClean="0">
+                        <a:latin typeface="Cambria Math"/>
+                        <a:ea typeface="Cambria Math"/>
+                      </a:rPr>
+                      <m:t>∩]0,1[</m:t>
+                    </m:r>
+                  </m:oMath>
+                </a14:m>
+                <a:r>
+                  <a:rPr lang="en-GB" dirty="0" smtClean="0"/>
+                  <a:t>”</a:t>
+                </a:r>
+              </a:p>
+              <a:p>
+                <a:pPr lvl="1"/>
+                <a:r>
+                  <a:rPr lang="en-GB" dirty="0"/>
+                  <a:t>can always be </a:t>
+                </a:r>
+                <a:br>
+                  <a:rPr lang="en-GB" dirty="0"/>
+                </a:br>
+                <a:r>
+                  <a:rPr lang="en-GB" dirty="0"/>
+                  <a:t>divided further</a:t>
+                </a:r>
+              </a:p>
+              <a:p>
+                <a:pPr lvl="1"/>
+                <a:r>
+                  <a:rPr lang="en-GB" dirty="0"/>
+                  <a:t>always abstract</a:t>
+                </a:r>
+              </a:p>
+              <a:p>
+                <a:pPr lvl="1"/>
+                <a:r>
+                  <a:rPr lang="en-GB" dirty="0"/>
+                  <a:t>concrete value is never computed</a:t>
+                </a:r>
+              </a:p>
+            </p:txBody>
+          </p:sp>
+        </mc:Choice>
+        <mc:Fallback>
+          <p:sp>
+            <p:nvSpPr>
+              <p:cNvPr id="6" name="Content Placeholder 5"/>
+              <p:cNvSpPr>
+                <a:spLocks noGrp="1" noRot="1" noChangeAspect="1" noMove="1" noResize="1" noEditPoints="1" noAdjustHandles="1" noChangeArrowheads="1" noChangeShapeType="1" noTextEdit="1"/>
+              </p:cNvSpPr>
+              <p:nvPr>
+                <p:ph sz="half" idx="2"/>
+              </p:nvPr>
+            </p:nvSpPr>
+            <p:spPr>
+              <a:xfrm>
+                <a:off x="452719" y="2108954"/>
+                <a:ext cx="4038600" cy="4065315"/>
+              </a:xfrm>
+              <a:blipFill rotWithShape="1">
+                <a:blip r:embed="rId3"/>
+                <a:stretch>
+                  <a:fillRect l="-2564" t="-1949"/>
+                </a:stretch>
+              </a:blipFill>
+            </p:spPr>
+            <p:txBody>
+              <a:bodyPr/>
+              <a:lstStyle/>
+              <a:p>
+                <a:r>
+                  <a:rPr lang="de-CH">
+                    <a:noFill/>
+                  </a:rPr>
+                  <a:t> </a:t>
+                </a:r>
+              </a:p>
+            </p:txBody>
+          </p:sp>
+        </mc:Fallback>
+      </mc:AlternateContent>
       <p:sp>
         <p:nvSpPr>
           <p:cNvPr id="4" name="Slide Number Placeholder 3"/>
@@ -8009,16 +8729,184 @@
           </a:p>
         </p:txBody>
       </p:sp>
-      <p:sp>
-        <p:nvSpPr>
-          <p:cNvPr id="5" name="TextBox 4"/>
+      <mc:AlternateContent xmlns:mc="http://schemas.openxmlformats.org/markup-compatibility/2006">
+        <mc:Choice xmlns:a14="http://schemas.microsoft.com/office/drawing/2010/main" Requires="a14">
+          <p:sp>
+            <p:nvSpPr>
+              <p:cNvPr id="7" name="TextBox 6"/>
+              <p:cNvSpPr txBox="1"/>
+              <p:nvPr/>
+            </p:nvSpPr>
+            <p:spPr>
+              <a:xfrm>
+                <a:off x="4644008" y="1601616"/>
+                <a:ext cx="3888432" cy="4275655"/>
+              </a:xfrm>
+              <a:prstGeom prst="rect">
+                <a:avLst/>
+              </a:prstGeom>
+              <a:noFill/>
+            </p:spPr>
+            <p:txBody>
+              <a:bodyPr wrap="square" rtlCol="0">
+                <a:normAutofit/>
+              </a:bodyPr>
+              <a:lstStyle/>
+              <a:p>
+                <a:pPr>
+                  <a:spcBef>
+                    <a:spcPts val="1200"/>
+                  </a:spcBef>
+                </a:pPr>
+                <a:r>
+                  <a:rPr lang="en-GB" sz="2800" dirty="0" smtClean="0"/>
+                  <a:t> </a:t>
+                </a:r>
+              </a:p>
+              <a:p>
+                <a:pPr marL="457200" indent="-457200">
+                  <a:spcBef>
+                    <a:spcPts val="1200"/>
+                  </a:spcBef>
+                  <a:buFont typeface="Arial" pitchFamily="34" charset="0"/>
+                  <a:buChar char="•"/>
+                </a:pPr>
+                <a:r>
+                  <a:rPr lang="en-GB" sz="2400" dirty="0" smtClean="0"/>
+                  <a:t>Introduce uninitialized permission variable </a:t>
+                </a:r>
+                <a14:m>
+                  <m:oMath xmlns:m="http://schemas.openxmlformats.org/officeDocument/2006/math">
+                    <m:r>
+                      <a:rPr lang="en-GB" sz="2400" i="1" dirty="0" smtClean="0">
+                        <a:latin typeface="Cambria Math"/>
+                      </a:rPr>
+                      <m:t>𝑘</m:t>
+                    </m:r>
+                  </m:oMath>
+                </a14:m>
+                <a:endParaRPr lang="en-GB" sz="2400" dirty="0"/>
+              </a:p>
+              <a:p>
+                <a:pPr marL="457200" indent="-457200">
+                  <a:spcBef>
+                    <a:spcPts val="1200"/>
+                  </a:spcBef>
+                  <a:buFont typeface="Arial" pitchFamily="34" charset="0"/>
+                  <a:buChar char="•"/>
+                </a:pPr>
+                <a:r>
+                  <a:rPr lang="en-GB" sz="2400" dirty="0" smtClean="0"/>
+                  <a:t>Collect constraints </a:t>
+                </a:r>
+                <a:br>
+                  <a:rPr lang="en-GB" sz="2400" dirty="0" smtClean="0"/>
+                </a:br>
+                <a:r>
+                  <a:rPr lang="en-GB" sz="2400" dirty="0" smtClean="0"/>
+                  <a:t>on </a:t>
+                </a:r>
+                <a14:m>
+                  <m:oMath xmlns:m="http://schemas.openxmlformats.org/officeDocument/2006/math">
+                    <m:r>
+                      <a:rPr lang="en-GB" sz="2400" i="1" dirty="0" smtClean="0">
+                        <a:latin typeface="Cambria Math"/>
+                      </a:rPr>
+                      <m:t>𝑘</m:t>
+                    </m:r>
+                  </m:oMath>
+                </a14:m>
+                <a:r>
+                  <a:rPr lang="en-GB" sz="2400" dirty="0" smtClean="0"/>
+                  <a:t> as assumptions</a:t>
+                </a:r>
+              </a:p>
+              <a:p>
+                <a:pPr marL="457200" indent="-457200">
+                  <a:spcBef>
+                    <a:spcPts val="1200"/>
+                  </a:spcBef>
+                  <a:buFont typeface="Arial" pitchFamily="34" charset="0"/>
+                  <a:buChar char="•"/>
+                </a:pPr>
+                <a:r>
+                  <a:rPr lang="en-GB" sz="2400" dirty="0" smtClean="0"/>
+                  <a:t>Let abstract fraction be equal to </a:t>
+                </a:r>
+                <a14:m>
+                  <m:oMath xmlns:m="http://schemas.openxmlformats.org/officeDocument/2006/math">
+                    <m:r>
+                      <a:rPr lang="en-GB" sz="2400" i="1" dirty="0" smtClean="0">
+                        <a:latin typeface="Cambria Math"/>
+                      </a:rPr>
+                      <m:t>𝑘</m:t>
+                    </m:r>
+                  </m:oMath>
+                </a14:m>
+                <a:endParaRPr lang="en-GB" sz="2400" dirty="0" smtClean="0"/>
+              </a:p>
+              <a:p>
+                <a:pPr marL="457200" indent="-457200">
+                  <a:spcBef>
+                    <a:spcPts val="1200"/>
+                  </a:spcBef>
+                  <a:buFont typeface="Arial" pitchFamily="34" charset="0"/>
+                  <a:buChar char="•"/>
+                </a:pPr>
+                <a:endParaRPr lang="en-GB" sz="2400" dirty="0" smtClean="0"/>
+              </a:p>
+            </p:txBody>
+          </p:sp>
+        </mc:Choice>
+        <mc:Fallback>
+          <p:sp>
+            <p:nvSpPr>
+              <p:cNvPr id="7" name="TextBox 6"/>
+              <p:cNvSpPr txBox="1">
+                <a:spLocks noRot="1" noChangeAspect="1" noMove="1" noResize="1" noEditPoints="1" noAdjustHandles="1" noChangeArrowheads="1" noChangeShapeType="1" noTextEdit="1"/>
+              </p:cNvSpPr>
+              <p:nvPr/>
+            </p:nvSpPr>
+            <p:spPr>
+              <a:xfrm>
+                <a:off x="4644008" y="1601616"/>
+                <a:ext cx="3888432" cy="4275655"/>
+              </a:xfrm>
+              <a:prstGeom prst="rect">
+                <a:avLst/>
+              </a:prstGeom>
+              <a:blipFill rotWithShape="1">
+                <a:blip r:embed="rId4"/>
+                <a:stretch>
+                  <a:fillRect l="-2194" r="-2665"/>
+                </a:stretch>
+              </a:blipFill>
+            </p:spPr>
+            <p:txBody>
+              <a:bodyPr/>
+              <a:lstStyle/>
+              <a:p>
+                <a:r>
+                  <a:rPr lang="de-CH">
+                    <a:noFill/>
+                  </a:rPr>
+                  <a:t> </a:t>
+                </a:r>
+              </a:p>
+            </p:txBody>
+          </p:sp>
+        </mc:Fallback>
+      </mc:AlternateContent>
+      <p:sp>
+        <p:nvSpPr>
+          <p:cNvPr id="8" name="TextBox 7"/>
           <p:cNvSpPr txBox="1"/>
           <p:nvPr/>
         </p:nvSpPr>
         <p:spPr>
           <a:xfrm>
-            <a:off x="683568" y="3283304"/>
-            <a:ext cx="7776864" cy="923330"/>
+            <a:off x="2125657" y="5229200"/>
+            <a:ext cx="4892686" cy="523220"/>
           </a:xfrm>
           <a:prstGeom prst="rect">
             <a:avLst/>
@@ -8026,55 +8914,57 @@
           <a:noFill/>
         </p:spPr>
         <p:txBody>
+          <a:bodyPr wrap="none" rtlCol="0">
+            <a:spAutoFit/>
+          </a:bodyPr>
+          <a:lstStyle/>
+          <a:p>
+            <a:r>
+              <a:rPr lang="de-CH" sz="2800" dirty="0"/>
+              <a:t>Not</a:t>
+            </a:r>
+            <a:r>
+              <a:rPr lang="de-CH" sz="2800" dirty="0"/>
+              <a:t> natively supported in SIL</a:t>
+            </a:r>
+            <a:endParaRPr lang="de-CH" sz="2800" dirty="0"/>
+          </a:p>
+        </p:txBody>
+      </p:sp>
+      <p:sp>
+        <p:nvSpPr>
+          <p:cNvPr id="9" name="TextBox 8"/>
+          <p:cNvSpPr txBox="1"/>
+          <p:nvPr/>
+        </p:nvSpPr>
+        <p:spPr>
+          <a:xfrm>
+            <a:off x="4644008" y="1601617"/>
+            <a:ext cx="3888432" cy="523220"/>
+          </a:xfrm>
+          <a:prstGeom prst="rect">
+            <a:avLst/>
+          </a:prstGeom>
+          <a:noFill/>
+        </p:spPr>
+        <p:txBody>
           <a:bodyPr wrap="square" rtlCol="0">
             <a:spAutoFit/>
           </a:bodyPr>
-          <a:lstStyle>
-            <a:defPPr>
-              <a:defRPr lang="de-DE"/>
-            </a:defPPr>
-            <a:lvl1pPr>
-              <a:defRPr b="1">
-                <a:latin typeface="Segoe Print" pitchFamily="2" charset="0"/>
-              </a:defRPr>
-            </a:lvl1pPr>
-          </a:lstStyle>
-          <a:p>
-            <a:r>
-              <a:rPr lang="de-CH" dirty="0"/>
-              <a:t>Explain </a:t>
-            </a:r>
-            <a:r>
-              <a:rPr lang="de-CH" dirty="0" smtClean="0"/>
-              <a:t>the basic idea behind the implementation.</a:t>
-            </a:r>
-          </a:p>
-          <a:p>
-            <a:r>
-              <a:rPr lang="de-CH" dirty="0"/>
-              <a:t> </a:t>
-            </a:r>
-            <a:r>
-              <a:rPr lang="de-CH" dirty="0" smtClean="0"/>
-              <a:t>→ select new fraction for every call-site</a:t>
-            </a:r>
-          </a:p>
-          <a:p>
-            <a:r>
-              <a:rPr lang="de-CH" dirty="0"/>
-              <a:t> </a:t>
-            </a:r>
-            <a:r>
-              <a:rPr lang="de-CH" dirty="0" smtClean="0"/>
-              <a:t>→ collect constraints from current amount of permissions held</a:t>
-            </a:r>
+          <a:lstStyle/>
+          <a:p>
+            <a:r>
+              <a:rPr lang="de-CH" sz="2800" dirty="0"/>
+              <a:t>How does that work?</a:t>
+            </a:r>
+            <a:endParaRPr lang="de-CH" sz="2800" dirty="0"/>
           </a:p>
         </p:txBody>
       </p:sp>
     </p:spTree>
     <p:extLst>
       <p:ext uri="{BB962C8B-B14F-4D97-AF65-F5344CB8AC3E}">
-        <p14:creationId xmlns:p14="http://schemas.microsoft.com/office/powerpoint/2010/main" val="1104228182"/>
+        <p14:creationId xmlns:p14="http://schemas.microsoft.com/office/powerpoint/2010/main" val="2288854256"/>
       </p:ext>
     </p:extLst>
   </p:cSld>
@@ -8084,9 +8974,145 @@
   <p:timing>
     <p:tnLst>
       <p:par>
-        <p:cTn id="1" dur="indefinite" restart="never" nodeType="tmRoot"/>
+        <p:cTn id="1" dur="indefinite" restart="never" nodeType="tmRoot">
+          <p:childTnLst>
+            <p:seq concurrent="1" nextAc="seek">
+              <p:cTn id="2" dur="indefinite" nodeType="mainSeq">
+                <p:childTnLst>
+                  <p:par>
+                    <p:cTn id="3" fill="hold">
+                      <p:stCondLst>
+                        <p:cond delay="indefinite"/>
+                        <p:cond evt="onBegin" delay="0">
+                          <p:tn val="2"/>
+                        </p:cond>
+                      </p:stCondLst>
+                      <p:childTnLst>
+                        <p:par>
+                          <p:cTn id="4" fill="hold">
+                            <p:stCondLst>
+                              <p:cond delay="0"/>
+                            </p:stCondLst>
+                            <p:childTnLst>
+                              <p:par>
+                                <p:cTn id="5" presetID="22" presetClass="entr" presetSubtype="2" fill="hold" grpId="0" nodeType="withEffect">
+                                  <p:stCondLst>
+                                    <p:cond delay="0"/>
+                                  </p:stCondLst>
+                                  <p:childTnLst>
+                                    <p:set>
+                                      <p:cBhvr>
+                                        <p:cTn id="6" dur="1" fill="hold">
+                                          <p:stCondLst>
+                                            <p:cond delay="0"/>
+                                          </p:stCondLst>
+                                        </p:cTn>
+                                        <p:tgtEl>
+                                          <p:spTgt spid="7"/>
+                                        </p:tgtEl>
+                                        <p:attrNameLst>
+                                          <p:attrName>style.visibility</p:attrName>
+                                        </p:attrNameLst>
+                                      </p:cBhvr>
+                                      <p:to>
+                                        <p:strVal val="visible"/>
+                                      </p:to>
+                                    </p:set>
+                                    <p:animEffect transition="in" filter="wipe(right)">
+                                      <p:cBhvr>
+                                        <p:cTn id="7" dur="500"/>
+                                        <p:tgtEl>
+                                          <p:spTgt spid="7"/>
+                                        </p:tgtEl>
+                                      </p:cBhvr>
+                                    </p:animEffect>
+                                  </p:childTnLst>
+                                </p:cTn>
+                              </p:par>
+                            </p:childTnLst>
+                          </p:cTn>
+                        </p:par>
+                      </p:childTnLst>
+                    </p:cTn>
+                  </p:par>
+                  <p:par>
+                    <p:cTn id="8" fill="hold">
+                      <p:stCondLst>
+                        <p:cond delay="indefinite"/>
+                      </p:stCondLst>
+                      <p:childTnLst>
+                        <p:par>
+                          <p:cTn id="9" fill="hold">
+                            <p:stCondLst>
+                              <p:cond delay="0"/>
+                            </p:stCondLst>
+                            <p:childTnLst>
+                              <p:par>
+                                <p:cTn id="10" presetID="22" presetClass="entr" presetSubtype="1" fill="hold" grpId="0" nodeType="clickEffect">
+                                  <p:stCondLst>
+                                    <p:cond delay="0"/>
+                                  </p:stCondLst>
+                                  <p:childTnLst>
+                                    <p:set>
+                                      <p:cBhvr>
+                                        <p:cTn id="11" dur="1" fill="hold">
+                                          <p:stCondLst>
+                                            <p:cond delay="0"/>
+                                          </p:stCondLst>
+                                        </p:cTn>
+                                        <p:tgtEl>
+                                          <p:spTgt spid="8"/>
+                                        </p:tgtEl>
+                                        <p:attrNameLst>
+                                          <p:attrName>style.visibility</p:attrName>
+                                        </p:attrNameLst>
+                                      </p:cBhvr>
+                                      <p:to>
+                                        <p:strVal val="visible"/>
+                                      </p:to>
+                                    </p:set>
+                                    <p:animEffect transition="in" filter="wipe(up)">
+                                      <p:cBhvr>
+                                        <p:cTn id="12" dur="500"/>
+                                        <p:tgtEl>
+                                          <p:spTgt spid="8"/>
+                                        </p:tgtEl>
+                                      </p:cBhvr>
+                                    </p:animEffect>
+                                  </p:childTnLst>
+                                </p:cTn>
+                              </p:par>
+                            </p:childTnLst>
+                          </p:cTn>
+                        </p:par>
+                      </p:childTnLst>
+                    </p:cTn>
+                  </p:par>
+                </p:childTnLst>
+              </p:cTn>
+              <p:prevCondLst>
+                <p:cond evt="onPrev" delay="0">
+                  <p:tgtEl>
+                    <p:sldTgt/>
+                  </p:tgtEl>
+                </p:cond>
+              </p:prevCondLst>
+              <p:nextCondLst>
+                <p:cond evt="onNext" delay="0">
+                  <p:tgtEl>
+                    <p:sldTgt/>
+                  </p:tgtEl>
+                </p:cond>
+              </p:nextCondLst>
+            </p:seq>
+          </p:childTnLst>
+        </p:cTn>
       </p:par>
     </p:tnLst>
+    <p:bldLst>
+      <p:bldP spid="7" grpId="0"/>
+      <p:bldP spid="8" grpId="0"/>
+    </p:bldLst>
   </p:timing>
 </p:sld>
 </file>
@@ -8125,7 +9151,7 @@
           <a:p>
             <a:r>
               <a:rPr lang="de-CH" dirty="0" smtClean="0"/>
-              <a:t>Implementing Fractional Permissions #2</a:t>
+              <a:t>Implementing Fractional Permissions</a:t>
             </a:r>
             <a:endParaRPr lang="de-CH" dirty="0"/>
           </a:p>
@@ -8183,7 +9209,7 @@
         <p:spPr>
           <a:xfrm>
             <a:off x="683568" y="3283304"/>
-            <a:ext cx="7776864" cy="646331"/>
+            <a:ext cx="7776864" cy="923330"/>
           </a:xfrm>
           <a:prstGeom prst="rect">
             <a:avLst/>
@@ -8206,14 +9232,32 @@
           </a:lstStyle>
           <a:p>
             <a:r>
+              <a:rPr lang="de-CH" dirty="0"/>
+              <a:t>Explain </a:t>
+            </a:r>
+            <a:r>
               <a:rPr lang="de-CH" dirty="0" smtClean="0"/>
-              <a:t>Show naïve translation without using map</a:t>
-            </a:r>
-          </a:p>
-          <a:p>
+              <a:t>the basic idea behind the implementation.</a:t>
+            </a:r>
+          </a:p>
+          <a:p>
+            <a:r>
+              <a:rPr lang="de-CH" dirty="0"/>
+              <a:t> </a:t>
+            </a:r>
             <a:r>
               <a:rPr lang="de-CH" dirty="0" smtClean="0"/>
-              <a:t>Explain how rd(f) &amp;&amp; rd(f) makes translation more complicated</a:t>
+              <a:t>→ select new fraction for every call-site</a:t>
+            </a:r>
+          </a:p>
+          <a:p>
+            <a:r>
+              <a:rPr lang="de-CH" dirty="0"/>
+              <a:t> </a:t>
+            </a:r>
+            <a:r>
+              <a:rPr lang="de-CH" dirty="0" smtClean="0"/>
+              <a:t>→ collect constraints from current amount of permissions held</a:t>
             </a:r>
           </a:p>
         </p:txBody>
@@ -8221,7 +9265,7 @@
     </p:spTree>
     <p:extLst>
       <p:ext uri="{BB962C8B-B14F-4D97-AF65-F5344CB8AC3E}">
-        <p14:creationId xmlns:p14="http://schemas.microsoft.com/office/powerpoint/2010/main" val="4176160345"/>
+        <p14:creationId xmlns:p14="http://schemas.microsoft.com/office/powerpoint/2010/main" val="1104228182"/>
       </p:ext>
     </p:extLst>
   </p:cSld>
@@ -8272,7 +9316,7 @@
           <a:p>
             <a:r>
               <a:rPr lang="de-CH" dirty="0" smtClean="0"/>
-              <a:t>Implementing Fractional Permissions #3</a:t>
+              <a:t>Implementing Fractional Permissions #2</a:t>
             </a:r>
             <a:endParaRPr lang="de-CH" dirty="0"/>
           </a:p>
@@ -8330,7 +9374,7 @@
         <p:spPr>
           <a:xfrm>
             <a:off x="683568" y="3283304"/>
-            <a:ext cx="7776864" cy="369332"/>
+            <a:ext cx="7776864" cy="646331"/>
           </a:xfrm>
           <a:prstGeom prst="rect">
             <a:avLst/>
@@ -8354,7 +9398,13 @@
           <a:p>
             <a:r>
               <a:rPr lang="de-CH" dirty="0" smtClean="0"/>
-              <a:t>Explain translation using Map[(ref,int),Permission]</a:t>
+              <a:t>Show naïve translation without using map</a:t>
+            </a:r>
+          </a:p>
+          <a:p>
+            <a:r>
+              <a:rPr lang="de-CH" dirty="0" smtClean="0"/>
+              <a:t>Explain how rd(f) &amp;&amp; rd(f) makes translation more complicated</a:t>
             </a:r>
           </a:p>
         </p:txBody>
@@ -8362,7 +9412,7 @@
     </p:spTree>
     <p:extLst>
       <p:ext uri="{BB962C8B-B14F-4D97-AF65-F5344CB8AC3E}">
-        <p14:creationId xmlns:p14="http://schemas.microsoft.com/office/powerpoint/2010/main" val="812410753"/>
+        <p14:creationId xmlns:p14="http://schemas.microsoft.com/office/powerpoint/2010/main" val="4176160345"/>
       </p:ext>
     </p:extLst>
   </p:cSld>
@@ -8413,7 +9463,7 @@
           <a:p>
             <a:r>
               <a:rPr lang="de-CH" dirty="0" smtClean="0"/>
-              <a:t>Implement Fork-Join</a:t>
+              <a:t>Implementing Fractional Permissions #3</a:t>
             </a:r>
             <a:endParaRPr lang="de-CH" dirty="0"/>
           </a:p>
@@ -8471,7 +9521,7 @@
         <p:spPr>
           <a:xfrm>
             <a:off x="683568" y="3283304"/>
-            <a:ext cx="7776864" cy="1754326"/>
+            <a:ext cx="7776864" cy="369332"/>
           </a:xfrm>
           <a:prstGeom prst="rect">
             <a:avLst/>
@@ -8495,25 +9545,7 @@
           <a:p>
             <a:r>
               <a:rPr lang="de-CH" dirty="0" smtClean="0"/>
-              <a:t>Another Chalice feature not present in SIL</a:t>
-            </a:r>
-          </a:p>
-          <a:p>
-            <a:r>
-              <a:rPr lang="de-CH" dirty="0" smtClean="0"/>
-              <a:t>Show how token object is assembled</a:t>
-            </a:r>
-          </a:p>
-          <a:p>
-            <a:r>
-              <a:rPr lang="de-CH" dirty="0" smtClean="0"/>
-              <a:t>→ Trick: how shadow field permissions are always linked to token.joinable</a:t>
-            </a:r>
-          </a:p>
-          <a:p>
-            <a:r>
-              <a:rPr lang="de-CH" dirty="0" smtClean="0"/>
-              <a:t>→ Current limitation: join mostly useless when not in same method as fork</a:t>
+              <a:t>Explain translation using Map[(ref,int),Permission]</a:t>
             </a:r>
           </a:p>
         </p:txBody>
@@ -8521,7 +9553,7 @@
     </p:spTree>
     <p:extLst>
       <p:ext uri="{BB962C8B-B14F-4D97-AF65-F5344CB8AC3E}">
-        <p14:creationId xmlns:p14="http://schemas.microsoft.com/office/powerpoint/2010/main" val="275400043"/>
+        <p14:creationId xmlns:p14="http://schemas.microsoft.com/office/powerpoint/2010/main" val="812410753"/>
       </p:ext>
     </p:extLst>
   </p:cSld>
@@ -8571,29 +9603,21 @@
           <a:lstStyle/>
           <a:p>
             <a:r>
-              <a:rPr lang="de-CH" dirty="0" smtClean="0">
-                <a:solidFill>
-                  <a:schemeClr val="tx1"/>
-                </a:solidFill>
-              </a:rPr>
-              <a:t>Quick Demo</a:t>
-            </a:r>
-            <a:endParaRPr lang="de-CH" dirty="0">
-              <a:solidFill>
-                <a:schemeClr val="tx1"/>
-              </a:solidFill>
-            </a:endParaRPr>
-          </a:p>
-        </p:txBody>
-      </p:sp>
-      <p:sp>
-        <p:nvSpPr>
-          <p:cNvPr id="3" name="Text Placeholder 2"/>
-          <p:cNvSpPr>
-            <a:spLocks noGrp="1"/>
-          </p:cNvSpPr>
-          <p:nvPr>
-            <p:ph type="body" idx="1"/>
+              <a:rPr lang="de-CH" dirty="0" smtClean="0"/>
+              <a:t>Implement Fork-Join</a:t>
+            </a:r>
+            <a:endParaRPr lang="de-CH" dirty="0"/>
+          </a:p>
+        </p:txBody>
+      </p:sp>
+      <p:sp>
+        <p:nvSpPr>
+          <p:cNvPr id="3" name="Content Placeholder 2"/>
+          <p:cNvSpPr>
+            <a:spLocks noGrp="1"/>
+          </p:cNvSpPr>
+          <p:nvPr>
+            <p:ph idx="1"/>
           </p:nvPr>
         </p:nvSpPr>
         <p:spPr/>
@@ -8601,7 +9625,7 @@
           <a:bodyPr/>
           <a:lstStyle/>
           <a:p>
-            <a:endParaRPr lang="de-CH"/>
+            <a:endParaRPr lang="de-CH" dirty="0"/>
           </a:p>
         </p:txBody>
       </p:sp>
@@ -8622,16 +9646,73 @@
           <a:p>
             <a:fld id="{D8727298-9337-4FF1-AD4C-CD4DB75A4A45}" type="slidenum">
               <a:rPr lang="de-CH" smtClean="0"/>
+              <a:pPr/>
               <a:t>15</a:t>
             </a:fld>
             <a:endParaRPr lang="de-CH"/>
           </a:p>
         </p:txBody>
       </p:sp>
+      <p:sp>
+        <p:nvSpPr>
+          <p:cNvPr id="5" name="TextBox 4"/>
+          <p:cNvSpPr txBox="1"/>
+          <p:nvPr/>
+        </p:nvSpPr>
+        <p:spPr>
+          <a:xfrm>
+            <a:off x="683568" y="3283304"/>
+            <a:ext cx="7776864" cy="1754326"/>
+          </a:xfrm>
+          <a:prstGeom prst="rect">
+            <a:avLst/>
+          </a:prstGeom>
+          <a:noFill/>
+        </p:spPr>
+        <p:txBody>
+          <a:bodyPr wrap="square" rtlCol="0">
+            <a:spAutoFit/>
+          </a:bodyPr>
+          <a:lstStyle>
+            <a:defPPr>
+              <a:defRPr lang="de-DE"/>
+            </a:defPPr>
+            <a:lvl1pPr>
+              <a:defRPr b="1">
+                <a:latin typeface="Segoe Print" pitchFamily="2" charset="0"/>
+              </a:defRPr>
+            </a:lvl1pPr>
+          </a:lstStyle>
+          <a:p>
+            <a:r>
+              <a:rPr lang="de-CH" dirty="0" smtClean="0"/>
+              <a:t>Another Chalice feature not present in SIL</a:t>
+            </a:r>
+          </a:p>
+          <a:p>
+            <a:r>
+              <a:rPr lang="de-CH" dirty="0" smtClean="0"/>
+              <a:t>Show how token object is assembled</a:t>
+            </a:r>
+          </a:p>
+          <a:p>
+            <a:r>
+              <a:rPr lang="de-CH" dirty="0" smtClean="0"/>
+              <a:t>→ Trick: how shadow field permissions are always linked to token.joinable</a:t>
+            </a:r>
+          </a:p>
+          <a:p>
+            <a:r>
+              <a:rPr lang="de-CH" dirty="0" smtClean="0"/>
+              <a:t>→ Current limitation: join mostly useless when not in same method as fork</a:t>
+            </a:r>
+          </a:p>
+        </p:txBody>
+      </p:sp>
     </p:spTree>
     <p:extLst>
       <p:ext uri="{BB962C8B-B14F-4D97-AF65-F5344CB8AC3E}">
-        <p14:creationId xmlns:p14="http://schemas.microsoft.com/office/powerpoint/2010/main" val="3128977609"/>
+        <p14:creationId xmlns:p14="http://schemas.microsoft.com/office/powerpoint/2010/main" val="275400043"/>
       </p:ext>
     </p:extLst>
   </p:cSld>
@@ -8681,21 +9762,29 @@
           <a:lstStyle/>
           <a:p>
             <a:r>
-              <a:rPr lang="de-CH" dirty="0" smtClean="0"/>
-              <a:t>Conclusion</a:t>
-            </a:r>
-            <a:endParaRPr lang="de-CH" dirty="0"/>
-          </a:p>
-        </p:txBody>
-      </p:sp>
-      <p:sp>
-        <p:nvSpPr>
-          <p:cNvPr id="3" name="Content Placeholder 2"/>
-          <p:cNvSpPr>
-            <a:spLocks noGrp="1"/>
-          </p:cNvSpPr>
-          <p:nvPr>
-            <p:ph idx="1"/>
+              <a:rPr lang="de-CH" dirty="0" smtClean="0">
+                <a:solidFill>
+                  <a:schemeClr val="tx1"/>
+                </a:solidFill>
+              </a:rPr>
+              <a:t>Quick Demo</a:t>
+            </a:r>
+            <a:endParaRPr lang="de-CH" dirty="0">
+              <a:solidFill>
+                <a:schemeClr val="tx1"/>
+              </a:solidFill>
+            </a:endParaRPr>
+          </a:p>
+        </p:txBody>
+      </p:sp>
+      <p:sp>
+        <p:nvSpPr>
+          <p:cNvPr id="3" name="Text Placeholder 2"/>
+          <p:cNvSpPr>
+            <a:spLocks noGrp="1"/>
+          </p:cNvSpPr>
+          <p:nvPr>
+            <p:ph type="body" idx="1"/>
           </p:nvPr>
         </p:nvSpPr>
         <p:spPr/>
@@ -8703,7 +9792,7 @@
           <a:bodyPr/>
           <a:lstStyle/>
           <a:p>
-            <a:endParaRPr lang="de-CH" dirty="0"/>
+            <a:endParaRPr lang="de-CH"/>
           </a:p>
         </p:txBody>
       </p:sp>
@@ -8724,55 +9813,16 @@
           <a:p>
             <a:fld id="{D8727298-9337-4FF1-AD4C-CD4DB75A4A45}" type="slidenum">
               <a:rPr lang="de-CH" smtClean="0"/>
-              <a:pPr/>
               <a:t>16</a:t>
             </a:fld>
             <a:endParaRPr lang="de-CH"/>
           </a:p>
         </p:txBody>
       </p:sp>
-      <p:sp>
-        <p:nvSpPr>
-          <p:cNvPr id="5" name="TextBox 4"/>
-          <p:cNvSpPr txBox="1"/>
-          <p:nvPr/>
-        </p:nvSpPr>
-        <p:spPr>
-          <a:xfrm>
-            <a:off x="3491880" y="2132856"/>
-            <a:ext cx="2952328" cy="3939540"/>
-          </a:xfrm>
-          <a:prstGeom prst="rect">
-            <a:avLst/>
-          </a:prstGeom>
-          <a:noFill/>
-        </p:spPr>
-        <p:txBody>
-          <a:bodyPr wrap="square" rtlCol="0">
-            <a:spAutoFit/>
-          </a:bodyPr>
-          <a:lstStyle>
-            <a:defPPr>
-              <a:defRPr lang="de-DE"/>
-            </a:defPPr>
-            <a:lvl1pPr>
-              <a:defRPr b="1">
-                <a:latin typeface="Segoe Print" pitchFamily="2" charset="0"/>
-              </a:defRPr>
-            </a:lvl1pPr>
-          </a:lstStyle>
-          <a:p>
-            <a:r>
-              <a:rPr lang="de-CH" sz="25000" dirty="0" smtClean="0"/>
-              <a:t>?</a:t>
-            </a:r>
-          </a:p>
-        </p:txBody>
-      </p:sp>
     </p:spTree>
     <p:extLst>
       <p:ext uri="{BB962C8B-B14F-4D97-AF65-F5344CB8AC3E}">
-        <p14:creationId xmlns:p14="http://schemas.microsoft.com/office/powerpoint/2010/main" val="2327078163"/>
+        <p14:creationId xmlns:p14="http://schemas.microsoft.com/office/powerpoint/2010/main" val="3128977609"/>
       </p:ext>
     </p:extLst>
   </p:cSld>
@@ -8822,33 +9872,21 @@
           <a:lstStyle/>
           <a:p>
             <a:r>
-              <a:rPr lang="en-GB" smtClean="0">
-                <a:solidFill>
-                  <a:schemeClr val="bg1">
-                    <a:lumMod val="50000"/>
-                  </a:schemeClr>
-                </a:solidFill>
-              </a:rPr>
-              <a:t>Questions?</a:t>
-            </a:r>
-            <a:endParaRPr lang="en-GB">
-              <a:solidFill>
-                <a:schemeClr val="bg1">
-                  <a:lumMod val="50000"/>
-                </a:schemeClr>
-              </a:solidFill>
-            </a:endParaRPr>
-          </a:p>
-        </p:txBody>
-      </p:sp>
-      <p:sp>
-        <p:nvSpPr>
-          <p:cNvPr id="3" name="Text Placeholder 2"/>
-          <p:cNvSpPr>
-            <a:spLocks noGrp="1"/>
-          </p:cNvSpPr>
-          <p:nvPr>
-            <p:ph type="body" idx="1"/>
+              <a:rPr lang="de-CH" dirty="0" smtClean="0"/>
+              <a:t>Conclusion</a:t>
+            </a:r>
+            <a:endParaRPr lang="de-CH" dirty="0"/>
+          </a:p>
+        </p:txBody>
+      </p:sp>
+      <p:sp>
+        <p:nvSpPr>
+          <p:cNvPr id="3" name="Content Placeholder 2"/>
+          <p:cNvSpPr>
+            <a:spLocks noGrp="1"/>
+          </p:cNvSpPr>
+          <p:nvPr>
+            <p:ph idx="1"/>
           </p:nvPr>
         </p:nvSpPr>
         <p:spPr/>
@@ -8856,11 +9894,7 @@
           <a:bodyPr/>
           <a:lstStyle/>
           <a:p>
-            <a:r>
-              <a:rPr lang="en-GB" dirty="0" smtClean="0"/>
-              <a:t>Thank you</a:t>
-            </a:r>
-            <a:endParaRPr lang="en-GB" dirty="0"/>
+            <a:endParaRPr lang="de-CH" dirty="0"/>
           </a:p>
         </p:txBody>
       </p:sp>
@@ -8881,16 +9915,55 @@
           <a:p>
             <a:fld id="{D8727298-9337-4FF1-AD4C-CD4DB75A4A45}" type="slidenum">
               <a:rPr lang="de-CH" smtClean="0"/>
+              <a:pPr/>
               <a:t>17</a:t>
             </a:fld>
             <a:endParaRPr lang="de-CH"/>
           </a:p>
         </p:txBody>
       </p:sp>
+      <p:sp>
+        <p:nvSpPr>
+          <p:cNvPr id="5" name="TextBox 4"/>
+          <p:cNvSpPr txBox="1"/>
+          <p:nvPr/>
+        </p:nvSpPr>
+        <p:spPr>
+          <a:xfrm>
+            <a:off x="3491880" y="2132856"/>
+            <a:ext cx="2952328" cy="3939540"/>
+          </a:xfrm>
+          <a:prstGeom prst="rect">
+            <a:avLst/>
+          </a:prstGeom>
+          <a:noFill/>
+        </p:spPr>
+        <p:txBody>
+          <a:bodyPr wrap="square" rtlCol="0">
+            <a:spAutoFit/>
+          </a:bodyPr>
+          <a:lstStyle>
+            <a:defPPr>
+              <a:defRPr lang="de-DE"/>
+            </a:defPPr>
+            <a:lvl1pPr>
+              <a:defRPr b="1">
+                <a:latin typeface="Segoe Print" pitchFamily="2" charset="0"/>
+              </a:defRPr>
+            </a:lvl1pPr>
+          </a:lstStyle>
+          <a:p>
+            <a:r>
+              <a:rPr lang="de-CH" sz="25000" dirty="0" smtClean="0"/>
+              <a:t>?</a:t>
+            </a:r>
+          </a:p>
+        </p:txBody>
+      </p:sp>
     </p:spTree>
     <p:extLst>
       <p:ext uri="{BB962C8B-B14F-4D97-AF65-F5344CB8AC3E}">
-        <p14:creationId xmlns:p14="http://schemas.microsoft.com/office/powerpoint/2010/main" val="1553795513"/>
+        <p14:creationId xmlns:p14="http://schemas.microsoft.com/office/powerpoint/2010/main" val="2327078163"/>
       </p:ext>
     </p:extLst>
   </p:cSld>
@@ -8940,13 +10013,22 @@
           <a:lstStyle/>
           <a:p>
             <a:r>
-              <a:rPr lang="de-CH" dirty="0" smtClean="0"/>
-              <a:t>Backup/Scrap</a:t>
-            </a:r>
-            <a:br>
-              <a:rPr lang="de-CH" dirty="0" smtClean="0"/>
-            </a:br>
-            <a:endParaRPr lang="de-CH" dirty="0"/>
+              <a:rPr lang="en-GB" smtClean="0">
+                <a:solidFill>
+                  <a:schemeClr val="bg1">
+                    <a:lumMod val="50000"/>
+                  </a:schemeClr>
+                </a:solidFill>
+              </a:rPr>
+              <a:t>Questions?</a:t>
+            </a:r>
+            <a:endParaRPr lang="en-GB">
+              <a:solidFill>
+                <a:schemeClr val="bg1">
+                  <a:lumMod val="50000"/>
+                </a:schemeClr>
+              </a:solidFill>
+            </a:endParaRPr>
           </a:p>
         </p:txBody>
       </p:sp>
@@ -8965,7 +10047,11 @@
           <a:bodyPr/>
           <a:lstStyle/>
           <a:p>
-            <a:endParaRPr lang="de-CH"/>
+            <a:r>
+              <a:rPr lang="en-GB" dirty="0" smtClean="0"/>
+              <a:t>Thank you</a:t>
+            </a:r>
+            <a:endParaRPr lang="en-GB" dirty="0"/>
           </a:p>
         </p:txBody>
       </p:sp>
@@ -8984,18 +10070,18 @@
           <a:bodyPr/>
           <a:lstStyle/>
           <a:p>
-            <a:fld id="{4D2DA8B8-9780-4A8A-B22C-644F1551F876}" type="slidenum">
-              <a:rPr lang="en-GB" smtClean="0"/>
+            <a:fld id="{D8727298-9337-4FF1-AD4C-CD4DB75A4A45}" type="slidenum">
+              <a:rPr lang="de-CH" smtClean="0"/>
               <a:t>18</a:t>
             </a:fld>
-            <a:endParaRPr lang="en-GB"/>
+            <a:endParaRPr lang="de-CH"/>
           </a:p>
         </p:txBody>
       </p:sp>
     </p:spTree>
     <p:extLst>
       <p:ext uri="{BB962C8B-B14F-4D97-AF65-F5344CB8AC3E}">
-        <p14:creationId xmlns:p14="http://schemas.microsoft.com/office/powerpoint/2010/main" val="4235771597"/>
+        <p14:creationId xmlns:p14="http://schemas.microsoft.com/office/powerpoint/2010/main" val="1553795513"/>
       </p:ext>
     </p:extLst>
   </p:cSld>
@@ -9045,21 +10131,24 @@
           <a:lstStyle/>
           <a:p>
             <a:r>
-              <a:rPr lang="de-CH" dirty="0" err="1" smtClean="0"/>
-              <a:t>Chalice</a:t>
-            </a:r>
-            <a:endParaRPr lang="en-GB" dirty="0"/>
-          </a:p>
-        </p:txBody>
-      </p:sp>
-      <p:sp>
-        <p:nvSpPr>
-          <p:cNvPr id="3" name="Content Placeholder 2"/>
-          <p:cNvSpPr>
-            <a:spLocks noGrp="1"/>
-          </p:cNvSpPr>
-          <p:nvPr>
-            <p:ph sz="half" idx="1"/>
+              <a:rPr lang="de-CH" dirty="0" smtClean="0"/>
+              <a:t>Backup/Scrap</a:t>
+            </a:r>
+            <a:br>
+              <a:rPr lang="de-CH" dirty="0" smtClean="0"/>
+            </a:br>
+            <a:endParaRPr lang="de-CH" dirty="0"/>
+          </a:p>
+        </p:txBody>
+      </p:sp>
+      <p:sp>
+        <p:nvSpPr>
+          <p:cNvPr id="3" name="Text Placeholder 2"/>
+          <p:cNvSpPr>
+            <a:spLocks noGrp="1"/>
+          </p:cNvSpPr>
+          <p:nvPr>
+            <p:ph type="body" idx="1"/>
           </p:nvPr>
         </p:nvSpPr>
         <p:spPr/>
@@ -9067,309 +10156,37 @@
           <a:bodyPr/>
           <a:lstStyle/>
           <a:p>
-            <a:r>
-              <a:rPr lang="de-CH" dirty="0" err="1" smtClean="0"/>
-              <a:t>Annotated</a:t>
-            </a:r>
-            <a:r>
-              <a:rPr lang="de-CH" dirty="0" smtClean="0"/>
-              <a:t> </a:t>
-            </a:r>
-            <a:r>
-              <a:rPr lang="de-CH" dirty="0" err="1" smtClean="0"/>
-              <a:t>Methods</a:t>
-            </a:r>
-            <a:endParaRPr lang="en-GB" dirty="0"/>
-          </a:p>
-        </p:txBody>
-      </p:sp>
-      <p:sp>
-        <p:nvSpPr>
-          <p:cNvPr id="4" name="Content Placeholder 3"/>
-          <p:cNvSpPr>
-            <a:spLocks noGrp="1"/>
-          </p:cNvSpPr>
-          <p:nvPr>
-            <p:ph sz="half" idx="2"/>
+            <a:endParaRPr lang="de-CH"/>
+          </a:p>
+        </p:txBody>
+      </p:sp>
+      <p:sp>
+        <p:nvSpPr>
+          <p:cNvPr id="4" name="Slide Number Placeholder 3"/>
+          <p:cNvSpPr>
+            <a:spLocks noGrp="1"/>
+          </p:cNvSpPr>
+          <p:nvPr>
+            <p:ph type="sldNum" sz="quarter" idx="12"/>
           </p:nvPr>
         </p:nvSpPr>
         <p:spPr/>
         <p:txBody>
-          <a:bodyPr>
-            <a:normAutofit/>
-          </a:bodyPr>
-          <a:lstStyle/>
-          <a:p>
-            <a:pPr marL="0" indent="0">
-              <a:buNone/>
-              <a:tabLst>
-                <a:tab pos="177800" algn="l"/>
-                <a:tab pos="355600" algn="l"/>
-              </a:tabLst>
-            </a:pPr>
-            <a:r>
-              <a:rPr lang="en-GB" sz="1800" spc="-150" dirty="0">
-                <a:latin typeface="Consolas" pitchFamily="49" charset="0"/>
-                <a:cs typeface="Consolas" pitchFamily="49" charset="0"/>
-              </a:rPr>
-              <a:t>class Cell {</a:t>
-            </a:r>
-          </a:p>
-          <a:p>
-            <a:pPr marL="0" indent="0">
-              <a:buNone/>
-              <a:tabLst>
-                <a:tab pos="177800" algn="l"/>
-                <a:tab pos="355600" algn="l"/>
-              </a:tabLst>
-            </a:pPr>
-            <a:r>
-              <a:rPr lang="en-GB" sz="1800" spc="-150" dirty="0">
-                <a:latin typeface="Consolas" pitchFamily="49" charset="0"/>
-                <a:cs typeface="Consolas" pitchFamily="49" charset="0"/>
-              </a:rPr>
-              <a:t>    </a:t>
-            </a:r>
-            <a:r>
-              <a:rPr lang="en-GB" sz="1800" spc="-150" dirty="0" err="1">
-                <a:latin typeface="Consolas" pitchFamily="49" charset="0"/>
-                <a:cs typeface="Consolas" pitchFamily="49" charset="0"/>
-              </a:rPr>
-              <a:t>var</a:t>
-            </a:r>
-            <a:r>
-              <a:rPr lang="en-GB" sz="1800" spc="-150" dirty="0">
-                <a:latin typeface="Consolas" pitchFamily="49" charset="0"/>
-                <a:cs typeface="Consolas" pitchFamily="49" charset="0"/>
-              </a:rPr>
-              <a:t> v: </a:t>
-            </a:r>
-            <a:r>
-              <a:rPr lang="en-GB" sz="1800" spc="-150" dirty="0" err="1">
-                <a:latin typeface="Consolas" pitchFamily="49" charset="0"/>
-                <a:cs typeface="Consolas" pitchFamily="49" charset="0"/>
-              </a:rPr>
-              <a:t>int</a:t>
-            </a:r>
-            <a:r>
-              <a:rPr lang="en-GB" sz="1800" spc="-150" dirty="0">
-                <a:latin typeface="Consolas" pitchFamily="49" charset="0"/>
-                <a:cs typeface="Consolas" pitchFamily="49" charset="0"/>
-              </a:rPr>
-              <a:t>;</a:t>
-            </a:r>
-          </a:p>
-          <a:p>
-            <a:pPr marL="0" indent="0">
-              <a:buNone/>
-              <a:tabLst>
-                <a:tab pos="177800" algn="l"/>
-                <a:tab pos="355600" algn="l"/>
-              </a:tabLst>
-            </a:pPr>
-            <a:r>
-              <a:rPr lang="en-GB" sz="1800" spc="-150" dirty="0">
-                <a:latin typeface="Consolas" pitchFamily="49" charset="0"/>
-                <a:cs typeface="Consolas" pitchFamily="49" charset="0"/>
-              </a:rPr>
-              <a:t>    </a:t>
-            </a:r>
-          </a:p>
-          <a:p>
-            <a:pPr marL="0" indent="0">
-              <a:buNone/>
-              <a:tabLst>
-                <a:tab pos="177800" algn="l"/>
-                <a:tab pos="355600" algn="l"/>
-              </a:tabLst>
-            </a:pPr>
-            <a:r>
-              <a:rPr lang="en-GB" sz="1800" spc="-150" dirty="0">
-                <a:latin typeface="Consolas" pitchFamily="49" charset="0"/>
-                <a:cs typeface="Consolas" pitchFamily="49" charset="0"/>
-              </a:rPr>
-              <a:t>    method </a:t>
-            </a:r>
-            <a:r>
-              <a:rPr lang="en-GB" sz="1800" spc="-150" dirty="0" err="1">
-                <a:latin typeface="Consolas" pitchFamily="49" charset="0"/>
-                <a:cs typeface="Consolas" pitchFamily="49" charset="0"/>
-              </a:rPr>
-              <a:t>inc</a:t>
-            </a:r>
-            <a:r>
-              <a:rPr lang="en-GB" sz="1800" spc="-150" dirty="0">
-                <a:latin typeface="Consolas" pitchFamily="49" charset="0"/>
-                <a:cs typeface="Consolas" pitchFamily="49" charset="0"/>
-              </a:rPr>
-              <a:t>(d: </a:t>
-            </a:r>
-            <a:r>
-              <a:rPr lang="en-GB" sz="1800" spc="-150" dirty="0" err="1">
-                <a:latin typeface="Consolas" pitchFamily="49" charset="0"/>
-                <a:cs typeface="Consolas" pitchFamily="49" charset="0"/>
-              </a:rPr>
-              <a:t>int</a:t>
-            </a:r>
-            <a:r>
-              <a:rPr lang="en-GB" sz="1800" spc="-150" dirty="0">
-                <a:latin typeface="Consolas" pitchFamily="49" charset="0"/>
-                <a:cs typeface="Consolas" pitchFamily="49" charset="0"/>
-              </a:rPr>
-              <a:t>)</a:t>
-            </a:r>
-          </a:p>
-          <a:p>
-            <a:pPr marL="0" indent="0">
-              <a:buNone/>
-              <a:tabLst>
-                <a:tab pos="177800" algn="l"/>
-                <a:tab pos="355600" algn="l"/>
-              </a:tabLst>
-            </a:pPr>
-            <a:r>
-              <a:rPr lang="en-GB" sz="1800" spc="-150" dirty="0">
-                <a:latin typeface="Consolas" pitchFamily="49" charset="0"/>
-                <a:cs typeface="Consolas" pitchFamily="49" charset="0"/>
-              </a:rPr>
-              <a:t>        requires 0 &lt; d</a:t>
-            </a:r>
-            <a:r>
-              <a:rPr lang="en-GB" sz="1800" spc="-150" dirty="0" smtClean="0">
-                <a:latin typeface="Consolas" pitchFamily="49" charset="0"/>
-                <a:cs typeface="Consolas" pitchFamily="49" charset="0"/>
-              </a:rPr>
-              <a:t>;</a:t>
-            </a:r>
-          </a:p>
-          <a:p>
-            <a:pPr marL="0" indent="0">
-              <a:buNone/>
-              <a:tabLst>
-                <a:tab pos="177800" algn="l"/>
-                <a:tab pos="355600" algn="l"/>
-              </a:tabLst>
-            </a:pPr>
-            <a:r>
-              <a:rPr lang="en-GB" sz="1800" spc="-150" dirty="0">
-                <a:latin typeface="Consolas" pitchFamily="49" charset="0"/>
-                <a:cs typeface="Consolas" pitchFamily="49" charset="0"/>
-              </a:rPr>
-              <a:t> </a:t>
-            </a:r>
-            <a:r>
-              <a:rPr lang="en-GB" sz="1800" spc="-150" dirty="0" smtClean="0">
-                <a:latin typeface="Consolas" pitchFamily="49" charset="0"/>
-                <a:cs typeface="Consolas" pitchFamily="49" charset="0"/>
-              </a:rPr>
-              <a:t>       requires </a:t>
-            </a:r>
-            <a:r>
-              <a:rPr lang="en-GB" sz="1800" spc="-150" dirty="0" err="1" smtClean="0">
-                <a:latin typeface="Consolas" pitchFamily="49" charset="0"/>
-                <a:cs typeface="Consolas" pitchFamily="49" charset="0"/>
-              </a:rPr>
-              <a:t>acc</a:t>
-            </a:r>
-            <a:r>
-              <a:rPr lang="en-GB" sz="1800" spc="-150" dirty="0" smtClean="0">
-                <a:latin typeface="Consolas" pitchFamily="49" charset="0"/>
-                <a:cs typeface="Consolas" pitchFamily="49" charset="0"/>
-              </a:rPr>
-              <a:t>(v);</a:t>
-            </a:r>
-          </a:p>
-          <a:p>
-            <a:pPr marL="0" indent="0">
-              <a:buNone/>
-              <a:tabLst>
-                <a:tab pos="177800" algn="l"/>
-                <a:tab pos="355600" algn="l"/>
-              </a:tabLst>
-            </a:pPr>
-            <a:r>
-              <a:rPr lang="en-GB" sz="1800" spc="-150" dirty="0">
-                <a:latin typeface="Consolas" pitchFamily="49" charset="0"/>
-                <a:cs typeface="Consolas" pitchFamily="49" charset="0"/>
-              </a:rPr>
-              <a:t> </a:t>
-            </a:r>
-            <a:r>
-              <a:rPr lang="en-GB" sz="1800" spc="-150" dirty="0" smtClean="0">
-                <a:latin typeface="Consolas" pitchFamily="49" charset="0"/>
-                <a:cs typeface="Consolas" pitchFamily="49" charset="0"/>
-              </a:rPr>
-              <a:t>       ensures </a:t>
-            </a:r>
-            <a:r>
-              <a:rPr lang="en-GB" sz="1800" spc="-150" dirty="0">
-                <a:latin typeface="Consolas" pitchFamily="49" charset="0"/>
-                <a:cs typeface="Consolas" pitchFamily="49" charset="0"/>
-              </a:rPr>
-              <a:t>v == old(v) + d;</a:t>
-            </a:r>
-          </a:p>
-          <a:p>
-            <a:pPr marL="0" indent="0">
-              <a:buNone/>
-              <a:tabLst>
-                <a:tab pos="177800" algn="l"/>
-                <a:tab pos="355600" algn="l"/>
-              </a:tabLst>
-            </a:pPr>
-            <a:r>
-              <a:rPr lang="en-GB" sz="1800" spc="-150" dirty="0">
-                <a:latin typeface="Consolas" pitchFamily="49" charset="0"/>
-                <a:cs typeface="Consolas" pitchFamily="49" charset="0"/>
-              </a:rPr>
-              <a:t>    {   v := v + d; }</a:t>
-            </a:r>
-          </a:p>
-          <a:p>
-            <a:pPr marL="0" indent="0">
-              <a:buNone/>
-              <a:tabLst>
-                <a:tab pos="177800" algn="l"/>
-                <a:tab pos="355600" algn="l"/>
-              </a:tabLst>
-            </a:pPr>
-            <a:r>
-              <a:rPr lang="en-GB" sz="1800" spc="-150" dirty="0">
-                <a:latin typeface="Consolas" pitchFamily="49" charset="0"/>
-                <a:cs typeface="Consolas" pitchFamily="49" charset="0"/>
-              </a:rPr>
-              <a:t>}</a:t>
-            </a:r>
-          </a:p>
-        </p:txBody>
-      </p:sp>
-      <p:sp>
-        <p:nvSpPr>
-          <p:cNvPr id="5" name="Slide Number Placeholder 4"/>
-          <p:cNvSpPr>
-            <a:spLocks noGrp="1"/>
-          </p:cNvSpPr>
-          <p:nvPr>
-            <p:ph type="sldNum" sz="quarter" idx="12"/>
-          </p:nvPr>
-        </p:nvSpPr>
-        <p:spPr/>
-        <p:txBody>
           <a:bodyPr/>
           <a:lstStyle/>
           <a:p>
-            <a:fld id="{D8727298-9337-4FF1-AD4C-CD4DB75A4A45}" type="slidenum">
-              <a:rPr lang="de-CH" smtClean="0"/>
+            <a:fld id="{4D2DA8B8-9780-4A8A-B22C-644F1551F876}" type="slidenum">
+              <a:rPr lang="en-GB" smtClean="0"/>
               <a:t>19</a:t>
             </a:fld>
-            <a:endParaRPr lang="de-CH"/>
+            <a:endParaRPr lang="en-GB"/>
           </a:p>
         </p:txBody>
       </p:sp>
     </p:spTree>
     <p:extLst>
       <p:ext uri="{BB962C8B-B14F-4D97-AF65-F5344CB8AC3E}">
-        <p14:creationId xmlns:p14="http://schemas.microsoft.com/office/powerpoint/2010/main" val="996484789"/>
+        <p14:creationId xmlns:p14="http://schemas.microsoft.com/office/powerpoint/2010/main" val="4235771597"/>
       </p:ext>
     </p:extLst>
   </p:cSld>
@@ -9605,9 +10422,7 @@
         </p:nvSpPr>
         <p:spPr/>
         <p:txBody>
-          <a:bodyPr>
-            <a:normAutofit/>
-          </a:bodyPr>
+          <a:bodyPr/>
           <a:lstStyle/>
           <a:p>
             <a:r>
@@ -9622,13 +10437,7 @@
               <a:rPr lang="de-CH" dirty="0" err="1" smtClean="0"/>
               <a:t>Methods</a:t>
             </a:r>
-            <a:endParaRPr lang="de-CH" dirty="0" smtClean="0"/>
-          </a:p>
-          <a:p>
-            <a:r>
-              <a:rPr lang="de-CH" dirty="0" smtClean="0"/>
-              <a:t>Monitors</a:t>
-            </a:r>
+            <a:endParaRPr lang="en-GB" dirty="0"/>
           </a:p>
         </p:txBody>
       </p:sp>
@@ -9642,12 +10451,7 @@
             <p:ph sz="half" idx="2"/>
           </p:nvPr>
         </p:nvSpPr>
-        <p:spPr>
-          <a:xfrm>
-            <a:off x="4648200" y="1600200"/>
-            <a:ext cx="4388296" cy="4853136"/>
-          </a:xfrm>
-        </p:spPr>
+        <p:spPr/>
         <p:txBody>
           <a:bodyPr>
             <a:normAutofit/>
@@ -9666,14 +10470,7 @@
                 <a:latin typeface="Consolas" pitchFamily="49" charset="0"/>
                 <a:cs typeface="Consolas" pitchFamily="49" charset="0"/>
               </a:rPr>
-              <a:t>class Cell </a:t>
-            </a:r>
-            <a:r>
-              <a:rPr lang="en-GB" sz="1800" spc="-150" dirty="0" smtClean="0">
-                <a:latin typeface="Consolas" pitchFamily="49" charset="0"/>
-                <a:cs typeface="Consolas" pitchFamily="49" charset="0"/>
-              </a:rPr>
-              <a:t>{</a:t>
+              <a:t>class Cell {</a:t>
             </a:r>
           </a:p>
           <a:p>
@@ -9685,35 +10482,35 @@
               </a:tabLst>
             </a:pPr>
             <a:r>
-              <a:rPr lang="en-GB" sz="1800" spc="-150" dirty="0" smtClean="0">
-                <a:latin typeface="Consolas" pitchFamily="49" charset="0"/>
-                <a:cs typeface="Consolas" pitchFamily="49" charset="0"/>
-              </a:rPr>
-              <a:t>	</a:t>
-            </a:r>
-            <a:r>
-              <a:rPr lang="en-GB" sz="1800" spc="-150" dirty="0" err="1" smtClean="0">
+              <a:rPr lang="en-GB" sz="1800" spc="-150" dirty="0">
+                <a:latin typeface="Consolas" pitchFamily="49" charset="0"/>
+                <a:cs typeface="Consolas" pitchFamily="49" charset="0"/>
+              </a:rPr>
+              <a:t>    </a:t>
+            </a:r>
+            <a:r>
+              <a:rPr lang="en-GB" sz="1800" spc="-150" dirty="0" err="1">
                 <a:latin typeface="Consolas" pitchFamily="49" charset="0"/>
                 <a:cs typeface="Consolas" pitchFamily="49" charset="0"/>
               </a:rPr>
               <a:t>var</a:t>
             </a:r>
             <a:r>
-              <a:rPr lang="en-GB" sz="1800" spc="-150" dirty="0" smtClean="0">
+              <a:rPr lang="en-GB" sz="1800" spc="-150" dirty="0">
                 <a:latin typeface="Consolas" pitchFamily="49" charset="0"/>
                 <a:cs typeface="Consolas" pitchFamily="49" charset="0"/>
               </a:rPr>
               <a:t> v: </a:t>
             </a:r>
             <a:r>
-              <a:rPr lang="en-GB" sz="1800" spc="-150" dirty="0" err="1" smtClean="0">
+              <a:rPr lang="en-GB" sz="1800" spc="-150" dirty="0" err="1">
                 <a:latin typeface="Consolas" pitchFamily="49" charset="0"/>
                 <a:cs typeface="Consolas" pitchFamily="49" charset="0"/>
               </a:rPr>
               <a:t>int</a:t>
             </a:r>
             <a:r>
-              <a:rPr lang="en-GB" sz="1800" spc="-150" dirty="0" smtClean="0">
+              <a:rPr lang="en-GB" sz="1800" spc="-150" dirty="0">
                 <a:latin typeface="Consolas" pitchFamily="49" charset="0"/>
                 <a:cs typeface="Consolas" pitchFamily="49" charset="0"/>
               </a:rPr>
@@ -9726,29 +10523,14 @@
               <a:tabLst>
                 <a:tab pos="177800" algn="l"/>
                 <a:tab pos="355600" algn="l"/>
-                <a:tab pos="627063" algn="l"/>
               </a:tabLst>
             </a:pPr>
             <a:r>
-              <a:rPr lang="de-CH" sz="1800" spc="-150" dirty="0" smtClean="0">
-                <a:latin typeface="Consolas" pitchFamily="49" charset="0"/>
-                <a:cs typeface="Consolas" pitchFamily="49" charset="0"/>
-              </a:rPr>
-              <a:t>	invariant </a:t>
-            </a:r>
-            <a:r>
-              <a:rPr lang="de-CH" sz="1800" spc="-150" dirty="0" err="1" smtClean="0">
-                <a:latin typeface="Consolas" pitchFamily="49" charset="0"/>
-                <a:cs typeface="Consolas" pitchFamily="49" charset="0"/>
-              </a:rPr>
-              <a:t>acc</a:t>
-            </a:r>
-            <a:r>
-              <a:rPr lang="de-CH" sz="1800" spc="-150" dirty="0" smtClean="0">
-                <a:latin typeface="Consolas" pitchFamily="49" charset="0"/>
-                <a:cs typeface="Consolas" pitchFamily="49" charset="0"/>
-              </a:rPr>
-              <a:t>(v) &amp;&amp; 0 &lt;= c;</a:t>
+              <a:rPr lang="en-GB" sz="1800" spc="-150" dirty="0">
+                <a:latin typeface="Consolas" pitchFamily="49" charset="0"/>
+                <a:cs typeface="Consolas" pitchFamily="49" charset="0"/>
+              </a:rPr>
+              <a:t>    </a:t>
             </a:r>
           </a:p>
           <a:p>
@@ -9757,15 +10539,42 @@
               <a:tabLst>
                 <a:tab pos="177800" algn="l"/>
                 <a:tab pos="355600" algn="l"/>
-                <a:tab pos="627063" algn="l"/>
               </a:tabLst>
             </a:pPr>
             <a:r>
-              <a:rPr lang="de-CH" sz="1800" spc="-150" dirty="0" smtClean="0">
-                <a:latin typeface="Consolas" pitchFamily="49" charset="0"/>
-                <a:cs typeface="Consolas" pitchFamily="49" charset="0"/>
-              </a:rPr>
-              <a:t>}</a:t>
+              <a:rPr lang="en-GB" sz="1800" spc="-150" dirty="0">
+                <a:latin typeface="Consolas" pitchFamily="49" charset="0"/>
+                <a:cs typeface="Consolas" pitchFamily="49" charset="0"/>
+              </a:rPr>
+              <a:t>    method </a:t>
+            </a:r>
+            <a:r>
+              <a:rPr lang="en-GB" sz="1800" spc="-150" dirty="0" err="1">
+                <a:latin typeface="Consolas" pitchFamily="49" charset="0"/>
+                <a:cs typeface="Consolas" pitchFamily="49" charset="0"/>
+              </a:rPr>
+              <a:t>inc</a:t>
+            </a:r>
+            <a:r>
+              <a:rPr lang="en-GB" sz="1800" spc="-150" dirty="0">
+                <a:latin typeface="Consolas" pitchFamily="49" charset="0"/>
+                <a:cs typeface="Consolas" pitchFamily="49" charset="0"/>
+              </a:rPr>
+              <a:t>(d: </a:t>
+            </a:r>
+            <a:r>
+              <a:rPr lang="en-GB" sz="1800" spc="-150" dirty="0" err="1">
+                <a:latin typeface="Consolas" pitchFamily="49" charset="0"/>
+                <a:cs typeface="Consolas" pitchFamily="49" charset="0"/>
+              </a:rPr>
+              <a:t>int</a:t>
+            </a:r>
+            <a:r>
+              <a:rPr lang="en-GB" sz="1800" spc="-150" dirty="0">
+                <a:latin typeface="Consolas" pitchFamily="49" charset="0"/>
+                <a:cs typeface="Consolas" pitchFamily="49" charset="0"/>
+              </a:rPr>
+              <a:t>)</a:t>
             </a:r>
           </a:p>
           <a:p>
@@ -9774,36 +10583,21 @@
               <a:tabLst>
                 <a:tab pos="177800" algn="l"/>
                 <a:tab pos="355600" algn="l"/>
-                <a:tab pos="627063" algn="l"/>
               </a:tabLst>
             </a:pPr>
             <a:r>
-              <a:rPr lang="de-CH" sz="1800" spc="-150" dirty="0" err="1" smtClean="0">
-                <a:latin typeface="Consolas" pitchFamily="49" charset="0"/>
-                <a:cs typeface="Consolas" pitchFamily="49" charset="0"/>
-              </a:rPr>
-              <a:t>class</a:t>
-            </a:r>
-            <a:r>
-              <a:rPr lang="de-CH" sz="1800" spc="-150" dirty="0" smtClean="0">
-                <a:latin typeface="Consolas" pitchFamily="49" charset="0"/>
-                <a:cs typeface="Consolas" pitchFamily="49" charset="0"/>
-              </a:rPr>
-              <a:t> </a:t>
-            </a:r>
-            <a:r>
-              <a:rPr lang="de-CH" sz="1800" spc="-150" dirty="0" err="1" smtClean="0">
-                <a:latin typeface="Consolas" pitchFamily="49" charset="0"/>
-                <a:cs typeface="Consolas" pitchFamily="49" charset="0"/>
-              </a:rPr>
-              <a:t>Program</a:t>
-            </a:r>
-            <a:r>
-              <a:rPr lang="de-CH" sz="1800" spc="-150" dirty="0" smtClean="0">
-                <a:latin typeface="Consolas" pitchFamily="49" charset="0"/>
-                <a:cs typeface="Consolas" pitchFamily="49" charset="0"/>
-              </a:rPr>
-              <a:t> {</a:t>
+              <a:rPr lang="en-GB" sz="1800" spc="-150" dirty="0">
+                <a:latin typeface="Consolas" pitchFamily="49" charset="0"/>
+                <a:cs typeface="Consolas" pitchFamily="49" charset="0"/>
+              </a:rPr>
+              <a:t>        requires 0 &lt; d</a:t>
+            </a:r>
+            <a:r>
+              <a:rPr lang="en-GB" sz="1800" spc="-150" dirty="0" smtClean="0">
+                <a:latin typeface="Consolas" pitchFamily="49" charset="0"/>
+                <a:cs typeface="Consolas" pitchFamily="49" charset="0"/>
+              </a:rPr>
+              <a:t>;</a:t>
             </a:r>
           </a:p>
           <a:p>
@@ -9812,43 +10606,35 @@
               <a:tabLst>
                 <a:tab pos="177800" algn="l"/>
                 <a:tab pos="355600" algn="l"/>
-                <a:tab pos="627063" algn="l"/>
               </a:tabLst>
             </a:pPr>
             <a:r>
-              <a:rPr lang="de-CH" sz="1800" spc="-150" dirty="0" smtClean="0">
-                <a:latin typeface="Consolas" pitchFamily="49" charset="0"/>
-                <a:cs typeface="Consolas" pitchFamily="49" charset="0"/>
-              </a:rPr>
-              <a:t>	</a:t>
-            </a:r>
-            <a:r>
-              <a:rPr lang="de-CH" sz="1800" spc="-150" dirty="0" err="1" smtClean="0">
-                <a:latin typeface="Consolas" pitchFamily="49" charset="0"/>
-                <a:cs typeface="Consolas" pitchFamily="49" charset="0"/>
-              </a:rPr>
-              <a:t>method</a:t>
-            </a:r>
-            <a:r>
-              <a:rPr lang="de-CH" sz="1800" spc="-150" dirty="0" smtClean="0">
+              <a:rPr lang="en-GB" sz="1800" spc="-150" dirty="0">
                 <a:latin typeface="Consolas" pitchFamily="49" charset="0"/>
                 <a:cs typeface="Consolas" pitchFamily="49" charset="0"/>
               </a:rPr>
               <a:t> </a:t>
             </a:r>
             <a:r>
-              <a:rPr lang="de-CH" sz="1800" spc="-150" dirty="0" err="1" smtClean="0">
-                <a:latin typeface="Consolas" pitchFamily="49" charset="0"/>
-                <a:cs typeface="Consolas" pitchFamily="49" charset="0"/>
-              </a:rPr>
-              <a:t>main</a:t>
-            </a:r>
-            <a:r>
-              <a:rPr lang="de-CH" sz="1800" spc="-150" dirty="0" smtClean="0">
-                <a:latin typeface="Consolas" pitchFamily="49" charset="0"/>
-                <a:cs typeface="Consolas" pitchFamily="49" charset="0"/>
-              </a:rPr>
-              <a:t>() {</a:t>
+              <a:rPr lang="en-GB" sz="1800" spc="-150" dirty="0" smtClean="0">
+                <a:latin typeface="Consolas" pitchFamily="49" charset="0"/>
+                <a:cs typeface="Consolas" pitchFamily="49" charset="0"/>
+              </a:rPr>
+              <a:t>       requires </a:t>
+            </a:r>
+            <a:r>
+              <a:rPr lang="en-GB" sz="1800" spc="-150" dirty="0" err="1" smtClean="0">
+                <a:latin typeface="Consolas" pitchFamily="49" charset="0"/>
+                <a:cs typeface="Consolas" pitchFamily="49" charset="0"/>
+              </a:rPr>
+              <a:t>acc</a:t>
+            </a:r>
+            <a:r>
+              <a:rPr lang="en-GB" sz="1800" spc="-150" dirty="0" smtClean="0">
+                <a:latin typeface="Consolas" pitchFamily="49" charset="0"/>
+                <a:cs typeface="Consolas" pitchFamily="49" charset="0"/>
+              </a:rPr>
+              <a:t>(v);</a:t>
             </a:r>
           </a:p>
           <a:p>
@@ -9857,57 +10643,28 @@
               <a:tabLst>
                 <a:tab pos="177800" algn="l"/>
                 <a:tab pos="355600" algn="l"/>
-                <a:tab pos="627063" algn="l"/>
               </a:tabLst>
             </a:pPr>
             <a:r>
-              <a:rPr lang="de-CH" sz="1800" spc="-150" dirty="0" smtClean="0">
-                <a:latin typeface="Consolas" pitchFamily="49" charset="0"/>
-                <a:cs typeface="Consolas" pitchFamily="49" charset="0"/>
-              </a:rPr>
-              <a:t>		</a:t>
-            </a:r>
-            <a:r>
-              <a:rPr lang="de-CH" sz="1800" spc="-150" dirty="0" err="1" smtClean="0">
-                <a:latin typeface="Consolas" pitchFamily="49" charset="0"/>
-                <a:cs typeface="Consolas" pitchFamily="49" charset="0"/>
-              </a:rPr>
-              <a:t>var</a:t>
-            </a:r>
-            <a:r>
-              <a:rPr lang="de-CH" sz="1800" spc="-150" dirty="0" smtClean="0">
-                <a:latin typeface="Consolas" pitchFamily="49" charset="0"/>
-                <a:cs typeface="Consolas" pitchFamily="49" charset="0"/>
-              </a:rPr>
-              <a:t> c:Cell := </a:t>
-            </a:r>
-            <a:r>
-              <a:rPr lang="de-CH" sz="1800" spc="-150" dirty="0" err="1" smtClean="0">
-                <a:latin typeface="Consolas" pitchFamily="49" charset="0"/>
-                <a:cs typeface="Consolas" pitchFamily="49" charset="0"/>
-              </a:rPr>
-              <a:t>new</a:t>
-            </a:r>
-            <a:r>
-              <a:rPr lang="de-CH" sz="1800" spc="-150" dirty="0" smtClean="0">
+              <a:rPr lang="en-GB" sz="1800" spc="-150" dirty="0">
                 <a:latin typeface="Consolas" pitchFamily="49" charset="0"/>
                 <a:cs typeface="Consolas" pitchFamily="49" charset="0"/>
               </a:rPr>
               <a:t> </a:t>
             </a:r>
             <a:r>
-              <a:rPr lang="de-CH" sz="1800" spc="-150" dirty="0" err="1" smtClean="0">
-                <a:latin typeface="Consolas" pitchFamily="49" charset="0"/>
-                <a:cs typeface="Consolas" pitchFamily="49" charset="0"/>
-              </a:rPr>
-              <a:t>Cell</a:t>
-            </a:r>
-            <a:r>
-              <a:rPr lang="de-CH" sz="1800" spc="-150" dirty="0" smtClean="0">
-                <a:latin typeface="Consolas" pitchFamily="49" charset="0"/>
-                <a:cs typeface="Consolas" pitchFamily="49" charset="0"/>
-              </a:rPr>
-              <a:t>;</a:t>
+              <a:rPr lang="en-GB" sz="1800" spc="-150" dirty="0" smtClean="0">
+                <a:latin typeface="Consolas" pitchFamily="49" charset="0"/>
+                <a:cs typeface="Consolas" pitchFamily="49" charset="0"/>
+              </a:rPr>
+              <a:t>       ensures </a:t>
+            </a:r>
+            <a:r>
+              <a:rPr lang="en-GB" sz="1800" spc="-150" dirty="0">
+                <a:latin typeface="Consolas" pitchFamily="49" charset="0"/>
+                <a:cs typeface="Consolas" pitchFamily="49" charset="0"/>
+              </a:rPr>
+              <a:t>v == old(v) + d;</a:t>
             </a:r>
           </a:p>
           <a:p>
@@ -9916,36 +10673,14 @@
               <a:tabLst>
                 <a:tab pos="177800" algn="l"/>
                 <a:tab pos="355600" algn="l"/>
-                <a:tab pos="627063" algn="l"/>
               </a:tabLst>
             </a:pPr>
             <a:r>
-              <a:rPr lang="de-CH" sz="1800" spc="-150" dirty="0">
-                <a:latin typeface="Consolas" pitchFamily="49" charset="0"/>
-                <a:cs typeface="Consolas" pitchFamily="49" charset="0"/>
-              </a:rPr>
-              <a:t>	</a:t>
-            </a:r>
-            <a:r>
-              <a:rPr lang="de-CH" sz="1800" spc="-150" dirty="0" smtClean="0">
-                <a:latin typeface="Consolas" pitchFamily="49" charset="0"/>
-                <a:cs typeface="Consolas" pitchFamily="49" charset="0"/>
-              </a:rPr>
-              <a:t>	</a:t>
-            </a:r>
-            <a:r>
-              <a:rPr lang="de-CH" sz="1800" spc="-150" dirty="0" err="1" smtClean="0">
-                <a:latin typeface="Consolas" pitchFamily="49" charset="0"/>
-                <a:cs typeface="Consolas" pitchFamily="49" charset="0"/>
-              </a:rPr>
-              <a:t>c.v</a:t>
-            </a:r>
-            <a:r>
-              <a:rPr lang="de-CH" sz="1800" spc="-150" dirty="0" smtClean="0">
-                <a:latin typeface="Consolas" pitchFamily="49" charset="0"/>
-                <a:cs typeface="Consolas" pitchFamily="49" charset="0"/>
-              </a:rPr>
-              <a:t> := 3;</a:t>
+              <a:rPr lang="en-GB" sz="1800" spc="-150" dirty="0">
+                <a:latin typeface="Consolas" pitchFamily="49" charset="0"/>
+                <a:cs typeface="Consolas" pitchFamily="49" charset="0"/>
+              </a:rPr>
+              <a:t>    {   v := v + d; }</a:t>
             </a:r>
           </a:p>
           <a:p>
@@ -9954,156 +10689,15 @@
               <a:tabLst>
                 <a:tab pos="177800" algn="l"/>
                 <a:tab pos="355600" algn="l"/>
-                <a:tab pos="627063" algn="l"/>
               </a:tabLst>
             </a:pPr>
             <a:r>
-              <a:rPr lang="de-CH" sz="1800" spc="-150" dirty="0">
-                <a:latin typeface="Consolas" pitchFamily="49" charset="0"/>
-                <a:cs typeface="Consolas" pitchFamily="49" charset="0"/>
-              </a:rPr>
-              <a:t>	</a:t>
-            </a:r>
-            <a:r>
-              <a:rPr lang="de-CH" sz="1800" spc="-150" dirty="0" smtClean="0">
-                <a:latin typeface="Consolas" pitchFamily="49" charset="0"/>
-                <a:cs typeface="Consolas" pitchFamily="49" charset="0"/>
-              </a:rPr>
-              <a:t>	</a:t>
-            </a:r>
-            <a:r>
-              <a:rPr lang="de-CH" sz="1800" spc="-150" dirty="0" err="1" smtClean="0">
-                <a:latin typeface="Consolas" pitchFamily="49" charset="0"/>
-                <a:cs typeface="Consolas" pitchFamily="49" charset="0"/>
-              </a:rPr>
-              <a:t>share</a:t>
-            </a:r>
-            <a:r>
-              <a:rPr lang="de-CH" sz="1800" spc="-150" dirty="0" smtClean="0">
-                <a:latin typeface="Consolas" pitchFamily="49" charset="0"/>
-                <a:cs typeface="Consolas" pitchFamily="49" charset="0"/>
-              </a:rPr>
-              <a:t> c;</a:t>
-            </a:r>
-          </a:p>
-          <a:p>
-            <a:pPr marL="0" indent="0">
-              <a:buNone/>
-              <a:tabLst>
-                <a:tab pos="177800" algn="l"/>
-                <a:tab pos="355600" algn="l"/>
-                <a:tab pos="627063" algn="l"/>
-              </a:tabLst>
-            </a:pPr>
-            <a:endParaRPr lang="de-CH" sz="1800" spc="-150" dirty="0">
-              <a:latin typeface="Consolas" pitchFamily="49" charset="0"/>
-              <a:cs typeface="Consolas" pitchFamily="49" charset="0"/>
-            </a:endParaRPr>
-          </a:p>
-          <a:p>
-            <a:pPr marL="0" indent="0">
-              <a:buNone/>
-              <a:tabLst>
-                <a:tab pos="177800" algn="l"/>
-                <a:tab pos="355600" algn="l"/>
-                <a:tab pos="627063" algn="l"/>
-              </a:tabLst>
-            </a:pPr>
-            <a:r>
-              <a:rPr lang="de-CH" sz="1800" spc="-150" dirty="0" smtClean="0">
-                <a:latin typeface="Consolas" pitchFamily="49" charset="0"/>
-                <a:cs typeface="Consolas" pitchFamily="49" charset="0"/>
-              </a:rPr>
-              <a:t>		</a:t>
-            </a:r>
-            <a:r>
-              <a:rPr lang="de-CH" sz="1800" spc="-150" dirty="0" err="1" smtClean="0">
-                <a:latin typeface="Consolas" pitchFamily="49" charset="0"/>
-                <a:cs typeface="Consolas" pitchFamily="49" charset="0"/>
-              </a:rPr>
-              <a:t>acquire</a:t>
-            </a:r>
-            <a:r>
-              <a:rPr lang="de-CH" sz="1800" spc="-150" dirty="0" smtClean="0">
-                <a:latin typeface="Consolas" pitchFamily="49" charset="0"/>
-                <a:cs typeface="Consolas" pitchFamily="49" charset="0"/>
-              </a:rPr>
-              <a:t> c; </a:t>
-            </a:r>
-            <a:r>
-              <a:rPr lang="de-CH" sz="1800" spc="-150" dirty="0" err="1" smtClean="0">
-                <a:latin typeface="Consolas" pitchFamily="49" charset="0"/>
-                <a:cs typeface="Consolas" pitchFamily="49" charset="0"/>
-              </a:rPr>
-              <a:t>call</a:t>
-            </a:r>
-            <a:r>
-              <a:rPr lang="de-CH" sz="1800" spc="-150" dirty="0" smtClean="0">
-                <a:latin typeface="Consolas" pitchFamily="49" charset="0"/>
-                <a:cs typeface="Consolas" pitchFamily="49" charset="0"/>
-              </a:rPr>
-              <a:t> c.inc(2); </a:t>
-            </a:r>
-            <a:r>
-              <a:rPr lang="de-CH" sz="1800" spc="-150" dirty="0" err="1" smtClean="0">
-                <a:latin typeface="Consolas" pitchFamily="49" charset="0"/>
-                <a:cs typeface="Consolas" pitchFamily="49" charset="0"/>
-              </a:rPr>
-              <a:t>release</a:t>
-            </a:r>
-            <a:r>
-              <a:rPr lang="de-CH" sz="1800" spc="-150" dirty="0" smtClean="0">
-                <a:latin typeface="Consolas" pitchFamily="49" charset="0"/>
-                <a:cs typeface="Consolas" pitchFamily="49" charset="0"/>
-              </a:rPr>
-              <a:t> c;</a:t>
-            </a:r>
-            <a:endParaRPr lang="de-CH" sz="1800" spc="-150" dirty="0">
-              <a:latin typeface="Consolas" pitchFamily="49" charset="0"/>
-              <a:cs typeface="Consolas" pitchFamily="49" charset="0"/>
-            </a:endParaRPr>
-          </a:p>
-          <a:p>
-            <a:pPr marL="0" indent="0">
-              <a:buNone/>
-              <a:tabLst>
-                <a:tab pos="177800" algn="l"/>
-                <a:tab pos="355600" algn="l"/>
-                <a:tab pos="627063" algn="l"/>
-              </a:tabLst>
-            </a:pPr>
-            <a:r>
-              <a:rPr lang="de-CH" sz="1800" spc="-150" dirty="0" smtClean="0">
-                <a:latin typeface="Consolas" pitchFamily="49" charset="0"/>
-                <a:cs typeface="Consolas" pitchFamily="49" charset="0"/>
-              </a:rPr>
-              <a:t>	}</a:t>
-            </a:r>
-            <a:endParaRPr lang="de-CH" sz="1800" spc="-150" dirty="0">
-              <a:latin typeface="Consolas" pitchFamily="49" charset="0"/>
-              <a:cs typeface="Consolas" pitchFamily="49" charset="0"/>
-            </a:endParaRPr>
-          </a:p>
-          <a:p>
-            <a:pPr marL="0" indent="0">
-              <a:buNone/>
-              <a:tabLst>
-                <a:tab pos="177800" algn="l"/>
-                <a:tab pos="355600" algn="l"/>
-                <a:tab pos="627063" algn="l"/>
-              </a:tabLst>
-            </a:pPr>
-            <a:r>
-              <a:rPr lang="de-CH" sz="1800" spc="-150" dirty="0" smtClean="0">
+              <a:rPr lang="en-GB" sz="1800" spc="-150" dirty="0">
                 <a:latin typeface="Consolas" pitchFamily="49" charset="0"/>
                 <a:cs typeface="Consolas" pitchFamily="49" charset="0"/>
               </a:rPr>
               <a:t>}</a:t>
             </a:r>
-            <a:endParaRPr lang="de-CH" sz="1800" spc="-150" dirty="0">
-              <a:latin typeface="Consolas" pitchFamily="49" charset="0"/>
-              <a:cs typeface="Consolas" pitchFamily="49" charset="0"/>
-            </a:endParaRPr>
           </a:p>
         </p:txBody>
       </p:sp>
@@ -10133,7 +10727,7 @@
     </p:spTree>
     <p:extLst>
       <p:ext uri="{BB962C8B-B14F-4D97-AF65-F5344CB8AC3E}">
-        <p14:creationId xmlns:p14="http://schemas.microsoft.com/office/powerpoint/2010/main" val="3490366721"/>
+        <p14:creationId xmlns:p14="http://schemas.microsoft.com/office/powerpoint/2010/main" val="996484789"/>
       </p:ext>
     </p:extLst>
   </p:cSld>
@@ -10227,21 +10821,6 @@
               <a:t>Monitors</a:t>
             </a:r>
           </a:p>
-          <a:p>
-            <a:r>
-              <a:rPr lang="de-CH" dirty="0" err="1" smtClean="0"/>
-              <a:t>Predicates</a:t>
-            </a:r>
-            <a:r>
-              <a:rPr lang="de-CH" dirty="0" smtClean="0"/>
-              <a:t>/</a:t>
-            </a:r>
-            <a:r>
-              <a:rPr lang="de-CH" dirty="0" err="1" smtClean="0"/>
-              <a:t>Functions</a:t>
-            </a:r>
-            <a:endParaRPr lang="de-CH" dirty="0" smtClean="0"/>
-          </a:p>
         </p:txBody>
       </p:sp>
       <p:sp>
@@ -10257,7 +10836,7 @@
         <p:spPr>
           <a:xfrm>
             <a:off x="4648200" y="1600200"/>
-            <a:ext cx="4100264" cy="4853136"/>
+            <a:ext cx="4388296" cy="4853136"/>
           </a:xfrm>
         </p:spPr>
         <p:txBody>
@@ -10330,35 +10909,6 @@
                 <a:cs typeface="Consolas" pitchFamily="49" charset="0"/>
               </a:rPr>
               <a:t>;</a:t>
-            </a:r>
-          </a:p>
-          <a:p>
-            <a:pPr marL="0" indent="0">
-              <a:buNone/>
-              <a:tabLst>
-                <a:tab pos="177800" algn="l"/>
-                <a:tab pos="355600" algn="l"/>
-              </a:tabLst>
-            </a:pPr>
-            <a:endParaRPr lang="en-GB" sz="1800" spc="-150" dirty="0" smtClean="0">
-              <a:latin typeface="Consolas" pitchFamily="49" charset="0"/>
-              <a:cs typeface="Consolas" pitchFamily="49" charset="0"/>
-            </a:endParaRPr>
-          </a:p>
-          <a:p>
-            <a:pPr marL="0" indent="0">
-              <a:buNone/>
-              <a:tabLst>
-                <a:tab pos="177800" algn="l"/>
-                <a:tab pos="355600" algn="l"/>
-              </a:tabLst>
-            </a:pPr>
-            <a:r>
-              <a:rPr lang="en-GB" sz="1800" spc="-150" dirty="0" smtClean="0">
-                <a:latin typeface="Consolas" pitchFamily="49" charset="0"/>
-                <a:cs typeface="Consolas" pitchFamily="49" charset="0"/>
-              </a:rPr>
-              <a:t>	predicate valid</a:t>
             </a:r>
           </a:p>
           <a:p>
@@ -10375,7 +10925,7 @@
                 <a:latin typeface="Consolas" pitchFamily="49" charset="0"/>
                 <a:cs typeface="Consolas" pitchFamily="49" charset="0"/>
               </a:rPr>
-              <a:t>	{	</a:t>
+              <a:t>	invariant </a:t>
             </a:r>
             <a:r>
               <a:rPr lang="de-CH" sz="1800" spc="-150" dirty="0" err="1" smtClean="0">
@@ -10389,35 +10939,7 @@
                 <a:latin typeface="Consolas" pitchFamily="49" charset="0"/>
                 <a:cs typeface="Consolas" pitchFamily="49" charset="0"/>
               </a:rPr>
-              <a:t>(</a:t>
-            </a:r>
-            <a:r>
-              <a:rPr lang="de-CH" sz="1800" spc="-150" dirty="0" err="1" smtClean="0">
-                <a:latin typeface="Consolas" pitchFamily="49" charset="0"/>
-                <a:cs typeface="Consolas" pitchFamily="49" charset="0"/>
-              </a:rPr>
-              <a:t>this.v</a:t>
-            </a:r>
-            <a:r>
-              <a:rPr lang="de-CH" sz="1800" spc="-150" dirty="0" smtClean="0">
-                <a:latin typeface="Consolas" pitchFamily="49" charset="0"/>
-                <a:cs typeface="Consolas" pitchFamily="49" charset="0"/>
-              </a:rPr>
-              <a:t>) &amp;&amp; 0 &lt;= </a:t>
-            </a:r>
-            <a:r>
-              <a:rPr lang="de-CH" sz="1800" spc="-150" dirty="0" err="1" smtClean="0">
-                <a:latin typeface="Consolas" pitchFamily="49" charset="0"/>
-                <a:cs typeface="Consolas" pitchFamily="49" charset="0"/>
-              </a:rPr>
-              <a:t>this.v</a:t>
-            </a:r>
-            <a:r>
-              <a:rPr lang="de-CH" sz="1800" spc="-150" dirty="0" smtClean="0">
-                <a:latin typeface="Consolas" pitchFamily="49" charset="0"/>
-                <a:cs typeface="Consolas" pitchFamily="49" charset="0"/>
-              </a:rPr>
-              <a:t> }</a:t>
+              <a:t>(v) &amp;&amp; 0 &lt;= c;</a:t>
             </a:r>
           </a:p>
           <a:p>
@@ -10429,10 +10951,13 @@
                 <a:tab pos="627063" algn="l"/>
               </a:tabLst>
             </a:pPr>
-            <a:endParaRPr lang="de-CH" sz="1800" spc="-150" dirty="0" smtClean="0">
-              <a:latin typeface="Consolas" pitchFamily="49" charset="0"/>
-              <a:cs typeface="Consolas" pitchFamily="49" charset="0"/>
-            </a:endParaRPr>
+            <a:r>
+              <a:rPr lang="de-CH" sz="1800" spc="-150" dirty="0" smtClean="0">
+                <a:latin typeface="Consolas" pitchFamily="49" charset="0"/>
+                <a:cs typeface="Consolas" pitchFamily="49" charset="0"/>
+              </a:rPr>
+              <a:t>}</a:t>
+            </a:r>
           </a:p>
           <a:p>
             <a:pPr marL="0" indent="0">
@@ -10444,67 +10969,32 @@
               </a:tabLst>
             </a:pPr>
             <a:r>
+              <a:rPr lang="de-CH" sz="1800" spc="-150" dirty="0" err="1" smtClean="0">
+                <a:latin typeface="Consolas" pitchFamily="49" charset="0"/>
+                <a:cs typeface="Consolas" pitchFamily="49" charset="0"/>
+              </a:rPr>
+              <a:t>class</a:t>
+            </a:r>
+            <a:r>
               <a:rPr lang="de-CH" sz="1800" spc="-150" dirty="0" smtClean="0">
                 <a:latin typeface="Consolas" pitchFamily="49" charset="0"/>
                 <a:cs typeface="Consolas" pitchFamily="49" charset="0"/>
               </a:rPr>
-              <a:t>	</a:t>
+              <a:t> </a:t>
             </a:r>
             <a:r>
               <a:rPr lang="de-CH" sz="1800" spc="-150" dirty="0" err="1" smtClean="0">
                 <a:latin typeface="Consolas" pitchFamily="49" charset="0"/>
                 <a:cs typeface="Consolas" pitchFamily="49" charset="0"/>
               </a:rPr>
-              <a:t>function</a:t>
+              <a:t>Program</a:t>
             </a:r>
             <a:r>
               <a:rPr lang="de-CH" sz="1800" spc="-150" dirty="0" smtClean="0">
                 <a:latin typeface="Consolas" pitchFamily="49" charset="0"/>
                 <a:cs typeface="Consolas" pitchFamily="49" charset="0"/>
               </a:rPr>
-              <a:t> </a:t>
-            </a:r>
-            <a:r>
-              <a:rPr lang="de-CH" sz="1800" spc="-150" dirty="0" err="1" smtClean="0">
-                <a:latin typeface="Consolas" pitchFamily="49" charset="0"/>
-                <a:cs typeface="Consolas" pitchFamily="49" charset="0"/>
-              </a:rPr>
-              <a:t>add</a:t>
-            </a:r>
-            <a:r>
-              <a:rPr lang="de-CH" sz="1800" spc="-150" dirty="0" smtClean="0">
-                <a:latin typeface="Consolas" pitchFamily="49" charset="0"/>
-                <a:cs typeface="Consolas" pitchFamily="49" charset="0"/>
-              </a:rPr>
-              <a:t>(</a:t>
-            </a:r>
-            <a:r>
-              <a:rPr lang="de-CH" sz="1800" spc="-150" dirty="0" err="1" smtClean="0">
-                <a:latin typeface="Consolas" pitchFamily="49" charset="0"/>
-                <a:cs typeface="Consolas" pitchFamily="49" charset="0"/>
-              </a:rPr>
-              <a:t>d:int</a:t>
-            </a:r>
-            <a:r>
-              <a:rPr lang="de-CH" sz="1800" spc="-150" dirty="0" smtClean="0">
-                <a:latin typeface="Consolas" pitchFamily="49" charset="0"/>
-                <a:cs typeface="Consolas" pitchFamily="49" charset="0"/>
-              </a:rPr>
-              <a:t>) </a:t>
-            </a:r>
-            <a:r>
-              <a:rPr lang="de-CH" sz="1800" spc="-150" dirty="0" err="1" smtClean="0">
-                <a:latin typeface="Consolas" pitchFamily="49" charset="0"/>
-                <a:cs typeface="Consolas" pitchFamily="49" charset="0"/>
-              </a:rPr>
-              <a:t>requires</a:t>
-            </a:r>
-            <a:r>
-              <a:rPr lang="de-CH" sz="1800" spc="-150" dirty="0" smtClean="0">
-                <a:latin typeface="Consolas" pitchFamily="49" charset="0"/>
-                <a:cs typeface="Consolas" pitchFamily="49" charset="0"/>
-              </a:rPr>
-              <a:t> valid;</a:t>
+              <a:t> {</a:t>
             </a:r>
           </a:p>
           <a:p>
@@ -10521,35 +11011,35 @@
                 <a:latin typeface="Consolas" pitchFamily="49" charset="0"/>
                 <a:cs typeface="Consolas" pitchFamily="49" charset="0"/>
               </a:rPr>
-              <a:t>	{ </a:t>
+              <a:t>	</a:t>
             </a:r>
             <a:r>
               <a:rPr lang="de-CH" sz="1800" spc="-150" dirty="0" err="1" smtClean="0">
                 <a:latin typeface="Consolas" pitchFamily="49" charset="0"/>
                 <a:cs typeface="Consolas" pitchFamily="49" charset="0"/>
               </a:rPr>
-              <a:t>unfolding</a:t>
+              <a:t>method</a:t>
             </a:r>
             <a:r>
               <a:rPr lang="de-CH" sz="1800" spc="-150" dirty="0" smtClean="0">
                 <a:latin typeface="Consolas" pitchFamily="49" charset="0"/>
                 <a:cs typeface="Consolas" pitchFamily="49" charset="0"/>
               </a:rPr>
-              <a:t> valid in </a:t>
+              <a:t> </a:t>
             </a:r>
             <a:r>
               <a:rPr lang="de-CH" sz="1800" spc="-150" dirty="0" err="1" smtClean="0">
                 <a:latin typeface="Consolas" pitchFamily="49" charset="0"/>
                 <a:cs typeface="Consolas" pitchFamily="49" charset="0"/>
               </a:rPr>
-              <a:t>this.v</a:t>
+              <a:t>main</a:t>
             </a:r>
             <a:r>
               <a:rPr lang="de-CH" sz="1800" spc="-150" dirty="0" smtClean="0">
                 <a:latin typeface="Consolas" pitchFamily="49" charset="0"/>
                 <a:cs typeface="Consolas" pitchFamily="49" charset="0"/>
               </a:rPr>
-              <a:t> + d; }</a:t>
+              <a:t>() {</a:t>
             </a:r>
           </a:p>
           <a:p>
@@ -10561,10 +11051,55 @@
                 <a:tab pos="627063" algn="l"/>
               </a:tabLst>
             </a:pPr>
-            <a:endParaRPr lang="de-CH" sz="1800" spc="-150" dirty="0" smtClean="0">
-              <a:latin typeface="Consolas" pitchFamily="49" charset="0"/>
-              <a:cs typeface="Consolas" pitchFamily="49" charset="0"/>
-            </a:endParaRPr>
+            <a:r>
+              <a:rPr lang="de-CH" sz="1800" spc="-150" dirty="0" smtClean="0">
+                <a:latin typeface="Consolas" pitchFamily="49" charset="0"/>
+                <a:cs typeface="Consolas" pitchFamily="49" charset="0"/>
+              </a:rPr>
+              <a:t>		</a:t>
+            </a:r>
+            <a:r>
+              <a:rPr lang="de-CH" sz="1800" spc="-150" dirty="0" err="1" smtClean="0">
+                <a:latin typeface="Consolas" pitchFamily="49" charset="0"/>
+                <a:cs typeface="Consolas" pitchFamily="49" charset="0"/>
+              </a:rPr>
+              <a:t>var</a:t>
+            </a:r>
+            <a:r>
+              <a:rPr lang="de-CH" sz="1800" spc="-150" dirty="0" smtClean="0">
+                <a:latin typeface="Consolas" pitchFamily="49" charset="0"/>
+                <a:cs typeface="Consolas" pitchFamily="49" charset="0"/>
+              </a:rPr>
+              <a:t> c:Cell := </a:t>
+            </a:r>
+            <a:r>
+              <a:rPr lang="de-CH" sz="1800" spc="-150" dirty="0" err="1" smtClean="0">
+                <a:latin typeface="Consolas" pitchFamily="49" charset="0"/>
+                <a:cs typeface="Consolas" pitchFamily="49" charset="0"/>
+              </a:rPr>
+              <a:t>new</a:t>
+            </a:r>
+            <a:r>
+              <a:rPr lang="de-CH" sz="1800" spc="-150" dirty="0" smtClean="0">
+                <a:latin typeface="Consolas" pitchFamily="49" charset="0"/>
+                <a:cs typeface="Consolas" pitchFamily="49" charset="0"/>
+              </a:rPr>
+              <a:t> </a:t>
+            </a:r>
+            <a:r>
+              <a:rPr lang="de-CH" sz="1800" spc="-150" dirty="0" err="1" smtClean="0">
+                <a:latin typeface="Consolas" pitchFamily="49" charset="0"/>
+                <a:cs typeface="Consolas" pitchFamily="49" charset="0"/>
+              </a:rPr>
+              <a:t>Cell</a:t>
+            </a:r>
+            <a:r>
+              <a:rPr lang="de-CH" sz="1800" spc="-150" dirty="0" smtClean="0">
+                <a:latin typeface="Consolas" pitchFamily="49" charset="0"/>
+                <a:cs typeface="Consolas" pitchFamily="49" charset="0"/>
+              </a:rPr>
+              <a:t>;</a:t>
+            </a:r>
           </a:p>
           <a:p>
             <a:pPr marL="0" indent="0">
@@ -10576,11 +11111,32 @@
               </a:tabLst>
             </a:pPr>
             <a:r>
+              <a:rPr lang="de-CH" sz="1800" spc="-150" dirty="0">
+                <a:latin typeface="Consolas" pitchFamily="49" charset="0"/>
+                <a:cs typeface="Consolas" pitchFamily="49" charset="0"/>
+              </a:rPr>
+              <a:t>	</a:t>
+            </a:r>
+            <a:r>
               <a:rPr lang="de-CH" sz="1800" spc="-150" dirty="0" smtClean="0">
                 <a:latin typeface="Consolas" pitchFamily="49" charset="0"/>
                 <a:cs typeface="Consolas" pitchFamily="49" charset="0"/>
               </a:rPr>
-              <a:t>	…</a:t>
+              <a:t>	</a:t>
+            </a:r>
+            <a:r>
+              <a:rPr lang="de-CH" sz="1800" spc="-150" dirty="0" err="1" smtClean="0">
+                <a:latin typeface="Consolas" pitchFamily="49" charset="0"/>
+                <a:cs typeface="Consolas" pitchFamily="49" charset="0"/>
+              </a:rPr>
+              <a:t>c.v</a:t>
+            </a:r>
+            <a:r>
+              <a:rPr lang="de-CH" sz="1800" spc="-150" dirty="0" smtClean="0">
+                <a:latin typeface="Consolas" pitchFamily="49" charset="0"/>
+                <a:cs typeface="Consolas" pitchFamily="49" charset="0"/>
+              </a:rPr>
+              <a:t> := 3;</a:t>
             </a:r>
           </a:p>
           <a:p>
@@ -10593,6 +11149,142 @@
               </a:tabLst>
             </a:pPr>
             <a:r>
+              <a:rPr lang="de-CH" sz="1800" spc="-150" dirty="0">
+                <a:latin typeface="Consolas" pitchFamily="49" charset="0"/>
+                <a:cs typeface="Consolas" pitchFamily="49" charset="0"/>
+              </a:rPr>
+              <a:t>	</a:t>
+            </a:r>
+            <a:r>
+              <a:rPr lang="de-CH" sz="1800" spc="-150" dirty="0" smtClean="0">
+                <a:latin typeface="Consolas" pitchFamily="49" charset="0"/>
+                <a:cs typeface="Consolas" pitchFamily="49" charset="0"/>
+              </a:rPr>
+              <a:t>	</a:t>
+            </a:r>
+            <a:r>
+              <a:rPr lang="de-CH" sz="1800" spc="-150" dirty="0" err="1" smtClean="0">
+                <a:latin typeface="Consolas" pitchFamily="49" charset="0"/>
+                <a:cs typeface="Consolas" pitchFamily="49" charset="0"/>
+              </a:rPr>
+              <a:t>share</a:t>
+            </a:r>
+            <a:r>
+              <a:rPr lang="de-CH" sz="1800" spc="-150" dirty="0" smtClean="0">
+                <a:latin typeface="Consolas" pitchFamily="49" charset="0"/>
+                <a:cs typeface="Consolas" pitchFamily="49" charset="0"/>
+              </a:rPr>
+              <a:t> c;</a:t>
+            </a:r>
+          </a:p>
+          <a:p>
+            <a:pPr marL="0" indent="0">
+              <a:buNone/>
+              <a:tabLst>
+                <a:tab pos="177800" algn="l"/>
+                <a:tab pos="355600" algn="l"/>
+                <a:tab pos="627063" algn="l"/>
+              </a:tabLst>
+            </a:pPr>
+            <a:endParaRPr lang="de-CH" sz="1800" spc="-150" dirty="0">
+              <a:latin typeface="Consolas" pitchFamily="49" charset="0"/>
+              <a:cs typeface="Consolas" pitchFamily="49" charset="0"/>
+            </a:endParaRPr>
+          </a:p>
+          <a:p>
+            <a:pPr marL="0" indent="0">
+              <a:buNone/>
+              <a:tabLst>
+                <a:tab pos="177800" algn="l"/>
+                <a:tab pos="355600" algn="l"/>
+                <a:tab pos="627063" algn="l"/>
+              </a:tabLst>
+            </a:pPr>
+            <a:r>
+              <a:rPr lang="de-CH" sz="1800" spc="-150" dirty="0" smtClean="0">
+                <a:latin typeface="Consolas" pitchFamily="49" charset="0"/>
+                <a:cs typeface="Consolas" pitchFamily="49" charset="0"/>
+              </a:rPr>
+              <a:t>		</a:t>
+            </a:r>
+            <a:r>
+              <a:rPr lang="de-CH" sz="1800" spc="-150" dirty="0" err="1" smtClean="0">
+                <a:latin typeface="Consolas" pitchFamily="49" charset="0"/>
+                <a:cs typeface="Consolas" pitchFamily="49" charset="0"/>
+              </a:rPr>
+              <a:t>acquire</a:t>
+            </a:r>
+            <a:r>
+              <a:rPr lang="de-CH" sz="1800" spc="-150" dirty="0" smtClean="0">
+                <a:latin typeface="Consolas" pitchFamily="49" charset="0"/>
+                <a:cs typeface="Consolas" pitchFamily="49" charset="0"/>
+              </a:rPr>
+              <a:t> c; </a:t>
+            </a:r>
+            <a:r>
+              <a:rPr lang="de-CH" sz="1800" spc="-150" dirty="0" err="1" smtClean="0">
+                <a:latin typeface="Consolas" pitchFamily="49" charset="0"/>
+                <a:cs typeface="Consolas" pitchFamily="49" charset="0"/>
+              </a:rPr>
+              <a:t>call</a:t>
+            </a:r>
+            <a:r>
+              <a:rPr lang="de-CH" sz="1800" spc="-150" dirty="0" smtClean="0">
+                <a:latin typeface="Consolas" pitchFamily="49" charset="0"/>
+                <a:cs typeface="Consolas" pitchFamily="49" charset="0"/>
+              </a:rPr>
+              <a:t> c.inc(2); </a:t>
+            </a:r>
+            <a:r>
+              <a:rPr lang="de-CH" sz="1800" spc="-150" dirty="0" err="1" smtClean="0">
+                <a:latin typeface="Consolas" pitchFamily="49" charset="0"/>
+                <a:cs typeface="Consolas" pitchFamily="49" charset="0"/>
+              </a:rPr>
+              <a:t>release</a:t>
+            </a:r>
+            <a:r>
+              <a:rPr lang="de-CH" sz="1800" spc="-150" dirty="0" smtClean="0">
+                <a:latin typeface="Consolas" pitchFamily="49" charset="0"/>
+                <a:cs typeface="Consolas" pitchFamily="49" charset="0"/>
+              </a:rPr>
+              <a:t> c;</a:t>
+            </a:r>
+            <a:endParaRPr lang="de-CH" sz="1800" spc="-150" dirty="0">
+              <a:latin typeface="Consolas" pitchFamily="49" charset="0"/>
+              <a:cs typeface="Consolas" pitchFamily="49" charset="0"/>
+            </a:endParaRPr>
+          </a:p>
+          <a:p>
+            <a:pPr marL="0" indent="0">
+              <a:buNone/>
+              <a:tabLst>
+                <a:tab pos="177800" algn="l"/>
+                <a:tab pos="355600" algn="l"/>
+                <a:tab pos="627063" algn="l"/>
+              </a:tabLst>
+            </a:pPr>
+            <a:r>
+              <a:rPr lang="de-CH" sz="1800" spc="-150" dirty="0" smtClean="0">
+                <a:latin typeface="Consolas" pitchFamily="49" charset="0"/>
+                <a:cs typeface="Consolas" pitchFamily="49" charset="0"/>
+              </a:rPr>
+              <a:t>	}</a:t>
+            </a:r>
+            <a:endParaRPr lang="de-CH" sz="1800" spc="-150" dirty="0">
+              <a:latin typeface="Consolas" pitchFamily="49" charset="0"/>
+              <a:cs typeface="Consolas" pitchFamily="49" charset="0"/>
+            </a:endParaRPr>
+          </a:p>
+          <a:p>
+            <a:pPr marL="0" indent="0">
+              <a:buNone/>
+              <a:tabLst>
+                <a:tab pos="177800" algn="l"/>
+                <a:tab pos="355600" algn="l"/>
+                <a:tab pos="627063" algn="l"/>
+              </a:tabLst>
+            </a:pPr>
+            <a:r>
               <a:rPr lang="de-CH" sz="1800" spc="-150" dirty="0" smtClean="0">
                 <a:latin typeface="Consolas" pitchFamily="49" charset="0"/>
                 <a:cs typeface="Consolas" pitchFamily="49" charset="0"/>
@@ -10632,13 +11324,20 @@
     </p:spTree>
     <p:extLst>
       <p:ext uri="{BB962C8B-B14F-4D97-AF65-F5344CB8AC3E}">
-        <p14:creationId xmlns:p14="http://schemas.microsoft.com/office/powerpoint/2010/main" val="1962121807"/>
+        <p14:creationId xmlns:p14="http://schemas.microsoft.com/office/powerpoint/2010/main" val="3490366721"/>
       </p:ext>
     </p:extLst>
   </p:cSld>
   <p:clrMapOvr>
     <a:masterClrMapping/>
   </p:clrMapOvr>
+  <p:timing>
+    <p:tnLst>
+      <p:par>
+        <p:cTn id="1" dur="indefinite" restart="never" nodeType="tmRoot"/>
+      </p:par>
+    </p:tnLst>
+  </p:timing>
 </p:sld>
 </file>
 
@@ -10734,13 +11433,6 @@
             </a:r>
             <a:endParaRPr lang="de-CH" dirty="0" smtClean="0"/>
           </a:p>
-          <a:p>
-            <a:r>
-              <a:rPr lang="de-CH" dirty="0" err="1" smtClean="0"/>
-              <a:t>Fork-Join</a:t>
-            </a:r>
-            <a:endParaRPr lang="en-GB" dirty="0"/>
-          </a:p>
         </p:txBody>
       </p:sp>
       <p:sp>
@@ -10784,14 +11476,7 @@
                 <a:latin typeface="Consolas" pitchFamily="49" charset="0"/>
                 <a:cs typeface="Consolas" pitchFamily="49" charset="0"/>
               </a:rPr>
-              <a:t>{ </a:t>
-            </a:r>
-            <a:r>
-              <a:rPr lang="de-CH" sz="1800" spc="-150" dirty="0" smtClean="0">
-                <a:latin typeface="Consolas" pitchFamily="49" charset="0"/>
-                <a:cs typeface="Consolas" pitchFamily="49" charset="0"/>
-              </a:rPr>
-              <a:t>… }</a:t>
+              <a:t>{</a:t>
             </a:r>
           </a:p>
           <a:p>
@@ -10803,32 +11488,39 @@
               </a:tabLst>
             </a:pPr>
             <a:r>
-              <a:rPr lang="de-CH" sz="1800" spc="-150" dirty="0" err="1" smtClean="0">
-                <a:latin typeface="Consolas" pitchFamily="49" charset="0"/>
-                <a:cs typeface="Consolas" pitchFamily="49" charset="0"/>
-              </a:rPr>
-              <a:t>class</a:t>
-            </a:r>
-            <a:r>
-              <a:rPr lang="de-CH" sz="1800" spc="-150" dirty="0" smtClean="0">
-                <a:latin typeface="Consolas" pitchFamily="49" charset="0"/>
-                <a:cs typeface="Consolas" pitchFamily="49" charset="0"/>
-              </a:rPr>
-              <a:t> </a:t>
-            </a:r>
-            <a:r>
-              <a:rPr lang="de-CH" sz="1800" spc="-150" dirty="0" err="1" smtClean="0">
-                <a:latin typeface="Consolas" pitchFamily="49" charset="0"/>
-                <a:cs typeface="Consolas" pitchFamily="49" charset="0"/>
-              </a:rPr>
-              <a:t>Program</a:t>
-            </a:r>
-            <a:r>
-              <a:rPr lang="de-CH" sz="1800" spc="-150" dirty="0" smtClean="0">
-                <a:latin typeface="Consolas" pitchFamily="49" charset="0"/>
-                <a:cs typeface="Consolas" pitchFamily="49" charset="0"/>
-              </a:rPr>
-              <a:t> {</a:t>
+              <a:rPr lang="en-GB" sz="1800" spc="-150" dirty="0" smtClean="0">
+                <a:latin typeface="Consolas" pitchFamily="49" charset="0"/>
+                <a:cs typeface="Consolas" pitchFamily="49" charset="0"/>
+              </a:rPr>
+              <a:t>	</a:t>
+            </a:r>
+            <a:r>
+              <a:rPr lang="en-GB" sz="1800" spc="-150" dirty="0" err="1" smtClean="0">
+                <a:latin typeface="Consolas" pitchFamily="49" charset="0"/>
+                <a:cs typeface="Consolas" pitchFamily="49" charset="0"/>
+              </a:rPr>
+              <a:t>var</a:t>
+            </a:r>
+            <a:r>
+              <a:rPr lang="en-GB" sz="1800" spc="-150" dirty="0" smtClean="0">
+                <a:latin typeface="Consolas" pitchFamily="49" charset="0"/>
+                <a:cs typeface="Consolas" pitchFamily="49" charset="0"/>
+              </a:rPr>
+              <a:t> v: </a:t>
+            </a:r>
+            <a:r>
+              <a:rPr lang="en-GB" sz="1800" spc="-150" dirty="0" err="1" smtClean="0">
+                <a:latin typeface="Consolas" pitchFamily="49" charset="0"/>
+                <a:cs typeface="Consolas" pitchFamily="49" charset="0"/>
+              </a:rPr>
+              <a:t>int</a:t>
+            </a:r>
+            <a:r>
+              <a:rPr lang="en-GB" sz="1800" spc="-150" dirty="0" smtClean="0">
+                <a:latin typeface="Consolas" pitchFamily="49" charset="0"/>
+                <a:cs typeface="Consolas" pitchFamily="49" charset="0"/>
+              </a:rPr>
+              <a:t>;</a:t>
             </a:r>
           </a:p>
           <a:p>
@@ -10839,41 +11531,10 @@
                 <a:tab pos="355600" algn="l"/>
               </a:tabLst>
             </a:pPr>
-            <a:r>
-              <a:rPr lang="de-CH" sz="1800" spc="-150" dirty="0" smtClean="0">
-                <a:latin typeface="Consolas" pitchFamily="49" charset="0"/>
-                <a:cs typeface="Consolas" pitchFamily="49" charset="0"/>
-              </a:rPr>
-              <a:t>	</a:t>
-            </a:r>
-            <a:r>
-              <a:rPr lang="de-CH" sz="1800" spc="-150" dirty="0" err="1" smtClean="0">
-                <a:latin typeface="Consolas" pitchFamily="49" charset="0"/>
-                <a:cs typeface="Consolas" pitchFamily="49" charset="0"/>
-              </a:rPr>
-              <a:t>method</a:t>
-            </a:r>
-            <a:r>
-              <a:rPr lang="de-CH" sz="1800" spc="-150" dirty="0" smtClean="0">
-                <a:latin typeface="Consolas" pitchFamily="49" charset="0"/>
-                <a:cs typeface="Consolas" pitchFamily="49" charset="0"/>
-              </a:rPr>
-              <a:t> </a:t>
-            </a:r>
-            <a:r>
-              <a:rPr lang="de-CH" sz="1800" spc="-150" dirty="0" err="1" smtClean="0">
-                <a:latin typeface="Consolas" pitchFamily="49" charset="0"/>
-                <a:cs typeface="Consolas" pitchFamily="49" charset="0"/>
-              </a:rPr>
-              <a:t>main</a:t>
-            </a:r>
-            <a:r>
-              <a:rPr lang="de-CH" sz="1800" spc="-150" dirty="0" smtClean="0">
-                <a:latin typeface="Consolas" pitchFamily="49" charset="0"/>
-                <a:cs typeface="Consolas" pitchFamily="49" charset="0"/>
-              </a:rPr>
-              <a:t>()  {</a:t>
-            </a:r>
+            <a:endParaRPr lang="en-GB" sz="1800" spc="-150" dirty="0" smtClean="0">
+              <a:latin typeface="Consolas" pitchFamily="49" charset="0"/>
+              <a:cs typeface="Consolas" pitchFamily="49" charset="0"/>
+            </a:endParaRPr>
           </a:p>
           <a:p>
             <a:pPr marL="0" indent="0">
@@ -10884,53 +11545,11 @@
               </a:tabLst>
             </a:pPr>
             <a:r>
-              <a:rPr lang="de-CH" sz="1800" spc="-150" dirty="0" smtClean="0">
-                <a:latin typeface="Consolas" pitchFamily="49" charset="0"/>
-                <a:cs typeface="Consolas" pitchFamily="49" charset="0"/>
-              </a:rPr>
-              <a:t>		</a:t>
-            </a:r>
-            <a:r>
-              <a:rPr lang="de-CH" sz="1800" spc="-150" dirty="0" err="1" smtClean="0">
-                <a:latin typeface="Consolas" pitchFamily="49" charset="0"/>
-                <a:cs typeface="Consolas" pitchFamily="49" charset="0"/>
-              </a:rPr>
-              <a:t>var</a:t>
-            </a:r>
-            <a:r>
-              <a:rPr lang="de-CH" sz="1800" spc="-150" dirty="0" smtClean="0">
-                <a:latin typeface="Consolas" pitchFamily="49" charset="0"/>
-                <a:cs typeface="Consolas" pitchFamily="49" charset="0"/>
-              </a:rPr>
-              <a:t> c1:Cell := </a:t>
-            </a:r>
-            <a:r>
-              <a:rPr lang="de-CH" sz="1800" spc="-150" dirty="0" err="1" smtClean="0">
-                <a:latin typeface="Consolas" pitchFamily="49" charset="0"/>
-                <a:cs typeface="Consolas" pitchFamily="49" charset="0"/>
-              </a:rPr>
-              <a:t>new</a:t>
-            </a:r>
-            <a:r>
-              <a:rPr lang="de-CH" sz="1800" spc="-150" dirty="0" smtClean="0">
-                <a:latin typeface="Consolas" pitchFamily="49" charset="0"/>
-                <a:cs typeface="Consolas" pitchFamily="49" charset="0"/>
-              </a:rPr>
-              <a:t> </a:t>
-            </a:r>
-            <a:r>
-              <a:rPr lang="de-CH" sz="1800" spc="-150" dirty="0" err="1" smtClean="0">
-                <a:latin typeface="Consolas" pitchFamily="49" charset="0"/>
-                <a:cs typeface="Consolas" pitchFamily="49" charset="0"/>
-              </a:rPr>
-              <a:t>Cell</a:t>
-            </a:r>
-            <a:r>
-              <a:rPr lang="de-CH" sz="1800" spc="-150" dirty="0" smtClean="0">
-                <a:latin typeface="Consolas" pitchFamily="49" charset="0"/>
-                <a:cs typeface="Consolas" pitchFamily="49" charset="0"/>
-              </a:rPr>
-              <a:t>;</a:t>
+              <a:rPr lang="en-GB" sz="1800" spc="-150" dirty="0" smtClean="0">
+                <a:latin typeface="Consolas" pitchFamily="49" charset="0"/>
+                <a:cs typeface="Consolas" pitchFamily="49" charset="0"/>
+              </a:rPr>
+              <a:t>	predicate valid</a:t>
             </a:r>
           </a:p>
           <a:p>
@@ -10939,63 +11558,57 @@
               <a:tabLst>
                 <a:tab pos="177800" algn="l"/>
                 <a:tab pos="355600" algn="l"/>
+                <a:tab pos="627063" algn="l"/>
               </a:tabLst>
             </a:pPr>
             <a:r>
-              <a:rPr lang="de-CH" sz="1800" spc="-150" dirty="0">
-                <a:latin typeface="Consolas" pitchFamily="49" charset="0"/>
-                <a:cs typeface="Consolas" pitchFamily="49" charset="0"/>
-              </a:rPr>
-              <a:t>	</a:t>
-            </a:r>
-            <a:r>
               <a:rPr lang="de-CH" sz="1800" spc="-150" dirty="0" smtClean="0">
                 <a:latin typeface="Consolas" pitchFamily="49" charset="0"/>
                 <a:cs typeface="Consolas" pitchFamily="49" charset="0"/>
               </a:rPr>
-              <a:t>	</a:t>
+              <a:t>	{	</a:t>
             </a:r>
             <a:r>
               <a:rPr lang="de-CH" sz="1800" spc="-150" dirty="0" err="1" smtClean="0">
                 <a:latin typeface="Consolas" pitchFamily="49" charset="0"/>
                 <a:cs typeface="Consolas" pitchFamily="49" charset="0"/>
               </a:rPr>
-              <a:t>var</a:t>
+              <a:t>acc</a:t>
             </a:r>
             <a:r>
               <a:rPr lang="de-CH" sz="1800" spc="-150" dirty="0" smtClean="0">
                 <a:latin typeface="Consolas" pitchFamily="49" charset="0"/>
                 <a:cs typeface="Consolas" pitchFamily="49" charset="0"/>
               </a:rPr>
-              <a:t> c2:Cell := </a:t>
+              <a:t>(</a:t>
             </a:r>
             <a:r>
               <a:rPr lang="de-CH" sz="1800" spc="-150" dirty="0" err="1" smtClean="0">
                 <a:latin typeface="Consolas" pitchFamily="49" charset="0"/>
                 <a:cs typeface="Consolas" pitchFamily="49" charset="0"/>
               </a:rPr>
-              <a:t>new</a:t>
+              <a:t>this.v</a:t>
             </a:r>
             <a:r>
               <a:rPr lang="de-CH" sz="1800" spc="-150" dirty="0" smtClean="0">
                 <a:latin typeface="Consolas" pitchFamily="49" charset="0"/>
                 <a:cs typeface="Consolas" pitchFamily="49" charset="0"/>
               </a:rPr>
-              <a:t> </a:t>
+              <a:t>) &amp;&amp; 0 &lt;= </a:t>
             </a:r>
             <a:r>
               <a:rPr lang="de-CH" sz="1800" spc="-150" dirty="0" err="1" smtClean="0">
                 <a:latin typeface="Consolas" pitchFamily="49" charset="0"/>
                 <a:cs typeface="Consolas" pitchFamily="49" charset="0"/>
               </a:rPr>
-              <a:t>Cell</a:t>
+              <a:t>this.v</a:t>
             </a:r>
             <a:r>
               <a:rPr lang="de-CH" sz="1800" spc="-150" dirty="0" smtClean="0">
                 <a:latin typeface="Consolas" pitchFamily="49" charset="0"/>
                 <a:cs typeface="Consolas" pitchFamily="49" charset="0"/>
               </a:rPr>
-              <a:t>;</a:t>
+              <a:t> }</a:t>
             </a:r>
           </a:p>
           <a:p>
@@ -11004,22 +11617,13 @@
               <a:tabLst>
                 <a:tab pos="177800" algn="l"/>
                 <a:tab pos="355600" algn="l"/>
+                <a:tab pos="627063" algn="l"/>
               </a:tabLst>
             </a:pPr>
-            <a:r>
-              <a:rPr lang="de-CH" sz="1800" spc="-150" dirty="0">
-                <a:latin typeface="Consolas" pitchFamily="49" charset="0"/>
-                <a:cs typeface="Consolas" pitchFamily="49" charset="0"/>
-              </a:rPr>
-              <a:t>	</a:t>
-            </a:r>
-            <a:r>
-              <a:rPr lang="de-CH" sz="1800" spc="-150" dirty="0" smtClean="0">
-                <a:latin typeface="Consolas" pitchFamily="49" charset="0"/>
-                <a:cs typeface="Consolas" pitchFamily="49" charset="0"/>
-              </a:rPr>
-              <a:t>	c1.v := 0; c2.v := 5;</a:t>
-            </a:r>
+            <a:endParaRPr lang="de-CH" sz="1800" spc="-150" dirty="0" smtClean="0">
+              <a:latin typeface="Consolas" pitchFamily="49" charset="0"/>
+              <a:cs typeface="Consolas" pitchFamily="49" charset="0"/>
+            </a:endParaRPr>
           </a:p>
           <a:p>
             <a:pPr marL="0" indent="0">
@@ -11027,35 +11631,71 @@
               <a:tabLst>
                 <a:tab pos="177800" algn="l"/>
                 <a:tab pos="355600" algn="l"/>
+                <a:tab pos="627063" algn="l"/>
               </a:tabLst>
             </a:pPr>
             <a:r>
-              <a:rPr lang="de-CH" sz="1800" spc="-150" dirty="0">
+              <a:rPr lang="de-CH" sz="1800" spc="-150" dirty="0" smtClean="0">
                 <a:latin typeface="Consolas" pitchFamily="49" charset="0"/>
                 <a:cs typeface="Consolas" pitchFamily="49" charset="0"/>
               </a:rPr>
               <a:t>	</a:t>
             </a:r>
             <a:r>
+              <a:rPr lang="de-CH" sz="1800" spc="-150" dirty="0" err="1" smtClean="0">
+                <a:latin typeface="Consolas" pitchFamily="49" charset="0"/>
+                <a:cs typeface="Consolas" pitchFamily="49" charset="0"/>
+              </a:rPr>
+              <a:t>function</a:t>
+            </a:r>
+            <a:r>
               <a:rPr lang="de-CH" sz="1800" spc="-150" dirty="0" smtClean="0">
                 <a:latin typeface="Consolas" pitchFamily="49" charset="0"/>
                 <a:cs typeface="Consolas" pitchFamily="49" charset="0"/>
               </a:rPr>
-              <a:t>	</a:t>
+              <a:t> </a:t>
             </a:r>
             <a:r>
               <a:rPr lang="de-CH" sz="1800" spc="-150" dirty="0" err="1" smtClean="0">
                 <a:latin typeface="Consolas" pitchFamily="49" charset="0"/>
                 <a:cs typeface="Consolas" pitchFamily="49" charset="0"/>
               </a:rPr>
-              <a:t>fork</a:t>
+              <a:t>add</a:t>
             </a:r>
             <a:r>
               <a:rPr lang="de-CH" sz="1800" spc="-150" dirty="0" smtClean="0">
                 <a:latin typeface="Consolas" pitchFamily="49" charset="0"/>
                 <a:cs typeface="Consolas" pitchFamily="49" charset="0"/>
               </a:rPr>
-              <a:t> tk1 = c1.inc(3);</a:t>
+              <a:t>(</a:t>
+            </a:r>
+            <a:r>
+              <a:rPr lang="de-CH" sz="1800" spc="-150" dirty="0" err="1" smtClean="0">
+                <a:latin typeface="Consolas" pitchFamily="49" charset="0"/>
+                <a:cs typeface="Consolas" pitchFamily="49" charset="0"/>
+              </a:rPr>
+              <a:t>d:int</a:t>
+            </a:r>
+            <a:r>
+              <a:rPr lang="de-CH" sz="1800" spc="-150" dirty="0" smtClean="0">
+                <a:latin typeface="Consolas" pitchFamily="49" charset="0"/>
+                <a:cs typeface="Consolas" pitchFamily="49" charset="0"/>
+              </a:rPr>
+              <a:t>) </a:t>
+            </a:r>
+            <a:r>
+              <a:rPr lang="de-CH" sz="1800" spc="-150" dirty="0" err="1" smtClean="0">
+                <a:latin typeface="Consolas" pitchFamily="49" charset="0"/>
+                <a:cs typeface="Consolas" pitchFamily="49" charset="0"/>
+              </a:rPr>
+              <a:t>requires</a:t>
+            </a:r>
+            <a:r>
+              <a:rPr lang="de-CH" sz="1800" spc="-150" dirty="0" smtClean="0">
+                <a:latin typeface="Consolas" pitchFamily="49" charset="0"/>
+                <a:cs typeface="Consolas" pitchFamily="49" charset="0"/>
+              </a:rPr>
+              <a:t> valid;</a:t>
             </a:r>
           </a:p>
           <a:p>
@@ -11064,35 +11704,43 @@
               <a:tabLst>
                 <a:tab pos="177800" algn="l"/>
                 <a:tab pos="355600" algn="l"/>
+                <a:tab pos="627063" algn="l"/>
               </a:tabLst>
             </a:pPr>
             <a:r>
-              <a:rPr lang="de-CH" sz="1800" spc="-150" dirty="0">
-                <a:latin typeface="Consolas" pitchFamily="49" charset="0"/>
-                <a:cs typeface="Consolas" pitchFamily="49" charset="0"/>
-              </a:rPr>
-              <a:t>	</a:t>
-            </a:r>
-            <a:r>
               <a:rPr lang="de-CH" sz="1800" spc="-150" dirty="0" smtClean="0">
                 <a:latin typeface="Consolas" pitchFamily="49" charset="0"/>
                 <a:cs typeface="Consolas" pitchFamily="49" charset="0"/>
               </a:rPr>
-              <a:t>	</a:t>
+              <a:t>	{ </a:t>
             </a:r>
             <a:r>
               <a:rPr lang="de-CH" sz="1800" spc="-150" dirty="0" err="1" smtClean="0">
                 <a:latin typeface="Consolas" pitchFamily="49" charset="0"/>
                 <a:cs typeface="Consolas" pitchFamily="49" charset="0"/>
               </a:rPr>
-              <a:t>fork</a:t>
+              <a:t>unfolding</a:t>
             </a:r>
             <a:r>
               <a:rPr lang="de-CH" sz="1800" spc="-150" dirty="0" smtClean="0">
                 <a:latin typeface="Consolas" pitchFamily="49" charset="0"/>
                 <a:cs typeface="Consolas" pitchFamily="49" charset="0"/>
               </a:rPr>
-              <a:t> tk2 = c2.inc(1);</a:t>
+              <a:t> valid in </a:t>
+            </a:r>
+            <a:r>
+              <a:rPr lang="de-CH" sz="1800" spc="-150" dirty="0" err="1" smtClean="0">
+                <a:latin typeface="Consolas" pitchFamily="49" charset="0"/>
+                <a:cs typeface="Consolas" pitchFamily="49" charset="0"/>
+              </a:rPr>
+              <a:t>this.v</a:t>
+            </a:r>
+            <a:r>
+              <a:rPr lang="de-CH" sz="1800" spc="-150" dirty="0" smtClean="0">
+                <a:latin typeface="Consolas" pitchFamily="49" charset="0"/>
+                <a:cs typeface="Consolas" pitchFamily="49" charset="0"/>
+              </a:rPr>
+              <a:t> + d; }</a:t>
             </a:r>
           </a:p>
           <a:p>
@@ -11101,36 +11749,13 @@
               <a:tabLst>
                 <a:tab pos="177800" algn="l"/>
                 <a:tab pos="355600" algn="l"/>
+                <a:tab pos="627063" algn="l"/>
               </a:tabLst>
             </a:pPr>
-            <a:r>
-              <a:rPr lang="de-CH" sz="1800" spc="-150" dirty="0">
-                <a:latin typeface="Consolas" pitchFamily="49" charset="0"/>
-                <a:cs typeface="Consolas" pitchFamily="49" charset="0"/>
-              </a:rPr>
-              <a:t>	</a:t>
-            </a:r>
-            <a:r>
-              <a:rPr lang="de-CH" sz="1800" spc="-150" dirty="0" smtClean="0">
-                <a:latin typeface="Consolas" pitchFamily="49" charset="0"/>
-                <a:cs typeface="Consolas" pitchFamily="49" charset="0"/>
-              </a:rPr>
-              <a:t>	</a:t>
-            </a:r>
-            <a:r>
-              <a:rPr lang="de-CH" sz="1800" spc="-150" dirty="0" err="1" smtClean="0">
-                <a:latin typeface="Consolas" pitchFamily="49" charset="0"/>
-                <a:cs typeface="Consolas" pitchFamily="49" charset="0"/>
-              </a:rPr>
-              <a:t>join</a:t>
-            </a:r>
-            <a:r>
-              <a:rPr lang="de-CH" sz="1800" spc="-150" dirty="0" smtClean="0">
-                <a:latin typeface="Consolas" pitchFamily="49" charset="0"/>
-                <a:cs typeface="Consolas" pitchFamily="49" charset="0"/>
-              </a:rPr>
-              <a:t> f1 := tk1;</a:t>
-            </a:r>
+            <a:endParaRPr lang="de-CH" sz="1800" spc="-150" dirty="0" smtClean="0">
+              <a:latin typeface="Consolas" pitchFamily="49" charset="0"/>
+              <a:cs typeface="Consolas" pitchFamily="49" charset="0"/>
+            </a:endParaRPr>
           </a:p>
           <a:p>
             <a:pPr marL="0" indent="0">
@@ -11138,40 +11763,16 @@
               <a:tabLst>
                 <a:tab pos="177800" algn="l"/>
                 <a:tab pos="355600" algn="l"/>
+                <a:tab pos="627063" algn="l"/>
               </a:tabLst>
             </a:pPr>
             <a:r>
-              <a:rPr lang="de-CH" sz="1800" spc="-150" dirty="0">
-                <a:latin typeface="Consolas" pitchFamily="49" charset="0"/>
-                <a:cs typeface="Consolas" pitchFamily="49" charset="0"/>
-              </a:rPr>
-              <a:t>	</a:t>
-            </a:r>
-            <a:r>
               <a:rPr lang="de-CH" sz="1800" spc="-150" dirty="0" smtClean="0">
                 <a:latin typeface="Consolas" pitchFamily="49" charset="0"/>
                 <a:cs typeface="Consolas" pitchFamily="49" charset="0"/>
               </a:rPr>
-              <a:t>	</a:t>
-            </a:r>
-            <a:r>
-              <a:rPr lang="de-CH" sz="1800" spc="-150" dirty="0" err="1" smtClean="0">
-                <a:latin typeface="Consolas" pitchFamily="49" charset="0"/>
-                <a:cs typeface="Consolas" pitchFamily="49" charset="0"/>
-              </a:rPr>
-              <a:t>join</a:t>
-            </a:r>
-            <a:r>
-              <a:rPr lang="de-CH" sz="1800" spc="-150" dirty="0" smtClean="0">
-                <a:latin typeface="Consolas" pitchFamily="49" charset="0"/>
-                <a:cs typeface="Consolas" pitchFamily="49" charset="0"/>
-              </a:rPr>
-              <a:t> f2 := tk2;</a:t>
-            </a:r>
-            <a:endParaRPr lang="de-CH" sz="1800" spc="-150" dirty="0">
-              <a:latin typeface="Consolas" pitchFamily="49" charset="0"/>
-              <a:cs typeface="Consolas" pitchFamily="49" charset="0"/>
-            </a:endParaRPr>
+              <a:t>	…</a:t>
+            </a:r>
           </a:p>
           <a:p>
             <a:pPr marL="0" indent="0">
@@ -11179,26 +11780,7 @@
               <a:tabLst>
                 <a:tab pos="177800" algn="l"/>
                 <a:tab pos="355600" algn="l"/>
-              </a:tabLst>
-            </a:pPr>
-            <a:r>
-              <a:rPr lang="de-CH" sz="1800" spc="-150" dirty="0" smtClean="0">
-                <a:latin typeface="Consolas" pitchFamily="49" charset="0"/>
-                <a:cs typeface="Consolas" pitchFamily="49" charset="0"/>
-              </a:rPr>
-              <a:t>	}</a:t>
-            </a:r>
-            <a:endParaRPr lang="de-CH" sz="1800" spc="-150" dirty="0">
-              <a:latin typeface="Consolas" pitchFamily="49" charset="0"/>
-              <a:cs typeface="Consolas" pitchFamily="49" charset="0"/>
-            </a:endParaRPr>
-          </a:p>
-          <a:p>
-            <a:pPr marL="0" indent="0">
-              <a:buNone/>
-              <a:tabLst>
-                <a:tab pos="177800" algn="l"/>
-                <a:tab pos="355600" algn="l"/>
+                <a:tab pos="627063" algn="l"/>
               </a:tabLst>
             </a:pPr>
             <a:r>
@@ -11241,7 +11823,7 @@
     </p:spTree>
     <p:extLst>
       <p:ext uri="{BB962C8B-B14F-4D97-AF65-F5344CB8AC3E}">
-        <p14:creationId xmlns:p14="http://schemas.microsoft.com/office/powerpoint/2010/main" val="3194332371"/>
+        <p14:creationId xmlns:p14="http://schemas.microsoft.com/office/powerpoint/2010/main" val="1962121807"/>
       </p:ext>
     </p:extLst>
   </p:cSld>
@@ -11284,8 +11866,69 @@
           <a:lstStyle/>
           <a:p>
             <a:r>
+              <a:rPr lang="de-CH" dirty="0" err="1" smtClean="0"/>
+              <a:t>Chalice</a:t>
+            </a:r>
+            <a:endParaRPr lang="en-GB" dirty="0"/>
+          </a:p>
+        </p:txBody>
+      </p:sp>
+      <p:sp>
+        <p:nvSpPr>
+          <p:cNvPr id="3" name="Content Placeholder 2"/>
+          <p:cNvSpPr>
+            <a:spLocks noGrp="1"/>
+          </p:cNvSpPr>
+          <p:nvPr>
+            <p:ph sz="half" idx="1"/>
+          </p:nvPr>
+        </p:nvSpPr>
+        <p:spPr/>
+        <p:txBody>
+          <a:bodyPr>
+            <a:normAutofit/>
+          </a:bodyPr>
+          <a:lstStyle/>
+          <a:p>
+            <a:r>
+              <a:rPr lang="de-CH" dirty="0" err="1" smtClean="0"/>
+              <a:t>Annotated</a:t>
+            </a:r>
+            <a:r>
               <a:rPr lang="de-CH" dirty="0" smtClean="0"/>
-              <a:t>Chalice2SIL</a:t>
+              <a:t> </a:t>
+            </a:r>
+            <a:r>
+              <a:rPr lang="de-CH" dirty="0" err="1" smtClean="0"/>
+              <a:t>Methods</a:t>
+            </a:r>
+            <a:endParaRPr lang="de-CH" dirty="0" smtClean="0"/>
+          </a:p>
+          <a:p>
+            <a:r>
+              <a:rPr lang="de-CH" dirty="0" smtClean="0"/>
+              <a:t>Monitors</a:t>
+            </a:r>
+          </a:p>
+          <a:p>
+            <a:r>
+              <a:rPr lang="de-CH" dirty="0" err="1" smtClean="0"/>
+              <a:t>Predicates</a:t>
+            </a:r>
+            <a:r>
+              <a:rPr lang="de-CH" dirty="0" smtClean="0"/>
+              <a:t>/</a:t>
+            </a:r>
+            <a:r>
+              <a:rPr lang="de-CH" dirty="0" err="1" smtClean="0"/>
+              <a:t>Functions</a:t>
+            </a:r>
+            <a:endParaRPr lang="de-CH" dirty="0" smtClean="0"/>
+          </a:p>
+          <a:p>
+            <a:r>
+              <a:rPr lang="de-CH" dirty="0" err="1" smtClean="0"/>
+              <a:t>Fork-Join</a:t>
             </a:r>
             <a:endParaRPr lang="en-GB" dirty="0"/>
           </a:p>
@@ -11293,76 +11936,479 @@
       </p:sp>
       <p:sp>
         <p:nvSpPr>
-          <p:cNvPr id="3" name="Content Placeholder 2"/>
-          <p:cNvSpPr>
-            <a:spLocks noGrp="1"/>
-          </p:cNvSpPr>
-          <p:nvPr>
-            <p:ph idx="1"/>
-          </p:nvPr>
-        </p:nvSpPr>
-        <p:spPr/>
-        <p:txBody>
-          <a:bodyPr/>
-          <a:lstStyle/>
-          <a:p>
-            <a:r>
-              <a:rPr lang="en-GB" dirty="0" smtClean="0"/>
-              <a:t>First front-end </a:t>
-            </a:r>
-            <a:r>
-              <a:rPr lang="en-GB" smtClean="0"/>
-              <a:t>for SIL</a:t>
-            </a:r>
-            <a:endParaRPr lang="en-GB" dirty="0" smtClean="0"/>
-          </a:p>
-          <a:p>
-            <a:r>
-              <a:rPr lang="en-GB" dirty="0" smtClean="0"/>
-              <a:t>Help establish  and test the tool chain</a:t>
-            </a:r>
-          </a:p>
-          <a:p>
-            <a:r>
-              <a:rPr lang="en-GB" dirty="0" smtClean="0"/>
-              <a:t>Ideally no changes to Chalice</a:t>
-            </a:r>
-          </a:p>
-          <a:p>
-            <a:r>
-              <a:rPr lang="en-GB" dirty="0" smtClean="0"/>
-              <a:t>If enough time is left</a:t>
-            </a:r>
-          </a:p>
-          <a:p>
-            <a:pPr lvl="1"/>
-            <a:r>
-              <a:rPr lang="en-GB" dirty="0" smtClean="0"/>
-              <a:t>Predicates and functions</a:t>
-            </a:r>
-          </a:p>
-          <a:p>
-            <a:pPr lvl="1"/>
-            <a:r>
-              <a:rPr lang="en-GB" dirty="0" smtClean="0"/>
-              <a:t>Deadlock avoidance</a:t>
-            </a:r>
-          </a:p>
-          <a:p>
-            <a:pPr lvl="1"/>
-            <a:r>
-              <a:rPr lang="en-GB" dirty="0" smtClean="0"/>
-              <a:t>Channels (Actor model)</a:t>
-            </a:r>
-          </a:p>
-          <a:p>
-            <a:endParaRPr lang="en-GB" dirty="0"/>
-          </a:p>
-        </p:txBody>
-      </p:sp>
-      <p:sp>
-        <p:nvSpPr>
-          <p:cNvPr id="4" name="Slide Number Placeholder 3"/>
+          <p:cNvPr id="4" name="Content Placeholder 3"/>
+          <p:cNvSpPr>
+            <a:spLocks noGrp="1"/>
+          </p:cNvSpPr>
+          <p:nvPr>
+            <p:ph sz="half" idx="2"/>
+          </p:nvPr>
+        </p:nvSpPr>
+        <p:spPr>
+          <a:xfrm>
+            <a:off x="4648200" y="1600200"/>
+            <a:ext cx="4100264" cy="4853136"/>
+          </a:xfrm>
+        </p:spPr>
+        <p:txBody>
+          <a:bodyPr>
+            <a:normAutofit/>
+          </a:bodyPr>
+          <a:lstStyle/>
+          <a:p>
+            <a:pPr marL="0" indent="0">
+              <a:buNone/>
+              <a:tabLst>
+                <a:tab pos="177800" algn="l"/>
+                <a:tab pos="355600" algn="l"/>
+              </a:tabLst>
+            </a:pPr>
+            <a:r>
+              <a:rPr lang="en-GB" sz="1800" spc="-150" dirty="0">
+                <a:latin typeface="Consolas" pitchFamily="49" charset="0"/>
+                <a:cs typeface="Consolas" pitchFamily="49" charset="0"/>
+              </a:rPr>
+              <a:t>class Cell </a:t>
+            </a:r>
+            <a:r>
+              <a:rPr lang="en-GB" sz="1800" spc="-150" dirty="0" smtClean="0">
+                <a:latin typeface="Consolas" pitchFamily="49" charset="0"/>
+                <a:cs typeface="Consolas" pitchFamily="49" charset="0"/>
+              </a:rPr>
+              <a:t>{ </a:t>
+            </a:r>
+            <a:r>
+              <a:rPr lang="de-CH" sz="1800" spc="-150" dirty="0" smtClean="0">
+                <a:latin typeface="Consolas" pitchFamily="49" charset="0"/>
+                <a:cs typeface="Consolas" pitchFamily="49" charset="0"/>
+              </a:rPr>
+              <a:t>… }</a:t>
+            </a:r>
+          </a:p>
+          <a:p>
+            <a:pPr marL="0" indent="0">
+              <a:buNone/>
+              <a:tabLst>
+                <a:tab pos="177800" algn="l"/>
+                <a:tab pos="355600" algn="l"/>
+              </a:tabLst>
+            </a:pPr>
+            <a:r>
+              <a:rPr lang="de-CH" sz="1800" spc="-150" dirty="0" err="1" smtClean="0">
+                <a:latin typeface="Consolas" pitchFamily="49" charset="0"/>
+                <a:cs typeface="Consolas" pitchFamily="49" charset="0"/>
+              </a:rPr>
+              <a:t>class</a:t>
+            </a:r>
+            <a:r>
+              <a:rPr lang="de-CH" sz="1800" spc="-150" dirty="0" smtClean="0">
+                <a:latin typeface="Consolas" pitchFamily="49" charset="0"/>
+                <a:cs typeface="Consolas" pitchFamily="49" charset="0"/>
+              </a:rPr>
+              <a:t> </a:t>
+            </a:r>
+            <a:r>
+              <a:rPr lang="de-CH" sz="1800" spc="-150" dirty="0" err="1" smtClean="0">
+                <a:latin typeface="Consolas" pitchFamily="49" charset="0"/>
+                <a:cs typeface="Consolas" pitchFamily="49" charset="0"/>
+              </a:rPr>
+              <a:t>Program</a:t>
+            </a:r>
+            <a:r>
+              <a:rPr lang="de-CH" sz="1800" spc="-150" dirty="0" smtClean="0">
+                <a:latin typeface="Consolas" pitchFamily="49" charset="0"/>
+                <a:cs typeface="Consolas" pitchFamily="49" charset="0"/>
+              </a:rPr>
+              <a:t> {</a:t>
+            </a:r>
+          </a:p>
+          <a:p>
+            <a:pPr marL="0" indent="0">
+              <a:buNone/>
+              <a:tabLst>
+                <a:tab pos="177800" algn="l"/>
+                <a:tab pos="355600" algn="l"/>
+              </a:tabLst>
+            </a:pPr>
+            <a:r>
+              <a:rPr lang="de-CH" sz="1800" spc="-150" dirty="0" smtClean="0">
+                <a:latin typeface="Consolas" pitchFamily="49" charset="0"/>
+                <a:cs typeface="Consolas" pitchFamily="49" charset="0"/>
+              </a:rPr>
+              <a:t>	</a:t>
+            </a:r>
+            <a:r>
+              <a:rPr lang="de-CH" sz="1800" spc="-150" dirty="0" err="1" smtClean="0">
+                <a:latin typeface="Consolas" pitchFamily="49" charset="0"/>
+                <a:cs typeface="Consolas" pitchFamily="49" charset="0"/>
+              </a:rPr>
+              <a:t>method</a:t>
+            </a:r>
+            <a:r>
+              <a:rPr lang="de-CH" sz="1800" spc="-150" dirty="0" smtClean="0">
+                <a:latin typeface="Consolas" pitchFamily="49" charset="0"/>
+                <a:cs typeface="Consolas" pitchFamily="49" charset="0"/>
+              </a:rPr>
+              <a:t> </a:t>
+            </a:r>
+            <a:r>
+              <a:rPr lang="de-CH" sz="1800" spc="-150" dirty="0" err="1" smtClean="0">
+                <a:latin typeface="Consolas" pitchFamily="49" charset="0"/>
+                <a:cs typeface="Consolas" pitchFamily="49" charset="0"/>
+              </a:rPr>
+              <a:t>main</a:t>
+            </a:r>
+            <a:r>
+              <a:rPr lang="de-CH" sz="1800" spc="-150" dirty="0" smtClean="0">
+                <a:latin typeface="Consolas" pitchFamily="49" charset="0"/>
+                <a:cs typeface="Consolas" pitchFamily="49" charset="0"/>
+              </a:rPr>
+              <a:t>()  {</a:t>
+            </a:r>
+          </a:p>
+          <a:p>
+            <a:pPr marL="0" indent="0">
+              <a:buNone/>
+              <a:tabLst>
+                <a:tab pos="177800" algn="l"/>
+                <a:tab pos="355600" algn="l"/>
+              </a:tabLst>
+            </a:pPr>
+            <a:r>
+              <a:rPr lang="de-CH" sz="1800" spc="-150" dirty="0" smtClean="0">
+                <a:latin typeface="Consolas" pitchFamily="49" charset="0"/>
+                <a:cs typeface="Consolas" pitchFamily="49" charset="0"/>
+              </a:rPr>
+              <a:t>		</a:t>
+            </a:r>
+            <a:r>
+              <a:rPr lang="de-CH" sz="1800" spc="-150" dirty="0" err="1" smtClean="0">
+                <a:latin typeface="Consolas" pitchFamily="49" charset="0"/>
+                <a:cs typeface="Consolas" pitchFamily="49" charset="0"/>
+              </a:rPr>
+              <a:t>var</a:t>
+            </a:r>
+            <a:r>
+              <a:rPr lang="de-CH" sz="1800" spc="-150" dirty="0" smtClean="0">
+                <a:latin typeface="Consolas" pitchFamily="49" charset="0"/>
+                <a:cs typeface="Consolas" pitchFamily="49" charset="0"/>
+              </a:rPr>
+              <a:t> c1:Cell := </a:t>
+            </a:r>
+            <a:r>
+              <a:rPr lang="de-CH" sz="1800" spc="-150" dirty="0" err="1" smtClean="0">
+                <a:latin typeface="Consolas" pitchFamily="49" charset="0"/>
+                <a:cs typeface="Consolas" pitchFamily="49" charset="0"/>
+              </a:rPr>
+              <a:t>new</a:t>
+            </a:r>
+            <a:r>
+              <a:rPr lang="de-CH" sz="1800" spc="-150" dirty="0" smtClean="0">
+                <a:latin typeface="Consolas" pitchFamily="49" charset="0"/>
+                <a:cs typeface="Consolas" pitchFamily="49" charset="0"/>
+              </a:rPr>
+              <a:t> </a:t>
+            </a:r>
+            <a:r>
+              <a:rPr lang="de-CH" sz="1800" spc="-150" dirty="0" err="1" smtClean="0">
+                <a:latin typeface="Consolas" pitchFamily="49" charset="0"/>
+                <a:cs typeface="Consolas" pitchFamily="49" charset="0"/>
+              </a:rPr>
+              <a:t>Cell</a:t>
+            </a:r>
+            <a:r>
+              <a:rPr lang="de-CH" sz="1800" spc="-150" dirty="0" smtClean="0">
+                <a:latin typeface="Consolas" pitchFamily="49" charset="0"/>
+                <a:cs typeface="Consolas" pitchFamily="49" charset="0"/>
+              </a:rPr>
+              <a:t>;</a:t>
+            </a:r>
+          </a:p>
+          <a:p>
+            <a:pPr marL="0" indent="0">
+              <a:buNone/>
+              <a:tabLst>
+                <a:tab pos="177800" algn="l"/>
+                <a:tab pos="355600" algn="l"/>
+              </a:tabLst>
+            </a:pPr>
+            <a:r>
+              <a:rPr lang="de-CH" sz="1800" spc="-150" dirty="0">
+                <a:latin typeface="Consolas" pitchFamily="49" charset="0"/>
+                <a:cs typeface="Consolas" pitchFamily="49" charset="0"/>
+              </a:rPr>
+              <a:t>	</a:t>
+            </a:r>
+            <a:r>
+              <a:rPr lang="de-CH" sz="1800" spc="-150" dirty="0" smtClean="0">
+                <a:latin typeface="Consolas" pitchFamily="49" charset="0"/>
+                <a:cs typeface="Consolas" pitchFamily="49" charset="0"/>
+              </a:rPr>
+              <a:t>	</a:t>
+            </a:r>
+            <a:r>
+              <a:rPr lang="de-CH" sz="1800" spc="-150" dirty="0" err="1" smtClean="0">
+                <a:latin typeface="Consolas" pitchFamily="49" charset="0"/>
+                <a:cs typeface="Consolas" pitchFamily="49" charset="0"/>
+              </a:rPr>
+              <a:t>var</a:t>
+            </a:r>
+            <a:r>
+              <a:rPr lang="de-CH" sz="1800" spc="-150" dirty="0" smtClean="0">
+                <a:latin typeface="Consolas" pitchFamily="49" charset="0"/>
+                <a:cs typeface="Consolas" pitchFamily="49" charset="0"/>
+              </a:rPr>
+              <a:t> c2:Cell := </a:t>
+            </a:r>
+            <a:r>
+              <a:rPr lang="de-CH" sz="1800" spc="-150" dirty="0" err="1" smtClean="0">
+                <a:latin typeface="Consolas" pitchFamily="49" charset="0"/>
+                <a:cs typeface="Consolas" pitchFamily="49" charset="0"/>
+              </a:rPr>
+              <a:t>new</a:t>
+            </a:r>
+            <a:r>
+              <a:rPr lang="de-CH" sz="1800" spc="-150" dirty="0" smtClean="0">
+                <a:latin typeface="Consolas" pitchFamily="49" charset="0"/>
+                <a:cs typeface="Consolas" pitchFamily="49" charset="0"/>
+              </a:rPr>
+              <a:t> </a:t>
+            </a:r>
+            <a:r>
+              <a:rPr lang="de-CH" sz="1800" spc="-150" dirty="0" err="1" smtClean="0">
+                <a:latin typeface="Consolas" pitchFamily="49" charset="0"/>
+                <a:cs typeface="Consolas" pitchFamily="49" charset="0"/>
+              </a:rPr>
+              <a:t>Cell</a:t>
+            </a:r>
+            <a:r>
+              <a:rPr lang="de-CH" sz="1800" spc="-150" dirty="0" smtClean="0">
+                <a:latin typeface="Consolas" pitchFamily="49" charset="0"/>
+                <a:cs typeface="Consolas" pitchFamily="49" charset="0"/>
+              </a:rPr>
+              <a:t>;</a:t>
+            </a:r>
+          </a:p>
+          <a:p>
+            <a:pPr marL="0" indent="0">
+              <a:buNone/>
+              <a:tabLst>
+                <a:tab pos="177800" algn="l"/>
+                <a:tab pos="355600" algn="l"/>
+              </a:tabLst>
+            </a:pPr>
+            <a:r>
+              <a:rPr lang="de-CH" sz="1800" spc="-150" dirty="0">
+                <a:latin typeface="Consolas" pitchFamily="49" charset="0"/>
+                <a:cs typeface="Consolas" pitchFamily="49" charset="0"/>
+              </a:rPr>
+              <a:t>	</a:t>
+            </a:r>
+            <a:r>
+              <a:rPr lang="de-CH" sz="1800" spc="-150" dirty="0" smtClean="0">
+                <a:latin typeface="Consolas" pitchFamily="49" charset="0"/>
+                <a:cs typeface="Consolas" pitchFamily="49" charset="0"/>
+              </a:rPr>
+              <a:t>	c1.v := 0; c2.v := 5;</a:t>
+            </a:r>
+          </a:p>
+          <a:p>
+            <a:pPr marL="0" indent="0">
+              <a:buNone/>
+              <a:tabLst>
+                <a:tab pos="177800" algn="l"/>
+                <a:tab pos="355600" algn="l"/>
+              </a:tabLst>
+            </a:pPr>
+            <a:r>
+              <a:rPr lang="de-CH" sz="1800" spc="-150" dirty="0">
+                <a:latin typeface="Consolas" pitchFamily="49" charset="0"/>
+                <a:cs typeface="Consolas" pitchFamily="49" charset="0"/>
+              </a:rPr>
+              <a:t>	</a:t>
+            </a:r>
+            <a:r>
+              <a:rPr lang="de-CH" sz="1800" spc="-150" dirty="0" smtClean="0">
+                <a:latin typeface="Consolas" pitchFamily="49" charset="0"/>
+                <a:cs typeface="Consolas" pitchFamily="49" charset="0"/>
+              </a:rPr>
+              <a:t>	</a:t>
+            </a:r>
+            <a:r>
+              <a:rPr lang="de-CH" sz="1800" spc="-150" dirty="0" err="1" smtClean="0">
+                <a:latin typeface="Consolas" pitchFamily="49" charset="0"/>
+                <a:cs typeface="Consolas" pitchFamily="49" charset="0"/>
+              </a:rPr>
+              <a:t>fork</a:t>
+            </a:r>
+            <a:r>
+              <a:rPr lang="de-CH" sz="1800" spc="-150" dirty="0" smtClean="0">
+                <a:latin typeface="Consolas" pitchFamily="49" charset="0"/>
+                <a:cs typeface="Consolas" pitchFamily="49" charset="0"/>
+              </a:rPr>
+              <a:t> tk1 = c1.inc(3);</a:t>
+            </a:r>
+          </a:p>
+          <a:p>
+            <a:pPr marL="0" indent="0">
+              <a:buNone/>
+              <a:tabLst>
+                <a:tab pos="177800" algn="l"/>
+                <a:tab pos="355600" algn="l"/>
+              </a:tabLst>
+            </a:pPr>
+            <a:r>
+              <a:rPr lang="de-CH" sz="1800" spc="-150" dirty="0">
+                <a:latin typeface="Consolas" pitchFamily="49" charset="0"/>
+                <a:cs typeface="Consolas" pitchFamily="49" charset="0"/>
+              </a:rPr>
+              <a:t>	</a:t>
+            </a:r>
+            <a:r>
+              <a:rPr lang="de-CH" sz="1800" spc="-150" dirty="0" smtClean="0">
+                <a:latin typeface="Consolas" pitchFamily="49" charset="0"/>
+                <a:cs typeface="Consolas" pitchFamily="49" charset="0"/>
+              </a:rPr>
+              <a:t>	</a:t>
+            </a:r>
+            <a:r>
+              <a:rPr lang="de-CH" sz="1800" spc="-150" dirty="0" err="1" smtClean="0">
+                <a:latin typeface="Consolas" pitchFamily="49" charset="0"/>
+                <a:cs typeface="Consolas" pitchFamily="49" charset="0"/>
+              </a:rPr>
+              <a:t>fork</a:t>
+            </a:r>
+            <a:r>
+              <a:rPr lang="de-CH" sz="1800" spc="-150" dirty="0" smtClean="0">
+                <a:latin typeface="Consolas" pitchFamily="49" charset="0"/>
+                <a:cs typeface="Consolas" pitchFamily="49" charset="0"/>
+              </a:rPr>
+              <a:t> tk2 = c2.inc(1);</a:t>
+            </a:r>
+          </a:p>
+          <a:p>
+            <a:pPr marL="0" indent="0">
+              <a:buNone/>
+              <a:tabLst>
+                <a:tab pos="177800" algn="l"/>
+                <a:tab pos="355600" algn="l"/>
+              </a:tabLst>
+            </a:pPr>
+            <a:r>
+              <a:rPr lang="de-CH" sz="1800" spc="-150" dirty="0">
+                <a:latin typeface="Consolas" pitchFamily="49" charset="0"/>
+                <a:cs typeface="Consolas" pitchFamily="49" charset="0"/>
+              </a:rPr>
+              <a:t>	</a:t>
+            </a:r>
+            <a:r>
+              <a:rPr lang="de-CH" sz="1800" spc="-150" dirty="0" smtClean="0">
+                <a:latin typeface="Consolas" pitchFamily="49" charset="0"/>
+                <a:cs typeface="Consolas" pitchFamily="49" charset="0"/>
+              </a:rPr>
+              <a:t>	</a:t>
+            </a:r>
+            <a:r>
+              <a:rPr lang="de-CH" sz="1800" spc="-150" dirty="0" err="1" smtClean="0">
+                <a:latin typeface="Consolas" pitchFamily="49" charset="0"/>
+                <a:cs typeface="Consolas" pitchFamily="49" charset="0"/>
+              </a:rPr>
+              <a:t>join</a:t>
+            </a:r>
+            <a:r>
+              <a:rPr lang="de-CH" sz="1800" spc="-150" dirty="0" smtClean="0">
+                <a:latin typeface="Consolas" pitchFamily="49" charset="0"/>
+                <a:cs typeface="Consolas" pitchFamily="49" charset="0"/>
+              </a:rPr>
+              <a:t> f1 := tk1;</a:t>
+            </a:r>
+          </a:p>
+          <a:p>
+            <a:pPr marL="0" indent="0">
+              <a:buNone/>
+              <a:tabLst>
+                <a:tab pos="177800" algn="l"/>
+                <a:tab pos="355600" algn="l"/>
+              </a:tabLst>
+            </a:pPr>
+            <a:r>
+              <a:rPr lang="de-CH" sz="1800" spc="-150" dirty="0">
+                <a:latin typeface="Consolas" pitchFamily="49" charset="0"/>
+                <a:cs typeface="Consolas" pitchFamily="49" charset="0"/>
+              </a:rPr>
+              <a:t>	</a:t>
+            </a:r>
+            <a:r>
+              <a:rPr lang="de-CH" sz="1800" spc="-150" dirty="0" smtClean="0">
+                <a:latin typeface="Consolas" pitchFamily="49" charset="0"/>
+                <a:cs typeface="Consolas" pitchFamily="49" charset="0"/>
+              </a:rPr>
+              <a:t>	</a:t>
+            </a:r>
+            <a:r>
+              <a:rPr lang="de-CH" sz="1800" spc="-150" dirty="0" err="1" smtClean="0">
+                <a:latin typeface="Consolas" pitchFamily="49" charset="0"/>
+                <a:cs typeface="Consolas" pitchFamily="49" charset="0"/>
+              </a:rPr>
+              <a:t>join</a:t>
+            </a:r>
+            <a:r>
+              <a:rPr lang="de-CH" sz="1800" spc="-150" dirty="0" smtClean="0">
+                <a:latin typeface="Consolas" pitchFamily="49" charset="0"/>
+                <a:cs typeface="Consolas" pitchFamily="49" charset="0"/>
+              </a:rPr>
+              <a:t> f2 := tk2;</a:t>
+            </a:r>
+            <a:endParaRPr lang="de-CH" sz="1800" spc="-150" dirty="0">
+              <a:latin typeface="Consolas" pitchFamily="49" charset="0"/>
+              <a:cs typeface="Consolas" pitchFamily="49" charset="0"/>
+            </a:endParaRPr>
+          </a:p>
+          <a:p>
+            <a:pPr marL="0" indent="0">
+              <a:buNone/>
+              <a:tabLst>
+                <a:tab pos="177800" algn="l"/>
+                <a:tab pos="355600" algn="l"/>
+              </a:tabLst>
+            </a:pPr>
+            <a:r>
+              <a:rPr lang="de-CH" sz="1800" spc="-150" dirty="0" smtClean="0">
+                <a:latin typeface="Consolas" pitchFamily="49" charset="0"/>
+                <a:cs typeface="Consolas" pitchFamily="49" charset="0"/>
+              </a:rPr>
+              <a:t>	}</a:t>
+            </a:r>
+            <a:endParaRPr lang="de-CH" sz="1800" spc="-150" dirty="0">
+              <a:latin typeface="Consolas" pitchFamily="49" charset="0"/>
+              <a:cs typeface="Consolas" pitchFamily="49" charset="0"/>
+            </a:endParaRPr>
+          </a:p>
+          <a:p>
+            <a:pPr marL="0" indent="0">
+              <a:buNone/>
+              <a:tabLst>
+                <a:tab pos="177800" algn="l"/>
+                <a:tab pos="355600" algn="l"/>
+              </a:tabLst>
+            </a:pPr>
+            <a:r>
+              <a:rPr lang="de-CH" sz="1800" spc="-150" dirty="0" smtClean="0">
+                <a:latin typeface="Consolas" pitchFamily="49" charset="0"/>
+                <a:cs typeface="Consolas" pitchFamily="49" charset="0"/>
+              </a:rPr>
+              <a:t>}</a:t>
+            </a:r>
+            <a:endParaRPr lang="de-CH" sz="1800" spc="-150" dirty="0">
+              <a:latin typeface="Consolas" pitchFamily="49" charset="0"/>
+              <a:cs typeface="Consolas" pitchFamily="49" charset="0"/>
+            </a:endParaRPr>
+          </a:p>
+        </p:txBody>
+      </p:sp>
+      <p:sp>
+        <p:nvSpPr>
+          <p:cNvPr id="5" name="Slide Number Placeholder 4"/>
           <p:cNvSpPr>
             <a:spLocks noGrp="1"/>
           </p:cNvSpPr>
@@ -11378,6 +12424,151 @@
             <a:fld id="{D8727298-9337-4FF1-AD4C-CD4DB75A4A45}" type="slidenum">
               <a:rPr lang="de-CH" smtClean="0"/>
               <a:t>23</a:t>
+            </a:fld>
+            <a:endParaRPr lang="de-CH"/>
+          </a:p>
+        </p:txBody>
+      </p:sp>
+    </p:spTree>
+    <p:extLst>
+      <p:ext uri="{BB962C8B-B14F-4D97-AF65-F5344CB8AC3E}">
+        <p14:creationId xmlns:p14="http://schemas.microsoft.com/office/powerpoint/2010/main" val="3194332371"/>
+      </p:ext>
+    </p:extLst>
+  </p:cSld>
+  <p:clrMapOvr>
+    <a:masterClrMapping/>
+  </p:clrMapOvr>
+</p:sld>
+</file>
+
+<file path=ppt/slides/slide24.xml><?xml version="1.0" encoding="utf-8"?>
+<p:sld xmlns:a="http://schemas.openxmlformats.org/drawingml/2006/main" xmlns:r="http://schemas.openxmlformats.org/officeDocument/2006/relationships" xmlns:p="http://schemas.openxmlformats.org/presentationml/2006/main">
+  <p:cSld>
+    <p:spTree>
+      <p:nvGrpSpPr>
+        <p:cNvPr id="1" name=""/>
+        <p:cNvGrpSpPr/>
+        <p:nvPr/>
+      </p:nvGrpSpPr>
+      <p:grpSpPr>
+        <a:xfrm>
+          <a:off x="0" y="0"/>
+          <a:ext cx="0" cy="0"/>
+          <a:chOff x="0" y="0"/>
+          <a:chExt cx="0" cy="0"/>
+        </a:xfrm>
+      </p:grpSpPr>
+      <p:sp>
+        <p:nvSpPr>
+          <p:cNvPr id="2" name="Title 1"/>
+          <p:cNvSpPr>
+            <a:spLocks noGrp="1"/>
+          </p:cNvSpPr>
+          <p:nvPr>
+            <p:ph type="title"/>
+          </p:nvPr>
+        </p:nvSpPr>
+        <p:spPr/>
+        <p:txBody>
+          <a:bodyPr/>
+          <a:lstStyle/>
+          <a:p>
+            <a:r>
+              <a:rPr lang="de-CH" dirty="0" smtClean="0"/>
+              <a:t>Chalice2SIL</a:t>
+            </a:r>
+            <a:endParaRPr lang="en-GB" dirty="0"/>
+          </a:p>
+        </p:txBody>
+      </p:sp>
+      <p:sp>
+        <p:nvSpPr>
+          <p:cNvPr id="3" name="Content Placeholder 2"/>
+          <p:cNvSpPr>
+            <a:spLocks noGrp="1"/>
+          </p:cNvSpPr>
+          <p:nvPr>
+            <p:ph idx="1"/>
+          </p:nvPr>
+        </p:nvSpPr>
+        <p:spPr/>
+        <p:txBody>
+          <a:bodyPr/>
+          <a:lstStyle/>
+          <a:p>
+            <a:r>
+              <a:rPr lang="en-GB" dirty="0" smtClean="0"/>
+              <a:t>First front-end </a:t>
+            </a:r>
+            <a:r>
+              <a:rPr lang="en-GB" smtClean="0"/>
+              <a:t>for SIL</a:t>
+            </a:r>
+            <a:endParaRPr lang="en-GB" dirty="0" smtClean="0"/>
+          </a:p>
+          <a:p>
+            <a:r>
+              <a:rPr lang="en-GB" dirty="0" smtClean="0"/>
+              <a:t>Help establish  and test the tool chain</a:t>
+            </a:r>
+          </a:p>
+          <a:p>
+            <a:r>
+              <a:rPr lang="en-GB" dirty="0" smtClean="0"/>
+              <a:t>Ideally no changes to Chalice</a:t>
+            </a:r>
+          </a:p>
+          <a:p>
+            <a:r>
+              <a:rPr lang="en-GB" dirty="0" smtClean="0"/>
+              <a:t>If enough time is left</a:t>
+            </a:r>
+          </a:p>
+          <a:p>
+            <a:pPr lvl="1"/>
+            <a:r>
+              <a:rPr lang="en-GB" dirty="0" smtClean="0"/>
+              <a:t>Predicates and functions</a:t>
+            </a:r>
+          </a:p>
+          <a:p>
+            <a:pPr lvl="1"/>
+            <a:r>
+              <a:rPr lang="en-GB" dirty="0" smtClean="0"/>
+              <a:t>Deadlock avoidance</a:t>
+            </a:r>
+          </a:p>
+          <a:p>
+            <a:pPr lvl="1"/>
+            <a:r>
+              <a:rPr lang="en-GB" dirty="0" smtClean="0"/>
+              <a:t>Channels (Actor model)</a:t>
+            </a:r>
+          </a:p>
+          <a:p>
+            <a:endParaRPr lang="en-GB" dirty="0"/>
+          </a:p>
+        </p:txBody>
+      </p:sp>
+      <p:sp>
+        <p:nvSpPr>
+          <p:cNvPr id="4" name="Slide Number Placeholder 3"/>
+          <p:cNvSpPr>
+            <a:spLocks noGrp="1"/>
+          </p:cNvSpPr>
+          <p:nvPr>
+            <p:ph type="sldNum" sz="quarter" idx="12"/>
+          </p:nvPr>
+        </p:nvSpPr>
+        <p:spPr/>
+        <p:txBody>
+          <a:bodyPr/>
+          <a:lstStyle/>
+          <a:p>
+            <a:fld id="{D8727298-9337-4FF1-AD4C-CD4DB75A4A45}" type="slidenum">
+              <a:rPr lang="de-CH" smtClean="0"/>
+              <a:t>24</a:t>
             </a:fld>
             <a:endParaRPr lang="de-CH"/>
           </a:p>
@@ -11403,7 +12594,7 @@
 </p:sld>
 </file>
 
-<file path=ppt/slides/slide24.xml><?xml version="1.0" encoding="utf-8"?>
+<file path=ppt/slides/slide25.xml><?xml version="1.0" encoding="utf-8"?>
 <p:sld xmlns:a="http://schemas.openxmlformats.org/drawingml/2006/main" xmlns:r="http://schemas.openxmlformats.org/officeDocument/2006/relationships" xmlns:p="http://schemas.openxmlformats.org/presentationml/2006/main">
   <p:cSld>
     <p:spTree>
@@ -12009,7 +13200,7 @@
           <a:p>
             <a:fld id="{D8727298-9337-4FF1-AD4C-CD4DB75A4A45}" type="slidenum">
               <a:rPr lang="de-CH" smtClean="0"/>
-              <a:t>24</a:t>
+              <a:t>25</a:t>
             </a:fld>
             <a:endParaRPr lang="de-CH"/>
           </a:p>
@@ -12366,7 +13557,7 @@
 </p:sld>
 </file>
 
-<file path=ppt/slides/slide25.xml><?xml version="1.0" encoding="utf-8"?>
+<file path=ppt/slides/slide26.xml><?xml version="1.0" encoding="utf-8"?>
 <p:sld xmlns:a="http://schemas.openxmlformats.org/drawingml/2006/main" xmlns:r="http://schemas.openxmlformats.org/officeDocument/2006/relationships" xmlns:p="http://schemas.openxmlformats.org/presentationml/2006/main">
   <p:cSld>
     <p:spTree>
@@ -13000,7 +14191,7 @@
           <a:p>
             <a:fld id="{D8727298-9337-4FF1-AD4C-CD4DB75A4A45}" type="slidenum">
               <a:rPr lang="de-CH" smtClean="0"/>
-              <a:t>25</a:t>
+              <a:t>26</a:t>
             </a:fld>
             <a:endParaRPr lang="de-CH"/>
           </a:p>
@@ -13079,7 +14270,7 @@
 </p:sld>
 </file>
 
-<file path=ppt/slides/slide26.xml><?xml version="1.0" encoding="utf-8"?>
+<file path=ppt/slides/slide27.xml><?xml version="1.0" encoding="utf-8"?>
 <p:sld xmlns:a="http://schemas.openxmlformats.org/drawingml/2006/main" xmlns:r="http://schemas.openxmlformats.org/officeDocument/2006/relationships" xmlns:p="http://schemas.openxmlformats.org/presentationml/2006/main">
   <p:cSld>
     <p:spTree>
@@ -13761,7 +14952,7 @@
           <a:p>
             <a:fld id="{D8727298-9337-4FF1-AD4C-CD4DB75A4A45}" type="slidenum">
               <a:rPr lang="de-CH" smtClean="0"/>
-              <a:t>26</a:t>
+              <a:t>27</a:t>
             </a:fld>
             <a:endParaRPr lang="de-CH"/>
           </a:p>
@@ -16930,7 +18121,7 @@
       </p:grpSp>
       <p:grpSp>
         <p:nvGrpSpPr>
-          <p:cNvPr id="26" name="Group 25"/>
+          <p:cNvPr id="45" name="Group 44"/>
           <p:cNvGrpSpPr/>
           <p:nvPr/>
         </p:nvGrpSpPr>
@@ -16944,7 +18135,7 @@
         </p:grpSpPr>
         <p:sp>
           <p:nvSpPr>
-            <p:cNvPr id="18" name="Snip Diagonal Corner Rectangle 17"/>
+            <p:cNvPr id="46" name="Snip Diagonal Corner Rectangle 45"/>
             <p:cNvSpPr/>
             <p:nvPr/>
           </p:nvSpPr>
@@ -16956,7 +18147,7 @@
             <a:prstGeom prst="snip2DiagRect">
               <a:avLst>
                 <a:gd name="adj1" fmla="val 0"/>
-                <a:gd name="adj2" fmla="val 11668"/>
+                <a:gd name="adj2" fmla="val 19388"/>
               </a:avLst>
             </a:prstGeom>
           </p:spPr>
@@ -16994,7 +18185,7 @@
         </p:sp>
         <p:grpSp>
           <p:nvGrpSpPr>
-            <p:cNvPr id="19" name="Group 18"/>
+            <p:cNvPr id="47" name="Group 46"/>
             <p:cNvGrpSpPr/>
             <p:nvPr/>
           </p:nvGrpSpPr>
@@ -17008,7 +18199,7 @@
           </p:grpSpPr>
           <p:sp>
             <p:nvSpPr>
-              <p:cNvPr id="20" name="Right Arrow 19"/>
+              <p:cNvPr id="48" name="Right Arrow 47"/>
               <p:cNvSpPr/>
               <p:nvPr/>
             </p:nvSpPr>
@@ -17050,7 +18241,7 @@
           </p:sp>
           <p:sp>
             <p:nvSpPr>
-              <p:cNvPr id="21" name="Rectangle 20"/>
+              <p:cNvPr id="49" name="Rectangle 48"/>
               <p:cNvSpPr/>
               <p:nvPr/>
             </p:nvSpPr>
@@ -17098,7 +18289,7 @@
       </p:grpSp>
       <p:grpSp>
         <p:nvGrpSpPr>
-          <p:cNvPr id="27" name="Group 26"/>
+          <p:cNvPr id="50" name="Group 49"/>
           <p:cNvGrpSpPr/>
           <p:nvPr/>
         </p:nvGrpSpPr>
@@ -17112,7 +18303,7 @@
         </p:grpSpPr>
         <p:sp>
           <p:nvSpPr>
-            <p:cNvPr id="28" name="Snip Diagonal Corner Rectangle 27"/>
+            <p:cNvPr id="51" name="Snip Diagonal Corner Rectangle 50"/>
             <p:cNvSpPr/>
             <p:nvPr/>
           </p:nvSpPr>
@@ -17124,7 +18315,7 @@
             <a:prstGeom prst="snip2DiagRect">
               <a:avLst>
                 <a:gd name="adj1" fmla="val 0"/>
-                <a:gd name="adj2" fmla="val 11668"/>
+                <a:gd name="adj2" fmla="val 16901"/>
               </a:avLst>
             </a:prstGeom>
           </p:spPr>
@@ -17162,7 +18353,7 @@
         </p:sp>
         <p:grpSp>
           <p:nvGrpSpPr>
-            <p:cNvPr id="30" name="Group 29"/>
+            <p:cNvPr id="52" name="Group 51"/>
             <p:cNvGrpSpPr/>
             <p:nvPr/>
           </p:nvGrpSpPr>
@@ -17176,7 +18367,7 @@
           </p:grpSpPr>
           <p:sp>
             <p:nvSpPr>
-              <p:cNvPr id="31" name="Right Arrow 30"/>
+              <p:cNvPr id="53" name="Right Arrow 52"/>
               <p:cNvSpPr/>
               <p:nvPr/>
             </p:nvSpPr>
@@ -17220,7 +18411,7 @@
           </p:sp>
           <p:sp>
             <p:nvSpPr>
-              <p:cNvPr id="32" name="Rectangle 31"/>
+              <p:cNvPr id="54" name="Rectangle 53"/>
               <p:cNvSpPr/>
               <p:nvPr/>
             </p:nvSpPr>
@@ -17321,7 +18512,7 @@
           <a:p>
             <a:r>
               <a:rPr lang="de-CH" dirty="0" smtClean="0"/>
-              <a:t>Permission Transfer</a:t>
+              <a:t>Permission Transfer (Simplification)</a:t>
             </a:r>
             <a:endParaRPr lang="de-CH" dirty="0"/>
           </a:p>
@@ -17337,42 +18528,106 @@
             <p:ph sz="half" idx="1"/>
           </p:nvPr>
         </p:nvSpPr>
-        <p:spPr/>
+        <p:spPr>
+          <a:xfrm>
+            <a:off x="457200" y="1600200"/>
+            <a:ext cx="4474840" cy="4525963"/>
+          </a:xfrm>
+        </p:spPr>
         <p:txBody>
           <a:bodyPr/>
           <a:lstStyle/>
           <a:p>
             <a:pPr marL="0" indent="0">
               <a:buNone/>
+              <a:tabLst>
+                <a:tab pos="538163" algn="l"/>
+                <a:tab pos="1344613" algn="l"/>
+              </a:tabLst>
             </a:pPr>
             <a:r>
               <a:rPr lang="de-CH" dirty="0" smtClean="0"/>
-              <a:t>Permissions</a:t>
-            </a:r>
-          </a:p>
-          <a:p>
+              <a:t>Simplification #1:</a:t>
+            </a:r>
+          </a:p>
+          <a:p>
+            <a:pPr marL="0" indent="0">
+              <a:spcBef>
+                <a:spcPts val="0"/>
+              </a:spcBef>
+              <a:buNone/>
+              <a:tabLst>
+                <a:tab pos="538163" algn="l"/>
+                <a:tab pos="1344613" algn="l"/>
+              </a:tabLst>
+            </a:pPr>
             <a:r>
               <a:rPr lang="de-CH" dirty="0" smtClean="0"/>
-              <a:t>passed to callee on method entry</a:t>
-            </a:r>
-          </a:p>
-          <a:p>
+              <a:t>	Method Call</a:t>
+            </a:r>
+          </a:p>
+          <a:p>
+            <a:pPr marL="0" indent="0">
+              <a:spcBef>
+                <a:spcPts val="0"/>
+              </a:spcBef>
+              <a:buNone/>
+              <a:tabLst>
+                <a:tab pos="538163" algn="l"/>
+                <a:tab pos="1344613" algn="l"/>
+              </a:tabLst>
+            </a:pPr>
+            <a:r>
+              <a:rPr lang="de-CH" b="1" dirty="0" smtClean="0"/>
+              <a:t>		=</a:t>
+            </a:r>
+          </a:p>
+          <a:p>
+            <a:pPr marL="0" indent="0">
+              <a:spcBef>
+                <a:spcPts val="0"/>
+              </a:spcBef>
+              <a:buNone/>
+              <a:tabLst>
+                <a:tab pos="538163" algn="l"/>
+                <a:tab pos="1344613" algn="l"/>
+              </a:tabLst>
+            </a:pPr>
             <a:r>
               <a:rPr lang="de-CH" dirty="0" smtClean="0"/>
-              <a:t>returned to caller on method exit</a:t>
-            </a:r>
-          </a:p>
-          <a:p>
+              <a:t>	 Fork + Join</a:t>
+            </a:r>
+          </a:p>
+          <a:p>
+            <a:pPr marL="0" indent="0">
+              <a:buNone/>
+              <a:tabLst>
+                <a:tab pos="538163" algn="l"/>
+                <a:tab pos="1344613" algn="l"/>
+              </a:tabLst>
+            </a:pPr>
             <a:r>
               <a:rPr lang="de-CH" dirty="0" smtClean="0"/>
-              <a:t>passed to other threads on fork</a:t>
-            </a:r>
-          </a:p>
-          <a:p>
+              <a:t>Simplification #2:</a:t>
+            </a:r>
+          </a:p>
+          <a:p>
+            <a:pPr marL="0" indent="0">
+              <a:buNone/>
+              <a:tabLst>
+                <a:tab pos="538163" algn="l"/>
+                <a:tab pos="1344613" algn="l"/>
+              </a:tabLst>
+            </a:pPr>
             <a:r>
               <a:rPr lang="de-CH" dirty="0" smtClean="0"/>
-              <a:t>received from other threads on join</a:t>
-            </a:r>
+              <a:t>	Contracts make 	transfer unnecessary</a:t>
+            </a:r>
+          </a:p>
+          <a:p>
+            <a:pPr marL="0" indent="0">
+              <a:buNone/>
+            </a:pPr>
             <a:endParaRPr lang="de-CH" dirty="0"/>
           </a:p>
         </p:txBody>
@@ -17452,619 +18707,782 @@
           </a:p>
         </p:txBody>
       </p:sp>
-      <p:grpSp>
-        <p:nvGrpSpPr>
-          <p:cNvPr id="25" name="Group 24"/>
-          <p:cNvGrpSpPr/>
+      <p:sp>
+        <p:nvSpPr>
+          <p:cNvPr id="8" name="Snip Diagonal Corner Rectangle 7"/>
+          <p:cNvSpPr/>
           <p:nvPr/>
-        </p:nvGrpSpPr>
-        <p:grpSpPr>
+        </p:nvSpPr>
+        <p:spPr>
           <a:xfrm>
-            <a:off x="6371913" y="1484784"/>
-            <a:ext cx="2304255" cy="1872209"/>
-            <a:chOff x="6444209" y="1979874"/>
-            <a:chExt cx="2304255" cy="1872209"/>
+            <a:off x="7091992" y="1484784"/>
+            <a:ext cx="1584176" cy="1872209"/>
           </a:xfrm>
-        </p:grpSpPr>
-        <p:sp>
-          <p:nvSpPr>
-            <p:cNvPr id="8" name="Snip Diagonal Corner Rectangle 7"/>
-            <p:cNvSpPr/>
-            <p:nvPr/>
-          </p:nvSpPr>
-          <p:spPr>
-            <a:xfrm>
-              <a:off x="7164288" y="1979874"/>
-              <a:ext cx="1584176" cy="1872209"/>
-            </a:xfrm>
-            <a:prstGeom prst="snip2DiagRect">
-              <a:avLst>
-                <a:gd name="adj1" fmla="val 0"/>
-                <a:gd name="adj2" fmla="val 11668"/>
-              </a:avLst>
-            </a:prstGeom>
-          </p:spPr>
-          <p:style>
-            <a:lnRef idx="2">
-              <a:schemeClr val="accent3">
-                <a:shade val="50000"/>
-              </a:schemeClr>
-            </a:lnRef>
-            <a:fillRef idx="1">
-              <a:schemeClr val="accent3"/>
-            </a:fillRef>
-            <a:effectRef idx="0">
-              <a:schemeClr val="accent3"/>
-            </a:effectRef>
-            <a:fontRef idx="minor">
-              <a:schemeClr val="lt1"/>
-            </a:fontRef>
-          </p:style>
-          <p:txBody>
-            <a:bodyPr rtlCol="0" anchor="ctr"/>
-            <a:lstStyle/>
-            <a:p>
-              <a:r>
-                <a:rPr lang="en-GB" dirty="0" smtClean="0">
-                  <a:latin typeface="+mj-lt"/>
-                </a:rPr>
-                <a:t>C::update</a:t>
-              </a:r>
-              <a:endParaRPr lang="en-GB" dirty="0">
+          <a:prstGeom prst="snip2DiagRect">
+            <a:avLst>
+              <a:gd name="adj1" fmla="val 0"/>
+              <a:gd name="adj2" fmla="val 11668"/>
+            </a:avLst>
+          </a:prstGeom>
+        </p:spPr>
+        <p:style>
+          <a:lnRef idx="2">
+            <a:schemeClr val="accent3">
+              <a:shade val="50000"/>
+            </a:schemeClr>
+          </a:lnRef>
+          <a:fillRef idx="1">
+            <a:schemeClr val="accent3"/>
+          </a:fillRef>
+          <a:effectRef idx="0">
+            <a:schemeClr val="accent3"/>
+          </a:effectRef>
+          <a:fontRef idx="minor">
+            <a:schemeClr val="lt1"/>
+          </a:fontRef>
+        </p:style>
+        <p:txBody>
+          <a:bodyPr rtlCol="0" anchor="ctr"/>
+          <a:lstStyle/>
+          <a:p>
+            <a:r>
+              <a:rPr lang="en-GB" dirty="0" smtClean="0">
                 <a:latin typeface="+mj-lt"/>
-              </a:endParaRPr>
-            </a:p>
-          </p:txBody>
-        </p:sp>
-        <p:grpSp>
-          <p:nvGrpSpPr>
-            <p:cNvPr id="14" name="Group 13"/>
-            <p:cNvGrpSpPr/>
-            <p:nvPr/>
-          </p:nvGrpSpPr>
-          <p:grpSpPr>
-            <a:xfrm>
-              <a:off x="6588224" y="2044234"/>
-              <a:ext cx="1065268" cy="648072"/>
-              <a:chOff x="6588224" y="2694833"/>
-              <a:chExt cx="1065268" cy="648072"/>
-            </a:xfrm>
-          </p:grpSpPr>
-          <p:sp>
-            <p:nvSpPr>
-              <p:cNvPr id="6" name="Right Arrow 5"/>
-              <p:cNvSpPr/>
-              <p:nvPr/>
-            </p:nvSpPr>
-            <p:spPr>
-              <a:xfrm>
-                <a:off x="6675084" y="2694833"/>
-                <a:ext cx="978408" cy="648072"/>
-              </a:xfrm>
-              <a:prstGeom prst="rightArrow">
-                <a:avLst>
-                  <a:gd name="adj1" fmla="val 50000"/>
-                  <a:gd name="adj2" fmla="val 60582"/>
-                </a:avLst>
-              </a:prstGeom>
-            </p:spPr>
-            <p:style>
-              <a:lnRef idx="2">
-                <a:schemeClr val="accent1">
-                  <a:shade val="50000"/>
-                </a:schemeClr>
-              </a:lnRef>
-              <a:fillRef idx="1">
-                <a:schemeClr val="accent1"/>
-              </a:fillRef>
-              <a:effectRef idx="0">
-                <a:schemeClr val="accent1"/>
-              </a:effectRef>
-              <a:fontRef idx="minor">
-                <a:schemeClr val="lt1"/>
-              </a:fontRef>
-            </p:style>
-            <p:txBody>
-              <a:bodyPr rtlCol="0" anchor="ctr"/>
-              <a:lstStyle/>
-              <a:p>
-                <a:endParaRPr lang="de-CH"/>
-              </a:p>
-            </p:txBody>
-          </p:sp>
-          <p:sp>
-            <p:nvSpPr>
-              <p:cNvPr id="13" name="Rectangle 12"/>
-              <p:cNvSpPr/>
-              <p:nvPr/>
-            </p:nvSpPr>
-            <p:spPr>
-              <a:xfrm>
-                <a:off x="6588224" y="2871786"/>
-                <a:ext cx="338336" cy="297657"/>
-              </a:xfrm>
-              <a:prstGeom prst="rect">
-                <a:avLst/>
-              </a:prstGeom>
-              <a:ln>
-                <a:noFill/>
-              </a:ln>
-            </p:spPr>
-            <p:style>
-              <a:lnRef idx="2">
-                <a:schemeClr val="accent1">
-                  <a:shade val="50000"/>
-                </a:schemeClr>
-              </a:lnRef>
-              <a:fillRef idx="1">
-                <a:schemeClr val="accent1"/>
-              </a:fillRef>
-              <a:effectRef idx="0">
-                <a:schemeClr val="accent1"/>
-              </a:effectRef>
-              <a:fontRef idx="minor">
-                <a:schemeClr val="lt1"/>
-              </a:fontRef>
-            </p:style>
-            <p:txBody>
-              <a:bodyPr rtlCol="0" anchor="ctr"/>
-              <a:lstStyle/>
-              <a:p>
-                <a:r>
-                  <a:rPr lang="de-CH" dirty="0" smtClean="0"/>
-                  <a:t> </a:t>
-                </a:r>
-                <a:endParaRPr lang="de-CH" dirty="0"/>
-              </a:p>
-            </p:txBody>
-          </p:sp>
-        </p:grpSp>
-        <p:grpSp>
-          <p:nvGrpSpPr>
-            <p:cNvPr id="15" name="Group 14"/>
-            <p:cNvGrpSpPr/>
-            <p:nvPr/>
-          </p:nvGrpSpPr>
-          <p:grpSpPr>
-            <a:xfrm rot="10800000">
-              <a:off x="6444209" y="3140968"/>
-              <a:ext cx="1065268" cy="648072"/>
-              <a:chOff x="6588224" y="2694833"/>
-              <a:chExt cx="1065268" cy="648072"/>
-            </a:xfrm>
-          </p:grpSpPr>
-          <p:sp>
-            <p:nvSpPr>
-              <p:cNvPr id="16" name="Right Arrow 15"/>
-              <p:cNvSpPr/>
-              <p:nvPr/>
-            </p:nvSpPr>
-            <p:spPr>
-              <a:xfrm>
-                <a:off x="6675084" y="2694833"/>
-                <a:ext cx="978408" cy="648072"/>
-              </a:xfrm>
-              <a:prstGeom prst="rightArrow">
-                <a:avLst>
-                  <a:gd name="adj1" fmla="val 50000"/>
-                  <a:gd name="adj2" fmla="val 60582"/>
-                </a:avLst>
-              </a:prstGeom>
-            </p:spPr>
-            <p:style>
-              <a:lnRef idx="2">
-                <a:schemeClr val="accent3">
-                  <a:shade val="50000"/>
-                </a:schemeClr>
-              </a:lnRef>
-              <a:fillRef idx="1">
-                <a:schemeClr val="accent3"/>
-              </a:fillRef>
-              <a:effectRef idx="0">
-                <a:schemeClr val="accent3"/>
-              </a:effectRef>
-              <a:fontRef idx="minor">
-                <a:schemeClr val="lt1"/>
-              </a:fontRef>
-            </p:style>
-            <p:txBody>
-              <a:bodyPr rtlCol="0" anchor="ctr"/>
-              <a:lstStyle/>
-              <a:p>
-                <a:endParaRPr lang="de-CH">
-                  <a:latin typeface="+mj-lt"/>
-                </a:endParaRPr>
-              </a:p>
-            </p:txBody>
-          </p:sp>
-          <p:sp>
-            <p:nvSpPr>
-              <p:cNvPr id="17" name="Rectangle 16"/>
-              <p:cNvSpPr/>
-              <p:nvPr/>
-            </p:nvSpPr>
-            <p:spPr>
-              <a:xfrm>
-                <a:off x="6588224" y="2868626"/>
-                <a:ext cx="338336" cy="297655"/>
-              </a:xfrm>
-              <a:prstGeom prst="rect">
-                <a:avLst/>
-              </a:prstGeom>
-              <a:ln>
-                <a:noFill/>
-              </a:ln>
-            </p:spPr>
-            <p:style>
-              <a:lnRef idx="2">
-                <a:schemeClr val="accent3">
-                  <a:shade val="50000"/>
-                </a:schemeClr>
-              </a:lnRef>
-              <a:fillRef idx="1">
-                <a:schemeClr val="accent3"/>
-              </a:fillRef>
-              <a:effectRef idx="0">
-                <a:schemeClr val="accent3"/>
-              </a:effectRef>
-              <a:fontRef idx="minor">
-                <a:schemeClr val="lt1"/>
-              </a:fontRef>
-            </p:style>
-            <p:txBody>
-              <a:bodyPr rtlCol="0" anchor="ctr"/>
-              <a:lstStyle/>
-              <a:p>
-                <a:r>
-                  <a:rPr lang="de-CH" dirty="0">
-                    <a:latin typeface="+mj-lt"/>
-                  </a:rPr>
-                  <a:t> </a:t>
-                </a:r>
-              </a:p>
-            </p:txBody>
-          </p:sp>
-        </p:grpSp>
-      </p:grpSp>
-      <p:grpSp>
-        <p:nvGrpSpPr>
-          <p:cNvPr id="26" name="Group 25"/>
-          <p:cNvGrpSpPr/>
+              </a:rPr>
+              <a:t>C::update</a:t>
+            </a:r>
+            <a:endParaRPr lang="en-GB" dirty="0">
+              <a:latin typeface="+mj-lt"/>
+            </a:endParaRPr>
+          </a:p>
+        </p:txBody>
+      </p:sp>
+      <p:sp>
+        <p:nvSpPr>
+          <p:cNvPr id="29" name="Snip Diagonal Corner Rectangle 28"/>
+          <p:cNvSpPr/>
           <p:nvPr/>
-        </p:nvGrpSpPr>
-        <p:grpSpPr>
+        </p:nvSpPr>
+        <p:spPr>
           <a:xfrm>
-            <a:off x="6515928" y="3535977"/>
-            <a:ext cx="2160240" cy="1045151"/>
-            <a:chOff x="6660232" y="4193014"/>
-            <a:chExt cx="2160240" cy="1045151"/>
+            <a:off x="7098845" y="1478936"/>
+            <a:ext cx="1584176" cy="869943"/>
           </a:xfrm>
-        </p:grpSpPr>
-        <p:sp>
-          <p:nvSpPr>
-            <p:cNvPr id="18" name="Snip Diagonal Corner Rectangle 17"/>
-            <p:cNvSpPr/>
-            <p:nvPr/>
-          </p:nvSpPr>
-          <p:spPr>
-            <a:xfrm>
-              <a:off x="7236296" y="4193014"/>
-              <a:ext cx="1584176" cy="1045151"/>
-            </a:xfrm>
-            <a:prstGeom prst="snip2DiagRect">
-              <a:avLst>
-                <a:gd name="adj1" fmla="val 0"/>
-                <a:gd name="adj2" fmla="val 11668"/>
-              </a:avLst>
-            </a:prstGeom>
-          </p:spPr>
-          <p:style>
-            <a:lnRef idx="2">
-              <a:schemeClr val="accent6">
-                <a:shade val="50000"/>
-              </a:schemeClr>
-            </a:lnRef>
-            <a:fillRef idx="1">
-              <a:schemeClr val="accent6"/>
-            </a:fillRef>
-            <a:effectRef idx="0">
-              <a:schemeClr val="accent6"/>
-            </a:effectRef>
-            <a:fontRef idx="minor">
-              <a:schemeClr val="lt1"/>
-            </a:fontRef>
-          </p:style>
-          <p:txBody>
-            <a:bodyPr tIns="648000" rtlCol="0" anchor="ctr"/>
-            <a:lstStyle/>
-            <a:p>
-              <a:r>
-                <a:rPr lang="en-GB" dirty="0">
-                  <a:latin typeface="+mj-lt"/>
-                </a:rPr>
-                <a:t>C::process</a:t>
-              </a:r>
-              <a:endParaRPr lang="en-GB" dirty="0">
+          <a:prstGeom prst="snip2DiagRect">
+            <a:avLst>
+              <a:gd name="adj1" fmla="val 0"/>
+              <a:gd name="adj2" fmla="val 17670"/>
+            </a:avLst>
+          </a:prstGeom>
+        </p:spPr>
+        <p:style>
+          <a:lnRef idx="2">
+            <a:schemeClr val="accent3">
+              <a:shade val="50000"/>
+            </a:schemeClr>
+          </a:lnRef>
+          <a:fillRef idx="1">
+            <a:schemeClr val="accent3"/>
+          </a:fillRef>
+          <a:effectRef idx="0">
+            <a:schemeClr val="accent3"/>
+          </a:effectRef>
+          <a:fontRef idx="minor">
+            <a:schemeClr val="lt1"/>
+          </a:fontRef>
+        </p:style>
+        <p:txBody>
+          <a:bodyPr lIns="252000" tIns="540000" rtlCol="0" anchor="ctr"/>
+          <a:lstStyle/>
+          <a:p>
+            <a:r>
+              <a:rPr lang="en-GB" dirty="0" smtClean="0">
                 <a:latin typeface="+mj-lt"/>
-              </a:endParaRPr>
-            </a:p>
-          </p:txBody>
-        </p:sp>
-        <p:grpSp>
-          <p:nvGrpSpPr>
-            <p:cNvPr id="19" name="Group 18"/>
-            <p:cNvGrpSpPr/>
-            <p:nvPr/>
-          </p:nvGrpSpPr>
-          <p:grpSpPr>
-            <a:xfrm>
-              <a:off x="6660232" y="4247983"/>
-              <a:ext cx="1065268" cy="648072"/>
-              <a:chOff x="6588224" y="2622399"/>
-              <a:chExt cx="1065268" cy="648072"/>
-            </a:xfrm>
-          </p:grpSpPr>
-          <p:sp>
-            <p:nvSpPr>
-              <p:cNvPr id="20" name="Right Arrow 19"/>
-              <p:cNvSpPr/>
-              <p:nvPr/>
-            </p:nvSpPr>
-            <p:spPr>
-              <a:xfrm>
-                <a:off x="6675084" y="2622399"/>
-                <a:ext cx="978408" cy="648072"/>
-              </a:xfrm>
-              <a:prstGeom prst="rightArrow">
-                <a:avLst>
-                  <a:gd name="adj1" fmla="val 50000"/>
-                  <a:gd name="adj2" fmla="val 60582"/>
-                </a:avLst>
-              </a:prstGeom>
-            </p:spPr>
-            <p:style>
-              <a:lnRef idx="2">
-                <a:schemeClr val="accent1">
-                  <a:shade val="50000"/>
-                </a:schemeClr>
-              </a:lnRef>
-              <a:fillRef idx="1">
-                <a:schemeClr val="accent1"/>
-              </a:fillRef>
-              <a:effectRef idx="0">
-                <a:schemeClr val="accent1"/>
-              </a:effectRef>
-              <a:fontRef idx="minor">
-                <a:schemeClr val="lt1"/>
-              </a:fontRef>
-            </p:style>
-            <p:txBody>
-              <a:bodyPr rtlCol="0" anchor="ctr"/>
-              <a:lstStyle/>
-              <a:p>
-                <a:endParaRPr lang="de-CH"/>
-              </a:p>
-            </p:txBody>
-          </p:sp>
-          <p:sp>
-            <p:nvSpPr>
-              <p:cNvPr id="21" name="Rectangle 20"/>
-              <p:cNvSpPr/>
-              <p:nvPr/>
-            </p:nvSpPr>
-            <p:spPr>
-              <a:xfrm>
-                <a:off x="6588224" y="2798486"/>
-                <a:ext cx="338336" cy="297657"/>
-              </a:xfrm>
-              <a:prstGeom prst="rect">
-                <a:avLst/>
-              </a:prstGeom>
-              <a:ln>
-                <a:noFill/>
-              </a:ln>
-            </p:spPr>
-            <p:style>
-              <a:lnRef idx="2">
-                <a:schemeClr val="accent1">
-                  <a:shade val="50000"/>
-                </a:schemeClr>
-              </a:lnRef>
-              <a:fillRef idx="1">
-                <a:schemeClr val="accent1"/>
-              </a:fillRef>
-              <a:effectRef idx="0">
-                <a:schemeClr val="accent1"/>
-              </a:effectRef>
-              <a:fontRef idx="minor">
-                <a:schemeClr val="lt1"/>
-              </a:fontRef>
-            </p:style>
-            <p:txBody>
-              <a:bodyPr rtlCol="0" anchor="ctr"/>
-              <a:lstStyle/>
-              <a:p>
-                <a:r>
-                  <a:rPr lang="de-CH" dirty="0" smtClean="0"/>
-                  <a:t> </a:t>
-                </a:r>
-                <a:endParaRPr lang="de-CH" dirty="0"/>
-              </a:p>
-            </p:txBody>
-          </p:sp>
-        </p:grpSp>
-      </p:grpSp>
-      <p:grpSp>
-        <p:nvGrpSpPr>
-          <p:cNvPr id="27" name="Group 26"/>
-          <p:cNvGrpSpPr/>
+              </a:rPr>
+              <a:t>C::update</a:t>
+            </a:r>
+            <a:endParaRPr lang="en-GB" dirty="0">
+              <a:latin typeface="+mj-lt"/>
+            </a:endParaRPr>
+          </a:p>
+        </p:txBody>
+      </p:sp>
+      <p:sp>
+        <p:nvSpPr>
+          <p:cNvPr id="18" name="Snip Diagonal Corner Rectangle 17"/>
+          <p:cNvSpPr/>
           <p:nvPr/>
-        </p:nvGrpSpPr>
-        <p:grpSpPr>
+        </p:nvSpPr>
+        <p:spPr>
           <a:xfrm>
-            <a:off x="6371913" y="4797152"/>
-            <a:ext cx="2304255" cy="1199268"/>
-            <a:chOff x="6444209" y="2587286"/>
-            <a:chExt cx="2304255" cy="1199268"/>
+            <a:off x="7091992" y="3535977"/>
+            <a:ext cx="1584176" cy="1045151"/>
           </a:xfrm>
-        </p:grpSpPr>
-        <p:sp>
-          <p:nvSpPr>
-            <p:cNvPr id="28" name="Snip Diagonal Corner Rectangle 27"/>
-            <p:cNvSpPr/>
-            <p:nvPr/>
-          </p:nvSpPr>
-          <p:spPr>
-            <a:xfrm>
-              <a:off x="7164288" y="2587286"/>
-              <a:ext cx="1584176" cy="1199268"/>
-            </a:xfrm>
-            <a:prstGeom prst="snip2DiagRect">
-              <a:avLst>
-                <a:gd name="adj1" fmla="val 0"/>
-                <a:gd name="adj2" fmla="val 11668"/>
-              </a:avLst>
-            </a:prstGeom>
-          </p:spPr>
-          <p:style>
-            <a:lnRef idx="2">
-              <a:schemeClr val="accent6">
-                <a:shade val="50000"/>
-              </a:schemeClr>
-            </a:lnRef>
-            <a:fillRef idx="1">
-              <a:schemeClr val="accent6"/>
-            </a:fillRef>
-            <a:effectRef idx="0">
-              <a:schemeClr val="accent6"/>
-            </a:effectRef>
-            <a:fontRef idx="minor">
-              <a:schemeClr val="lt1"/>
-            </a:fontRef>
-          </p:style>
-          <p:txBody>
-            <a:bodyPr lIns="90000" tIns="46800" rIns="90000" bIns="612000" rtlCol="0" anchor="ctr"/>
-            <a:lstStyle/>
-            <a:p>
-              <a:r>
-                <a:rPr lang="en-GB" dirty="0">
-                  <a:latin typeface="+mj-lt"/>
-                </a:rPr>
-                <a:t>C::listen</a:t>
-              </a:r>
-              <a:endParaRPr lang="en-GB" dirty="0">
+          <a:prstGeom prst="snip2DiagRect">
+            <a:avLst>
+              <a:gd name="adj1" fmla="val 0"/>
+              <a:gd name="adj2" fmla="val 19388"/>
+            </a:avLst>
+          </a:prstGeom>
+        </p:spPr>
+        <p:style>
+          <a:lnRef idx="2">
+            <a:schemeClr val="accent6">
+              <a:shade val="50000"/>
+            </a:schemeClr>
+          </a:lnRef>
+          <a:fillRef idx="1">
+            <a:schemeClr val="accent6"/>
+          </a:fillRef>
+          <a:effectRef idx="0">
+            <a:schemeClr val="accent6"/>
+          </a:effectRef>
+          <a:fontRef idx="minor">
+            <a:schemeClr val="lt1"/>
+          </a:fontRef>
+        </p:style>
+        <p:txBody>
+          <a:bodyPr tIns="648000" rtlCol="0" anchor="ctr"/>
+          <a:lstStyle/>
+          <a:p>
+            <a:r>
+              <a:rPr lang="en-GB" dirty="0">
                 <a:latin typeface="+mj-lt"/>
-              </a:endParaRPr>
-            </a:p>
-          </p:txBody>
-        </p:sp>
-        <p:grpSp>
-          <p:nvGrpSpPr>
-            <p:cNvPr id="30" name="Group 29"/>
-            <p:cNvGrpSpPr/>
-            <p:nvPr/>
-          </p:nvGrpSpPr>
-          <p:grpSpPr>
-            <a:xfrm rot="10800000">
-              <a:off x="6444209" y="3019333"/>
-              <a:ext cx="1065268" cy="648072"/>
-              <a:chOff x="6588224" y="2816468"/>
-              <a:chExt cx="1065268" cy="648072"/>
-            </a:xfrm>
-          </p:grpSpPr>
-          <p:sp>
-            <p:nvSpPr>
-              <p:cNvPr id="31" name="Right Arrow 30"/>
-              <p:cNvSpPr/>
-              <p:nvPr/>
-            </p:nvSpPr>
-            <p:spPr>
-              <a:xfrm>
-                <a:off x="6675084" y="2816468"/>
-                <a:ext cx="978408" cy="648072"/>
-              </a:xfrm>
-              <a:prstGeom prst="rightArrow">
-                <a:avLst>
-                  <a:gd name="adj1" fmla="val 50000"/>
-                  <a:gd name="adj2" fmla="val 60582"/>
-                </a:avLst>
-              </a:prstGeom>
-            </p:spPr>
-            <p:style>
-              <a:lnRef idx="2">
-                <a:schemeClr val="accent6">
-                  <a:shade val="50000"/>
-                </a:schemeClr>
-              </a:lnRef>
-              <a:fillRef idx="1">
-                <a:schemeClr val="accent6"/>
-              </a:fillRef>
-              <a:effectRef idx="0">
-                <a:schemeClr val="accent6"/>
-              </a:effectRef>
-              <a:fontRef idx="minor">
-                <a:schemeClr val="lt1"/>
-              </a:fontRef>
-            </p:style>
-            <p:txBody>
-              <a:bodyPr lIns="0" tIns="648000" rIns="0" bIns="612000" rtlCol="0" anchor="ctr"/>
-              <a:lstStyle/>
-              <a:p>
-                <a:endParaRPr lang="de-CH">
-                  <a:latin typeface="+mj-lt"/>
-                </a:endParaRPr>
-              </a:p>
-            </p:txBody>
-          </p:sp>
-          <p:sp>
-            <p:nvSpPr>
-              <p:cNvPr id="32" name="Rectangle 31"/>
-              <p:cNvSpPr/>
-              <p:nvPr/>
-            </p:nvSpPr>
-            <p:spPr>
-              <a:xfrm>
-                <a:off x="6588224" y="2991437"/>
-                <a:ext cx="338336" cy="297655"/>
-              </a:xfrm>
-              <a:prstGeom prst="rect">
-                <a:avLst/>
-              </a:prstGeom>
-              <a:ln>
-                <a:noFill/>
-              </a:ln>
-            </p:spPr>
-            <p:style>
-              <a:lnRef idx="2">
-                <a:schemeClr val="accent6">
-                  <a:shade val="50000"/>
-                </a:schemeClr>
-              </a:lnRef>
-              <a:fillRef idx="1">
-                <a:schemeClr val="accent6"/>
-              </a:fillRef>
-              <a:effectRef idx="0">
-                <a:schemeClr val="accent6"/>
-              </a:effectRef>
-              <a:fontRef idx="minor">
-                <a:schemeClr val="lt1"/>
-              </a:fontRef>
-            </p:style>
-            <p:txBody>
-              <a:bodyPr lIns="0" tIns="648000" rIns="0" bIns="612000" rtlCol="0" anchor="ctr"/>
-              <a:lstStyle/>
-              <a:p>
-                <a:r>
-                  <a:rPr lang="de-CH" dirty="0">
-                    <a:latin typeface="+mj-lt"/>
-                  </a:rPr>
-                  <a:t> </a:t>
-                </a:r>
-              </a:p>
-            </p:txBody>
-          </p:sp>
-        </p:grpSp>
-      </p:grpSp>
+              </a:rPr>
+              <a:t>C::process</a:t>
+            </a:r>
+            <a:endParaRPr lang="en-GB" dirty="0">
+              <a:latin typeface="+mj-lt"/>
+            </a:endParaRPr>
+          </a:p>
+        </p:txBody>
+      </p:sp>
+      <p:sp>
+        <p:nvSpPr>
+          <p:cNvPr id="20" name="Right Arrow 19"/>
+          <p:cNvSpPr/>
+          <p:nvPr/>
+        </p:nvSpPr>
+        <p:spPr>
+          <a:xfrm>
+            <a:off x="6602788" y="3590946"/>
+            <a:ext cx="978408" cy="648072"/>
+          </a:xfrm>
+          <a:prstGeom prst="rightArrow">
+            <a:avLst>
+              <a:gd name="adj1" fmla="val 50000"/>
+              <a:gd name="adj2" fmla="val 60582"/>
+            </a:avLst>
+          </a:prstGeom>
+        </p:spPr>
+        <p:style>
+          <a:lnRef idx="2">
+            <a:schemeClr val="accent1">
+              <a:shade val="50000"/>
+            </a:schemeClr>
+          </a:lnRef>
+          <a:fillRef idx="1">
+            <a:schemeClr val="accent1"/>
+          </a:fillRef>
+          <a:effectRef idx="0">
+            <a:schemeClr val="accent1"/>
+          </a:effectRef>
+          <a:fontRef idx="minor">
+            <a:schemeClr val="lt1"/>
+          </a:fontRef>
+        </p:style>
+        <p:txBody>
+          <a:bodyPr rtlCol="0" anchor="ctr"/>
+          <a:lstStyle/>
+          <a:p>
+            <a:endParaRPr lang="de-CH"/>
+          </a:p>
+        </p:txBody>
+      </p:sp>
+      <p:sp>
+        <p:nvSpPr>
+          <p:cNvPr id="21" name="Rectangle 20"/>
+          <p:cNvSpPr/>
+          <p:nvPr/>
+        </p:nvSpPr>
+        <p:spPr>
+          <a:xfrm>
+            <a:off x="6515928" y="3767033"/>
+            <a:ext cx="338336" cy="297657"/>
+          </a:xfrm>
+          <a:prstGeom prst="rect">
+            <a:avLst/>
+          </a:prstGeom>
+          <a:ln>
+            <a:noFill/>
+          </a:ln>
+        </p:spPr>
+        <p:style>
+          <a:lnRef idx="2">
+            <a:schemeClr val="accent1">
+              <a:shade val="50000"/>
+            </a:schemeClr>
+          </a:lnRef>
+          <a:fillRef idx="1">
+            <a:schemeClr val="accent1"/>
+          </a:fillRef>
+          <a:effectRef idx="0">
+            <a:schemeClr val="accent1"/>
+          </a:effectRef>
+          <a:fontRef idx="minor">
+            <a:schemeClr val="lt1"/>
+          </a:fontRef>
+        </p:style>
+        <p:txBody>
+          <a:bodyPr rtlCol="0" anchor="ctr"/>
+          <a:lstStyle/>
+          <a:p>
+            <a:r>
+              <a:rPr lang="de-CH" dirty="0" smtClean="0"/>
+              <a:t> </a:t>
+            </a:r>
+            <a:endParaRPr lang="de-CH" dirty="0"/>
+          </a:p>
+        </p:txBody>
+      </p:sp>
+      <p:sp>
+        <p:nvSpPr>
+          <p:cNvPr id="28" name="Snip Diagonal Corner Rectangle 27"/>
+          <p:cNvSpPr/>
+          <p:nvPr/>
+        </p:nvSpPr>
+        <p:spPr>
+          <a:xfrm>
+            <a:off x="7091992" y="4797152"/>
+            <a:ext cx="1584176" cy="1199268"/>
+          </a:xfrm>
+          <a:prstGeom prst="snip2DiagRect">
+            <a:avLst>
+              <a:gd name="adj1" fmla="val 0"/>
+              <a:gd name="adj2" fmla="val 16901"/>
+            </a:avLst>
+          </a:prstGeom>
+        </p:spPr>
+        <p:style>
+          <a:lnRef idx="2">
+            <a:schemeClr val="accent6">
+              <a:shade val="50000"/>
+            </a:schemeClr>
+          </a:lnRef>
+          <a:fillRef idx="1">
+            <a:schemeClr val="accent6"/>
+          </a:fillRef>
+          <a:effectRef idx="0">
+            <a:schemeClr val="accent6"/>
+          </a:effectRef>
+          <a:fontRef idx="minor">
+            <a:schemeClr val="lt1"/>
+          </a:fontRef>
+        </p:style>
+        <p:txBody>
+          <a:bodyPr lIns="90000" tIns="46800" rIns="90000" bIns="612000" rtlCol="0" anchor="ctr"/>
+          <a:lstStyle/>
+          <a:p>
+            <a:r>
+              <a:rPr lang="en-GB" dirty="0">
+                <a:latin typeface="+mj-lt"/>
+              </a:rPr>
+              <a:t>C::listen</a:t>
+            </a:r>
+            <a:endParaRPr lang="en-GB" dirty="0">
+              <a:latin typeface="+mj-lt"/>
+            </a:endParaRPr>
+          </a:p>
+        </p:txBody>
+      </p:sp>
+      <p:sp>
+        <p:nvSpPr>
+          <p:cNvPr id="31" name="Right Arrow 30"/>
+          <p:cNvSpPr/>
+          <p:nvPr/>
+        </p:nvSpPr>
+        <p:spPr>
+          <a:xfrm rot="10800000">
+            <a:off x="6371913" y="5229199"/>
+            <a:ext cx="978408" cy="648072"/>
+          </a:xfrm>
+          <a:prstGeom prst="rightArrow">
+            <a:avLst>
+              <a:gd name="adj1" fmla="val 50000"/>
+              <a:gd name="adj2" fmla="val 60582"/>
+            </a:avLst>
+          </a:prstGeom>
+        </p:spPr>
+        <p:style>
+          <a:lnRef idx="2">
+            <a:schemeClr val="accent6">
+              <a:shade val="50000"/>
+            </a:schemeClr>
+          </a:lnRef>
+          <a:fillRef idx="1">
+            <a:schemeClr val="accent6"/>
+          </a:fillRef>
+          <a:effectRef idx="0">
+            <a:schemeClr val="accent6"/>
+          </a:effectRef>
+          <a:fontRef idx="minor">
+            <a:schemeClr val="lt1"/>
+          </a:fontRef>
+        </p:style>
+        <p:txBody>
+          <a:bodyPr lIns="0" tIns="648000" rIns="0" bIns="612000" rtlCol="0" anchor="ctr"/>
+          <a:lstStyle/>
+          <a:p>
+            <a:endParaRPr lang="de-CH">
+              <a:latin typeface="+mj-lt"/>
+            </a:endParaRPr>
+          </a:p>
+        </p:txBody>
+      </p:sp>
+      <p:sp>
+        <p:nvSpPr>
+          <p:cNvPr id="32" name="Rectangle 31"/>
+          <p:cNvSpPr/>
+          <p:nvPr/>
+        </p:nvSpPr>
+        <p:spPr>
+          <a:xfrm rot="10800000">
+            <a:off x="7098845" y="5404647"/>
+            <a:ext cx="338336" cy="297655"/>
+          </a:xfrm>
+          <a:prstGeom prst="rect">
+            <a:avLst/>
+          </a:prstGeom>
+          <a:ln>
+            <a:noFill/>
+          </a:ln>
+        </p:spPr>
+        <p:style>
+          <a:lnRef idx="2">
+            <a:schemeClr val="accent6">
+              <a:shade val="50000"/>
+            </a:schemeClr>
+          </a:lnRef>
+          <a:fillRef idx="1">
+            <a:schemeClr val="accent6"/>
+          </a:fillRef>
+          <a:effectRef idx="0">
+            <a:schemeClr val="accent6"/>
+          </a:effectRef>
+          <a:fontRef idx="minor">
+            <a:schemeClr val="lt1"/>
+          </a:fontRef>
+        </p:style>
+        <p:txBody>
+          <a:bodyPr lIns="0" tIns="648000" rIns="0" bIns="612000" rtlCol="0" anchor="ctr"/>
+          <a:lstStyle/>
+          <a:p>
+            <a:r>
+              <a:rPr lang="de-CH" dirty="0">
+                <a:latin typeface="+mj-lt"/>
+              </a:rPr>
+              <a:t> </a:t>
+            </a:r>
+          </a:p>
+        </p:txBody>
+      </p:sp>
+      <p:sp>
+        <p:nvSpPr>
+          <p:cNvPr id="6" name="Right Arrow 5"/>
+          <p:cNvSpPr/>
+          <p:nvPr/>
+        </p:nvSpPr>
+        <p:spPr>
+          <a:xfrm>
+            <a:off x="6602788" y="1549144"/>
+            <a:ext cx="978408" cy="648072"/>
+          </a:xfrm>
+          <a:prstGeom prst="rightArrow">
+            <a:avLst>
+              <a:gd name="adj1" fmla="val 50000"/>
+              <a:gd name="adj2" fmla="val 60582"/>
+            </a:avLst>
+          </a:prstGeom>
+        </p:spPr>
+        <p:style>
+          <a:lnRef idx="2">
+            <a:schemeClr val="accent1">
+              <a:shade val="50000"/>
+            </a:schemeClr>
+          </a:lnRef>
+          <a:fillRef idx="1">
+            <a:schemeClr val="accent1"/>
+          </a:fillRef>
+          <a:effectRef idx="0">
+            <a:schemeClr val="accent1"/>
+          </a:effectRef>
+          <a:fontRef idx="minor">
+            <a:schemeClr val="lt1"/>
+          </a:fontRef>
+        </p:style>
+        <p:txBody>
+          <a:bodyPr rtlCol="0" anchor="ctr"/>
+          <a:lstStyle/>
+          <a:p>
+            <a:endParaRPr lang="de-CH"/>
+          </a:p>
+        </p:txBody>
+      </p:sp>
+      <p:sp>
+        <p:nvSpPr>
+          <p:cNvPr id="13" name="Rectangle 12"/>
+          <p:cNvSpPr/>
+          <p:nvPr/>
+        </p:nvSpPr>
+        <p:spPr>
+          <a:xfrm>
+            <a:off x="6515928" y="1726097"/>
+            <a:ext cx="338336" cy="297657"/>
+          </a:xfrm>
+          <a:prstGeom prst="rect">
+            <a:avLst/>
+          </a:prstGeom>
+          <a:ln>
+            <a:noFill/>
+          </a:ln>
+        </p:spPr>
+        <p:style>
+          <a:lnRef idx="2">
+            <a:schemeClr val="accent1">
+              <a:shade val="50000"/>
+            </a:schemeClr>
+          </a:lnRef>
+          <a:fillRef idx="1">
+            <a:schemeClr val="accent1"/>
+          </a:fillRef>
+          <a:effectRef idx="0">
+            <a:schemeClr val="accent1"/>
+          </a:effectRef>
+          <a:fontRef idx="minor">
+            <a:schemeClr val="lt1"/>
+          </a:fontRef>
+        </p:style>
+        <p:txBody>
+          <a:bodyPr rtlCol="0" anchor="ctr"/>
+          <a:lstStyle/>
+          <a:p>
+            <a:r>
+              <a:rPr lang="de-CH" dirty="0" smtClean="0"/>
+              <a:t> </a:t>
+            </a:r>
+            <a:endParaRPr lang="de-CH" dirty="0"/>
+          </a:p>
+        </p:txBody>
+      </p:sp>
+      <p:sp>
+        <p:nvSpPr>
+          <p:cNvPr id="24" name="Snip Diagonal Corner Rectangle 23"/>
+          <p:cNvSpPr/>
+          <p:nvPr/>
+        </p:nvSpPr>
+        <p:spPr>
+          <a:xfrm>
+            <a:off x="7092280" y="2560662"/>
+            <a:ext cx="1584176" cy="796330"/>
+          </a:xfrm>
+          <a:prstGeom prst="snip2DiagRect">
+            <a:avLst>
+              <a:gd name="adj1" fmla="val 0"/>
+              <a:gd name="adj2" fmla="val 22926"/>
+            </a:avLst>
+          </a:prstGeom>
+        </p:spPr>
+        <p:style>
+          <a:lnRef idx="2">
+            <a:schemeClr val="accent3">
+              <a:shade val="50000"/>
+            </a:schemeClr>
+          </a:lnRef>
+          <a:fillRef idx="1">
+            <a:schemeClr val="accent3"/>
+          </a:fillRef>
+          <a:effectRef idx="0">
+            <a:schemeClr val="accent3"/>
+          </a:effectRef>
+          <a:fontRef idx="minor">
+            <a:schemeClr val="lt1"/>
+          </a:fontRef>
+        </p:style>
+        <p:txBody>
+          <a:bodyPr lIns="252000" tIns="468000" bIns="468000" rtlCol="0" anchor="ctr"/>
+          <a:lstStyle/>
+          <a:p>
+            <a:r>
+              <a:rPr lang="en-GB" dirty="0" smtClean="0">
+                <a:latin typeface="+mj-lt"/>
+              </a:rPr>
+              <a:t>C::update</a:t>
+            </a:r>
+            <a:endParaRPr lang="en-GB" dirty="0">
+              <a:latin typeface="+mj-lt"/>
+            </a:endParaRPr>
+          </a:p>
+        </p:txBody>
+      </p:sp>
+      <p:sp>
+        <p:nvSpPr>
+          <p:cNvPr id="16" name="Right Arrow 15"/>
+          <p:cNvSpPr/>
+          <p:nvPr/>
+        </p:nvSpPr>
+        <p:spPr>
+          <a:xfrm rot="10800000">
+            <a:off x="6371913" y="2645878"/>
+            <a:ext cx="978408" cy="648072"/>
+          </a:xfrm>
+          <a:prstGeom prst="rightArrow">
+            <a:avLst>
+              <a:gd name="adj1" fmla="val 50000"/>
+              <a:gd name="adj2" fmla="val 60582"/>
+            </a:avLst>
+          </a:prstGeom>
+        </p:spPr>
+        <p:style>
+          <a:lnRef idx="2">
+            <a:schemeClr val="accent3">
+              <a:shade val="50000"/>
+            </a:schemeClr>
+          </a:lnRef>
+          <a:fillRef idx="1">
+            <a:schemeClr val="accent3"/>
+          </a:fillRef>
+          <a:effectRef idx="0">
+            <a:schemeClr val="accent3"/>
+          </a:effectRef>
+          <a:fontRef idx="minor">
+            <a:schemeClr val="lt1"/>
+          </a:fontRef>
+        </p:style>
+        <p:txBody>
+          <a:bodyPr rtlCol="0" anchor="ctr"/>
+          <a:lstStyle/>
+          <a:p>
+            <a:endParaRPr lang="de-CH">
+              <a:latin typeface="+mj-lt"/>
+            </a:endParaRPr>
+          </a:p>
+        </p:txBody>
+      </p:sp>
+      <p:sp>
+        <p:nvSpPr>
+          <p:cNvPr id="17" name="Rectangle 16"/>
+          <p:cNvSpPr/>
+          <p:nvPr/>
+        </p:nvSpPr>
+        <p:spPr>
+          <a:xfrm rot="10800000">
+            <a:off x="7098845" y="2822502"/>
+            <a:ext cx="338336" cy="297655"/>
+          </a:xfrm>
+          <a:prstGeom prst="rect">
+            <a:avLst/>
+          </a:prstGeom>
+          <a:ln>
+            <a:noFill/>
+          </a:ln>
+        </p:spPr>
+        <p:style>
+          <a:lnRef idx="2">
+            <a:schemeClr val="accent3">
+              <a:shade val="50000"/>
+            </a:schemeClr>
+          </a:lnRef>
+          <a:fillRef idx="1">
+            <a:schemeClr val="accent3"/>
+          </a:fillRef>
+          <a:effectRef idx="0">
+            <a:schemeClr val="accent3"/>
+          </a:effectRef>
+          <a:fontRef idx="minor">
+            <a:schemeClr val="lt1"/>
+          </a:fontRef>
+        </p:style>
+        <p:txBody>
+          <a:bodyPr rtlCol="0" anchor="ctr"/>
+          <a:lstStyle/>
+          <a:p>
+            <a:r>
+              <a:rPr lang="de-CH" dirty="0">
+                <a:latin typeface="+mj-lt"/>
+              </a:rPr>
+              <a:t> </a:t>
+            </a:r>
+          </a:p>
+        </p:txBody>
+      </p:sp>
+      <p:sp>
+        <p:nvSpPr>
+          <p:cNvPr id="3" name="TextBox 2"/>
+          <p:cNvSpPr txBox="1"/>
+          <p:nvPr/>
+        </p:nvSpPr>
+        <p:spPr>
+          <a:xfrm>
+            <a:off x="6444208" y="2774161"/>
+            <a:ext cx="944489" cy="369332"/>
+          </a:xfrm>
+          <a:prstGeom prst="rect">
+            <a:avLst/>
+          </a:prstGeom>
+          <a:noFill/>
+        </p:spPr>
+        <p:txBody>
+          <a:bodyPr wrap="none" rtlCol="0">
+            <a:spAutoFit/>
+          </a:bodyPr>
+          <a:lstStyle/>
+          <a:p>
+            <a:r>
+              <a:rPr lang="de-CH" dirty="0" smtClean="0">
+                <a:solidFill>
+                  <a:schemeClr val="bg1"/>
+                </a:solidFill>
+                <a:latin typeface="Consolas" pitchFamily="49" charset="0"/>
+                <a:cs typeface="Consolas" pitchFamily="49" charset="0"/>
+              </a:rPr>
+              <a:t>inhale</a:t>
+            </a:r>
+            <a:endParaRPr lang="de-CH" dirty="0">
+              <a:solidFill>
+                <a:schemeClr val="bg1"/>
+              </a:solidFill>
+              <a:latin typeface="Consolas" pitchFamily="49" charset="0"/>
+              <a:cs typeface="Consolas" pitchFamily="49" charset="0"/>
+            </a:endParaRPr>
+          </a:p>
+        </p:txBody>
+      </p:sp>
+      <p:sp>
+        <p:nvSpPr>
+          <p:cNvPr id="33" name="TextBox 32"/>
+          <p:cNvSpPr txBox="1"/>
+          <p:nvPr/>
+        </p:nvSpPr>
+        <p:spPr>
+          <a:xfrm>
+            <a:off x="6444208" y="5363924"/>
+            <a:ext cx="944489" cy="369332"/>
+          </a:xfrm>
+          <a:prstGeom prst="rect">
+            <a:avLst/>
+          </a:prstGeom>
+          <a:noFill/>
+        </p:spPr>
+        <p:txBody>
+          <a:bodyPr wrap="none" rtlCol="0">
+            <a:spAutoFit/>
+          </a:bodyPr>
+          <a:lstStyle/>
+          <a:p>
+            <a:r>
+              <a:rPr lang="de-CH" dirty="0" smtClean="0">
+                <a:solidFill>
+                  <a:schemeClr val="bg1"/>
+                </a:solidFill>
+                <a:latin typeface="Consolas" pitchFamily="49" charset="0"/>
+                <a:cs typeface="Consolas" pitchFamily="49" charset="0"/>
+              </a:rPr>
+              <a:t>inhale</a:t>
+            </a:r>
+            <a:endParaRPr lang="de-CH" dirty="0">
+              <a:solidFill>
+                <a:schemeClr val="bg1"/>
+              </a:solidFill>
+              <a:latin typeface="Consolas" pitchFamily="49" charset="0"/>
+              <a:cs typeface="Consolas" pitchFamily="49" charset="0"/>
+            </a:endParaRPr>
+          </a:p>
+        </p:txBody>
+      </p:sp>
+      <p:sp>
+        <p:nvSpPr>
+          <p:cNvPr id="34" name="TextBox 33"/>
+          <p:cNvSpPr txBox="1"/>
+          <p:nvPr/>
+        </p:nvSpPr>
+        <p:spPr>
+          <a:xfrm>
+            <a:off x="6524893" y="3716993"/>
+            <a:ext cx="944489" cy="369332"/>
+          </a:xfrm>
+          <a:prstGeom prst="rect">
+            <a:avLst/>
+          </a:prstGeom>
+          <a:noFill/>
+        </p:spPr>
+        <p:txBody>
+          <a:bodyPr wrap="none" rtlCol="0">
+            <a:spAutoFit/>
+          </a:bodyPr>
+          <a:lstStyle/>
+          <a:p>
+            <a:r>
+              <a:rPr lang="de-CH" dirty="0" smtClean="0">
+                <a:solidFill>
+                  <a:schemeClr val="bg1"/>
+                </a:solidFill>
+                <a:latin typeface="Consolas" pitchFamily="49" charset="0"/>
+                <a:cs typeface="Consolas" pitchFamily="49" charset="0"/>
+              </a:rPr>
+              <a:t>exhale</a:t>
+            </a:r>
+            <a:endParaRPr lang="de-CH" dirty="0">
+              <a:solidFill>
+                <a:schemeClr val="bg1"/>
+              </a:solidFill>
+              <a:latin typeface="Consolas" pitchFamily="49" charset="0"/>
+              <a:cs typeface="Consolas" pitchFamily="49" charset="0"/>
+            </a:endParaRPr>
+          </a:p>
+        </p:txBody>
+      </p:sp>
+      <p:sp>
+        <p:nvSpPr>
+          <p:cNvPr id="35" name="TextBox 34"/>
+          <p:cNvSpPr txBox="1"/>
+          <p:nvPr/>
+        </p:nvSpPr>
+        <p:spPr>
+          <a:xfrm>
+            <a:off x="6539085" y="1684996"/>
+            <a:ext cx="944489" cy="369332"/>
+          </a:xfrm>
+          <a:prstGeom prst="rect">
+            <a:avLst/>
+          </a:prstGeom>
+          <a:noFill/>
+        </p:spPr>
+        <p:txBody>
+          <a:bodyPr wrap="none" rtlCol="0">
+            <a:spAutoFit/>
+          </a:bodyPr>
+          <a:lstStyle/>
+          <a:p>
+            <a:r>
+              <a:rPr lang="de-CH" dirty="0" smtClean="0">
+                <a:solidFill>
+                  <a:schemeClr val="bg1"/>
+                </a:solidFill>
+                <a:latin typeface="Consolas" pitchFamily="49" charset="0"/>
+                <a:cs typeface="Consolas" pitchFamily="49" charset="0"/>
+              </a:rPr>
+              <a:t>exhale</a:t>
+            </a:r>
+            <a:endParaRPr lang="de-CH" dirty="0">
+              <a:solidFill>
+                <a:schemeClr val="bg1"/>
+              </a:solidFill>
+              <a:latin typeface="Consolas" pitchFamily="49" charset="0"/>
+              <a:cs typeface="Consolas" pitchFamily="49" charset="0"/>
+            </a:endParaRPr>
+          </a:p>
+        </p:txBody>
+      </p:sp>
     </p:spTree>
     <p:extLst>
       <p:ext uri="{BB962C8B-B14F-4D97-AF65-F5344CB8AC3E}">
@@ -18078,9 +19496,850 @@
   <p:timing>
     <p:tnLst>
       <p:par>
-        <p:cTn id="1" dur="indefinite" restart="never" nodeType="tmRoot"/>
+        <p:cTn id="1" dur="indefinite" restart="never" nodeType="tmRoot">
+          <p:childTnLst>
+            <p:seq concurrent="1" nextAc="seek">
+              <p:cTn id="2" dur="indefinite" nodeType="mainSeq">
+                <p:childTnLst>
+                  <p:par>
+                    <p:cTn id="3" fill="hold">
+                      <p:stCondLst>
+                        <p:cond delay="indefinite"/>
+                      </p:stCondLst>
+                      <p:childTnLst>
+                        <p:par>
+                          <p:cTn id="4" fill="hold">
+                            <p:stCondLst>
+                              <p:cond delay="0"/>
+                            </p:stCondLst>
+                            <p:childTnLst>
+                              <p:par>
+                                <p:cTn id="5" presetID="22" presetClass="entr" presetSubtype="1" fill="hold" nodeType="clickEffect">
+                                  <p:stCondLst>
+                                    <p:cond delay="0"/>
+                                  </p:stCondLst>
+                                  <p:childTnLst>
+                                    <p:set>
+                                      <p:cBhvr>
+                                        <p:cTn id="6" dur="1" fill="hold">
+                                          <p:stCondLst>
+                                            <p:cond delay="0"/>
+                                          </p:stCondLst>
+                                        </p:cTn>
+                                        <p:tgtEl>
+                                          <p:spTgt spid="10">
+                                            <p:txEl>
+                                              <p:pRg st="0" end="0"/>
+                                            </p:txEl>
+                                          </p:spTgt>
+                                        </p:tgtEl>
+                                        <p:attrNameLst>
+                                          <p:attrName>style.visibility</p:attrName>
+                                        </p:attrNameLst>
+                                      </p:cBhvr>
+                                      <p:to>
+                                        <p:strVal val="visible"/>
+                                      </p:to>
+                                    </p:set>
+                                    <p:animEffect transition="in" filter="wipe(up)">
+                                      <p:cBhvr>
+                                        <p:cTn id="7" dur="500"/>
+                                        <p:tgtEl>
+                                          <p:spTgt spid="10">
+                                            <p:txEl>
+                                              <p:pRg st="0" end="0"/>
+                                            </p:txEl>
+                                          </p:spTgt>
+                                        </p:tgtEl>
+                                      </p:cBhvr>
+                                    </p:animEffect>
+                                  </p:childTnLst>
+                                </p:cTn>
+                              </p:par>
+                              <p:par>
+                                <p:cTn id="8" presetID="22" presetClass="entr" presetSubtype="1" fill="hold" nodeType="withEffect">
+                                  <p:stCondLst>
+                                    <p:cond delay="150"/>
+                                  </p:stCondLst>
+                                  <p:childTnLst>
+                                    <p:set>
+                                      <p:cBhvr>
+                                        <p:cTn id="9" dur="1" fill="hold">
+                                          <p:stCondLst>
+                                            <p:cond delay="0"/>
+                                          </p:stCondLst>
+                                        </p:cTn>
+                                        <p:tgtEl>
+                                          <p:spTgt spid="10">
+                                            <p:txEl>
+                                              <p:pRg st="1" end="1"/>
+                                            </p:txEl>
+                                          </p:spTgt>
+                                        </p:tgtEl>
+                                        <p:attrNameLst>
+                                          <p:attrName>style.visibility</p:attrName>
+                                        </p:attrNameLst>
+                                      </p:cBhvr>
+                                      <p:to>
+                                        <p:strVal val="visible"/>
+                                      </p:to>
+                                    </p:set>
+                                    <p:animEffect transition="in" filter="wipe(up)">
+                                      <p:cBhvr>
+                                        <p:cTn id="10" dur="500"/>
+                                        <p:tgtEl>
+                                          <p:spTgt spid="10">
+                                            <p:txEl>
+                                              <p:pRg st="1" end="1"/>
+                                            </p:txEl>
+                                          </p:spTgt>
+                                        </p:tgtEl>
+                                      </p:cBhvr>
+                                    </p:animEffect>
+                                  </p:childTnLst>
+                                </p:cTn>
+                              </p:par>
+                              <p:par>
+                                <p:cTn id="11" presetID="22" presetClass="entr" presetSubtype="1" fill="hold" nodeType="withEffect">
+                                  <p:stCondLst>
+                                    <p:cond delay="300"/>
+                                  </p:stCondLst>
+                                  <p:childTnLst>
+                                    <p:set>
+                                      <p:cBhvr>
+                                        <p:cTn id="12" dur="1" fill="hold">
+                                          <p:stCondLst>
+                                            <p:cond delay="0"/>
+                                          </p:stCondLst>
+                                        </p:cTn>
+                                        <p:tgtEl>
+                                          <p:spTgt spid="10">
+                                            <p:txEl>
+                                              <p:pRg st="2" end="2"/>
+                                            </p:txEl>
+                                          </p:spTgt>
+                                        </p:tgtEl>
+                                        <p:attrNameLst>
+                                          <p:attrName>style.visibility</p:attrName>
+                                        </p:attrNameLst>
+                                      </p:cBhvr>
+                                      <p:to>
+                                        <p:strVal val="visible"/>
+                                      </p:to>
+                                    </p:set>
+                                    <p:animEffect transition="in" filter="wipe(up)">
+                                      <p:cBhvr>
+                                        <p:cTn id="13" dur="500"/>
+                                        <p:tgtEl>
+                                          <p:spTgt spid="10">
+                                            <p:txEl>
+                                              <p:pRg st="2" end="2"/>
+                                            </p:txEl>
+                                          </p:spTgt>
+                                        </p:tgtEl>
+                                      </p:cBhvr>
+                                    </p:animEffect>
+                                  </p:childTnLst>
+                                </p:cTn>
+                              </p:par>
+                              <p:par>
+                                <p:cTn id="14" presetID="22" presetClass="entr" presetSubtype="1" fill="hold" nodeType="withEffect">
+                                  <p:stCondLst>
+                                    <p:cond delay="450"/>
+                                  </p:stCondLst>
+                                  <p:childTnLst>
+                                    <p:set>
+                                      <p:cBhvr>
+                                        <p:cTn id="15" dur="1" fill="hold">
+                                          <p:stCondLst>
+                                            <p:cond delay="0"/>
+                                          </p:stCondLst>
+                                        </p:cTn>
+                                        <p:tgtEl>
+                                          <p:spTgt spid="10">
+                                            <p:txEl>
+                                              <p:pRg st="3" end="3"/>
+                                            </p:txEl>
+                                          </p:spTgt>
+                                        </p:tgtEl>
+                                        <p:attrNameLst>
+                                          <p:attrName>style.visibility</p:attrName>
+                                        </p:attrNameLst>
+                                      </p:cBhvr>
+                                      <p:to>
+                                        <p:strVal val="visible"/>
+                                      </p:to>
+                                    </p:set>
+                                    <p:animEffect transition="in" filter="wipe(up)">
+                                      <p:cBhvr>
+                                        <p:cTn id="16" dur="500"/>
+                                        <p:tgtEl>
+                                          <p:spTgt spid="10">
+                                            <p:txEl>
+                                              <p:pRg st="3" end="3"/>
+                                            </p:txEl>
+                                          </p:spTgt>
+                                        </p:tgtEl>
+                                      </p:cBhvr>
+                                    </p:animEffect>
+                                  </p:childTnLst>
+                                </p:cTn>
+                              </p:par>
+                            </p:childTnLst>
+                          </p:cTn>
+                        </p:par>
+                        <p:par>
+                          <p:cTn id="17" fill="hold">
+                            <p:stCondLst>
+                              <p:cond delay="950"/>
+                            </p:stCondLst>
+                            <p:childTnLst>
+                              <p:par>
+                                <p:cTn id="18" presetID="16" presetClass="exit" presetSubtype="42" fill="hold" grpId="0" nodeType="afterEffect">
+                                  <p:stCondLst>
+                                    <p:cond delay="0"/>
+                                  </p:stCondLst>
+                                  <p:childTnLst>
+                                    <p:animEffect transition="out" filter="barn(outHorizontal)">
+                                      <p:cBhvr>
+                                        <p:cTn id="19" dur="500"/>
+                                        <p:tgtEl>
+                                          <p:spTgt spid="8"/>
+                                        </p:tgtEl>
+                                      </p:cBhvr>
+                                    </p:animEffect>
+                                    <p:set>
+                                      <p:cBhvr>
+                                        <p:cTn id="20" dur="1" fill="hold">
+                                          <p:stCondLst>
+                                            <p:cond delay="499"/>
+                                          </p:stCondLst>
+                                        </p:cTn>
+                                        <p:tgtEl>
+                                          <p:spTgt spid="8"/>
+                                        </p:tgtEl>
+                                        <p:attrNameLst>
+                                          <p:attrName>style.visibility</p:attrName>
+                                        </p:attrNameLst>
+                                      </p:cBhvr>
+                                      <p:to>
+                                        <p:strVal val="hidden"/>
+                                      </p:to>
+                                    </p:set>
+                                  </p:childTnLst>
+                                </p:cTn>
+                              </p:par>
+                              <p:par>
+                                <p:cTn id="21" presetID="22" presetClass="entr" presetSubtype="4" fill="hold" grpId="0" nodeType="withEffect">
+                                  <p:stCondLst>
+                                    <p:cond delay="0"/>
+                                  </p:stCondLst>
+                                  <p:childTnLst>
+                                    <p:set>
+                                      <p:cBhvr>
+                                        <p:cTn id="22" dur="1" fill="hold">
+                                          <p:stCondLst>
+                                            <p:cond delay="0"/>
+                                          </p:stCondLst>
+                                        </p:cTn>
+                                        <p:tgtEl>
+                                          <p:spTgt spid="29"/>
+                                        </p:tgtEl>
+                                        <p:attrNameLst>
+                                          <p:attrName>style.visibility</p:attrName>
+                                        </p:attrNameLst>
+                                      </p:cBhvr>
+                                      <p:to>
+                                        <p:strVal val="visible"/>
+                                      </p:to>
+                                    </p:set>
+                                    <p:animEffect transition="in" filter="wipe(down)">
+                                      <p:cBhvr>
+                                        <p:cTn id="23" dur="500"/>
+                                        <p:tgtEl>
+                                          <p:spTgt spid="29"/>
+                                        </p:tgtEl>
+                                      </p:cBhvr>
+                                    </p:animEffect>
+                                  </p:childTnLst>
+                                </p:cTn>
+                              </p:par>
+                              <p:par>
+                                <p:cTn id="24" presetID="22" presetClass="entr" presetSubtype="1" fill="hold" grpId="0" nodeType="withEffect">
+                                  <p:stCondLst>
+                                    <p:cond delay="0"/>
+                                  </p:stCondLst>
+                                  <p:childTnLst>
+                                    <p:set>
+                                      <p:cBhvr>
+                                        <p:cTn id="25" dur="1" fill="hold">
+                                          <p:stCondLst>
+                                            <p:cond delay="0"/>
+                                          </p:stCondLst>
+                                        </p:cTn>
+                                        <p:tgtEl>
+                                          <p:spTgt spid="24"/>
+                                        </p:tgtEl>
+                                        <p:attrNameLst>
+                                          <p:attrName>style.visibility</p:attrName>
+                                        </p:attrNameLst>
+                                      </p:cBhvr>
+                                      <p:to>
+                                        <p:strVal val="visible"/>
+                                      </p:to>
+                                    </p:set>
+                                    <p:animEffect transition="in" filter="wipe(up)">
+                                      <p:cBhvr>
+                                        <p:cTn id="26" dur="500"/>
+                                        <p:tgtEl>
+                                          <p:spTgt spid="24"/>
+                                        </p:tgtEl>
+                                      </p:cBhvr>
+                                    </p:animEffect>
+                                  </p:childTnLst>
+                                </p:cTn>
+                              </p:par>
+                            </p:childTnLst>
+                          </p:cTn>
+                        </p:par>
+                      </p:childTnLst>
+                    </p:cTn>
+                  </p:par>
+                  <p:par>
+                    <p:cTn id="27" fill="hold">
+                      <p:stCondLst>
+                        <p:cond delay="indefinite"/>
+                      </p:stCondLst>
+                      <p:childTnLst>
+                        <p:par>
+                          <p:cTn id="28" fill="hold">
+                            <p:stCondLst>
+                              <p:cond delay="0"/>
+                            </p:stCondLst>
+                            <p:childTnLst>
+                              <p:par>
+                                <p:cTn id="29" presetID="22" presetClass="entr" presetSubtype="1" fill="hold" nodeType="clickEffect">
+                                  <p:stCondLst>
+                                    <p:cond delay="0"/>
+                                  </p:stCondLst>
+                                  <p:childTnLst>
+                                    <p:set>
+                                      <p:cBhvr>
+                                        <p:cTn id="30" dur="1" fill="hold">
+                                          <p:stCondLst>
+                                            <p:cond delay="0"/>
+                                          </p:stCondLst>
+                                        </p:cTn>
+                                        <p:tgtEl>
+                                          <p:spTgt spid="10">
+                                            <p:txEl>
+                                              <p:pRg st="4" end="4"/>
+                                            </p:txEl>
+                                          </p:spTgt>
+                                        </p:tgtEl>
+                                        <p:attrNameLst>
+                                          <p:attrName>style.visibility</p:attrName>
+                                        </p:attrNameLst>
+                                      </p:cBhvr>
+                                      <p:to>
+                                        <p:strVal val="visible"/>
+                                      </p:to>
+                                    </p:set>
+                                    <p:animEffect transition="in" filter="wipe(up)">
+                                      <p:cBhvr>
+                                        <p:cTn id="31" dur="500"/>
+                                        <p:tgtEl>
+                                          <p:spTgt spid="10">
+                                            <p:txEl>
+                                              <p:pRg st="4" end="4"/>
+                                            </p:txEl>
+                                          </p:spTgt>
+                                        </p:tgtEl>
+                                      </p:cBhvr>
+                                    </p:animEffect>
+                                  </p:childTnLst>
+                                </p:cTn>
+                              </p:par>
+                              <p:par>
+                                <p:cTn id="32" presetID="22" presetClass="entr" presetSubtype="1" fill="hold" nodeType="withEffect">
+                                  <p:stCondLst>
+                                    <p:cond delay="0"/>
+                                  </p:stCondLst>
+                                  <p:childTnLst>
+                                    <p:set>
+                                      <p:cBhvr>
+                                        <p:cTn id="33" dur="1" fill="hold">
+                                          <p:stCondLst>
+                                            <p:cond delay="0"/>
+                                          </p:stCondLst>
+                                        </p:cTn>
+                                        <p:tgtEl>
+                                          <p:spTgt spid="10">
+                                            <p:txEl>
+                                              <p:pRg st="5" end="5"/>
+                                            </p:txEl>
+                                          </p:spTgt>
+                                        </p:tgtEl>
+                                        <p:attrNameLst>
+                                          <p:attrName>style.visibility</p:attrName>
+                                        </p:attrNameLst>
+                                      </p:cBhvr>
+                                      <p:to>
+                                        <p:strVal val="visible"/>
+                                      </p:to>
+                                    </p:set>
+                                    <p:animEffect transition="in" filter="wipe(up)">
+                                      <p:cBhvr>
+                                        <p:cTn id="34" dur="500"/>
+                                        <p:tgtEl>
+                                          <p:spTgt spid="10">
+                                            <p:txEl>
+                                              <p:pRg st="5" end="5"/>
+                                            </p:txEl>
+                                          </p:spTgt>
+                                        </p:tgtEl>
+                                      </p:cBhvr>
+                                    </p:animEffect>
+                                  </p:childTnLst>
+                                </p:cTn>
+                              </p:par>
+                            </p:childTnLst>
+                          </p:cTn>
+                        </p:par>
+                        <p:par>
+                          <p:cTn id="35" fill="hold">
+                            <p:stCondLst>
+                              <p:cond delay="500"/>
+                            </p:stCondLst>
+                            <p:childTnLst>
+                              <p:par>
+                                <p:cTn id="36" presetID="22" presetClass="exit" presetSubtype="8" fill="hold" grpId="1" nodeType="afterEffect">
+                                  <p:stCondLst>
+                                    <p:cond delay="0"/>
+                                  </p:stCondLst>
+                                  <p:childTnLst>
+                                    <p:animEffect transition="out" filter="wipe(left)">
+                                      <p:cBhvr>
+                                        <p:cTn id="37" dur="500"/>
+                                        <p:tgtEl>
+                                          <p:spTgt spid="29"/>
+                                        </p:tgtEl>
+                                      </p:cBhvr>
+                                    </p:animEffect>
+                                    <p:set>
+                                      <p:cBhvr>
+                                        <p:cTn id="38" dur="1" fill="hold">
+                                          <p:stCondLst>
+                                            <p:cond delay="499"/>
+                                          </p:stCondLst>
+                                        </p:cTn>
+                                        <p:tgtEl>
+                                          <p:spTgt spid="29"/>
+                                        </p:tgtEl>
+                                        <p:attrNameLst>
+                                          <p:attrName>style.visibility</p:attrName>
+                                        </p:attrNameLst>
+                                      </p:cBhvr>
+                                      <p:to>
+                                        <p:strVal val="hidden"/>
+                                      </p:to>
+                                    </p:set>
+                                  </p:childTnLst>
+                                </p:cTn>
+                              </p:par>
+                              <p:par>
+                                <p:cTn id="39" presetID="22" presetClass="exit" presetSubtype="8" fill="hold" grpId="1" nodeType="withEffect">
+                                  <p:stCondLst>
+                                    <p:cond delay="0"/>
+                                  </p:stCondLst>
+                                  <p:childTnLst>
+                                    <p:animEffect transition="out" filter="wipe(left)">
+                                      <p:cBhvr>
+                                        <p:cTn id="40" dur="500"/>
+                                        <p:tgtEl>
+                                          <p:spTgt spid="24"/>
+                                        </p:tgtEl>
+                                      </p:cBhvr>
+                                    </p:animEffect>
+                                    <p:set>
+                                      <p:cBhvr>
+                                        <p:cTn id="41" dur="1" fill="hold">
+                                          <p:stCondLst>
+                                            <p:cond delay="499"/>
+                                          </p:stCondLst>
+                                        </p:cTn>
+                                        <p:tgtEl>
+                                          <p:spTgt spid="24"/>
+                                        </p:tgtEl>
+                                        <p:attrNameLst>
+                                          <p:attrName>style.visibility</p:attrName>
+                                        </p:attrNameLst>
+                                      </p:cBhvr>
+                                      <p:to>
+                                        <p:strVal val="hidden"/>
+                                      </p:to>
+                                    </p:set>
+                                  </p:childTnLst>
+                                </p:cTn>
+                              </p:par>
+                              <p:par>
+                                <p:cTn id="42" presetID="22" presetClass="exit" presetSubtype="8" fill="hold" grpId="0" nodeType="withEffect">
+                                  <p:stCondLst>
+                                    <p:cond delay="0"/>
+                                  </p:stCondLst>
+                                  <p:childTnLst>
+                                    <p:animEffect transition="out" filter="wipe(left)">
+                                      <p:cBhvr>
+                                        <p:cTn id="43" dur="500"/>
+                                        <p:tgtEl>
+                                          <p:spTgt spid="18"/>
+                                        </p:tgtEl>
+                                      </p:cBhvr>
+                                    </p:animEffect>
+                                    <p:set>
+                                      <p:cBhvr>
+                                        <p:cTn id="44" dur="1" fill="hold">
+                                          <p:stCondLst>
+                                            <p:cond delay="499"/>
+                                          </p:stCondLst>
+                                        </p:cTn>
+                                        <p:tgtEl>
+                                          <p:spTgt spid="18"/>
+                                        </p:tgtEl>
+                                        <p:attrNameLst>
+                                          <p:attrName>style.visibility</p:attrName>
+                                        </p:attrNameLst>
+                                      </p:cBhvr>
+                                      <p:to>
+                                        <p:strVal val="hidden"/>
+                                      </p:to>
+                                    </p:set>
+                                  </p:childTnLst>
+                                </p:cTn>
+                              </p:par>
+                              <p:par>
+                                <p:cTn id="45" presetID="22" presetClass="exit" presetSubtype="8" fill="hold" grpId="0" nodeType="withEffect">
+                                  <p:stCondLst>
+                                    <p:cond delay="0"/>
+                                  </p:stCondLst>
+                                  <p:childTnLst>
+                                    <p:animEffect transition="out" filter="wipe(left)">
+                                      <p:cBhvr>
+                                        <p:cTn id="46" dur="500"/>
+                                        <p:tgtEl>
+                                          <p:spTgt spid="28"/>
+                                        </p:tgtEl>
+                                      </p:cBhvr>
+                                    </p:animEffect>
+                                    <p:set>
+                                      <p:cBhvr>
+                                        <p:cTn id="47" dur="1" fill="hold">
+                                          <p:stCondLst>
+                                            <p:cond delay="499"/>
+                                          </p:stCondLst>
+                                        </p:cTn>
+                                        <p:tgtEl>
+                                          <p:spTgt spid="28"/>
+                                        </p:tgtEl>
+                                        <p:attrNameLst>
+                                          <p:attrName>style.visibility</p:attrName>
+                                        </p:attrNameLst>
+                                      </p:cBhvr>
+                                      <p:to>
+                                        <p:strVal val="hidden"/>
+                                      </p:to>
+                                    </p:set>
+                                  </p:childTnLst>
+                                </p:cTn>
+                              </p:par>
+                              <p:par>
+                                <p:cTn id="48" presetID="10" presetClass="exit" presetSubtype="0" fill="hold" grpId="0" nodeType="withEffect">
+                                  <p:stCondLst>
+                                    <p:cond delay="0"/>
+                                  </p:stCondLst>
+                                  <p:childTnLst>
+                                    <p:animEffect transition="out" filter="fade">
+                                      <p:cBhvr>
+                                        <p:cTn id="49" dur="500"/>
+                                        <p:tgtEl>
+                                          <p:spTgt spid="17"/>
+                                        </p:tgtEl>
+                                      </p:cBhvr>
+                                    </p:animEffect>
+                                    <p:set>
+                                      <p:cBhvr>
+                                        <p:cTn id="50" dur="1" fill="hold">
+                                          <p:stCondLst>
+                                            <p:cond delay="499"/>
+                                          </p:stCondLst>
+                                        </p:cTn>
+                                        <p:tgtEl>
+                                          <p:spTgt spid="17"/>
+                                        </p:tgtEl>
+                                        <p:attrNameLst>
+                                          <p:attrName>style.visibility</p:attrName>
+                                        </p:attrNameLst>
+                                      </p:cBhvr>
+                                      <p:to>
+                                        <p:strVal val="hidden"/>
+                                      </p:to>
+                                    </p:set>
+                                  </p:childTnLst>
+                                </p:cTn>
+                              </p:par>
+                              <p:par>
+                                <p:cTn id="51" presetID="10" presetClass="exit" presetSubtype="0" fill="hold" grpId="0" nodeType="withEffect">
+                                  <p:stCondLst>
+                                    <p:cond delay="0"/>
+                                  </p:stCondLst>
+                                  <p:childTnLst>
+                                    <p:animEffect transition="out" filter="fade">
+                                      <p:cBhvr>
+                                        <p:cTn id="52" dur="500"/>
+                                        <p:tgtEl>
+                                          <p:spTgt spid="32"/>
+                                        </p:tgtEl>
+                                      </p:cBhvr>
+                                    </p:animEffect>
+                                    <p:set>
+                                      <p:cBhvr>
+                                        <p:cTn id="53" dur="1" fill="hold">
+                                          <p:stCondLst>
+                                            <p:cond delay="499"/>
+                                          </p:stCondLst>
+                                        </p:cTn>
+                                        <p:tgtEl>
+                                          <p:spTgt spid="32"/>
+                                        </p:tgtEl>
+                                        <p:attrNameLst>
+                                          <p:attrName>style.visibility</p:attrName>
+                                        </p:attrNameLst>
+                                      </p:cBhvr>
+                                      <p:to>
+                                        <p:strVal val="hidden"/>
+                                      </p:to>
+                                    </p:set>
+                                  </p:childTnLst>
+                                </p:cTn>
+                              </p:par>
+                            </p:childTnLst>
+                          </p:cTn>
+                        </p:par>
+                      </p:childTnLst>
+                    </p:cTn>
+                  </p:par>
+                  <p:par>
+                    <p:cTn id="54" fill="hold">
+                      <p:stCondLst>
+                        <p:cond delay="indefinite"/>
+                      </p:stCondLst>
+                      <p:childTnLst>
+                        <p:par>
+                          <p:cTn id="55" fill="hold">
+                            <p:stCondLst>
+                              <p:cond delay="0"/>
+                            </p:stCondLst>
+                            <p:childTnLst>
+                              <p:par>
+                                <p:cTn id="56" presetID="22" presetClass="entr" presetSubtype="8" fill="hold" grpId="0" nodeType="clickEffect">
+                                  <p:stCondLst>
+                                    <p:cond delay="0"/>
+                                  </p:stCondLst>
+                                  <p:childTnLst>
+                                    <p:set>
+                                      <p:cBhvr>
+                                        <p:cTn id="57" dur="1" fill="hold">
+                                          <p:stCondLst>
+                                            <p:cond delay="0"/>
+                                          </p:stCondLst>
+                                        </p:cTn>
+                                        <p:tgtEl>
+                                          <p:spTgt spid="35"/>
+                                        </p:tgtEl>
+                                        <p:attrNameLst>
+                                          <p:attrName>style.visibility</p:attrName>
+                                        </p:attrNameLst>
+                                      </p:cBhvr>
+                                      <p:to>
+                                        <p:strVal val="visible"/>
+                                      </p:to>
+                                    </p:set>
+                                    <p:animEffect transition="in" filter="wipe(left)">
+                                      <p:cBhvr>
+                                        <p:cTn id="58" dur="500"/>
+                                        <p:tgtEl>
+                                          <p:spTgt spid="35"/>
+                                        </p:tgtEl>
+                                      </p:cBhvr>
+                                    </p:animEffect>
+                                  </p:childTnLst>
+                                </p:cTn>
+                              </p:par>
+                              <p:par>
+                                <p:cTn id="59" presetID="22" presetClass="entr" presetSubtype="8" fill="hold" grpId="0" nodeType="withEffect">
+                                  <p:stCondLst>
+                                    <p:cond delay="0"/>
+                                  </p:stCondLst>
+                                  <p:childTnLst>
+                                    <p:set>
+                                      <p:cBhvr>
+                                        <p:cTn id="60" dur="1" fill="hold">
+                                          <p:stCondLst>
+                                            <p:cond delay="0"/>
+                                          </p:stCondLst>
+                                        </p:cTn>
+                                        <p:tgtEl>
+                                          <p:spTgt spid="34"/>
+                                        </p:tgtEl>
+                                        <p:attrNameLst>
+                                          <p:attrName>style.visibility</p:attrName>
+                                        </p:attrNameLst>
+                                      </p:cBhvr>
+                                      <p:to>
+                                        <p:strVal val="visible"/>
+                                      </p:to>
+                                    </p:set>
+                                    <p:animEffect transition="in" filter="wipe(left)">
+                                      <p:cBhvr>
+                                        <p:cTn id="61" dur="500"/>
+                                        <p:tgtEl>
+                                          <p:spTgt spid="34"/>
+                                        </p:tgtEl>
+                                      </p:cBhvr>
+                                    </p:animEffect>
+                                  </p:childTnLst>
+                                </p:cTn>
+                              </p:par>
+                            </p:childTnLst>
+                          </p:cTn>
+                        </p:par>
+                      </p:childTnLst>
+                    </p:cTn>
+                  </p:par>
+                  <p:par>
+                    <p:cTn id="62" fill="hold">
+                      <p:stCondLst>
+                        <p:cond delay="indefinite"/>
+                      </p:stCondLst>
+                      <p:childTnLst>
+                        <p:par>
+                          <p:cTn id="63" fill="hold">
+                            <p:stCondLst>
+                              <p:cond delay="0"/>
+                            </p:stCondLst>
+                            <p:childTnLst>
+                              <p:par>
+                                <p:cTn id="64" presetID="22" presetClass="entr" presetSubtype="2" fill="hold" grpId="0" nodeType="clickEffect">
+                                  <p:stCondLst>
+                                    <p:cond delay="0"/>
+                                  </p:stCondLst>
+                                  <p:childTnLst>
+                                    <p:set>
+                                      <p:cBhvr>
+                                        <p:cTn id="65" dur="1" fill="hold">
+                                          <p:stCondLst>
+                                            <p:cond delay="0"/>
+                                          </p:stCondLst>
+                                        </p:cTn>
+                                        <p:tgtEl>
+                                          <p:spTgt spid="3"/>
+                                        </p:tgtEl>
+                                        <p:attrNameLst>
+                                          <p:attrName>style.visibility</p:attrName>
+                                        </p:attrNameLst>
+                                      </p:cBhvr>
+                                      <p:to>
+                                        <p:strVal val="visible"/>
+                                      </p:to>
+                                    </p:set>
+                                    <p:animEffect transition="in" filter="wipe(right)">
+                                      <p:cBhvr>
+                                        <p:cTn id="66" dur="500"/>
+                                        <p:tgtEl>
+                                          <p:spTgt spid="3"/>
+                                        </p:tgtEl>
+                                      </p:cBhvr>
+                                    </p:animEffect>
+                                  </p:childTnLst>
+                                </p:cTn>
+                              </p:par>
+                              <p:par>
+                                <p:cTn id="67" presetID="22" presetClass="entr" presetSubtype="2" fill="hold" grpId="0" nodeType="withEffect">
+                                  <p:stCondLst>
+                                    <p:cond delay="0"/>
+                                  </p:stCondLst>
+                                  <p:childTnLst>
+                                    <p:set>
+                                      <p:cBhvr>
+                                        <p:cTn id="68" dur="1" fill="hold">
+                                          <p:stCondLst>
+                                            <p:cond delay="0"/>
+                                          </p:stCondLst>
+                                        </p:cTn>
+                                        <p:tgtEl>
+                                          <p:spTgt spid="33"/>
+                                        </p:tgtEl>
+                                        <p:attrNameLst>
+                                          <p:attrName>style.visibility</p:attrName>
+                                        </p:attrNameLst>
+                                      </p:cBhvr>
+                                      <p:to>
+                                        <p:strVal val="visible"/>
+                                      </p:to>
+                                    </p:set>
+                                    <p:animEffect transition="in" filter="wipe(right)">
+                                      <p:cBhvr>
+                                        <p:cTn id="69" dur="500"/>
+                                        <p:tgtEl>
+                                          <p:spTgt spid="33"/>
+                                        </p:tgtEl>
+                                      </p:cBhvr>
+                                    </p:animEffect>
+                                  </p:childTnLst>
+                                </p:cTn>
+                              </p:par>
+                            </p:childTnLst>
+                          </p:cTn>
+                        </p:par>
+                      </p:childTnLst>
+                    </p:cTn>
+                  </p:par>
+                </p:childTnLst>
+              </p:cTn>
+              <p:prevCondLst>
+                <p:cond evt="onPrev" delay="0">
+                  <p:tgtEl>
+                    <p:sldTgt/>
+                  </p:tgtEl>
+                </p:cond>
+              </p:prevCondLst>
+              <p:nextCondLst>
+                <p:cond evt="onNext" delay="0">
+                  <p:tgtEl>
+                    <p:sldTgt/>
+                  </p:tgtEl>
+                </p:cond>
+              </p:nextCondLst>
+            </p:seq>
+          </p:childTnLst>
+        </p:cTn>
       </p:par>
     </p:tnLst>
+    <p:bldLst>
+      <p:bldP spid="8" grpId="0" animBg="1"/>
+      <p:bldP spid="29" grpId="0" animBg="1"/>
+      <p:bldP spid="29" grpId="1" animBg="1"/>
+      <p:bldP spid="18" grpId="0" animBg="1"/>
+      <p:bldP spid="28" grpId="0" animBg="1"/>
+      <p:bldP spid="32" grpId="0" animBg="1"/>
+      <p:bldP spid="24" grpId="0" animBg="1"/>
+      <p:bldP spid="24" grpId="1" animBg="1"/>
+      <p:bldP spid="17" grpId="0" animBg="1"/>
+      <p:bldP spid="3" grpId="0"/>
+      <p:bldP spid="33" grpId="0"/>
+      <p:bldP spid="34" grpId="0"/>
+      <p:bldP spid="35" grpId="0"/>
+    </p:bldLst>
   </p:timing>
 </p:sld>
 </file>

--- a/chalice2sil/doc/presentation/chalice2sil-presentation.pptx
+++ b/chalice2sil/doc/presentation/chalice2sil-presentation.pptx
@@ -9690,7 +9690,21 @@
                 <a:latin typeface="Consolas" pitchFamily="49" charset="0"/>
                 <a:cs typeface="Consolas" pitchFamily="49" charset="0"/>
               </a:rPr>
-              <a:t>	requires acc(this.C::f, method_k)</a:t>
+              <a:t>requires 0 </a:t>
+            </a:r>
+            <a:r>
+              <a:rPr lang="de-CH" sz="1800" spc="-150" dirty="0">
+                <a:latin typeface="Consolas" pitchFamily="49" charset="0"/>
+                <a:cs typeface="Consolas" pitchFamily="49" charset="0"/>
+              </a:rPr>
+              <a:t>&lt; k &amp;&amp; k &lt; </a:t>
+            </a:r>
+            <a:r>
+              <a:rPr lang="de-CH" sz="1800" spc="-150" dirty="0" smtClean="0">
+                <a:latin typeface="Consolas" pitchFamily="49" charset="0"/>
+                <a:cs typeface="Consolas" pitchFamily="49" charset="0"/>
+              </a:rPr>
+              <a:t>write 	</a:t>
             </a:r>
           </a:p>
           <a:p>
@@ -9702,10 +9716,13 @@
                 <a:tab pos="1612900" algn="l"/>
               </a:tabLst>
             </a:pPr>
-            <a:endParaRPr lang="de-CH" sz="1800" spc="-150" dirty="0">
-              <a:latin typeface="Consolas" pitchFamily="49" charset="0"/>
-              <a:cs typeface="Consolas" pitchFamily="49" charset="0"/>
-            </a:endParaRPr>
+            <a:r>
+              <a:rPr lang="de-CH" sz="1800" spc="-150" dirty="0" smtClean="0">
+                <a:latin typeface="Consolas" pitchFamily="49" charset="0"/>
+                <a:cs typeface="Consolas" pitchFamily="49" charset="0"/>
+              </a:rPr>
+              <a:t>requires acc(this.C::f, method_k)</a:t>
+            </a:r>
           </a:p>
           <a:p>
             <a:pPr marL="0" indent="0">
@@ -9899,7 +9916,7 @@
                 <a:latin typeface="Consolas" pitchFamily="49" charset="0"/>
                 <a:cs typeface="Consolas" pitchFamily="49" charset="0"/>
               </a:rPr>
-              <a:t>inhale 0 &lt; k &amp;&amp; 1000*k &lt; method_k;</a:t>
+              <a:t>inhale 0 &lt; k &amp;&amp; k &lt; method_k;</a:t>
             </a:r>
             <a:endParaRPr lang="de-CH" sz="1800" spc="-150" dirty="0" smtClean="0">
               <a:latin typeface="Consolas" pitchFamily="49" charset="0"/>
@@ -10708,6 +10725,49 @@
                                   </p:childTnLst>
                                 </p:cTn>
                               </p:par>
+                              <p:par>
+                                <p:cTn id="11" presetID="22" presetClass="entr" presetSubtype="1" fill="hold" nodeType="withEffect">
+                                  <p:stCondLst>
+                                    <p:cond delay="0"/>
+                                  </p:stCondLst>
+                                  <p:childTnLst>
+                                    <p:set>
+                                      <p:cBhvr>
+                                        <p:cTn id="12" dur="1" fill="hold">
+                                          <p:stCondLst>
+                                            <p:cond delay="0"/>
+                                          </p:stCondLst>
+                                        </p:cTn>
+                                        <p:tgtEl>
+                                          <p:spTgt spid="7">
+                                            <p:txEl>
+                                              <p:pRg st="1" end="1"/>
+                                            </p:txEl>
+                                          </p:spTgt>
+                                        </p:tgtEl>
+                                        <p:attrNameLst>
+                                          <p:attrName>style.visibility</p:attrName>
+                                        </p:attrNameLst>
+                                      </p:cBhvr>
+                                      <p:to>
+                                        <p:strVal val="visible"/>
+                                      </p:to>
+                                    </p:set>
+                                    <p:animEffect transition="in" filter="wipe(up)">
+                                      <p:cBhvr>
+                                        <p:cTn id="13" dur="500"/>
+                                        <p:tgtEl>
+                                          <p:spTgt spid="7">
+                                            <p:txEl>
+                                              <p:pRg st="1" end="1"/>
+                                            </p:txEl>
+                                          </p:spTgt>
+                                        </p:tgtEl>
+                                      </p:cBhvr>
+                                    </p:animEffect>
+                                  </p:childTnLst>
+                                </p:cTn>
+                              </p:par>
                             </p:childTnLst>
                           </p:cTn>
                         </p:par>
@@ -10715,26 +10775,26 @@
                     </p:cTn>
                   </p:par>
                   <p:par>
-                    <p:cTn id="11" fill="hold">
+                    <p:cTn id="14" fill="hold">
                       <p:stCondLst>
                         <p:cond delay="indefinite"/>
                       </p:stCondLst>
                       <p:childTnLst>
                         <p:par>
-                          <p:cTn id="12" fill="hold">
+                          <p:cTn id="15" fill="hold">
                             <p:stCondLst>
                               <p:cond delay="0"/>
                             </p:stCondLst>
                             <p:childTnLst>
                               <p:par>
-                                <p:cTn id="13" presetID="22" presetClass="entr" presetSubtype="1" fill="hold" nodeType="clickEffect">
+                                <p:cTn id="16" presetID="22" presetClass="entr" presetSubtype="1" fill="hold" nodeType="clickEffect">
                                   <p:stCondLst>
                                     <p:cond delay="0"/>
                                   </p:stCondLst>
                                   <p:childTnLst>
                                     <p:set>
                                       <p:cBhvr>
-                                        <p:cTn id="14" dur="1" fill="hold">
+                                        <p:cTn id="17" dur="1" fill="hold">
                                           <p:stCondLst>
                                             <p:cond delay="0"/>
                                           </p:stCondLst>
@@ -10756,7 +10816,7 @@
                                     </p:set>
                                     <p:animEffect transition="in" filter="wipe(up)">
                                       <p:cBhvr>
-                                        <p:cTn id="15" dur="500"/>
+                                        <p:cTn id="18" dur="500"/>
                                         <p:tgtEl>
                                           <p:spTgt spid="3">
                                             <p:txEl>
@@ -10770,14 +10830,14 @@
                                 </p:cTn>
                               </p:par>
                               <p:par>
-                                <p:cTn id="16" presetID="22" presetClass="entr" presetSubtype="1" fill="hold" nodeType="withEffect">
+                                <p:cTn id="19" presetID="22" presetClass="entr" presetSubtype="1" fill="hold" nodeType="withEffect">
                                   <p:stCondLst>
                                     <p:cond delay="0"/>
                                   </p:stCondLst>
                                   <p:childTnLst>
                                     <p:set>
                                       <p:cBhvr>
-                                        <p:cTn id="17" dur="1" fill="hold">
+                                        <p:cTn id="20" dur="1" fill="hold">
                                           <p:stCondLst>
                                             <p:cond delay="0"/>
                                           </p:stCondLst>
@@ -10785,7 +10845,7 @@
                                         <p:tgtEl>
                                           <p:spTgt spid="7">
                                             <p:txEl>
-                                              <p:pRg st="1" end="1"/>
+                                              <p:pRg st="2" end="2"/>
                                             </p:txEl>
                                           </p:spTgt>
                                         </p:tgtEl>
@@ -10799,11 +10859,11 @@
                                     </p:set>
                                     <p:animEffect transition="in" filter="wipe(up)">
                                       <p:cBhvr>
-                                        <p:cTn id="18" dur="500"/>
+                                        <p:cTn id="21" dur="500"/>
                                         <p:tgtEl>
                                           <p:spTgt spid="7">
                                             <p:txEl>
-                                              <p:pRg st="1" end="1"/>
+                                              <p:pRg st="2" end="2"/>
                                             </p:txEl>
                                           </p:spTgt>
                                         </p:tgtEl>
@@ -10813,14 +10873,14 @@
                                 </p:cTn>
                               </p:par>
                               <p:par>
-                                <p:cTn id="19" presetID="22" presetClass="entr" presetSubtype="1" fill="hold" grpId="0" nodeType="withEffect">
+                                <p:cTn id="22" presetID="22" presetClass="entr" presetSubtype="1" fill="hold" grpId="0" nodeType="withEffect">
                                   <p:stCondLst>
                                     <p:cond delay="0"/>
                                   </p:stCondLst>
                                   <p:childTnLst>
                                     <p:set>
                                       <p:cBhvr>
-                                        <p:cTn id="20" dur="1" fill="hold">
+                                        <p:cTn id="23" dur="1" fill="hold">
                                           <p:stCondLst>
                                             <p:cond delay="0"/>
                                           </p:stCondLst>
@@ -10838,7 +10898,7 @@
                                     </p:set>
                                     <p:animEffect transition="in" filter="wipe(up)">
                                       <p:cBhvr>
-                                        <p:cTn id="21" dur="500"/>
+                                        <p:cTn id="24" dur="500"/>
                                         <p:tgtEl>
                                           <p:spTgt spid="9"/>
                                         </p:tgtEl>
@@ -10854,26 +10914,26 @@
                     </p:cTn>
                   </p:par>
                   <p:par>
-                    <p:cTn id="22" fill="hold">
+                    <p:cTn id="25" fill="hold">
                       <p:stCondLst>
                         <p:cond delay="indefinite"/>
                       </p:stCondLst>
                       <p:childTnLst>
                         <p:par>
-                          <p:cTn id="23" fill="hold">
+                          <p:cTn id="26" fill="hold">
                             <p:stCondLst>
                               <p:cond delay="0"/>
                             </p:stCondLst>
                             <p:childTnLst>
                               <p:par>
-                                <p:cTn id="24" presetID="22" presetClass="entr" presetSubtype="1" fill="hold" nodeType="clickEffect">
+                                <p:cTn id="27" presetID="22" presetClass="entr" presetSubtype="1" fill="hold" nodeType="clickEffect">
                                   <p:stCondLst>
                                     <p:cond delay="0"/>
                                   </p:stCondLst>
                                   <p:childTnLst>
                                     <p:set>
                                       <p:cBhvr>
-                                        <p:cTn id="25" dur="1" fill="hold">
+                                        <p:cTn id="28" dur="1" fill="hold">
                                           <p:stCondLst>
                                             <p:cond delay="0"/>
                                           </p:stCondLst>
@@ -10895,7 +10955,7 @@
                                     </p:set>
                                     <p:animEffect transition="in" filter="wipe(up)">
                                       <p:cBhvr>
-                                        <p:cTn id="26" dur="500"/>
+                                        <p:cTn id="29" dur="500"/>
                                         <p:tgtEl>
                                           <p:spTgt spid="3">
                                             <p:txEl>
@@ -10909,14 +10969,14 @@
                                 </p:cTn>
                               </p:par>
                               <p:par>
-                                <p:cTn id="27" presetID="22" presetClass="entr" presetSubtype="1" fill="hold" grpId="0" nodeType="withEffect">
+                                <p:cTn id="30" presetID="22" presetClass="entr" presetSubtype="1" fill="hold" grpId="0" nodeType="withEffect">
                                   <p:stCondLst>
                                     <p:cond delay="0"/>
                                   </p:stCondLst>
                                   <p:childTnLst>
                                     <p:set>
                                       <p:cBhvr>
-                                        <p:cTn id="28" dur="1" fill="hold">
+                                        <p:cTn id="31" dur="1" fill="hold">
                                           <p:stCondLst>
                                             <p:cond delay="0"/>
                                           </p:stCondLst>
@@ -10934,7 +10994,7 @@
                                     </p:set>
                                     <p:animEffect transition="in" filter="wipe(up)">
                                       <p:cBhvr>
-                                        <p:cTn id="29" dur="500"/>
+                                        <p:cTn id="32" dur="500"/>
                                         <p:tgtEl>
                                           <p:spTgt spid="10"/>
                                         </p:tgtEl>
@@ -10950,26 +11010,26 @@
                     </p:cTn>
                   </p:par>
                   <p:par>
-                    <p:cTn id="30" fill="hold">
+                    <p:cTn id="33" fill="hold">
                       <p:stCondLst>
                         <p:cond delay="indefinite"/>
                       </p:stCondLst>
                       <p:childTnLst>
                         <p:par>
-                          <p:cTn id="31" fill="hold">
+                          <p:cTn id="34" fill="hold">
                             <p:stCondLst>
                               <p:cond delay="0"/>
                             </p:stCondLst>
                             <p:childTnLst>
                               <p:par>
-                                <p:cTn id="32" presetID="22" presetClass="entr" presetSubtype="1" fill="hold" grpId="0" nodeType="clickEffect">
+                                <p:cTn id="35" presetID="22" presetClass="entr" presetSubtype="1" fill="hold" grpId="0" nodeType="clickEffect">
                                   <p:stCondLst>
                                     <p:cond delay="0"/>
                                   </p:stCondLst>
                                   <p:childTnLst>
                                     <p:set>
                                       <p:cBhvr>
-                                        <p:cTn id="33" dur="1" fill="hold">
+                                        <p:cTn id="36" dur="1" fill="hold">
                                           <p:stCondLst>
                                             <p:cond delay="0"/>
                                           </p:stCondLst>
@@ -10987,7 +11047,7 @@
                                     </p:set>
                                     <p:animEffect transition="in" filter="wipe(up)">
                                       <p:cBhvr>
-                                        <p:cTn id="34" dur="500"/>
+                                        <p:cTn id="37" dur="500"/>
                                         <p:tgtEl>
                                           <p:spTgt spid="16"/>
                                         </p:tgtEl>
@@ -10997,14 +11057,14 @@
                                 </p:cTn>
                               </p:par>
                               <p:par>
-                                <p:cTn id="35" presetID="22" presetClass="entr" presetSubtype="1" fill="hold" nodeType="withEffect">
+                                <p:cTn id="38" presetID="22" presetClass="entr" presetSubtype="1" fill="hold" nodeType="withEffect">
                                   <p:stCondLst>
                                     <p:cond delay="0"/>
                                   </p:stCondLst>
                                   <p:childTnLst>
                                     <p:set>
                                       <p:cBhvr>
-                                        <p:cTn id="36" dur="1" fill="hold">
+                                        <p:cTn id="39" dur="1" fill="hold">
                                           <p:stCondLst>
                                             <p:cond delay="0"/>
                                           </p:stCondLst>
@@ -11026,7 +11086,7 @@
                                     </p:set>
                                     <p:animEffect transition="in" filter="wipe(up)">
                                       <p:cBhvr>
-                                        <p:cTn id="37" dur="500"/>
+                                        <p:cTn id="40" dur="500"/>
                                         <p:tgtEl>
                                           <p:spTgt spid="3">
                                             <p:txEl>
@@ -11046,26 +11106,26 @@
                     </p:cTn>
                   </p:par>
                   <p:par>
-                    <p:cTn id="38" fill="hold">
+                    <p:cTn id="41" fill="hold">
                       <p:stCondLst>
                         <p:cond delay="indefinite"/>
                       </p:stCondLst>
                       <p:childTnLst>
                         <p:par>
-                          <p:cTn id="39" fill="hold">
+                          <p:cTn id="42" fill="hold">
                             <p:stCondLst>
                               <p:cond delay="0"/>
                             </p:stCondLst>
                             <p:childTnLst>
                               <p:par>
-                                <p:cTn id="40" presetID="22" presetClass="entr" presetSubtype="1" fill="hold" grpId="0" nodeType="clickEffect">
+                                <p:cTn id="43" presetID="22" presetClass="entr" presetSubtype="1" fill="hold" grpId="0" nodeType="clickEffect">
                                   <p:stCondLst>
                                     <p:cond delay="0"/>
                                   </p:stCondLst>
                                   <p:childTnLst>
                                     <p:set>
                                       <p:cBhvr>
-                                        <p:cTn id="41" dur="1" fill="hold">
+                                        <p:cTn id="44" dur="1" fill="hold">
                                           <p:stCondLst>
                                             <p:cond delay="0"/>
                                           </p:stCondLst>
@@ -11083,7 +11143,7 @@
                                     </p:set>
                                     <p:animEffect transition="in" filter="wipe(up)">
                                       <p:cBhvr>
-                                        <p:cTn id="42" dur="500"/>
+                                        <p:cTn id="45" dur="500"/>
                                         <p:tgtEl>
                                           <p:spTgt spid="11"/>
                                         </p:tgtEl>
@@ -15138,7 +15198,7 @@
               <a:buNone/>
             </a:pPr>
             <a:r>
-              <a:rPr lang="de-CH" dirty="0" smtClean="0"/>
+              <a:rPr lang="en-GB" dirty="0" smtClean="0"/>
               <a:t>Translate from Chalice </a:t>
             </a:r>
           </a:p>
@@ -15150,12 +15210,8 @@
               </a:tabLst>
             </a:pPr>
             <a:r>
-              <a:rPr lang="de-CH" dirty="0"/>
-              <a:t>	</a:t>
-            </a:r>
-            <a:r>
-              <a:rPr lang="de-CH" dirty="0" smtClean="0"/>
-              <a:t>to Semper Intermediate Language</a:t>
+              <a:rPr lang="en-GB" dirty="0" smtClean="0"/>
+              <a:t>	to Semper Intermediate Language</a:t>
             </a:r>
           </a:p>
           <a:p>
@@ -15165,7 +15221,7 @@
               </a:tabLst>
             </a:pPr>
             <a:r>
-              <a:rPr lang="de-CH" dirty="0" smtClean="0"/>
+              <a:rPr lang="en-GB" dirty="0" smtClean="0"/>
               <a:t>Chalice</a:t>
             </a:r>
           </a:p>
@@ -15176,8 +15232,8 @@
               </a:tabLst>
             </a:pPr>
             <a:r>
-              <a:rPr lang="de-CH" dirty="0" smtClean="0"/>
-              <a:t>relatively feature-rich</a:t>
+              <a:rPr lang="en-GB" dirty="0" smtClean="0"/>
+              <a:t>verification of concurrent programs</a:t>
             </a:r>
           </a:p>
           <a:p>
@@ -15187,18 +15243,40 @@
               </a:tabLst>
             </a:pPr>
             <a:r>
-              <a:rPr lang="de-CH" dirty="0" smtClean="0"/>
-              <a:t>major influence on design of SIL</a:t>
-            </a:r>
-          </a:p>
-          <a:p>
-            <a:pPr marL="457200" lvl="1" indent="0">
-              <a:buNone/>
+              <a:rPr lang="en-GB" dirty="0" smtClean="0"/>
+              <a:t>uses “permissions” to control access</a:t>
+            </a:r>
+          </a:p>
+          <a:p>
+            <a:pPr lvl="1">
               <a:tabLst>
                 <a:tab pos="7978775" algn="r"/>
               </a:tabLst>
             </a:pPr>
-            <a:endParaRPr lang="de-CH" dirty="0"/>
+            <a:r>
+              <a:rPr lang="en-GB" dirty="0" smtClean="0"/>
+              <a:t>relatively feature-rich</a:t>
+            </a:r>
+          </a:p>
+          <a:p>
+            <a:pPr lvl="1">
+              <a:tabLst>
+                <a:tab pos="7978775" algn="r"/>
+              </a:tabLst>
+            </a:pPr>
+            <a:r>
+              <a:rPr lang="en-GB" dirty="0" smtClean="0"/>
+              <a:t>major influence on design of SIL</a:t>
+            </a:r>
+          </a:p>
+          <a:p>
+            <a:pPr marL="457200" lvl="1" indent="0">
+              <a:buNone/>
+              <a:tabLst>
+                <a:tab pos="7978775" algn="r"/>
+              </a:tabLst>
+            </a:pPr>
+            <a:endParaRPr lang="en-GB" dirty="0"/>
           </a:p>
         </p:txBody>
       </p:sp>
@@ -21564,16 +21642,19 @@
           </a:p>
           <a:p>
             <a:r>
+              <a:rPr lang="de-CH" dirty="0"/>
+              <a:t>Aimed at </a:t>
+            </a:r>
+            <a:r>
+              <a:rPr lang="de-CH" dirty="0" smtClean="0"/>
+              <a:t>OO</a:t>
+            </a:r>
+          </a:p>
+          <a:p>
+            <a:r>
               <a:rPr lang="de-CH" dirty="0" smtClean="0"/>
               <a:t>High-level</a:t>
             </a:r>
-          </a:p>
-          <a:p>
-            <a:r>
-              <a:rPr lang="de-CH" dirty="0" smtClean="0"/>
-              <a:t>Aimed at OO</a:t>
-            </a:r>
-            <a:endParaRPr lang="de-CH" dirty="0"/>
           </a:p>
         </p:txBody>
       </p:sp>
@@ -21946,9 +22027,17 @@
           <a:p>
             <a:pPr lvl="1"/>
             <a:r>
-              <a:rPr lang="de-CH" sz="2800" dirty="0"/>
+              <a:rPr lang="de-CH" sz="2800" dirty="0" smtClean="0"/>
               <a:t>functions</a:t>
             </a:r>
+          </a:p>
+          <a:p>
+            <a:pPr lvl="1"/>
+            <a:r>
+              <a:rPr lang="de-CH" sz="2800" dirty="0" smtClean="0"/>
+              <a:t>axioms</a:t>
+            </a:r>
+            <a:endParaRPr lang="de-CH" sz="2800" dirty="0"/>
           </a:p>
           <a:p>
             <a:r>
